--- a/Presentation1.pptx
+++ b/Presentation1.pptx
@@ -5,10 +5,10 @@
     <p:sldMasterId id="2147483672" r:id="rId2"/>
   </p:sldMasterIdLst>
   <p:notesMasterIdLst>
-    <p:notesMasterId r:id="rId18"/>
+    <p:notesMasterId r:id="rId20"/>
   </p:notesMasterIdLst>
   <p:handoutMasterIdLst>
-    <p:handoutMasterId r:id="rId19"/>
+    <p:handoutMasterId r:id="rId21"/>
   </p:handoutMasterIdLst>
   <p:sldIdLst>
     <p:sldId id="270" r:id="rId3"/>
@@ -26,6 +26,8 @@
     <p:sldId id="282" r:id="rId15"/>
     <p:sldId id="284" r:id="rId16"/>
     <p:sldId id="283" r:id="rId17"/>
+    <p:sldId id="285" r:id="rId18"/>
+    <p:sldId id="286" r:id="rId19"/>
   </p:sldIdLst>
   <p:sldSz cx="12192000" cy="6858000"/>
   <p:notesSz cx="6858000" cy="9144000"/>
@@ -126,10 +128,10 @@
   </p:defaultTextStyle>
   <p:extLst>
     <p:ext uri="{EFAFB233-063F-42B5-8137-9DF3F51BA10A}">
-      <p15:sldGuideLst xmlns:p15="http://schemas.microsoft.com/office/powerpoint/2012/main" xmlns=""/>
+      <p15:sldGuideLst xmlns="" xmlns:p15="http://schemas.microsoft.com/office/powerpoint/2012/main"/>
     </p:ext>
     <p:ext uri="{2D200454-40CA-4A62-9FC3-DE9A4176ACB9}">
-      <p15:notesGuideLst xmlns:p15="http://schemas.microsoft.com/office/powerpoint/2012/main" xmlns=""/>
+      <p15:notesGuideLst xmlns="" xmlns:p15="http://schemas.microsoft.com/office/powerpoint/2012/main"/>
     </p:ext>
   </p:extLst>
 </p:presentation>
@@ -217,7 +219,7 @@
           <a:p>
             <a:fld id="{65700FC0-9E7A-4C53-8A3B-3C3C9A736C42}" type="datetimeFigureOut">
               <a:rPr lang="en-US" smtClean="0"/>
-              <a:t>4/2/17</a:t>
+              <a:t>4/3/17</a:t>
             </a:fld>
             <a:endParaRPr lang="en-US"/>
           </a:p>
@@ -382,7 +384,7 @@
           <a:p>
             <a:fld id="{8AF122B6-E47E-4A80-A9F3-23FD10D674FE}" type="datetimeFigureOut">
               <a:rPr lang="en-US" smtClean="0"/>
-              <a:t>4/2/17</a:t>
+              <a:t>4/3/17</a:t>
             </a:fld>
             <a:endParaRPr lang="en-US"/>
           </a:p>
@@ -693,7 +695,7 @@
             <a:fld id="{349BF3EA-1A78-4F07-BDC0-C8A1BD461199}" type="datetimeFigureOut">
               <a:rPr lang="en-US" smtClean="0"/>
               <a:pPr/>
-              <a:t>4/2/17</a:t>
+              <a:t>4/3/17</a:t>
             </a:fld>
             <a:endParaRPr lang="en-US"/>
           </a:p>
@@ -1054,7 +1056,7 @@
           <a:p>
             <a:fld id="{349BF3EA-1A78-4F07-BDC0-C8A1BD461199}" type="datetimeFigureOut">
               <a:rPr lang="en-US" smtClean="0"/>
-              <a:t>4/2/17</a:t>
+              <a:t>4/3/17</a:t>
             </a:fld>
             <a:endParaRPr lang="en-US"/>
           </a:p>
@@ -1252,7 +1254,7 @@
           <a:p>
             <a:fld id="{349BF3EA-1A78-4F07-BDC0-C8A1BD461199}" type="datetimeFigureOut">
               <a:rPr lang="en-US" smtClean="0"/>
-              <a:t>4/2/17</a:t>
+              <a:t>4/3/17</a:t>
             </a:fld>
             <a:endParaRPr lang="en-US"/>
           </a:p>
@@ -1500,7 +1502,7 @@
           <a:p>
             <a:fld id="{349BF3EA-1A78-4F07-BDC0-C8A1BD461199}" type="datetimeFigureOut">
               <a:rPr lang="en-US" smtClean="0"/>
-              <a:t>4/2/17</a:t>
+              <a:t>4/3/17</a:t>
             </a:fld>
             <a:endParaRPr lang="en-US"/>
           </a:p>
@@ -1771,7 +1773,7 @@
           <a:p>
             <a:fld id="{349BF3EA-1A78-4F07-BDC0-C8A1BD461199}" type="datetimeFigureOut">
               <a:rPr lang="en-US" smtClean="0"/>
-              <a:t>4/2/17</a:t>
+              <a:t>4/3/17</a:t>
             </a:fld>
             <a:endParaRPr lang="en-US"/>
           </a:p>
@@ -2142,7 +2144,7 @@
           <a:p>
             <a:fld id="{349BF3EA-1A78-4F07-BDC0-C8A1BD461199}" type="datetimeFigureOut">
               <a:rPr lang="en-US" smtClean="0"/>
-              <a:t>4/2/17</a:t>
+              <a:t>4/3/17</a:t>
             </a:fld>
             <a:endParaRPr lang="en-US"/>
           </a:p>
@@ -2473,7 +2475,7 @@
           <a:p>
             <a:fld id="{349BF3EA-1A78-4F07-BDC0-C8A1BD461199}" type="datetimeFigureOut">
               <a:rPr lang="en-US" smtClean="0"/>
-              <a:t>4/2/17</a:t>
+              <a:t>4/3/17</a:t>
             </a:fld>
             <a:endParaRPr lang="en-US"/>
           </a:p>
@@ -2728,7 +2730,7 @@
           <a:p>
             <a:fld id="{349BF3EA-1A78-4F07-BDC0-C8A1BD461199}" type="datetimeFigureOut">
               <a:rPr lang="en-US" smtClean="0"/>
-              <a:t>4/2/17</a:t>
+              <a:t>4/3/17</a:t>
             </a:fld>
             <a:endParaRPr lang="en-US"/>
           </a:p>
@@ -2835,7 +2837,7 @@
           <a:p>
             <a:fld id="{349BF3EA-1A78-4F07-BDC0-C8A1BD461199}" type="datetimeFigureOut">
               <a:rPr lang="en-US" smtClean="0"/>
-              <a:t>4/2/17</a:t>
+              <a:t>4/3/17</a:t>
             </a:fld>
             <a:endParaRPr lang="en-US"/>
           </a:p>
@@ -3134,7 +3136,7 @@
           <a:p>
             <a:fld id="{349BF3EA-1A78-4F07-BDC0-C8A1BD461199}" type="datetimeFigureOut">
               <a:rPr lang="en-US" smtClean="0"/>
-              <a:t>4/2/17</a:t>
+              <a:t>4/3/17</a:t>
             </a:fld>
             <a:endParaRPr lang="en-US"/>
           </a:p>
@@ -3422,7 +3424,7 @@
           <a:p>
             <a:fld id="{349BF3EA-1A78-4F07-BDC0-C8A1BD461199}" type="datetimeFigureOut">
               <a:rPr lang="en-US" smtClean="0"/>
-              <a:t>4/2/17</a:t>
+              <a:t>4/3/17</a:t>
             </a:fld>
             <a:endParaRPr lang="en-US"/>
           </a:p>
@@ -3552,7 +3554,7 @@
             <a:fld id="{349BF3EA-1A78-4F07-BDC0-C8A1BD461199}" type="datetimeFigureOut">
               <a:rPr lang="en-US" smtClean="0"/>
               <a:pPr/>
-              <a:t>4/2/17</a:t>
+              <a:t>4/3/17</a:t>
             </a:fld>
             <a:endParaRPr lang="en-US"/>
           </a:p>
@@ -4305,6 +4307,10 @@
           <a:bodyPr/>
           <a:lstStyle/>
           <a:p>
+            <a:r>
+              <a:rPr lang="en-US" dirty="0"/>
+              <a:t>Effort Estimate Assumptions</a:t>
+            </a:r>
             <a:endParaRPr lang="en-US" dirty="0"/>
           </a:p>
         </p:txBody>
@@ -4338,28 +4344,28 @@
                 <a:gridCol w="2743200">
                   <a:extLst>
                     <a:ext uri="{9D8B030D-6E8A-4147-A177-3AD203B41FA5}">
-                      <a16:colId xmlns:a16="http://schemas.microsoft.com/office/drawing/2014/main" xmlns="" val="4007007747"/>
+                      <a16:colId xmlns="" xmlns:a16="http://schemas.microsoft.com/office/drawing/2014/main" val="4007007747"/>
                     </a:ext>
                   </a:extLst>
                 </a:gridCol>
                 <a:gridCol w="2743200">
                   <a:extLst>
                     <a:ext uri="{9D8B030D-6E8A-4147-A177-3AD203B41FA5}">
-                      <a16:colId xmlns:a16="http://schemas.microsoft.com/office/drawing/2014/main" xmlns="" val="2089765381"/>
+                      <a16:colId xmlns="" xmlns:a16="http://schemas.microsoft.com/office/drawing/2014/main" val="2089765381"/>
                     </a:ext>
                   </a:extLst>
                 </a:gridCol>
                 <a:gridCol w="2743200">
                   <a:extLst>
                     <a:ext uri="{9D8B030D-6E8A-4147-A177-3AD203B41FA5}">
-                      <a16:colId xmlns:a16="http://schemas.microsoft.com/office/drawing/2014/main" xmlns="" val="2946535250"/>
+                      <a16:colId xmlns="" xmlns:a16="http://schemas.microsoft.com/office/drawing/2014/main" val="2946535250"/>
                     </a:ext>
                   </a:extLst>
                 </a:gridCol>
                 <a:gridCol w="2743200">
                   <a:extLst>
                     <a:ext uri="{9D8B030D-6E8A-4147-A177-3AD203B41FA5}">
-                      <a16:colId xmlns:a16="http://schemas.microsoft.com/office/drawing/2014/main" xmlns="" val="2232881725"/>
+                      <a16:colId xmlns="" xmlns:a16="http://schemas.microsoft.com/office/drawing/2014/main" val="2232881725"/>
                     </a:ext>
                   </a:extLst>
                 </a:gridCol>
@@ -4423,7 +4429,7 @@
                 </a:tc>
                 <a:extLst>
                   <a:ext uri="{0D108BD9-81ED-4DB2-BD59-A6C34878D82A}">
-                    <a16:rowId xmlns:a16="http://schemas.microsoft.com/office/drawing/2014/main" xmlns="" val="2585052838"/>
+                    <a16:rowId xmlns="" xmlns:a16="http://schemas.microsoft.com/office/drawing/2014/main" val="2585052838"/>
                   </a:ext>
                 </a:extLst>
               </a:tr>
@@ -4490,7 +4496,7 @@
                 </a:tc>
                 <a:extLst>
                   <a:ext uri="{0D108BD9-81ED-4DB2-BD59-A6C34878D82A}">
-                    <a16:rowId xmlns:a16="http://schemas.microsoft.com/office/drawing/2014/main" xmlns="" val="2440870835"/>
+                    <a16:rowId xmlns="" xmlns:a16="http://schemas.microsoft.com/office/drawing/2014/main" val="2440870835"/>
                   </a:ext>
                 </a:extLst>
               </a:tr>
@@ -4551,7 +4557,7 @@
                 </a:tc>
                 <a:extLst>
                   <a:ext uri="{0D108BD9-81ED-4DB2-BD59-A6C34878D82A}">
-                    <a16:rowId xmlns:a16="http://schemas.microsoft.com/office/drawing/2014/main" xmlns="" val="3880781591"/>
+                    <a16:rowId xmlns="" xmlns:a16="http://schemas.microsoft.com/office/drawing/2014/main" val="3880781591"/>
                   </a:ext>
                 </a:extLst>
               </a:tr>
@@ -4618,7 +4624,7 @@
                 </a:tc>
                 <a:extLst>
                   <a:ext uri="{0D108BD9-81ED-4DB2-BD59-A6C34878D82A}">
-                    <a16:rowId xmlns:a16="http://schemas.microsoft.com/office/drawing/2014/main" xmlns="" val="4195087847"/>
+                    <a16:rowId xmlns="" xmlns:a16="http://schemas.microsoft.com/office/drawing/2014/main" val="4195087847"/>
                   </a:ext>
                 </a:extLst>
               </a:tr>
@@ -4626,6 +4632,96 @@
           </a:graphicData>
         </a:graphic>
       </p:graphicFrame>
+      <p:pic>
+        <p:nvPicPr>
+          <p:cNvPr id="5" name="Picture 4" descr="TeamLogo.png"/>
+          <p:cNvPicPr>
+            <a:picLocks noChangeAspect="1"/>
+          </p:cNvPicPr>
+          <p:nvPr/>
+        </p:nvPicPr>
+        <p:blipFill>
+          <a:blip r:embed="rId2">
+            <a:extLst>
+              <a:ext uri="{28A0092B-C50C-407E-A947-70E740481C1C}">
+                <a14:useLocalDpi xmlns:a14="http://schemas.microsoft.com/office/drawing/2010/main" val="0"/>
+              </a:ext>
+            </a:extLst>
+          </a:blip>
+          <a:stretch>
+            <a:fillRect/>
+          </a:stretch>
+        </p:blipFill>
+        <p:spPr>
+          <a:xfrm>
+            <a:off x="11220623" y="206756"/>
+            <a:ext cx="742103" cy="989471"/>
+          </a:xfrm>
+          <a:prstGeom prst="rect">
+            <a:avLst/>
+          </a:prstGeom>
+        </p:spPr>
+      </p:pic>
+      <p:sp>
+        <p:nvSpPr>
+          <p:cNvPr id="6" name="TextBox 5"/>
+          <p:cNvSpPr txBox="1"/>
+          <p:nvPr/>
+        </p:nvSpPr>
+        <p:spPr>
+          <a:xfrm>
+            <a:off x="1122291" y="6335573"/>
+            <a:ext cx="1629623" cy="369332"/>
+          </a:xfrm>
+          <a:prstGeom prst="rect">
+            <a:avLst/>
+          </a:prstGeom>
+          <a:noFill/>
+        </p:spPr>
+        <p:txBody>
+          <a:bodyPr wrap="none" rtlCol="0">
+            <a:spAutoFit/>
+          </a:bodyPr>
+          <a:lstStyle/>
+          <a:p>
+            <a:r>
+              <a:rPr lang="en-US" dirty="0" smtClean="0"/>
+              <a:t>Code Monkey</a:t>
+            </a:r>
+            <a:endParaRPr lang="en-US" dirty="0"/>
+          </a:p>
+        </p:txBody>
+      </p:sp>
+      <p:sp>
+        <p:nvSpPr>
+          <p:cNvPr id="7" name="TextBox 6"/>
+          <p:cNvSpPr txBox="1"/>
+          <p:nvPr/>
+        </p:nvSpPr>
+        <p:spPr>
+          <a:xfrm>
+            <a:off x="9499907" y="6369826"/>
+            <a:ext cx="1478703" cy="369332"/>
+          </a:xfrm>
+          <a:prstGeom prst="rect">
+            <a:avLst/>
+          </a:prstGeom>
+          <a:noFill/>
+        </p:spPr>
+        <p:txBody>
+          <a:bodyPr wrap="none" rtlCol="0">
+            <a:spAutoFit/>
+          </a:bodyPr>
+          <a:lstStyle/>
+          <a:p>
+            <a:r>
+              <a:rPr lang="en-US" dirty="0" smtClean="0"/>
+              <a:t>April 5, 2017</a:t>
+            </a:r>
+            <a:endParaRPr lang="en-US" dirty="0"/>
+          </a:p>
+        </p:txBody>
+      </p:sp>
     </p:spTree>
     <p:extLst>
       <p:ext uri="{BB962C8B-B14F-4D97-AF65-F5344CB8AC3E}">
@@ -4690,6 +4786,10 @@
           <a:bodyPr/>
           <a:lstStyle/>
           <a:p>
+            <a:r>
+              <a:rPr lang="en-US" dirty="0"/>
+              <a:t>Effort Estimate Assumptions</a:t>
+            </a:r>
             <a:endParaRPr lang="en-US" dirty="0"/>
           </a:p>
         </p:txBody>
@@ -4723,28 +4823,28 @@
                 <a:gridCol w="2743200">
                   <a:extLst>
                     <a:ext uri="{9D8B030D-6E8A-4147-A177-3AD203B41FA5}">
-                      <a16:colId xmlns:a16="http://schemas.microsoft.com/office/drawing/2014/main" xmlns="" val="4007007747"/>
+                      <a16:colId xmlns="" xmlns:a16="http://schemas.microsoft.com/office/drawing/2014/main" val="4007007747"/>
                     </a:ext>
                   </a:extLst>
                 </a:gridCol>
                 <a:gridCol w="2743200">
                   <a:extLst>
                     <a:ext uri="{9D8B030D-6E8A-4147-A177-3AD203B41FA5}">
-                      <a16:colId xmlns:a16="http://schemas.microsoft.com/office/drawing/2014/main" xmlns="" val="2089765381"/>
+                      <a16:colId xmlns="" xmlns:a16="http://schemas.microsoft.com/office/drawing/2014/main" val="2089765381"/>
                     </a:ext>
                   </a:extLst>
                 </a:gridCol>
                 <a:gridCol w="2743200">
                   <a:extLst>
                     <a:ext uri="{9D8B030D-6E8A-4147-A177-3AD203B41FA5}">
-                      <a16:colId xmlns:a16="http://schemas.microsoft.com/office/drawing/2014/main" xmlns="" val="2946535250"/>
+                      <a16:colId xmlns="" xmlns:a16="http://schemas.microsoft.com/office/drawing/2014/main" val="2946535250"/>
                     </a:ext>
                   </a:extLst>
                 </a:gridCol>
                 <a:gridCol w="2743200">
                   <a:extLst>
                     <a:ext uri="{9D8B030D-6E8A-4147-A177-3AD203B41FA5}">
-                      <a16:colId xmlns:a16="http://schemas.microsoft.com/office/drawing/2014/main" xmlns="" val="2232881725"/>
+                      <a16:colId xmlns="" xmlns:a16="http://schemas.microsoft.com/office/drawing/2014/main" val="2232881725"/>
                     </a:ext>
                   </a:extLst>
                 </a:gridCol>
@@ -4808,7 +4908,7 @@
                 </a:tc>
                 <a:extLst>
                   <a:ext uri="{0D108BD9-81ED-4DB2-BD59-A6C34878D82A}">
-                    <a16:rowId xmlns:a16="http://schemas.microsoft.com/office/drawing/2014/main" xmlns="" val="2585052838"/>
+                    <a16:rowId xmlns="" xmlns:a16="http://schemas.microsoft.com/office/drawing/2014/main" val="2585052838"/>
                   </a:ext>
                 </a:extLst>
               </a:tr>
@@ -4875,7 +4975,7 @@
                 </a:tc>
                 <a:extLst>
                   <a:ext uri="{0D108BD9-81ED-4DB2-BD59-A6C34878D82A}">
-                    <a16:rowId xmlns:a16="http://schemas.microsoft.com/office/drawing/2014/main" xmlns="" val="2319653860"/>
+                    <a16:rowId xmlns="" xmlns:a16="http://schemas.microsoft.com/office/drawing/2014/main" val="2319653860"/>
                   </a:ext>
                 </a:extLst>
               </a:tr>
@@ -4936,7 +5036,7 @@
                 </a:tc>
                 <a:extLst>
                   <a:ext uri="{0D108BD9-81ED-4DB2-BD59-A6C34878D82A}">
-                    <a16:rowId xmlns:a16="http://schemas.microsoft.com/office/drawing/2014/main" xmlns="" val="2490656911"/>
+                    <a16:rowId xmlns="" xmlns:a16="http://schemas.microsoft.com/office/drawing/2014/main" val="2490656911"/>
                   </a:ext>
                 </a:extLst>
               </a:tr>
@@ -4962,6 +5062,21 @@
                     <a:lstStyle/>
                     <a:p>
                       <a:r>
+                        <a:rPr lang="en-US" dirty="0">
+                          <a:effectLst/>
+                        </a:rPr>
+                        <a:t>1</a:t>
+                      </a:r>
+                    </a:p>
+                  </a:txBody>
+                  <a:tcPr marL="123825" marR="123825" marT="57150" marB="57150" anchor="ctr"/>
+                </a:tc>
+                <a:tc>
+                  <a:txBody>
+                    <a:bodyPr/>
+                    <a:lstStyle/>
+                    <a:p>
+                      <a:r>
                         <a:rPr lang="en-US">
                           <a:effectLst/>
                         </a:rPr>
@@ -4977,21 +5092,6 @@
                     <a:lstStyle/>
                     <a:p>
                       <a:r>
-                        <a:rPr lang="en-US">
-                          <a:effectLst/>
-                        </a:rPr>
-                        <a:t>1</a:t>
-                      </a:r>
-                    </a:p>
-                  </a:txBody>
-                  <a:tcPr marL="123825" marR="123825" marT="57150" marB="57150" anchor="ctr"/>
-                </a:tc>
-                <a:tc>
-                  <a:txBody>
-                    <a:bodyPr/>
-                    <a:lstStyle/>
-                    <a:p>
-                      <a:r>
                         <a:rPr lang="en-US" dirty="0">
                           <a:effectLst/>
                         </a:rPr>
@@ -5003,7 +5103,7 @@
                 </a:tc>
                 <a:extLst>
                   <a:ext uri="{0D108BD9-81ED-4DB2-BD59-A6C34878D82A}">
-                    <a16:rowId xmlns:a16="http://schemas.microsoft.com/office/drawing/2014/main" xmlns="" val="281916472"/>
+                    <a16:rowId xmlns="" xmlns:a16="http://schemas.microsoft.com/office/drawing/2014/main" val="281916472"/>
                   </a:ext>
                 </a:extLst>
               </a:tr>
@@ -5011,6 +5111,96 @@
           </a:graphicData>
         </a:graphic>
       </p:graphicFrame>
+      <p:pic>
+        <p:nvPicPr>
+          <p:cNvPr id="5" name="Picture 4" descr="TeamLogo.png"/>
+          <p:cNvPicPr>
+            <a:picLocks noChangeAspect="1"/>
+          </p:cNvPicPr>
+          <p:nvPr/>
+        </p:nvPicPr>
+        <p:blipFill>
+          <a:blip r:embed="rId2">
+            <a:extLst>
+              <a:ext uri="{28A0092B-C50C-407E-A947-70E740481C1C}">
+                <a14:useLocalDpi xmlns:a14="http://schemas.microsoft.com/office/drawing/2010/main" val="0"/>
+              </a:ext>
+            </a:extLst>
+          </a:blip>
+          <a:stretch>
+            <a:fillRect/>
+          </a:stretch>
+        </p:blipFill>
+        <p:spPr>
+          <a:xfrm>
+            <a:off x="11220623" y="206756"/>
+            <a:ext cx="742103" cy="989471"/>
+          </a:xfrm>
+          <a:prstGeom prst="rect">
+            <a:avLst/>
+          </a:prstGeom>
+        </p:spPr>
+      </p:pic>
+      <p:sp>
+        <p:nvSpPr>
+          <p:cNvPr id="6" name="TextBox 5"/>
+          <p:cNvSpPr txBox="1"/>
+          <p:nvPr/>
+        </p:nvSpPr>
+        <p:spPr>
+          <a:xfrm>
+            <a:off x="1122291" y="6335573"/>
+            <a:ext cx="1629623" cy="369332"/>
+          </a:xfrm>
+          <a:prstGeom prst="rect">
+            <a:avLst/>
+          </a:prstGeom>
+          <a:noFill/>
+        </p:spPr>
+        <p:txBody>
+          <a:bodyPr wrap="none" rtlCol="0">
+            <a:spAutoFit/>
+          </a:bodyPr>
+          <a:lstStyle/>
+          <a:p>
+            <a:r>
+              <a:rPr lang="en-US" dirty="0" smtClean="0"/>
+              <a:t>Code Monkey</a:t>
+            </a:r>
+            <a:endParaRPr lang="en-US" dirty="0"/>
+          </a:p>
+        </p:txBody>
+      </p:sp>
+      <p:sp>
+        <p:nvSpPr>
+          <p:cNvPr id="7" name="TextBox 6"/>
+          <p:cNvSpPr txBox="1"/>
+          <p:nvPr/>
+        </p:nvSpPr>
+        <p:spPr>
+          <a:xfrm>
+            <a:off x="9499907" y="6369826"/>
+            <a:ext cx="1478703" cy="369332"/>
+          </a:xfrm>
+          <a:prstGeom prst="rect">
+            <a:avLst/>
+          </a:prstGeom>
+          <a:noFill/>
+        </p:spPr>
+        <p:txBody>
+          <a:bodyPr wrap="none" rtlCol="0">
+            <a:spAutoFit/>
+          </a:bodyPr>
+          <a:lstStyle/>
+          <a:p>
+            <a:r>
+              <a:rPr lang="en-US" dirty="0" smtClean="0"/>
+              <a:t>April 5, 2017</a:t>
+            </a:r>
+            <a:endParaRPr lang="en-US" dirty="0"/>
+          </a:p>
+        </p:txBody>
+      </p:sp>
     </p:spTree>
     <p:extLst>
       <p:ext uri="{BB962C8B-B14F-4D97-AF65-F5344CB8AC3E}">
@@ -5075,6 +5265,10 @@
           <a:bodyPr/>
           <a:lstStyle/>
           <a:p>
+            <a:r>
+              <a:rPr lang="en-US" dirty="0"/>
+              <a:t>Effort Estimate Assumptions</a:t>
+            </a:r>
             <a:endParaRPr lang="en-US" dirty="0"/>
           </a:p>
         </p:txBody>
@@ -5108,28 +5302,28 @@
                 <a:gridCol w="2743200">
                   <a:extLst>
                     <a:ext uri="{9D8B030D-6E8A-4147-A177-3AD203B41FA5}">
-                      <a16:colId xmlns:a16="http://schemas.microsoft.com/office/drawing/2014/main" xmlns="" val="4007007747"/>
+                      <a16:colId xmlns="" xmlns:a16="http://schemas.microsoft.com/office/drawing/2014/main" val="4007007747"/>
                     </a:ext>
                   </a:extLst>
                 </a:gridCol>
                 <a:gridCol w="2743200">
                   <a:extLst>
                     <a:ext uri="{9D8B030D-6E8A-4147-A177-3AD203B41FA5}">
-                      <a16:colId xmlns:a16="http://schemas.microsoft.com/office/drawing/2014/main" xmlns="" val="2089765381"/>
+                      <a16:colId xmlns="" xmlns:a16="http://schemas.microsoft.com/office/drawing/2014/main" val="2089765381"/>
                     </a:ext>
                   </a:extLst>
                 </a:gridCol>
                 <a:gridCol w="2743200">
                   <a:extLst>
                     <a:ext uri="{9D8B030D-6E8A-4147-A177-3AD203B41FA5}">
-                      <a16:colId xmlns:a16="http://schemas.microsoft.com/office/drawing/2014/main" xmlns="" val="2946535250"/>
+                      <a16:colId xmlns="" xmlns:a16="http://schemas.microsoft.com/office/drawing/2014/main" val="2946535250"/>
                     </a:ext>
                   </a:extLst>
                 </a:gridCol>
                 <a:gridCol w="2743200">
                   <a:extLst>
                     <a:ext uri="{9D8B030D-6E8A-4147-A177-3AD203B41FA5}">
-                      <a16:colId xmlns:a16="http://schemas.microsoft.com/office/drawing/2014/main" xmlns="" val="2232881725"/>
+                      <a16:colId xmlns="" xmlns:a16="http://schemas.microsoft.com/office/drawing/2014/main" val="2232881725"/>
                     </a:ext>
                   </a:extLst>
                 </a:gridCol>
@@ -5193,7 +5387,7 @@
                 </a:tc>
                 <a:extLst>
                   <a:ext uri="{0D108BD9-81ED-4DB2-BD59-A6C34878D82A}">
-                    <a16:rowId xmlns:a16="http://schemas.microsoft.com/office/drawing/2014/main" xmlns="" val="2585052838"/>
+                    <a16:rowId xmlns="" xmlns:a16="http://schemas.microsoft.com/office/drawing/2014/main" val="2585052838"/>
                   </a:ext>
                 </a:extLst>
               </a:tr>
@@ -5260,7 +5454,7 @@
                 </a:tc>
                 <a:extLst>
                   <a:ext uri="{0D108BD9-81ED-4DB2-BD59-A6C34878D82A}">
-                    <a16:rowId xmlns:a16="http://schemas.microsoft.com/office/drawing/2014/main" xmlns="" val="3764811118"/>
+                    <a16:rowId xmlns="" xmlns:a16="http://schemas.microsoft.com/office/drawing/2014/main" val="3764811118"/>
                   </a:ext>
                 </a:extLst>
               </a:tr>
@@ -5327,7 +5521,7 @@
                 </a:tc>
                 <a:extLst>
                   <a:ext uri="{0D108BD9-81ED-4DB2-BD59-A6C34878D82A}">
-                    <a16:rowId xmlns:a16="http://schemas.microsoft.com/office/drawing/2014/main" xmlns="" val="14760046"/>
+                    <a16:rowId xmlns="" xmlns:a16="http://schemas.microsoft.com/office/drawing/2014/main" val="14760046"/>
                   </a:ext>
                 </a:extLst>
               </a:tr>
@@ -5394,7 +5588,7 @@
                 </a:tc>
                 <a:extLst>
                   <a:ext uri="{0D108BD9-81ED-4DB2-BD59-A6C34878D82A}">
-                    <a16:rowId xmlns:a16="http://schemas.microsoft.com/office/drawing/2014/main" xmlns="" val="1188642816"/>
+                    <a16:rowId xmlns="" xmlns:a16="http://schemas.microsoft.com/office/drawing/2014/main" val="1188642816"/>
                   </a:ext>
                 </a:extLst>
               </a:tr>
@@ -5458,7 +5652,7 @@
                 </a:tc>
                 <a:extLst>
                   <a:ext uri="{0D108BD9-81ED-4DB2-BD59-A6C34878D82A}">
-                    <a16:rowId xmlns:a16="http://schemas.microsoft.com/office/drawing/2014/main" xmlns="" val="297767302"/>
+                    <a16:rowId xmlns="" xmlns:a16="http://schemas.microsoft.com/office/drawing/2014/main" val="297767302"/>
                   </a:ext>
                 </a:extLst>
               </a:tr>
@@ -5466,6 +5660,96 @@
           </a:graphicData>
         </a:graphic>
       </p:graphicFrame>
+      <p:pic>
+        <p:nvPicPr>
+          <p:cNvPr id="5" name="Picture 4" descr="TeamLogo.png"/>
+          <p:cNvPicPr>
+            <a:picLocks noChangeAspect="1"/>
+          </p:cNvPicPr>
+          <p:nvPr/>
+        </p:nvPicPr>
+        <p:blipFill>
+          <a:blip r:embed="rId2">
+            <a:extLst>
+              <a:ext uri="{28A0092B-C50C-407E-A947-70E740481C1C}">
+                <a14:useLocalDpi xmlns:a14="http://schemas.microsoft.com/office/drawing/2010/main" val="0"/>
+              </a:ext>
+            </a:extLst>
+          </a:blip>
+          <a:stretch>
+            <a:fillRect/>
+          </a:stretch>
+        </p:blipFill>
+        <p:spPr>
+          <a:xfrm>
+            <a:off x="11220623" y="206756"/>
+            <a:ext cx="742103" cy="989471"/>
+          </a:xfrm>
+          <a:prstGeom prst="rect">
+            <a:avLst/>
+          </a:prstGeom>
+        </p:spPr>
+      </p:pic>
+      <p:sp>
+        <p:nvSpPr>
+          <p:cNvPr id="6" name="TextBox 5"/>
+          <p:cNvSpPr txBox="1"/>
+          <p:nvPr/>
+        </p:nvSpPr>
+        <p:spPr>
+          <a:xfrm>
+            <a:off x="1122291" y="6335573"/>
+            <a:ext cx="1629623" cy="369332"/>
+          </a:xfrm>
+          <a:prstGeom prst="rect">
+            <a:avLst/>
+          </a:prstGeom>
+          <a:noFill/>
+        </p:spPr>
+        <p:txBody>
+          <a:bodyPr wrap="none" rtlCol="0">
+            <a:spAutoFit/>
+          </a:bodyPr>
+          <a:lstStyle/>
+          <a:p>
+            <a:r>
+              <a:rPr lang="en-US" dirty="0" smtClean="0"/>
+              <a:t>Code Monkey</a:t>
+            </a:r>
+            <a:endParaRPr lang="en-US" dirty="0"/>
+          </a:p>
+        </p:txBody>
+      </p:sp>
+      <p:sp>
+        <p:nvSpPr>
+          <p:cNvPr id="7" name="TextBox 6"/>
+          <p:cNvSpPr txBox="1"/>
+          <p:nvPr/>
+        </p:nvSpPr>
+        <p:spPr>
+          <a:xfrm>
+            <a:off x="9499907" y="6369826"/>
+            <a:ext cx="1478703" cy="369332"/>
+          </a:xfrm>
+          <a:prstGeom prst="rect">
+            <a:avLst/>
+          </a:prstGeom>
+          <a:noFill/>
+        </p:spPr>
+        <p:txBody>
+          <a:bodyPr wrap="none" rtlCol="0">
+            <a:spAutoFit/>
+          </a:bodyPr>
+          <a:lstStyle/>
+          <a:p>
+            <a:r>
+              <a:rPr lang="en-US" dirty="0" smtClean="0"/>
+              <a:t>April 5, 2017</a:t>
+            </a:r>
+            <a:endParaRPr lang="en-US" dirty="0"/>
+          </a:p>
+        </p:txBody>
+      </p:sp>
     </p:spTree>
     <p:extLst>
       <p:ext uri="{BB962C8B-B14F-4D97-AF65-F5344CB8AC3E}">
@@ -5530,6 +5814,10 @@
           <a:bodyPr/>
           <a:lstStyle/>
           <a:p>
+            <a:r>
+              <a:rPr lang="en-US" dirty="0"/>
+              <a:t>Effort Estimate Assumptions</a:t>
+            </a:r>
             <a:endParaRPr lang="en-US" dirty="0"/>
           </a:p>
         </p:txBody>
@@ -5563,28 +5851,28 @@
                 <a:gridCol w="2743200">
                   <a:extLst>
                     <a:ext uri="{9D8B030D-6E8A-4147-A177-3AD203B41FA5}">
-                      <a16:colId xmlns:a16="http://schemas.microsoft.com/office/drawing/2014/main" xmlns="" val="4007007747"/>
+                      <a16:colId xmlns="" xmlns:a16="http://schemas.microsoft.com/office/drawing/2014/main" val="4007007747"/>
                     </a:ext>
                   </a:extLst>
                 </a:gridCol>
                 <a:gridCol w="2743200">
                   <a:extLst>
                     <a:ext uri="{9D8B030D-6E8A-4147-A177-3AD203B41FA5}">
-                      <a16:colId xmlns:a16="http://schemas.microsoft.com/office/drawing/2014/main" xmlns="" val="2089765381"/>
+                      <a16:colId xmlns="" xmlns:a16="http://schemas.microsoft.com/office/drawing/2014/main" val="2089765381"/>
                     </a:ext>
                   </a:extLst>
                 </a:gridCol>
                 <a:gridCol w="2743200">
                   <a:extLst>
                     <a:ext uri="{9D8B030D-6E8A-4147-A177-3AD203B41FA5}">
-                      <a16:colId xmlns:a16="http://schemas.microsoft.com/office/drawing/2014/main" xmlns="" val="2946535250"/>
+                      <a16:colId xmlns="" xmlns:a16="http://schemas.microsoft.com/office/drawing/2014/main" val="2946535250"/>
                     </a:ext>
                   </a:extLst>
                 </a:gridCol>
                 <a:gridCol w="2743200">
                   <a:extLst>
                     <a:ext uri="{9D8B030D-6E8A-4147-A177-3AD203B41FA5}">
-                      <a16:colId xmlns:a16="http://schemas.microsoft.com/office/drawing/2014/main" xmlns="" val="2232881725"/>
+                      <a16:colId xmlns="" xmlns:a16="http://schemas.microsoft.com/office/drawing/2014/main" val="2232881725"/>
                     </a:ext>
                   </a:extLst>
                 </a:gridCol>
@@ -5648,7 +5936,7 @@
                 </a:tc>
                 <a:extLst>
                   <a:ext uri="{0D108BD9-81ED-4DB2-BD59-A6C34878D82A}">
-                    <a16:rowId xmlns:a16="http://schemas.microsoft.com/office/drawing/2014/main" xmlns="" val="2585052838"/>
+                    <a16:rowId xmlns="" xmlns:a16="http://schemas.microsoft.com/office/drawing/2014/main" val="2585052838"/>
                   </a:ext>
                 </a:extLst>
               </a:tr>
@@ -5709,7 +5997,7 @@
                 </a:tc>
                 <a:extLst>
                   <a:ext uri="{0D108BD9-81ED-4DB2-BD59-A6C34878D82A}">
-                    <a16:rowId xmlns:a16="http://schemas.microsoft.com/office/drawing/2014/main" xmlns="" val="3714616697"/>
+                    <a16:rowId xmlns="" xmlns:a16="http://schemas.microsoft.com/office/drawing/2014/main" val="3714616697"/>
                   </a:ext>
                 </a:extLst>
               </a:tr>
@@ -5776,7 +6064,7 @@
                 </a:tc>
                 <a:extLst>
                   <a:ext uri="{0D108BD9-81ED-4DB2-BD59-A6C34878D82A}">
-                    <a16:rowId xmlns:a16="http://schemas.microsoft.com/office/drawing/2014/main" xmlns="" val="1340422060"/>
+                    <a16:rowId xmlns="" xmlns:a16="http://schemas.microsoft.com/office/drawing/2014/main" val="1340422060"/>
                   </a:ext>
                 </a:extLst>
               </a:tr>
@@ -5843,7 +6131,7 @@
                 </a:tc>
                 <a:extLst>
                   <a:ext uri="{0D108BD9-81ED-4DB2-BD59-A6C34878D82A}">
-                    <a16:rowId xmlns:a16="http://schemas.microsoft.com/office/drawing/2014/main" xmlns="" val="2564084175"/>
+                    <a16:rowId xmlns="" xmlns:a16="http://schemas.microsoft.com/office/drawing/2014/main" val="2564084175"/>
                   </a:ext>
                 </a:extLst>
               </a:tr>
@@ -5910,7 +6198,7 @@
                 </a:tc>
                 <a:extLst>
                   <a:ext uri="{0D108BD9-81ED-4DB2-BD59-A6C34878D82A}">
-                    <a16:rowId xmlns:a16="http://schemas.microsoft.com/office/drawing/2014/main" xmlns="" val="2775949887"/>
+                    <a16:rowId xmlns="" xmlns:a16="http://schemas.microsoft.com/office/drawing/2014/main" val="2775949887"/>
                   </a:ext>
                 </a:extLst>
               </a:tr>
@@ -5974,7 +6262,7 @@
                 </a:tc>
                 <a:extLst>
                   <a:ext uri="{0D108BD9-81ED-4DB2-BD59-A6C34878D82A}">
-                    <a16:rowId xmlns:a16="http://schemas.microsoft.com/office/drawing/2014/main" xmlns="" val="2549268092"/>
+                    <a16:rowId xmlns="" xmlns:a16="http://schemas.microsoft.com/office/drawing/2014/main" val="2549268092"/>
                   </a:ext>
                 </a:extLst>
               </a:tr>
@@ -6038,7 +6326,7 @@
                 </a:tc>
                 <a:extLst>
                   <a:ext uri="{0D108BD9-81ED-4DB2-BD59-A6C34878D82A}">
-                    <a16:rowId xmlns:a16="http://schemas.microsoft.com/office/drawing/2014/main" xmlns="" val="178318549"/>
+                    <a16:rowId xmlns="" xmlns:a16="http://schemas.microsoft.com/office/drawing/2014/main" val="178318549"/>
                   </a:ext>
                 </a:extLst>
               </a:tr>
@@ -6046,6 +6334,96 @@
           </a:graphicData>
         </a:graphic>
       </p:graphicFrame>
+      <p:pic>
+        <p:nvPicPr>
+          <p:cNvPr id="5" name="Picture 4" descr="TeamLogo.png"/>
+          <p:cNvPicPr>
+            <a:picLocks noChangeAspect="1"/>
+          </p:cNvPicPr>
+          <p:nvPr/>
+        </p:nvPicPr>
+        <p:blipFill>
+          <a:blip r:embed="rId2">
+            <a:extLst>
+              <a:ext uri="{28A0092B-C50C-407E-A947-70E740481C1C}">
+                <a14:useLocalDpi xmlns:a14="http://schemas.microsoft.com/office/drawing/2010/main" val="0"/>
+              </a:ext>
+            </a:extLst>
+          </a:blip>
+          <a:stretch>
+            <a:fillRect/>
+          </a:stretch>
+        </p:blipFill>
+        <p:spPr>
+          <a:xfrm>
+            <a:off x="11220623" y="206756"/>
+            <a:ext cx="742103" cy="989471"/>
+          </a:xfrm>
+          <a:prstGeom prst="rect">
+            <a:avLst/>
+          </a:prstGeom>
+        </p:spPr>
+      </p:pic>
+      <p:sp>
+        <p:nvSpPr>
+          <p:cNvPr id="6" name="TextBox 5"/>
+          <p:cNvSpPr txBox="1"/>
+          <p:nvPr/>
+        </p:nvSpPr>
+        <p:spPr>
+          <a:xfrm>
+            <a:off x="1122291" y="6335573"/>
+            <a:ext cx="1629623" cy="369332"/>
+          </a:xfrm>
+          <a:prstGeom prst="rect">
+            <a:avLst/>
+          </a:prstGeom>
+          <a:noFill/>
+        </p:spPr>
+        <p:txBody>
+          <a:bodyPr wrap="none" rtlCol="0">
+            <a:spAutoFit/>
+          </a:bodyPr>
+          <a:lstStyle/>
+          <a:p>
+            <a:r>
+              <a:rPr lang="en-US" dirty="0" smtClean="0"/>
+              <a:t>Code Monkey</a:t>
+            </a:r>
+            <a:endParaRPr lang="en-US" dirty="0"/>
+          </a:p>
+        </p:txBody>
+      </p:sp>
+      <p:sp>
+        <p:nvSpPr>
+          <p:cNvPr id="7" name="TextBox 6"/>
+          <p:cNvSpPr txBox="1"/>
+          <p:nvPr/>
+        </p:nvSpPr>
+        <p:spPr>
+          <a:xfrm>
+            <a:off x="9499907" y="6369826"/>
+            <a:ext cx="1478703" cy="369332"/>
+          </a:xfrm>
+          <a:prstGeom prst="rect">
+            <a:avLst/>
+          </a:prstGeom>
+          <a:noFill/>
+        </p:spPr>
+        <p:txBody>
+          <a:bodyPr wrap="none" rtlCol="0">
+            <a:spAutoFit/>
+          </a:bodyPr>
+          <a:lstStyle/>
+          <a:p>
+            <a:r>
+              <a:rPr lang="en-US" dirty="0" smtClean="0"/>
+              <a:t>April 5, 2017</a:t>
+            </a:r>
+            <a:endParaRPr lang="en-US" dirty="0"/>
+          </a:p>
+        </p:txBody>
+      </p:sp>
     </p:spTree>
     <p:extLst>
       <p:ext uri="{BB962C8B-B14F-4D97-AF65-F5344CB8AC3E}">
@@ -6202,6 +6580,96 @@
           </a:p>
         </p:txBody>
       </p:sp>
+      <p:pic>
+        <p:nvPicPr>
+          <p:cNvPr id="4" name="Picture 3" descr="TeamLogo.png"/>
+          <p:cNvPicPr>
+            <a:picLocks noChangeAspect="1"/>
+          </p:cNvPicPr>
+          <p:nvPr/>
+        </p:nvPicPr>
+        <p:blipFill>
+          <a:blip r:embed="rId2">
+            <a:extLst>
+              <a:ext uri="{28A0092B-C50C-407E-A947-70E740481C1C}">
+                <a14:useLocalDpi xmlns:a14="http://schemas.microsoft.com/office/drawing/2010/main" val="0"/>
+              </a:ext>
+            </a:extLst>
+          </a:blip>
+          <a:stretch>
+            <a:fillRect/>
+          </a:stretch>
+        </p:blipFill>
+        <p:spPr>
+          <a:xfrm>
+            <a:off x="11220623" y="206756"/>
+            <a:ext cx="742103" cy="989471"/>
+          </a:xfrm>
+          <a:prstGeom prst="rect">
+            <a:avLst/>
+          </a:prstGeom>
+        </p:spPr>
+      </p:pic>
+      <p:sp>
+        <p:nvSpPr>
+          <p:cNvPr id="5" name="TextBox 4"/>
+          <p:cNvSpPr txBox="1"/>
+          <p:nvPr/>
+        </p:nvSpPr>
+        <p:spPr>
+          <a:xfrm>
+            <a:off x="1122291" y="6335573"/>
+            <a:ext cx="1629623" cy="369332"/>
+          </a:xfrm>
+          <a:prstGeom prst="rect">
+            <a:avLst/>
+          </a:prstGeom>
+          <a:noFill/>
+        </p:spPr>
+        <p:txBody>
+          <a:bodyPr wrap="none" rtlCol="0">
+            <a:spAutoFit/>
+          </a:bodyPr>
+          <a:lstStyle/>
+          <a:p>
+            <a:r>
+              <a:rPr lang="en-US" dirty="0" smtClean="0"/>
+              <a:t>Code Monkey</a:t>
+            </a:r>
+            <a:endParaRPr lang="en-US" dirty="0"/>
+          </a:p>
+        </p:txBody>
+      </p:sp>
+      <p:sp>
+        <p:nvSpPr>
+          <p:cNvPr id="6" name="TextBox 5"/>
+          <p:cNvSpPr txBox="1"/>
+          <p:nvPr/>
+        </p:nvSpPr>
+        <p:spPr>
+          <a:xfrm>
+            <a:off x="9499907" y="6369826"/>
+            <a:ext cx="1478703" cy="369332"/>
+          </a:xfrm>
+          <a:prstGeom prst="rect">
+            <a:avLst/>
+          </a:prstGeom>
+          <a:noFill/>
+        </p:spPr>
+        <p:txBody>
+          <a:bodyPr wrap="none" rtlCol="0">
+            <a:spAutoFit/>
+          </a:bodyPr>
+          <a:lstStyle/>
+          <a:p>
+            <a:r>
+              <a:rPr lang="en-US" dirty="0" smtClean="0"/>
+              <a:t>April 5, 2017</a:t>
+            </a:r>
+            <a:endParaRPr lang="en-US" dirty="0"/>
+          </a:p>
+        </p:txBody>
+      </p:sp>
     </p:spTree>
     <p:extLst>
       <p:ext uri="{BB962C8B-B14F-4D97-AF65-F5344CB8AC3E}">
@@ -6315,6 +6783,96 @@
           </a:extLst>
         </p:spPr>
       </p:pic>
+      <p:pic>
+        <p:nvPicPr>
+          <p:cNvPr id="4" name="Picture 3" descr="TeamLogo.png"/>
+          <p:cNvPicPr>
+            <a:picLocks noChangeAspect="1"/>
+          </p:cNvPicPr>
+          <p:nvPr/>
+        </p:nvPicPr>
+        <p:blipFill>
+          <a:blip r:embed="rId3">
+            <a:extLst>
+              <a:ext uri="{28A0092B-C50C-407E-A947-70E740481C1C}">
+                <a14:useLocalDpi xmlns:a14="http://schemas.microsoft.com/office/drawing/2010/main" val="0"/>
+              </a:ext>
+            </a:extLst>
+          </a:blip>
+          <a:stretch>
+            <a:fillRect/>
+          </a:stretch>
+        </p:blipFill>
+        <p:spPr>
+          <a:xfrm>
+            <a:off x="11220623" y="206756"/>
+            <a:ext cx="742103" cy="989471"/>
+          </a:xfrm>
+          <a:prstGeom prst="rect">
+            <a:avLst/>
+          </a:prstGeom>
+        </p:spPr>
+      </p:pic>
+      <p:sp>
+        <p:nvSpPr>
+          <p:cNvPr id="3" name="TextBox 2"/>
+          <p:cNvSpPr txBox="1"/>
+          <p:nvPr/>
+        </p:nvSpPr>
+        <p:spPr>
+          <a:xfrm>
+            <a:off x="1122291" y="6335573"/>
+            <a:ext cx="1629623" cy="369332"/>
+          </a:xfrm>
+          <a:prstGeom prst="rect">
+            <a:avLst/>
+          </a:prstGeom>
+          <a:noFill/>
+        </p:spPr>
+        <p:txBody>
+          <a:bodyPr wrap="none" rtlCol="0">
+            <a:spAutoFit/>
+          </a:bodyPr>
+          <a:lstStyle/>
+          <a:p>
+            <a:r>
+              <a:rPr lang="en-US" dirty="0" smtClean="0"/>
+              <a:t>Code Monkey</a:t>
+            </a:r>
+            <a:endParaRPr lang="en-US" dirty="0"/>
+          </a:p>
+        </p:txBody>
+      </p:sp>
+      <p:sp>
+        <p:nvSpPr>
+          <p:cNvPr id="6" name="TextBox 5"/>
+          <p:cNvSpPr txBox="1"/>
+          <p:nvPr/>
+        </p:nvSpPr>
+        <p:spPr>
+          <a:xfrm>
+            <a:off x="9499907" y="6369826"/>
+            <a:ext cx="1478703" cy="369332"/>
+          </a:xfrm>
+          <a:prstGeom prst="rect">
+            <a:avLst/>
+          </a:prstGeom>
+          <a:noFill/>
+        </p:spPr>
+        <p:txBody>
+          <a:bodyPr wrap="none" rtlCol="0">
+            <a:spAutoFit/>
+          </a:bodyPr>
+          <a:lstStyle/>
+          <a:p>
+            <a:r>
+              <a:rPr lang="en-US" dirty="0" smtClean="0"/>
+              <a:t>April 5, 2017</a:t>
+            </a:r>
+            <a:endParaRPr lang="en-US" dirty="0"/>
+          </a:p>
+        </p:txBody>
+      </p:sp>
     </p:spTree>
     <p:extLst>
       <p:ext uri="{BB962C8B-B14F-4D97-AF65-F5344CB8AC3E}">
@@ -6347,6 +6905,620 @@
 </p:sld>
 </file>
 
+<file path=ppt/slides/slide16.xml><?xml version="1.0" encoding="utf-8"?>
+<p:sld xmlns:a="http://schemas.openxmlformats.org/drawingml/2006/main" xmlns:r="http://schemas.openxmlformats.org/officeDocument/2006/relationships" xmlns:p="http://schemas.openxmlformats.org/presentationml/2006/main">
+  <p:cSld>
+    <p:spTree>
+      <p:nvGrpSpPr>
+        <p:cNvPr id="1" name=""/>
+        <p:cNvGrpSpPr/>
+        <p:nvPr/>
+      </p:nvGrpSpPr>
+      <p:grpSpPr>
+        <a:xfrm>
+          <a:off x="0" y="0"/>
+          <a:ext cx="0" cy="0"/>
+          <a:chOff x="0" y="0"/>
+          <a:chExt cx="0" cy="0"/>
+        </a:xfrm>
+      </p:grpSpPr>
+      <p:sp>
+        <p:nvSpPr>
+          <p:cNvPr id="2" name="Title 1"/>
+          <p:cNvSpPr>
+            <a:spLocks noGrp="1"/>
+          </p:cNvSpPr>
+          <p:nvPr>
+            <p:ph type="title"/>
+          </p:nvPr>
+        </p:nvSpPr>
+        <p:spPr/>
+        <p:txBody>
+          <a:bodyPr/>
+          <a:lstStyle/>
+          <a:p>
+            <a:r>
+              <a:rPr lang="en-US" dirty="0" smtClean="0"/>
+              <a:t>Security Risk</a:t>
+            </a:r>
+            <a:endParaRPr lang="en-US" dirty="0"/>
+          </a:p>
+        </p:txBody>
+      </p:sp>
+      <p:sp>
+        <p:nvSpPr>
+          <p:cNvPr id="3" name="Content Placeholder 2"/>
+          <p:cNvSpPr>
+            <a:spLocks noGrp="1"/>
+          </p:cNvSpPr>
+          <p:nvPr>
+            <p:ph idx="1"/>
+          </p:nvPr>
+        </p:nvSpPr>
+        <p:spPr/>
+        <p:txBody>
+          <a:bodyPr/>
+          <a:lstStyle/>
+          <a:p>
+            <a:r>
+              <a:rPr lang="en-US" dirty="0" smtClean="0"/>
+              <a:t>Penetration attacks</a:t>
+            </a:r>
+          </a:p>
+          <a:p>
+            <a:pPr lvl="1"/>
+            <a:r>
+              <a:rPr lang="en-US" dirty="0" smtClean="0"/>
+              <a:t>Denial of service</a:t>
+            </a:r>
+          </a:p>
+          <a:p>
+            <a:r>
+              <a:rPr lang="en-US" dirty="0" smtClean="0"/>
+              <a:t>Man in the middle attack</a:t>
+            </a:r>
+          </a:p>
+          <a:p>
+            <a:r>
+              <a:rPr lang="en-US" dirty="0" smtClean="0"/>
+              <a:t>SQL injection</a:t>
+            </a:r>
+          </a:p>
+          <a:p>
+            <a:r>
+              <a:rPr lang="en-US" dirty="0" smtClean="0"/>
+              <a:t>Penetration attacks</a:t>
+            </a:r>
+            <a:endParaRPr lang="en-US" dirty="0"/>
+          </a:p>
+        </p:txBody>
+      </p:sp>
+      <p:sp>
+        <p:nvSpPr>
+          <p:cNvPr id="4" name="TextBox 3"/>
+          <p:cNvSpPr txBox="1"/>
+          <p:nvPr/>
+        </p:nvSpPr>
+        <p:spPr>
+          <a:xfrm>
+            <a:off x="1122291" y="6335573"/>
+            <a:ext cx="1629623" cy="369332"/>
+          </a:xfrm>
+          <a:prstGeom prst="rect">
+            <a:avLst/>
+          </a:prstGeom>
+          <a:noFill/>
+        </p:spPr>
+        <p:txBody>
+          <a:bodyPr wrap="none" rtlCol="0">
+            <a:spAutoFit/>
+          </a:bodyPr>
+          <a:lstStyle/>
+          <a:p>
+            <a:r>
+              <a:rPr lang="en-US" dirty="0" smtClean="0"/>
+              <a:t>Code Monkey</a:t>
+            </a:r>
+            <a:endParaRPr lang="en-US" dirty="0"/>
+          </a:p>
+        </p:txBody>
+      </p:sp>
+      <p:sp>
+        <p:nvSpPr>
+          <p:cNvPr id="5" name="TextBox 4"/>
+          <p:cNvSpPr txBox="1"/>
+          <p:nvPr/>
+        </p:nvSpPr>
+        <p:spPr>
+          <a:xfrm>
+            <a:off x="9499907" y="6369826"/>
+            <a:ext cx="1478703" cy="369332"/>
+          </a:xfrm>
+          <a:prstGeom prst="rect">
+            <a:avLst/>
+          </a:prstGeom>
+          <a:noFill/>
+        </p:spPr>
+        <p:txBody>
+          <a:bodyPr wrap="none" rtlCol="0">
+            <a:spAutoFit/>
+          </a:bodyPr>
+          <a:lstStyle/>
+          <a:p>
+            <a:r>
+              <a:rPr lang="en-US" dirty="0" smtClean="0"/>
+              <a:t>April 5, 2017</a:t>
+            </a:r>
+            <a:endParaRPr lang="en-US" dirty="0"/>
+          </a:p>
+        </p:txBody>
+      </p:sp>
+      <p:pic>
+        <p:nvPicPr>
+          <p:cNvPr id="6" name="Picture 5" descr="TeamLogo.png"/>
+          <p:cNvPicPr>
+            <a:picLocks noChangeAspect="1"/>
+          </p:cNvPicPr>
+          <p:nvPr/>
+        </p:nvPicPr>
+        <p:blipFill>
+          <a:blip r:embed="rId2">
+            <a:extLst>
+              <a:ext uri="{28A0092B-C50C-407E-A947-70E740481C1C}">
+                <a14:useLocalDpi xmlns:a14="http://schemas.microsoft.com/office/drawing/2010/main" val="0"/>
+              </a:ext>
+            </a:extLst>
+          </a:blip>
+          <a:stretch>
+            <a:fillRect/>
+          </a:stretch>
+        </p:blipFill>
+        <p:spPr>
+          <a:xfrm>
+            <a:off x="11220623" y="206756"/>
+            <a:ext cx="742103" cy="989471"/>
+          </a:xfrm>
+          <a:prstGeom prst="rect">
+            <a:avLst/>
+          </a:prstGeom>
+        </p:spPr>
+      </p:pic>
+    </p:spTree>
+    <p:extLst>
+      <p:ext uri="{BB962C8B-B14F-4D97-AF65-F5344CB8AC3E}">
+        <p14:creationId xmlns:p14="http://schemas.microsoft.com/office/powerpoint/2010/main" val="2931764857"/>
+      </p:ext>
+    </p:extLst>
+  </p:cSld>
+  <p:clrMapOvr>
+    <a:masterClrMapping/>
+  </p:clrMapOvr>
+  <mc:AlternateContent xmlns:mc="http://schemas.openxmlformats.org/markup-compatibility/2006" xmlns:p14="http://schemas.microsoft.com/office/powerpoint/2010/main">
+    <mc:Choice Requires="p14">
+      <p:transition spd="med" p14:dur="700">
+        <p:fade/>
+      </p:transition>
+    </mc:Choice>
+    <mc:Fallback xmlns="">
+      <p:transition spd="med">
+        <p:fade/>
+      </p:transition>
+    </mc:Fallback>
+  </mc:AlternateContent>
+</p:sld>
+</file>
+
+<file path=ppt/slides/slide17.xml><?xml version="1.0" encoding="utf-8"?>
+<p:sld xmlns:a="http://schemas.openxmlformats.org/drawingml/2006/main" xmlns:r="http://schemas.openxmlformats.org/officeDocument/2006/relationships" xmlns:p="http://schemas.openxmlformats.org/presentationml/2006/main">
+  <p:cSld>
+    <p:spTree>
+      <p:nvGrpSpPr>
+        <p:cNvPr id="1" name=""/>
+        <p:cNvGrpSpPr/>
+        <p:nvPr/>
+      </p:nvGrpSpPr>
+      <p:grpSpPr>
+        <a:xfrm>
+          <a:off x="0" y="0"/>
+          <a:ext cx="0" cy="0"/>
+          <a:chOff x="0" y="0"/>
+          <a:chExt cx="0" cy="0"/>
+        </a:xfrm>
+      </p:grpSpPr>
+      <p:sp>
+        <p:nvSpPr>
+          <p:cNvPr id="2" name="Title 1"/>
+          <p:cNvSpPr>
+            <a:spLocks noGrp="1"/>
+          </p:cNvSpPr>
+          <p:nvPr>
+            <p:ph type="title"/>
+          </p:nvPr>
+        </p:nvSpPr>
+        <p:spPr/>
+        <p:txBody>
+          <a:bodyPr/>
+          <a:lstStyle/>
+          <a:p>
+            <a:r>
+              <a:rPr lang="en-US" dirty="0" smtClean="0"/>
+              <a:t>Plan </a:t>
+            </a:r>
+            <a:r>
+              <a:rPr lang="mr-IN" dirty="0" smtClean="0"/>
+              <a:t>–</a:t>
+            </a:r>
+            <a:r>
+              <a:rPr lang="en-US" dirty="0" smtClean="0"/>
+              <a:t> Sprint 1 </a:t>
+            </a:r>
+            <a:endParaRPr lang="en-US" dirty="0"/>
+          </a:p>
+        </p:txBody>
+      </p:sp>
+      <p:graphicFrame>
+        <p:nvGraphicFramePr>
+          <p:cNvPr id="7" name="Content Placeholder 6"/>
+          <p:cNvGraphicFramePr>
+            <a:graphicFrameLocks noGrp="1"/>
+          </p:cNvGraphicFramePr>
+          <p:nvPr>
+            <p:ph idx="1"/>
+            <p:extLst>
+              <p:ext uri="{D42A27DB-BD31-4B8C-83A1-F6EECF244321}">
+                <p14:modId xmlns:p14="http://schemas.microsoft.com/office/powerpoint/2010/main" val="799020283"/>
+              </p:ext>
+            </p:extLst>
+          </p:nvPr>
+        </p:nvGraphicFramePr>
+        <p:xfrm>
+          <a:off x="609600" y="1600200"/>
+          <a:ext cx="10972800" cy="2565399"/>
+        </p:xfrm>
+        <a:graphic>
+          <a:graphicData uri="http://schemas.openxmlformats.org/drawingml/2006/table">
+            <a:tbl>
+              <a:tblPr firstRow="1" bandRow="1">
+                <a:tableStyleId>{5C22544A-7EE6-4342-B048-85BDC9FD1C3A}</a:tableStyleId>
+              </a:tblPr>
+              <a:tblGrid>
+                <a:gridCol w="3657600"/>
+                <a:gridCol w="3657600"/>
+                <a:gridCol w="3657600"/>
+              </a:tblGrid>
+              <a:tr h="370840">
+                <a:tc>
+                  <a:txBody>
+                    <a:bodyPr/>
+                    <a:lstStyle/>
+                    <a:p>
+                      <a:r>
+                        <a:rPr lang="en-US" dirty="0" smtClean="0"/>
+                        <a:t>What</a:t>
+                      </a:r>
+                      <a:endParaRPr lang="en-US" dirty="0"/>
+                    </a:p>
+                  </a:txBody>
+                  <a:tcPr/>
+                </a:tc>
+                <a:tc>
+                  <a:txBody>
+                    <a:bodyPr/>
+                    <a:lstStyle/>
+                    <a:p>
+                      <a:r>
+                        <a:rPr lang="en-US" dirty="0" smtClean="0"/>
+                        <a:t>Who</a:t>
+                      </a:r>
+                      <a:endParaRPr lang="en-US" dirty="0"/>
+                    </a:p>
+                  </a:txBody>
+                  <a:tcPr/>
+                </a:tc>
+                <a:tc>
+                  <a:txBody>
+                    <a:bodyPr/>
+                    <a:lstStyle/>
+                    <a:p>
+                      <a:r>
+                        <a:rPr lang="en-US" dirty="0" smtClean="0"/>
+                        <a:t>When</a:t>
+                      </a:r>
+                      <a:endParaRPr lang="en-US" dirty="0"/>
+                    </a:p>
+                  </a:txBody>
+                  <a:tcPr/>
+                </a:tc>
+              </a:tr>
+              <a:tr h="370840">
+                <a:tc>
+                  <a:txBody>
+                    <a:bodyPr/>
+                    <a:lstStyle/>
+                    <a:p>
+                      <a:r>
+                        <a:rPr lang="en-US" dirty="0" smtClean="0"/>
+                        <a:t>Requirements</a:t>
+                      </a:r>
+                    </a:p>
+                    <a:p>
+                      <a:r>
+                        <a:rPr lang="en-US" dirty="0" smtClean="0"/>
+                        <a:t>(Update Use Case)</a:t>
+                      </a:r>
+                      <a:endParaRPr lang="en-US" dirty="0"/>
+                    </a:p>
+                  </a:txBody>
+                  <a:tcPr/>
+                </a:tc>
+                <a:tc>
+                  <a:txBody>
+                    <a:bodyPr/>
+                    <a:lstStyle/>
+                    <a:p>
+                      <a:r>
+                        <a:rPr lang="en-US" dirty="0" err="1" smtClean="0"/>
+                        <a:t>Bijan</a:t>
+                      </a:r>
+                      <a:endParaRPr lang="en-US" dirty="0"/>
+                    </a:p>
+                  </a:txBody>
+                  <a:tcPr/>
+                </a:tc>
+                <a:tc>
+                  <a:txBody>
+                    <a:bodyPr/>
+                    <a:lstStyle/>
+                    <a:p>
+                      <a:r>
+                        <a:rPr lang="en-US" dirty="0" smtClean="0"/>
+                        <a:t>April 7, 2017</a:t>
+                      </a:r>
+                      <a:endParaRPr lang="en-US" dirty="0"/>
+                    </a:p>
+                  </a:txBody>
+                  <a:tcPr/>
+                </a:tc>
+              </a:tr>
+              <a:tr h="370840">
+                <a:tc>
+                  <a:txBody>
+                    <a:bodyPr/>
+                    <a:lstStyle/>
+                    <a:p>
+                      <a:r>
+                        <a:rPr lang="en-US" dirty="0" smtClean="0"/>
+                        <a:t>Analysis</a:t>
+                      </a:r>
+                    </a:p>
+                    <a:p>
+                      <a:r>
+                        <a:rPr lang="en-US" dirty="0" smtClean="0"/>
+                        <a:t>(Update cost, risk</a:t>
+                      </a:r>
+                      <a:r>
+                        <a:rPr lang="en-US" baseline="0" dirty="0" smtClean="0"/>
+                        <a:t> &amp; effort estimate)</a:t>
+                      </a:r>
+                      <a:endParaRPr lang="en-US" dirty="0"/>
+                    </a:p>
+                  </a:txBody>
+                  <a:tcPr/>
+                </a:tc>
+                <a:tc>
+                  <a:txBody>
+                    <a:bodyPr/>
+                    <a:lstStyle/>
+                    <a:p>
+                      <a:r>
+                        <a:rPr lang="en-US" dirty="0" smtClean="0"/>
+                        <a:t>Kylie,</a:t>
+                      </a:r>
+                      <a:r>
+                        <a:rPr lang="en-US" baseline="0" dirty="0" smtClean="0"/>
+                        <a:t> </a:t>
+                      </a:r>
+                      <a:r>
+                        <a:rPr lang="en-US" baseline="0" dirty="0" err="1" smtClean="0"/>
+                        <a:t>Cyler</a:t>
+                      </a:r>
+                      <a:r>
+                        <a:rPr lang="en-US" baseline="0" dirty="0" smtClean="0"/>
+                        <a:t>, Cory</a:t>
+                      </a:r>
+                      <a:endParaRPr lang="en-US" dirty="0"/>
+                    </a:p>
+                  </a:txBody>
+                  <a:tcPr/>
+                </a:tc>
+                <a:tc>
+                  <a:txBody>
+                    <a:bodyPr/>
+                    <a:lstStyle/>
+                    <a:p>
+                      <a:r>
+                        <a:rPr lang="en-US" dirty="0" smtClean="0"/>
+                        <a:t>April 21, 2017</a:t>
+                      </a:r>
+                      <a:endParaRPr lang="en-US" dirty="0"/>
+                    </a:p>
+                  </a:txBody>
+                  <a:tcPr/>
+                </a:tc>
+              </a:tr>
+              <a:tr h="370840">
+                <a:tc>
+                  <a:txBody>
+                    <a:bodyPr/>
+                    <a:lstStyle/>
+                    <a:p>
+                      <a:r>
+                        <a:rPr lang="en-US" dirty="0" smtClean="0"/>
+                        <a:t>Design</a:t>
+                      </a:r>
+                    </a:p>
+                    <a:p>
+                      <a:r>
+                        <a:rPr lang="en-US" dirty="0" smtClean="0"/>
+                        <a:t>(Platforms &amp; Architecture)</a:t>
+                      </a:r>
+                      <a:endParaRPr lang="en-US" dirty="0"/>
+                    </a:p>
+                  </a:txBody>
+                  <a:tcPr/>
+                </a:tc>
+                <a:tc>
+                  <a:txBody>
+                    <a:bodyPr/>
+                    <a:lstStyle/>
+                    <a:p>
+                      <a:r>
+                        <a:rPr lang="en-US" dirty="0" err="1" smtClean="0"/>
+                        <a:t>Fisal</a:t>
+                      </a:r>
+                      <a:r>
+                        <a:rPr lang="en-US" dirty="0" smtClean="0"/>
+                        <a:t>, Morgan</a:t>
+                      </a:r>
+                      <a:endParaRPr lang="en-US" dirty="0"/>
+                    </a:p>
+                  </a:txBody>
+                  <a:tcPr/>
+                </a:tc>
+                <a:tc>
+                  <a:txBody>
+                    <a:bodyPr/>
+                    <a:lstStyle/>
+                    <a:p>
+                      <a:r>
+                        <a:rPr lang="en-US" dirty="0" smtClean="0"/>
+                        <a:t>April 21, 2017</a:t>
+                      </a:r>
+                      <a:endParaRPr lang="en-US" dirty="0"/>
+                    </a:p>
+                  </a:txBody>
+                  <a:tcPr/>
+                </a:tc>
+              </a:tr>
+            </a:tbl>
+          </a:graphicData>
+        </a:graphic>
+      </p:graphicFrame>
+      <p:sp>
+        <p:nvSpPr>
+          <p:cNvPr id="4" name="TextBox 3"/>
+          <p:cNvSpPr txBox="1"/>
+          <p:nvPr/>
+        </p:nvSpPr>
+        <p:spPr>
+          <a:xfrm>
+            <a:off x="1122291" y="6335573"/>
+            <a:ext cx="1629623" cy="369332"/>
+          </a:xfrm>
+          <a:prstGeom prst="rect">
+            <a:avLst/>
+          </a:prstGeom>
+          <a:noFill/>
+        </p:spPr>
+        <p:txBody>
+          <a:bodyPr wrap="none" rtlCol="0">
+            <a:spAutoFit/>
+          </a:bodyPr>
+          <a:lstStyle/>
+          <a:p>
+            <a:r>
+              <a:rPr lang="en-US" dirty="0" smtClean="0"/>
+              <a:t>Code Monkey</a:t>
+            </a:r>
+            <a:endParaRPr lang="en-US" dirty="0"/>
+          </a:p>
+        </p:txBody>
+      </p:sp>
+      <p:sp>
+        <p:nvSpPr>
+          <p:cNvPr id="5" name="TextBox 4"/>
+          <p:cNvSpPr txBox="1"/>
+          <p:nvPr/>
+        </p:nvSpPr>
+        <p:spPr>
+          <a:xfrm>
+            <a:off x="9499907" y="6369826"/>
+            <a:ext cx="1478703" cy="369332"/>
+          </a:xfrm>
+          <a:prstGeom prst="rect">
+            <a:avLst/>
+          </a:prstGeom>
+          <a:noFill/>
+        </p:spPr>
+        <p:txBody>
+          <a:bodyPr wrap="none" rtlCol="0">
+            <a:spAutoFit/>
+          </a:bodyPr>
+          <a:lstStyle/>
+          <a:p>
+            <a:r>
+              <a:rPr lang="en-US" dirty="0" smtClean="0"/>
+              <a:t>April 5, 2017</a:t>
+            </a:r>
+            <a:endParaRPr lang="en-US" dirty="0"/>
+          </a:p>
+        </p:txBody>
+      </p:sp>
+      <p:pic>
+        <p:nvPicPr>
+          <p:cNvPr id="6" name="Picture 5" descr="TeamLogo.png"/>
+          <p:cNvPicPr>
+            <a:picLocks noChangeAspect="1"/>
+          </p:cNvPicPr>
+          <p:nvPr/>
+        </p:nvPicPr>
+        <p:blipFill>
+          <a:blip r:embed="rId2">
+            <a:extLst>
+              <a:ext uri="{28A0092B-C50C-407E-A947-70E740481C1C}">
+                <a14:useLocalDpi xmlns:a14="http://schemas.microsoft.com/office/drawing/2010/main" val="0"/>
+              </a:ext>
+            </a:extLst>
+          </a:blip>
+          <a:stretch>
+            <a:fillRect/>
+          </a:stretch>
+        </p:blipFill>
+        <p:spPr>
+          <a:xfrm>
+            <a:off x="11220623" y="206756"/>
+            <a:ext cx="742103" cy="989471"/>
+          </a:xfrm>
+          <a:prstGeom prst="rect">
+            <a:avLst/>
+          </a:prstGeom>
+        </p:spPr>
+      </p:pic>
+    </p:spTree>
+    <p:extLst>
+      <p:ext uri="{BB962C8B-B14F-4D97-AF65-F5344CB8AC3E}">
+        <p14:creationId xmlns:p14="http://schemas.microsoft.com/office/powerpoint/2010/main" val="3094781446"/>
+      </p:ext>
+    </p:extLst>
+  </p:cSld>
+  <p:clrMapOvr>
+    <a:masterClrMapping/>
+  </p:clrMapOvr>
+  <mc:AlternateContent xmlns:mc="http://schemas.openxmlformats.org/markup-compatibility/2006" xmlns:p14="http://schemas.microsoft.com/office/powerpoint/2010/main">
+    <mc:Choice Requires="p14">
+      <p:transition spd="med" p14:dur="700">
+        <p:fade/>
+      </p:transition>
+    </mc:Choice>
+    <mc:Fallback xmlns="">
+      <p:transition spd="med">
+        <p:fade/>
+      </p:transition>
+    </mc:Fallback>
+  </mc:AlternateContent>
+</p:sld>
+</file>
+
 <file path=ppt/slides/slide2.xml><?xml version="1.0" encoding="utf-8"?>
 <p:sld xmlns:a="http://schemas.openxmlformats.org/drawingml/2006/main" xmlns:r="http://schemas.openxmlformats.org/officeDocument/2006/relationships" xmlns:p="http://schemas.openxmlformats.org/presentationml/2006/main">
   <p:cSld>
@@ -6464,6 +7636,96 @@
           </a:prstGeom>
         </p:spPr>
       </p:pic>
+      <p:pic>
+        <p:nvPicPr>
+          <p:cNvPr id="5" name="Picture 4" descr="TeamLogo.png"/>
+          <p:cNvPicPr>
+            <a:picLocks noChangeAspect="1"/>
+          </p:cNvPicPr>
+          <p:nvPr/>
+        </p:nvPicPr>
+        <p:blipFill>
+          <a:blip r:embed="rId3">
+            <a:extLst>
+              <a:ext uri="{28A0092B-C50C-407E-A947-70E740481C1C}">
+                <a14:useLocalDpi xmlns:a14="http://schemas.microsoft.com/office/drawing/2010/main" val="0"/>
+              </a:ext>
+            </a:extLst>
+          </a:blip>
+          <a:stretch>
+            <a:fillRect/>
+          </a:stretch>
+        </p:blipFill>
+        <p:spPr>
+          <a:xfrm>
+            <a:off x="11220623" y="206756"/>
+            <a:ext cx="742103" cy="989471"/>
+          </a:xfrm>
+          <a:prstGeom prst="rect">
+            <a:avLst/>
+          </a:prstGeom>
+        </p:spPr>
+      </p:pic>
+      <p:sp>
+        <p:nvSpPr>
+          <p:cNvPr id="6" name="TextBox 5"/>
+          <p:cNvSpPr txBox="1"/>
+          <p:nvPr/>
+        </p:nvSpPr>
+        <p:spPr>
+          <a:xfrm>
+            <a:off x="1122291" y="6335573"/>
+            <a:ext cx="1629623" cy="369332"/>
+          </a:xfrm>
+          <a:prstGeom prst="rect">
+            <a:avLst/>
+          </a:prstGeom>
+          <a:noFill/>
+        </p:spPr>
+        <p:txBody>
+          <a:bodyPr wrap="none" rtlCol="0">
+            <a:spAutoFit/>
+          </a:bodyPr>
+          <a:lstStyle/>
+          <a:p>
+            <a:r>
+              <a:rPr lang="en-US" dirty="0" smtClean="0"/>
+              <a:t>Code Monkey</a:t>
+            </a:r>
+            <a:endParaRPr lang="en-US" dirty="0"/>
+          </a:p>
+        </p:txBody>
+      </p:sp>
+      <p:sp>
+        <p:nvSpPr>
+          <p:cNvPr id="7" name="TextBox 6"/>
+          <p:cNvSpPr txBox="1"/>
+          <p:nvPr/>
+        </p:nvSpPr>
+        <p:spPr>
+          <a:xfrm>
+            <a:off x="9499907" y="6369826"/>
+            <a:ext cx="1478703" cy="369332"/>
+          </a:xfrm>
+          <a:prstGeom prst="rect">
+            <a:avLst/>
+          </a:prstGeom>
+          <a:noFill/>
+        </p:spPr>
+        <p:txBody>
+          <a:bodyPr wrap="none" rtlCol="0">
+            <a:spAutoFit/>
+          </a:bodyPr>
+          <a:lstStyle/>
+          <a:p>
+            <a:r>
+              <a:rPr lang="en-US" dirty="0" smtClean="0"/>
+              <a:t>April 5, 2017</a:t>
+            </a:r>
+            <a:endParaRPr lang="en-US" dirty="0"/>
+          </a:p>
+        </p:txBody>
+      </p:sp>
     </p:spTree>
     <p:extLst>
       <p:ext uri="{BB962C8B-B14F-4D97-AF65-F5344CB8AC3E}">
@@ -6582,6 +7844,96 @@
           </a:extLst>
         </p:spPr>
       </p:pic>
+      <p:pic>
+        <p:nvPicPr>
+          <p:cNvPr id="4" name="Picture 3" descr="TeamLogo.png"/>
+          <p:cNvPicPr>
+            <a:picLocks noChangeAspect="1"/>
+          </p:cNvPicPr>
+          <p:nvPr/>
+        </p:nvPicPr>
+        <p:blipFill>
+          <a:blip r:embed="rId3">
+            <a:extLst>
+              <a:ext uri="{28A0092B-C50C-407E-A947-70E740481C1C}">
+                <a14:useLocalDpi xmlns:a14="http://schemas.microsoft.com/office/drawing/2010/main" val="0"/>
+              </a:ext>
+            </a:extLst>
+          </a:blip>
+          <a:stretch>
+            <a:fillRect/>
+          </a:stretch>
+        </p:blipFill>
+        <p:spPr>
+          <a:xfrm>
+            <a:off x="11220623" y="206756"/>
+            <a:ext cx="742103" cy="989471"/>
+          </a:xfrm>
+          <a:prstGeom prst="rect">
+            <a:avLst/>
+          </a:prstGeom>
+        </p:spPr>
+      </p:pic>
+      <p:sp>
+        <p:nvSpPr>
+          <p:cNvPr id="5" name="TextBox 4"/>
+          <p:cNvSpPr txBox="1"/>
+          <p:nvPr/>
+        </p:nvSpPr>
+        <p:spPr>
+          <a:xfrm>
+            <a:off x="1122291" y="6335573"/>
+            <a:ext cx="1629623" cy="369332"/>
+          </a:xfrm>
+          <a:prstGeom prst="rect">
+            <a:avLst/>
+          </a:prstGeom>
+          <a:noFill/>
+        </p:spPr>
+        <p:txBody>
+          <a:bodyPr wrap="none" rtlCol="0">
+            <a:spAutoFit/>
+          </a:bodyPr>
+          <a:lstStyle/>
+          <a:p>
+            <a:r>
+              <a:rPr lang="en-US" dirty="0" smtClean="0"/>
+              <a:t>Code Monkey</a:t>
+            </a:r>
+            <a:endParaRPr lang="en-US" dirty="0"/>
+          </a:p>
+        </p:txBody>
+      </p:sp>
+      <p:sp>
+        <p:nvSpPr>
+          <p:cNvPr id="6" name="TextBox 5"/>
+          <p:cNvSpPr txBox="1"/>
+          <p:nvPr/>
+        </p:nvSpPr>
+        <p:spPr>
+          <a:xfrm>
+            <a:off x="9499907" y="6369826"/>
+            <a:ext cx="1478703" cy="369332"/>
+          </a:xfrm>
+          <a:prstGeom prst="rect">
+            <a:avLst/>
+          </a:prstGeom>
+          <a:noFill/>
+        </p:spPr>
+        <p:txBody>
+          <a:bodyPr wrap="none" rtlCol="0">
+            <a:spAutoFit/>
+          </a:bodyPr>
+          <a:lstStyle/>
+          <a:p>
+            <a:r>
+              <a:rPr lang="en-US" dirty="0" smtClean="0"/>
+              <a:t>April 5, 2017</a:t>
+            </a:r>
+            <a:endParaRPr lang="en-US" dirty="0"/>
+          </a:p>
+        </p:txBody>
+      </p:sp>
     </p:spTree>
     <p:extLst>
       <p:ext uri="{BB962C8B-B14F-4D97-AF65-F5344CB8AC3E}">
@@ -6683,14 +8035,14 @@
                 <a:gridCol w="5486400">
                   <a:extLst>
                     <a:ext uri="{9D8B030D-6E8A-4147-A177-3AD203B41FA5}">
-                      <a16:colId xmlns:a16="http://schemas.microsoft.com/office/drawing/2014/main" xmlns="" val="4024214062"/>
+                      <a16:colId xmlns="" xmlns:a16="http://schemas.microsoft.com/office/drawing/2014/main" val="4024214062"/>
                     </a:ext>
                   </a:extLst>
                 </a:gridCol>
                 <a:gridCol w="5486400">
                   <a:extLst>
                     <a:ext uri="{9D8B030D-6E8A-4147-A177-3AD203B41FA5}">
-                      <a16:colId xmlns:a16="http://schemas.microsoft.com/office/drawing/2014/main" xmlns="" val="1838665537"/>
+                      <a16:colId xmlns="" xmlns:a16="http://schemas.microsoft.com/office/drawing/2014/main" val="1838665537"/>
                     </a:ext>
                   </a:extLst>
                 </a:gridCol>
@@ -6726,7 +8078,7 @@
                 </a:tc>
                 <a:extLst>
                   <a:ext uri="{0D108BD9-81ED-4DB2-BD59-A6C34878D82A}">
-                    <a16:rowId xmlns:a16="http://schemas.microsoft.com/office/drawing/2014/main" xmlns="" val="986279335"/>
+                    <a16:rowId xmlns="" xmlns:a16="http://schemas.microsoft.com/office/drawing/2014/main" val="986279335"/>
                   </a:ext>
                 </a:extLst>
               </a:tr>
@@ -6757,7 +8109,7 @@
                 </a:tc>
                 <a:extLst>
                   <a:ext uri="{0D108BD9-81ED-4DB2-BD59-A6C34878D82A}">
-                    <a16:rowId xmlns:a16="http://schemas.microsoft.com/office/drawing/2014/main" xmlns="" val="2649700066"/>
+                    <a16:rowId xmlns="" xmlns:a16="http://schemas.microsoft.com/office/drawing/2014/main" val="2649700066"/>
                   </a:ext>
                 </a:extLst>
               </a:tr>
@@ -6792,7 +8144,7 @@
                 </a:tc>
                 <a:extLst>
                   <a:ext uri="{0D108BD9-81ED-4DB2-BD59-A6C34878D82A}">
-                    <a16:rowId xmlns:a16="http://schemas.microsoft.com/office/drawing/2014/main" xmlns="" val="3650691391"/>
+                    <a16:rowId xmlns="" xmlns:a16="http://schemas.microsoft.com/office/drawing/2014/main" val="3650691391"/>
                   </a:ext>
                 </a:extLst>
               </a:tr>
@@ -6827,7 +8179,7 @@
                 </a:tc>
                 <a:extLst>
                   <a:ext uri="{0D108BD9-81ED-4DB2-BD59-A6C34878D82A}">
-                    <a16:rowId xmlns:a16="http://schemas.microsoft.com/office/drawing/2014/main" xmlns="" val="3717878835"/>
+                    <a16:rowId xmlns="" xmlns:a16="http://schemas.microsoft.com/office/drawing/2014/main" val="3717878835"/>
                   </a:ext>
                 </a:extLst>
               </a:tr>
@@ -6862,7 +8214,7 @@
                 </a:tc>
                 <a:extLst>
                   <a:ext uri="{0D108BD9-81ED-4DB2-BD59-A6C34878D82A}">
-                    <a16:rowId xmlns:a16="http://schemas.microsoft.com/office/drawing/2014/main" xmlns="" val="304909867"/>
+                    <a16:rowId xmlns="" xmlns:a16="http://schemas.microsoft.com/office/drawing/2014/main" val="304909867"/>
                   </a:ext>
                 </a:extLst>
               </a:tr>
@@ -6901,7 +8253,7 @@
                 </a:tc>
                 <a:extLst>
                   <a:ext uri="{0D108BD9-81ED-4DB2-BD59-A6C34878D82A}">
-                    <a16:rowId xmlns:a16="http://schemas.microsoft.com/office/drawing/2014/main" xmlns="" val="1562380615"/>
+                    <a16:rowId xmlns="" xmlns:a16="http://schemas.microsoft.com/office/drawing/2014/main" val="1562380615"/>
                   </a:ext>
                 </a:extLst>
               </a:tr>
@@ -6936,7 +8288,7 @@
                 </a:tc>
                 <a:extLst>
                   <a:ext uri="{0D108BD9-81ED-4DB2-BD59-A6C34878D82A}">
-                    <a16:rowId xmlns:a16="http://schemas.microsoft.com/office/drawing/2014/main" xmlns="" val="207666318"/>
+                    <a16:rowId xmlns="" xmlns:a16="http://schemas.microsoft.com/office/drawing/2014/main" val="207666318"/>
                   </a:ext>
                 </a:extLst>
               </a:tr>
@@ -6971,7 +8323,7 @@
                 </a:tc>
                 <a:extLst>
                   <a:ext uri="{0D108BD9-81ED-4DB2-BD59-A6C34878D82A}">
-                    <a16:rowId xmlns:a16="http://schemas.microsoft.com/office/drawing/2014/main" xmlns="" val="4219954106"/>
+                    <a16:rowId xmlns="" xmlns:a16="http://schemas.microsoft.com/office/drawing/2014/main" val="4219954106"/>
                   </a:ext>
                 </a:extLst>
               </a:tr>
@@ -7006,7 +8358,7 @@
                 </a:tc>
                 <a:extLst>
                   <a:ext uri="{0D108BD9-81ED-4DB2-BD59-A6C34878D82A}">
-                    <a16:rowId xmlns:a16="http://schemas.microsoft.com/office/drawing/2014/main" xmlns="" val="2908311740"/>
+                    <a16:rowId xmlns="" xmlns:a16="http://schemas.microsoft.com/office/drawing/2014/main" val="2908311740"/>
                   </a:ext>
                 </a:extLst>
               </a:tr>
@@ -7040,7 +8392,7 @@
                 </a:tc>
                 <a:extLst>
                   <a:ext uri="{0D108BD9-81ED-4DB2-BD59-A6C34878D82A}">
-                    <a16:rowId xmlns:a16="http://schemas.microsoft.com/office/drawing/2014/main" xmlns="" val="2041197959"/>
+                    <a16:rowId xmlns="" xmlns:a16="http://schemas.microsoft.com/office/drawing/2014/main" val="2041197959"/>
                   </a:ext>
                 </a:extLst>
               </a:tr>
@@ -7074,7 +8426,7 @@
                 </a:tc>
                 <a:extLst>
                   <a:ext uri="{0D108BD9-81ED-4DB2-BD59-A6C34878D82A}">
-                    <a16:rowId xmlns:a16="http://schemas.microsoft.com/office/drawing/2014/main" xmlns="" val="1620820458"/>
+                    <a16:rowId xmlns="" xmlns:a16="http://schemas.microsoft.com/office/drawing/2014/main" val="1620820458"/>
                   </a:ext>
                 </a:extLst>
               </a:tr>
@@ -7082,6 +8434,96 @@
           </a:graphicData>
         </a:graphic>
       </p:graphicFrame>
+      <p:pic>
+        <p:nvPicPr>
+          <p:cNvPr id="5" name="Picture 4" descr="TeamLogo.png"/>
+          <p:cNvPicPr>
+            <a:picLocks noChangeAspect="1"/>
+          </p:cNvPicPr>
+          <p:nvPr/>
+        </p:nvPicPr>
+        <p:blipFill>
+          <a:blip r:embed="rId2">
+            <a:extLst>
+              <a:ext uri="{28A0092B-C50C-407E-A947-70E740481C1C}">
+                <a14:useLocalDpi xmlns:a14="http://schemas.microsoft.com/office/drawing/2010/main" val="0"/>
+              </a:ext>
+            </a:extLst>
+          </a:blip>
+          <a:stretch>
+            <a:fillRect/>
+          </a:stretch>
+        </p:blipFill>
+        <p:spPr>
+          <a:xfrm>
+            <a:off x="11220623" y="206756"/>
+            <a:ext cx="742103" cy="989471"/>
+          </a:xfrm>
+          <a:prstGeom prst="rect">
+            <a:avLst/>
+          </a:prstGeom>
+        </p:spPr>
+      </p:pic>
+      <p:sp>
+        <p:nvSpPr>
+          <p:cNvPr id="6" name="TextBox 5"/>
+          <p:cNvSpPr txBox="1"/>
+          <p:nvPr/>
+        </p:nvSpPr>
+        <p:spPr>
+          <a:xfrm>
+            <a:off x="1122291" y="6335573"/>
+            <a:ext cx="1629623" cy="369332"/>
+          </a:xfrm>
+          <a:prstGeom prst="rect">
+            <a:avLst/>
+          </a:prstGeom>
+          <a:noFill/>
+        </p:spPr>
+        <p:txBody>
+          <a:bodyPr wrap="none" rtlCol="0">
+            <a:spAutoFit/>
+          </a:bodyPr>
+          <a:lstStyle/>
+          <a:p>
+            <a:r>
+              <a:rPr lang="en-US" dirty="0" smtClean="0"/>
+              <a:t>Code Monkey</a:t>
+            </a:r>
+            <a:endParaRPr lang="en-US" dirty="0"/>
+          </a:p>
+        </p:txBody>
+      </p:sp>
+      <p:sp>
+        <p:nvSpPr>
+          <p:cNvPr id="7" name="TextBox 6"/>
+          <p:cNvSpPr txBox="1"/>
+          <p:nvPr/>
+        </p:nvSpPr>
+        <p:spPr>
+          <a:xfrm>
+            <a:off x="9499907" y="6369826"/>
+            <a:ext cx="1478703" cy="369332"/>
+          </a:xfrm>
+          <a:prstGeom prst="rect">
+            <a:avLst/>
+          </a:prstGeom>
+          <a:noFill/>
+        </p:spPr>
+        <p:txBody>
+          <a:bodyPr wrap="none" rtlCol="0">
+            <a:spAutoFit/>
+          </a:bodyPr>
+          <a:lstStyle/>
+          <a:p>
+            <a:r>
+              <a:rPr lang="en-US" dirty="0" smtClean="0"/>
+              <a:t>April 5, 2017</a:t>
+            </a:r>
+            <a:endParaRPr lang="en-US" dirty="0"/>
+          </a:p>
+        </p:txBody>
+      </p:sp>
     </p:spTree>
     <p:extLst>
       <p:ext uri="{BB962C8B-B14F-4D97-AF65-F5344CB8AC3E}">
@@ -7183,14 +8625,14 @@
                 <a:gridCol w="5486400">
                   <a:extLst>
                     <a:ext uri="{9D8B030D-6E8A-4147-A177-3AD203B41FA5}">
-                      <a16:colId xmlns:a16="http://schemas.microsoft.com/office/drawing/2014/main" xmlns="" val="4024214062"/>
+                      <a16:colId xmlns="" xmlns:a16="http://schemas.microsoft.com/office/drawing/2014/main" val="4024214062"/>
                     </a:ext>
                   </a:extLst>
                 </a:gridCol>
                 <a:gridCol w="5486400">
                   <a:extLst>
                     <a:ext uri="{9D8B030D-6E8A-4147-A177-3AD203B41FA5}">
-                      <a16:colId xmlns:a16="http://schemas.microsoft.com/office/drawing/2014/main" xmlns="" val="1838665537"/>
+                      <a16:colId xmlns="" xmlns:a16="http://schemas.microsoft.com/office/drawing/2014/main" val="1838665537"/>
                     </a:ext>
                   </a:extLst>
                 </a:gridCol>
@@ -7222,7 +8664,7 @@
                 </a:tc>
                 <a:extLst>
                   <a:ext uri="{0D108BD9-81ED-4DB2-BD59-A6C34878D82A}">
-                    <a16:rowId xmlns:a16="http://schemas.microsoft.com/office/drawing/2014/main" xmlns="" val="986279335"/>
+                    <a16:rowId xmlns="" xmlns:a16="http://schemas.microsoft.com/office/drawing/2014/main" val="986279335"/>
                   </a:ext>
                 </a:extLst>
               </a:tr>
@@ -7253,7 +8695,7 @@
                 </a:tc>
                 <a:extLst>
                   <a:ext uri="{0D108BD9-81ED-4DB2-BD59-A6C34878D82A}">
-                    <a16:rowId xmlns:a16="http://schemas.microsoft.com/office/drawing/2014/main" xmlns="" val="2649700066"/>
+                    <a16:rowId xmlns="" xmlns:a16="http://schemas.microsoft.com/office/drawing/2014/main" val="2649700066"/>
                   </a:ext>
                 </a:extLst>
               </a:tr>
@@ -7288,7 +8730,7 @@
                 </a:tc>
                 <a:extLst>
                   <a:ext uri="{0D108BD9-81ED-4DB2-BD59-A6C34878D82A}">
-                    <a16:rowId xmlns:a16="http://schemas.microsoft.com/office/drawing/2014/main" xmlns="" val="309961168"/>
+                    <a16:rowId xmlns="" xmlns:a16="http://schemas.microsoft.com/office/drawing/2014/main" val="309961168"/>
                   </a:ext>
                 </a:extLst>
               </a:tr>
@@ -7323,7 +8765,7 @@
                 </a:tc>
                 <a:extLst>
                   <a:ext uri="{0D108BD9-81ED-4DB2-BD59-A6C34878D82A}">
-                    <a16:rowId xmlns:a16="http://schemas.microsoft.com/office/drawing/2014/main" xmlns="" val="1746750848"/>
+                    <a16:rowId xmlns="" xmlns:a16="http://schemas.microsoft.com/office/drawing/2014/main" val="1746750848"/>
                   </a:ext>
                 </a:extLst>
               </a:tr>
@@ -7358,7 +8800,7 @@
                 </a:tc>
                 <a:extLst>
                   <a:ext uri="{0D108BD9-81ED-4DB2-BD59-A6C34878D82A}">
-                    <a16:rowId xmlns:a16="http://schemas.microsoft.com/office/drawing/2014/main" xmlns="" val="2287252683"/>
+                    <a16:rowId xmlns="" xmlns:a16="http://schemas.microsoft.com/office/drawing/2014/main" val="2287252683"/>
                   </a:ext>
                 </a:extLst>
               </a:tr>
@@ -7393,7 +8835,7 @@
                 </a:tc>
                 <a:extLst>
                   <a:ext uri="{0D108BD9-81ED-4DB2-BD59-A6C34878D82A}">
-                    <a16:rowId xmlns:a16="http://schemas.microsoft.com/office/drawing/2014/main" xmlns="" val="3931255069"/>
+                    <a16:rowId xmlns="" xmlns:a16="http://schemas.microsoft.com/office/drawing/2014/main" val="3931255069"/>
                   </a:ext>
                 </a:extLst>
               </a:tr>
@@ -7428,7 +8870,7 @@
                 </a:tc>
                 <a:extLst>
                   <a:ext uri="{0D108BD9-81ED-4DB2-BD59-A6C34878D82A}">
-                    <a16:rowId xmlns:a16="http://schemas.microsoft.com/office/drawing/2014/main" xmlns="" val="3016523529"/>
+                    <a16:rowId xmlns="" xmlns:a16="http://schemas.microsoft.com/office/drawing/2014/main" val="3016523529"/>
                   </a:ext>
                 </a:extLst>
               </a:tr>
@@ -7463,7 +8905,7 @@
                 </a:tc>
                 <a:extLst>
                   <a:ext uri="{0D108BD9-81ED-4DB2-BD59-A6C34878D82A}">
-                    <a16:rowId xmlns:a16="http://schemas.microsoft.com/office/drawing/2014/main" xmlns="" val="3948036698"/>
+                    <a16:rowId xmlns="" xmlns:a16="http://schemas.microsoft.com/office/drawing/2014/main" val="3948036698"/>
                   </a:ext>
                 </a:extLst>
               </a:tr>
@@ -7498,7 +8940,7 @@
                 </a:tc>
                 <a:extLst>
                   <a:ext uri="{0D108BD9-81ED-4DB2-BD59-A6C34878D82A}">
-                    <a16:rowId xmlns:a16="http://schemas.microsoft.com/office/drawing/2014/main" xmlns="" val="1862235874"/>
+                    <a16:rowId xmlns="" xmlns:a16="http://schemas.microsoft.com/office/drawing/2014/main" val="1862235874"/>
                   </a:ext>
                 </a:extLst>
               </a:tr>
@@ -7533,7 +8975,7 @@
                 </a:tc>
                 <a:extLst>
                   <a:ext uri="{0D108BD9-81ED-4DB2-BD59-A6C34878D82A}">
-                    <a16:rowId xmlns:a16="http://schemas.microsoft.com/office/drawing/2014/main" xmlns="" val="1952473074"/>
+                    <a16:rowId xmlns="" xmlns:a16="http://schemas.microsoft.com/office/drawing/2014/main" val="1952473074"/>
                   </a:ext>
                 </a:extLst>
               </a:tr>
@@ -7568,7 +9010,7 @@
                 </a:tc>
                 <a:extLst>
                   <a:ext uri="{0D108BD9-81ED-4DB2-BD59-A6C34878D82A}">
-                    <a16:rowId xmlns:a16="http://schemas.microsoft.com/office/drawing/2014/main" xmlns="" val="3794391533"/>
+                    <a16:rowId xmlns="" xmlns:a16="http://schemas.microsoft.com/office/drawing/2014/main" val="3794391533"/>
                   </a:ext>
                 </a:extLst>
               </a:tr>
@@ -7603,7 +9045,7 @@
                 </a:tc>
                 <a:extLst>
                   <a:ext uri="{0D108BD9-81ED-4DB2-BD59-A6C34878D82A}">
-                    <a16:rowId xmlns:a16="http://schemas.microsoft.com/office/drawing/2014/main" xmlns="" val="4213279396"/>
+                    <a16:rowId xmlns="" xmlns:a16="http://schemas.microsoft.com/office/drawing/2014/main" val="4213279396"/>
                   </a:ext>
                 </a:extLst>
               </a:tr>
@@ -7611,6 +9053,96 @@
           </a:graphicData>
         </a:graphic>
       </p:graphicFrame>
+      <p:pic>
+        <p:nvPicPr>
+          <p:cNvPr id="5" name="Picture 4" descr="TeamLogo.png"/>
+          <p:cNvPicPr>
+            <a:picLocks noChangeAspect="1"/>
+          </p:cNvPicPr>
+          <p:nvPr/>
+        </p:nvPicPr>
+        <p:blipFill>
+          <a:blip r:embed="rId2">
+            <a:extLst>
+              <a:ext uri="{28A0092B-C50C-407E-A947-70E740481C1C}">
+                <a14:useLocalDpi xmlns:a14="http://schemas.microsoft.com/office/drawing/2010/main" val="0"/>
+              </a:ext>
+            </a:extLst>
+          </a:blip>
+          <a:stretch>
+            <a:fillRect/>
+          </a:stretch>
+        </p:blipFill>
+        <p:spPr>
+          <a:xfrm>
+            <a:off x="11220623" y="206756"/>
+            <a:ext cx="742103" cy="989471"/>
+          </a:xfrm>
+          <a:prstGeom prst="rect">
+            <a:avLst/>
+          </a:prstGeom>
+        </p:spPr>
+      </p:pic>
+      <p:sp>
+        <p:nvSpPr>
+          <p:cNvPr id="6" name="TextBox 5"/>
+          <p:cNvSpPr txBox="1"/>
+          <p:nvPr/>
+        </p:nvSpPr>
+        <p:spPr>
+          <a:xfrm>
+            <a:off x="1122291" y="6335573"/>
+            <a:ext cx="1629623" cy="369332"/>
+          </a:xfrm>
+          <a:prstGeom prst="rect">
+            <a:avLst/>
+          </a:prstGeom>
+          <a:noFill/>
+        </p:spPr>
+        <p:txBody>
+          <a:bodyPr wrap="none" rtlCol="0">
+            <a:spAutoFit/>
+          </a:bodyPr>
+          <a:lstStyle/>
+          <a:p>
+            <a:r>
+              <a:rPr lang="en-US" dirty="0" smtClean="0"/>
+              <a:t>Code Monkey</a:t>
+            </a:r>
+            <a:endParaRPr lang="en-US" dirty="0"/>
+          </a:p>
+        </p:txBody>
+      </p:sp>
+      <p:sp>
+        <p:nvSpPr>
+          <p:cNvPr id="7" name="TextBox 6"/>
+          <p:cNvSpPr txBox="1"/>
+          <p:nvPr/>
+        </p:nvSpPr>
+        <p:spPr>
+          <a:xfrm>
+            <a:off x="9499907" y="6369826"/>
+            <a:ext cx="1478703" cy="369332"/>
+          </a:xfrm>
+          <a:prstGeom prst="rect">
+            <a:avLst/>
+          </a:prstGeom>
+          <a:noFill/>
+        </p:spPr>
+        <p:txBody>
+          <a:bodyPr wrap="none" rtlCol="0">
+            <a:spAutoFit/>
+          </a:bodyPr>
+          <a:lstStyle/>
+          <a:p>
+            <a:r>
+              <a:rPr lang="en-US" dirty="0" smtClean="0"/>
+              <a:t>April 5, 2017</a:t>
+            </a:r>
+            <a:endParaRPr lang="en-US" dirty="0"/>
+          </a:p>
+        </p:txBody>
+      </p:sp>
     </p:spTree>
     <p:extLst>
       <p:ext uri="{BB962C8B-B14F-4D97-AF65-F5344CB8AC3E}">
@@ -7712,14 +9244,14 @@
                 <a:gridCol w="5486400">
                   <a:extLst>
                     <a:ext uri="{9D8B030D-6E8A-4147-A177-3AD203B41FA5}">
-                      <a16:colId xmlns:a16="http://schemas.microsoft.com/office/drawing/2014/main" xmlns="" val="3661438328"/>
+                      <a16:colId xmlns="" xmlns:a16="http://schemas.microsoft.com/office/drawing/2014/main" val="3661438328"/>
                     </a:ext>
                   </a:extLst>
                 </a:gridCol>
                 <a:gridCol w="5486400">
                   <a:extLst>
                     <a:ext uri="{9D8B030D-6E8A-4147-A177-3AD203B41FA5}">
-                      <a16:colId xmlns:a16="http://schemas.microsoft.com/office/drawing/2014/main" xmlns="" val="2462084561"/>
+                      <a16:colId xmlns="" xmlns:a16="http://schemas.microsoft.com/office/drawing/2014/main" val="2462084561"/>
                     </a:ext>
                   </a:extLst>
                 </a:gridCol>
@@ -7755,7 +9287,7 @@
                 </a:tc>
                 <a:extLst>
                   <a:ext uri="{0D108BD9-81ED-4DB2-BD59-A6C34878D82A}">
-                    <a16:rowId xmlns:a16="http://schemas.microsoft.com/office/drawing/2014/main" xmlns="" val="2830022487"/>
+                    <a16:rowId xmlns="" xmlns:a16="http://schemas.microsoft.com/office/drawing/2014/main" val="2830022487"/>
                   </a:ext>
                 </a:extLst>
               </a:tr>
@@ -7790,7 +9322,7 @@
                 </a:tc>
                 <a:extLst>
                   <a:ext uri="{0D108BD9-81ED-4DB2-BD59-A6C34878D82A}">
-                    <a16:rowId xmlns:a16="http://schemas.microsoft.com/office/drawing/2014/main" xmlns="" val="3462792300"/>
+                    <a16:rowId xmlns="" xmlns:a16="http://schemas.microsoft.com/office/drawing/2014/main" val="3462792300"/>
                   </a:ext>
                 </a:extLst>
               </a:tr>
@@ -7833,7 +9365,7 @@
                 </a:tc>
                 <a:extLst>
                   <a:ext uri="{0D108BD9-81ED-4DB2-BD59-A6C34878D82A}">
-                    <a16:rowId xmlns:a16="http://schemas.microsoft.com/office/drawing/2014/main" xmlns="" val="3061581558"/>
+                    <a16:rowId xmlns="" xmlns:a16="http://schemas.microsoft.com/office/drawing/2014/main" val="3061581558"/>
                   </a:ext>
                 </a:extLst>
               </a:tr>
@@ -7884,7 +9416,7 @@
                 </a:tc>
                 <a:extLst>
                   <a:ext uri="{0D108BD9-81ED-4DB2-BD59-A6C34878D82A}">
-                    <a16:rowId xmlns:a16="http://schemas.microsoft.com/office/drawing/2014/main" xmlns="" val="742086977"/>
+                    <a16:rowId xmlns="" xmlns:a16="http://schemas.microsoft.com/office/drawing/2014/main" val="742086977"/>
                   </a:ext>
                 </a:extLst>
               </a:tr>
@@ -7923,7 +9455,7 @@
                 </a:tc>
                 <a:extLst>
                   <a:ext uri="{0D108BD9-81ED-4DB2-BD59-A6C34878D82A}">
-                    <a16:rowId xmlns:a16="http://schemas.microsoft.com/office/drawing/2014/main" xmlns="" val="2361850435"/>
+                    <a16:rowId xmlns="" xmlns:a16="http://schemas.microsoft.com/office/drawing/2014/main" val="2361850435"/>
                   </a:ext>
                 </a:extLst>
               </a:tr>
@@ -7966,7 +9498,7 @@
                 </a:tc>
                 <a:extLst>
                   <a:ext uri="{0D108BD9-81ED-4DB2-BD59-A6C34878D82A}">
-                    <a16:rowId xmlns:a16="http://schemas.microsoft.com/office/drawing/2014/main" xmlns="" val="2876776749"/>
+                    <a16:rowId xmlns="" xmlns:a16="http://schemas.microsoft.com/office/drawing/2014/main" val="2876776749"/>
                   </a:ext>
                 </a:extLst>
               </a:tr>
@@ -8001,7 +9533,7 @@
                 </a:tc>
                 <a:extLst>
                   <a:ext uri="{0D108BD9-81ED-4DB2-BD59-A6C34878D82A}">
-                    <a16:rowId xmlns:a16="http://schemas.microsoft.com/office/drawing/2014/main" xmlns="" val="2847548840"/>
+                    <a16:rowId xmlns="" xmlns:a16="http://schemas.microsoft.com/office/drawing/2014/main" val="2847548840"/>
                   </a:ext>
                 </a:extLst>
               </a:tr>
@@ -8040,7 +9572,7 @@
                 </a:tc>
                 <a:extLst>
                   <a:ext uri="{0D108BD9-81ED-4DB2-BD59-A6C34878D82A}">
-                    <a16:rowId xmlns:a16="http://schemas.microsoft.com/office/drawing/2014/main" xmlns="" val="1662843150"/>
+                    <a16:rowId xmlns="" xmlns:a16="http://schemas.microsoft.com/office/drawing/2014/main" val="1662843150"/>
                   </a:ext>
                 </a:extLst>
               </a:tr>
@@ -8048,6 +9580,96 @@
           </a:graphicData>
         </a:graphic>
       </p:graphicFrame>
+      <p:pic>
+        <p:nvPicPr>
+          <p:cNvPr id="5" name="Picture 4" descr="TeamLogo.png"/>
+          <p:cNvPicPr>
+            <a:picLocks noChangeAspect="1"/>
+          </p:cNvPicPr>
+          <p:nvPr/>
+        </p:nvPicPr>
+        <p:blipFill>
+          <a:blip r:embed="rId2">
+            <a:extLst>
+              <a:ext uri="{28A0092B-C50C-407E-A947-70E740481C1C}">
+                <a14:useLocalDpi xmlns:a14="http://schemas.microsoft.com/office/drawing/2010/main" val="0"/>
+              </a:ext>
+            </a:extLst>
+          </a:blip>
+          <a:stretch>
+            <a:fillRect/>
+          </a:stretch>
+        </p:blipFill>
+        <p:spPr>
+          <a:xfrm>
+            <a:off x="11220623" y="206756"/>
+            <a:ext cx="742103" cy="989471"/>
+          </a:xfrm>
+          <a:prstGeom prst="rect">
+            <a:avLst/>
+          </a:prstGeom>
+        </p:spPr>
+      </p:pic>
+      <p:sp>
+        <p:nvSpPr>
+          <p:cNvPr id="6" name="TextBox 5"/>
+          <p:cNvSpPr txBox="1"/>
+          <p:nvPr/>
+        </p:nvSpPr>
+        <p:spPr>
+          <a:xfrm>
+            <a:off x="1122291" y="6335573"/>
+            <a:ext cx="1629623" cy="369332"/>
+          </a:xfrm>
+          <a:prstGeom prst="rect">
+            <a:avLst/>
+          </a:prstGeom>
+          <a:noFill/>
+        </p:spPr>
+        <p:txBody>
+          <a:bodyPr wrap="none" rtlCol="0">
+            <a:spAutoFit/>
+          </a:bodyPr>
+          <a:lstStyle/>
+          <a:p>
+            <a:r>
+              <a:rPr lang="en-US" dirty="0" smtClean="0"/>
+              <a:t>Code Monkey</a:t>
+            </a:r>
+            <a:endParaRPr lang="en-US" dirty="0"/>
+          </a:p>
+        </p:txBody>
+      </p:sp>
+      <p:sp>
+        <p:nvSpPr>
+          <p:cNvPr id="7" name="TextBox 6"/>
+          <p:cNvSpPr txBox="1"/>
+          <p:nvPr/>
+        </p:nvSpPr>
+        <p:spPr>
+          <a:xfrm>
+            <a:off x="9499907" y="6369826"/>
+            <a:ext cx="1478703" cy="369332"/>
+          </a:xfrm>
+          <a:prstGeom prst="rect">
+            <a:avLst/>
+          </a:prstGeom>
+          <a:noFill/>
+        </p:spPr>
+        <p:txBody>
+          <a:bodyPr wrap="none" rtlCol="0">
+            <a:spAutoFit/>
+          </a:bodyPr>
+          <a:lstStyle/>
+          <a:p>
+            <a:r>
+              <a:rPr lang="en-US" dirty="0" smtClean="0"/>
+              <a:t>April 5, 2017</a:t>
+            </a:r>
+            <a:endParaRPr lang="en-US" dirty="0"/>
+          </a:p>
+        </p:txBody>
+      </p:sp>
     </p:spTree>
     <p:extLst>
       <p:ext uri="{BB962C8B-B14F-4D97-AF65-F5344CB8AC3E}">
@@ -8149,28 +9771,28 @@
                 <a:gridCol w="2743200">
                   <a:extLst>
                     <a:ext uri="{9D8B030D-6E8A-4147-A177-3AD203B41FA5}">
-                      <a16:colId xmlns:a16="http://schemas.microsoft.com/office/drawing/2014/main" xmlns="" val="4007007747"/>
+                      <a16:colId xmlns="" xmlns:a16="http://schemas.microsoft.com/office/drawing/2014/main" val="4007007747"/>
                     </a:ext>
                   </a:extLst>
                 </a:gridCol>
                 <a:gridCol w="2743200">
                   <a:extLst>
                     <a:ext uri="{9D8B030D-6E8A-4147-A177-3AD203B41FA5}">
-                      <a16:colId xmlns:a16="http://schemas.microsoft.com/office/drawing/2014/main" xmlns="" val="2089765381"/>
+                      <a16:colId xmlns="" xmlns:a16="http://schemas.microsoft.com/office/drawing/2014/main" val="2089765381"/>
                     </a:ext>
                   </a:extLst>
                 </a:gridCol>
                 <a:gridCol w="2743200">
                   <a:extLst>
                     <a:ext uri="{9D8B030D-6E8A-4147-A177-3AD203B41FA5}">
-                      <a16:colId xmlns:a16="http://schemas.microsoft.com/office/drawing/2014/main" xmlns="" val="2946535250"/>
+                      <a16:colId xmlns="" xmlns:a16="http://schemas.microsoft.com/office/drawing/2014/main" val="2946535250"/>
                     </a:ext>
                   </a:extLst>
                 </a:gridCol>
                 <a:gridCol w="2743200">
                   <a:extLst>
                     <a:ext uri="{9D8B030D-6E8A-4147-A177-3AD203B41FA5}">
-                      <a16:colId xmlns:a16="http://schemas.microsoft.com/office/drawing/2014/main" xmlns="" val="2232881725"/>
+                      <a16:colId xmlns="" xmlns:a16="http://schemas.microsoft.com/office/drawing/2014/main" val="2232881725"/>
                     </a:ext>
                   </a:extLst>
                 </a:gridCol>
@@ -8234,7 +9856,7 @@
                 </a:tc>
                 <a:extLst>
                   <a:ext uri="{0D108BD9-81ED-4DB2-BD59-A6C34878D82A}">
-                    <a16:rowId xmlns:a16="http://schemas.microsoft.com/office/drawing/2014/main" xmlns="" val="2585052838"/>
+                    <a16:rowId xmlns="" xmlns:a16="http://schemas.microsoft.com/office/drawing/2014/main" val="2585052838"/>
                   </a:ext>
                 </a:extLst>
               </a:tr>
@@ -8301,7 +9923,7 @@
                 </a:tc>
                 <a:extLst>
                   <a:ext uri="{0D108BD9-81ED-4DB2-BD59-A6C34878D82A}">
-                    <a16:rowId xmlns:a16="http://schemas.microsoft.com/office/drawing/2014/main" xmlns="" val="1152342311"/>
+                    <a16:rowId xmlns="" xmlns:a16="http://schemas.microsoft.com/office/drawing/2014/main" val="1152342311"/>
                   </a:ext>
                 </a:extLst>
               </a:tr>
@@ -8368,7 +9990,7 @@
                 </a:tc>
                 <a:extLst>
                   <a:ext uri="{0D108BD9-81ED-4DB2-BD59-A6C34878D82A}">
-                    <a16:rowId xmlns:a16="http://schemas.microsoft.com/office/drawing/2014/main" xmlns="" val="2957515265"/>
+                    <a16:rowId xmlns="" xmlns:a16="http://schemas.microsoft.com/office/drawing/2014/main" val="2957515265"/>
                   </a:ext>
                 </a:extLst>
               </a:tr>
@@ -8376,6 +9998,96 @@
           </a:graphicData>
         </a:graphic>
       </p:graphicFrame>
+      <p:pic>
+        <p:nvPicPr>
+          <p:cNvPr id="5" name="Picture 4" descr="TeamLogo.png"/>
+          <p:cNvPicPr>
+            <a:picLocks noChangeAspect="1"/>
+          </p:cNvPicPr>
+          <p:nvPr/>
+        </p:nvPicPr>
+        <p:blipFill>
+          <a:blip r:embed="rId2">
+            <a:extLst>
+              <a:ext uri="{28A0092B-C50C-407E-A947-70E740481C1C}">
+                <a14:useLocalDpi xmlns:a14="http://schemas.microsoft.com/office/drawing/2010/main" val="0"/>
+              </a:ext>
+            </a:extLst>
+          </a:blip>
+          <a:stretch>
+            <a:fillRect/>
+          </a:stretch>
+        </p:blipFill>
+        <p:spPr>
+          <a:xfrm>
+            <a:off x="11220623" y="206756"/>
+            <a:ext cx="742103" cy="989471"/>
+          </a:xfrm>
+          <a:prstGeom prst="rect">
+            <a:avLst/>
+          </a:prstGeom>
+        </p:spPr>
+      </p:pic>
+      <p:sp>
+        <p:nvSpPr>
+          <p:cNvPr id="6" name="TextBox 5"/>
+          <p:cNvSpPr txBox="1"/>
+          <p:nvPr/>
+        </p:nvSpPr>
+        <p:spPr>
+          <a:xfrm>
+            <a:off x="1122291" y="6335573"/>
+            <a:ext cx="1629623" cy="369332"/>
+          </a:xfrm>
+          <a:prstGeom prst="rect">
+            <a:avLst/>
+          </a:prstGeom>
+          <a:noFill/>
+        </p:spPr>
+        <p:txBody>
+          <a:bodyPr wrap="none" rtlCol="0">
+            <a:spAutoFit/>
+          </a:bodyPr>
+          <a:lstStyle/>
+          <a:p>
+            <a:r>
+              <a:rPr lang="en-US" dirty="0" smtClean="0"/>
+              <a:t>Code Monkey</a:t>
+            </a:r>
+            <a:endParaRPr lang="en-US" dirty="0"/>
+          </a:p>
+        </p:txBody>
+      </p:sp>
+      <p:sp>
+        <p:nvSpPr>
+          <p:cNvPr id="7" name="TextBox 6"/>
+          <p:cNvSpPr txBox="1"/>
+          <p:nvPr/>
+        </p:nvSpPr>
+        <p:spPr>
+          <a:xfrm>
+            <a:off x="9499907" y="6369826"/>
+            <a:ext cx="1478703" cy="369332"/>
+          </a:xfrm>
+          <a:prstGeom prst="rect">
+            <a:avLst/>
+          </a:prstGeom>
+          <a:noFill/>
+        </p:spPr>
+        <p:txBody>
+          <a:bodyPr wrap="none" rtlCol="0">
+            <a:spAutoFit/>
+          </a:bodyPr>
+          <a:lstStyle/>
+          <a:p>
+            <a:r>
+              <a:rPr lang="en-US" dirty="0" smtClean="0"/>
+              <a:t>April 5, 2017</a:t>
+            </a:r>
+            <a:endParaRPr lang="en-US" dirty="0"/>
+          </a:p>
+        </p:txBody>
+      </p:sp>
     </p:spTree>
     <p:extLst>
       <p:ext uri="{BB962C8B-B14F-4D97-AF65-F5344CB8AC3E}">
@@ -8477,28 +10189,28 @@
                 <a:gridCol w="2743200">
                   <a:extLst>
                     <a:ext uri="{9D8B030D-6E8A-4147-A177-3AD203B41FA5}">
-                      <a16:colId xmlns:a16="http://schemas.microsoft.com/office/drawing/2014/main" xmlns="" val="4007007747"/>
+                      <a16:colId xmlns="" xmlns:a16="http://schemas.microsoft.com/office/drawing/2014/main" val="4007007747"/>
                     </a:ext>
                   </a:extLst>
                 </a:gridCol>
                 <a:gridCol w="2743200">
                   <a:extLst>
                     <a:ext uri="{9D8B030D-6E8A-4147-A177-3AD203B41FA5}">
-                      <a16:colId xmlns:a16="http://schemas.microsoft.com/office/drawing/2014/main" xmlns="" val="2089765381"/>
+                      <a16:colId xmlns="" xmlns:a16="http://schemas.microsoft.com/office/drawing/2014/main" val="2089765381"/>
                     </a:ext>
                   </a:extLst>
                 </a:gridCol>
                 <a:gridCol w="2743200">
                   <a:extLst>
                     <a:ext uri="{9D8B030D-6E8A-4147-A177-3AD203B41FA5}">
-                      <a16:colId xmlns:a16="http://schemas.microsoft.com/office/drawing/2014/main" xmlns="" val="2946535250"/>
+                      <a16:colId xmlns="" xmlns:a16="http://schemas.microsoft.com/office/drawing/2014/main" val="2946535250"/>
                     </a:ext>
                   </a:extLst>
                 </a:gridCol>
                 <a:gridCol w="2743200">
                   <a:extLst>
                     <a:ext uri="{9D8B030D-6E8A-4147-A177-3AD203B41FA5}">
-                      <a16:colId xmlns:a16="http://schemas.microsoft.com/office/drawing/2014/main" xmlns="" val="2232881725"/>
+                      <a16:colId xmlns="" xmlns:a16="http://schemas.microsoft.com/office/drawing/2014/main" val="2232881725"/>
                     </a:ext>
                   </a:extLst>
                 </a:gridCol>
@@ -8562,7 +10274,7 @@
                 </a:tc>
                 <a:extLst>
                   <a:ext uri="{0D108BD9-81ED-4DB2-BD59-A6C34878D82A}">
-                    <a16:rowId xmlns:a16="http://schemas.microsoft.com/office/drawing/2014/main" xmlns="" val="2585052838"/>
+                    <a16:rowId xmlns="" xmlns:a16="http://schemas.microsoft.com/office/drawing/2014/main" val="2585052838"/>
                   </a:ext>
                 </a:extLst>
               </a:tr>
@@ -8629,7 +10341,7 @@
                 </a:tc>
                 <a:extLst>
                   <a:ext uri="{0D108BD9-81ED-4DB2-BD59-A6C34878D82A}">
-                    <a16:rowId xmlns:a16="http://schemas.microsoft.com/office/drawing/2014/main" xmlns="" val="3190619547"/>
+                    <a16:rowId xmlns="" xmlns:a16="http://schemas.microsoft.com/office/drawing/2014/main" val="3190619547"/>
                   </a:ext>
                 </a:extLst>
               </a:tr>
@@ -8690,7 +10402,7 @@
                 </a:tc>
                 <a:extLst>
                   <a:ext uri="{0D108BD9-81ED-4DB2-BD59-A6C34878D82A}">
-                    <a16:rowId xmlns:a16="http://schemas.microsoft.com/office/drawing/2014/main" xmlns="" val="1767920701"/>
+                    <a16:rowId xmlns="" xmlns:a16="http://schemas.microsoft.com/office/drawing/2014/main" val="1767920701"/>
                   </a:ext>
                 </a:extLst>
               </a:tr>
@@ -8757,7 +10469,7 @@
                 </a:tc>
                 <a:extLst>
                   <a:ext uri="{0D108BD9-81ED-4DB2-BD59-A6C34878D82A}">
-                    <a16:rowId xmlns:a16="http://schemas.microsoft.com/office/drawing/2014/main" xmlns="" val="1045687176"/>
+                    <a16:rowId xmlns="" xmlns:a16="http://schemas.microsoft.com/office/drawing/2014/main" val="1045687176"/>
                   </a:ext>
                 </a:extLst>
               </a:tr>
@@ -8824,7 +10536,7 @@
                 </a:tc>
                 <a:extLst>
                   <a:ext uri="{0D108BD9-81ED-4DB2-BD59-A6C34878D82A}">
-                    <a16:rowId xmlns:a16="http://schemas.microsoft.com/office/drawing/2014/main" xmlns="" val="2351577163"/>
+                    <a16:rowId xmlns="" xmlns:a16="http://schemas.microsoft.com/office/drawing/2014/main" val="2351577163"/>
                   </a:ext>
                 </a:extLst>
               </a:tr>
@@ -8891,7 +10603,7 @@
                 </a:tc>
                 <a:extLst>
                   <a:ext uri="{0D108BD9-81ED-4DB2-BD59-A6C34878D82A}">
-                    <a16:rowId xmlns:a16="http://schemas.microsoft.com/office/drawing/2014/main" xmlns="" val="3050760200"/>
+                    <a16:rowId xmlns="" xmlns:a16="http://schemas.microsoft.com/office/drawing/2014/main" val="3050760200"/>
                   </a:ext>
                 </a:extLst>
               </a:tr>
@@ -8899,6 +10611,96 @@
           </a:graphicData>
         </a:graphic>
       </p:graphicFrame>
+      <p:pic>
+        <p:nvPicPr>
+          <p:cNvPr id="5" name="Picture 4" descr="TeamLogo.png"/>
+          <p:cNvPicPr>
+            <a:picLocks noChangeAspect="1"/>
+          </p:cNvPicPr>
+          <p:nvPr/>
+        </p:nvPicPr>
+        <p:blipFill>
+          <a:blip r:embed="rId2">
+            <a:extLst>
+              <a:ext uri="{28A0092B-C50C-407E-A947-70E740481C1C}">
+                <a14:useLocalDpi xmlns:a14="http://schemas.microsoft.com/office/drawing/2010/main" val="0"/>
+              </a:ext>
+            </a:extLst>
+          </a:blip>
+          <a:stretch>
+            <a:fillRect/>
+          </a:stretch>
+        </p:blipFill>
+        <p:spPr>
+          <a:xfrm>
+            <a:off x="11220623" y="206756"/>
+            <a:ext cx="742103" cy="989471"/>
+          </a:xfrm>
+          <a:prstGeom prst="rect">
+            <a:avLst/>
+          </a:prstGeom>
+        </p:spPr>
+      </p:pic>
+      <p:sp>
+        <p:nvSpPr>
+          <p:cNvPr id="6" name="TextBox 5"/>
+          <p:cNvSpPr txBox="1"/>
+          <p:nvPr/>
+        </p:nvSpPr>
+        <p:spPr>
+          <a:xfrm>
+            <a:off x="1122291" y="6335573"/>
+            <a:ext cx="1629623" cy="369332"/>
+          </a:xfrm>
+          <a:prstGeom prst="rect">
+            <a:avLst/>
+          </a:prstGeom>
+          <a:noFill/>
+        </p:spPr>
+        <p:txBody>
+          <a:bodyPr wrap="none" rtlCol="0">
+            <a:spAutoFit/>
+          </a:bodyPr>
+          <a:lstStyle/>
+          <a:p>
+            <a:r>
+              <a:rPr lang="en-US" dirty="0" smtClean="0"/>
+              <a:t>Code Monkey</a:t>
+            </a:r>
+            <a:endParaRPr lang="en-US" dirty="0"/>
+          </a:p>
+        </p:txBody>
+      </p:sp>
+      <p:sp>
+        <p:nvSpPr>
+          <p:cNvPr id="7" name="TextBox 6"/>
+          <p:cNvSpPr txBox="1"/>
+          <p:nvPr/>
+        </p:nvSpPr>
+        <p:spPr>
+          <a:xfrm>
+            <a:off x="9499907" y="6369826"/>
+            <a:ext cx="1478703" cy="369332"/>
+          </a:xfrm>
+          <a:prstGeom prst="rect">
+            <a:avLst/>
+          </a:prstGeom>
+          <a:noFill/>
+        </p:spPr>
+        <p:txBody>
+          <a:bodyPr wrap="none" rtlCol="0">
+            <a:spAutoFit/>
+          </a:bodyPr>
+          <a:lstStyle/>
+          <a:p>
+            <a:r>
+              <a:rPr lang="en-US" dirty="0" smtClean="0"/>
+              <a:t>April 5, 2017</a:t>
+            </a:r>
+            <a:endParaRPr lang="en-US" dirty="0"/>
+          </a:p>
+        </p:txBody>
+      </p:sp>
     </p:spTree>
     <p:extLst>
       <p:ext uri="{BB962C8B-B14F-4D97-AF65-F5344CB8AC3E}">
@@ -8963,6 +10765,10 @@
           <a:bodyPr/>
           <a:lstStyle/>
           <a:p>
+            <a:r>
+              <a:rPr lang="en-US" dirty="0"/>
+              <a:t>Effort Estimate Assumptions</a:t>
+            </a:r>
             <a:endParaRPr lang="en-US" dirty="0"/>
           </a:p>
         </p:txBody>
@@ -8996,28 +10802,28 @@
                 <a:gridCol w="2743200">
                   <a:extLst>
                     <a:ext uri="{9D8B030D-6E8A-4147-A177-3AD203B41FA5}">
-                      <a16:colId xmlns:a16="http://schemas.microsoft.com/office/drawing/2014/main" xmlns="" val="4007007747"/>
+                      <a16:colId xmlns="" xmlns:a16="http://schemas.microsoft.com/office/drawing/2014/main" val="4007007747"/>
                     </a:ext>
                   </a:extLst>
                 </a:gridCol>
                 <a:gridCol w="2743200">
                   <a:extLst>
                     <a:ext uri="{9D8B030D-6E8A-4147-A177-3AD203B41FA5}">
-                      <a16:colId xmlns:a16="http://schemas.microsoft.com/office/drawing/2014/main" xmlns="" val="2089765381"/>
+                      <a16:colId xmlns="" xmlns:a16="http://schemas.microsoft.com/office/drawing/2014/main" val="2089765381"/>
                     </a:ext>
                   </a:extLst>
                 </a:gridCol>
                 <a:gridCol w="2743200">
                   <a:extLst>
                     <a:ext uri="{9D8B030D-6E8A-4147-A177-3AD203B41FA5}">
-                      <a16:colId xmlns:a16="http://schemas.microsoft.com/office/drawing/2014/main" xmlns="" val="2946535250"/>
+                      <a16:colId xmlns="" xmlns:a16="http://schemas.microsoft.com/office/drawing/2014/main" val="2946535250"/>
                     </a:ext>
                   </a:extLst>
                 </a:gridCol>
                 <a:gridCol w="2743200">
                   <a:extLst>
                     <a:ext uri="{9D8B030D-6E8A-4147-A177-3AD203B41FA5}">
-                      <a16:colId xmlns:a16="http://schemas.microsoft.com/office/drawing/2014/main" xmlns="" val="2232881725"/>
+                      <a16:colId xmlns="" xmlns:a16="http://schemas.microsoft.com/office/drawing/2014/main" val="2232881725"/>
                     </a:ext>
                   </a:extLst>
                 </a:gridCol>
@@ -9081,7 +10887,7 @@
                 </a:tc>
                 <a:extLst>
                   <a:ext uri="{0D108BD9-81ED-4DB2-BD59-A6C34878D82A}">
-                    <a16:rowId xmlns:a16="http://schemas.microsoft.com/office/drawing/2014/main" xmlns="" val="2585052838"/>
+                    <a16:rowId xmlns="" xmlns:a16="http://schemas.microsoft.com/office/drawing/2014/main" val="2585052838"/>
                   </a:ext>
                 </a:extLst>
               </a:tr>
@@ -9148,7 +10954,7 @@
                 </a:tc>
                 <a:extLst>
                   <a:ext uri="{0D108BD9-81ED-4DB2-BD59-A6C34878D82A}">
-                    <a16:rowId xmlns:a16="http://schemas.microsoft.com/office/drawing/2014/main" xmlns="" val="4002715652"/>
+                    <a16:rowId xmlns="" xmlns:a16="http://schemas.microsoft.com/office/drawing/2014/main" val="4002715652"/>
                   </a:ext>
                 </a:extLst>
               </a:tr>
@@ -9209,7 +11015,7 @@
                 </a:tc>
                 <a:extLst>
                   <a:ext uri="{0D108BD9-81ED-4DB2-BD59-A6C34878D82A}">
-                    <a16:rowId xmlns:a16="http://schemas.microsoft.com/office/drawing/2014/main" xmlns="" val="2947406717"/>
+                    <a16:rowId xmlns="" xmlns:a16="http://schemas.microsoft.com/office/drawing/2014/main" val="2947406717"/>
                   </a:ext>
                 </a:extLst>
               </a:tr>
@@ -9276,7 +11082,7 @@
                 </a:tc>
                 <a:extLst>
                   <a:ext uri="{0D108BD9-81ED-4DB2-BD59-A6C34878D82A}">
-                    <a16:rowId xmlns:a16="http://schemas.microsoft.com/office/drawing/2014/main" xmlns="" val="864418350"/>
+                    <a16:rowId xmlns="" xmlns:a16="http://schemas.microsoft.com/office/drawing/2014/main" val="864418350"/>
                   </a:ext>
                 </a:extLst>
               </a:tr>
@@ -9284,6 +11090,96 @@
           </a:graphicData>
         </a:graphic>
       </p:graphicFrame>
+      <p:pic>
+        <p:nvPicPr>
+          <p:cNvPr id="5" name="Picture 4" descr="TeamLogo.png"/>
+          <p:cNvPicPr>
+            <a:picLocks noChangeAspect="1"/>
+          </p:cNvPicPr>
+          <p:nvPr/>
+        </p:nvPicPr>
+        <p:blipFill>
+          <a:blip r:embed="rId2">
+            <a:extLst>
+              <a:ext uri="{28A0092B-C50C-407E-A947-70E740481C1C}">
+                <a14:useLocalDpi xmlns:a14="http://schemas.microsoft.com/office/drawing/2010/main" val="0"/>
+              </a:ext>
+            </a:extLst>
+          </a:blip>
+          <a:stretch>
+            <a:fillRect/>
+          </a:stretch>
+        </p:blipFill>
+        <p:spPr>
+          <a:xfrm>
+            <a:off x="11220623" y="206756"/>
+            <a:ext cx="742103" cy="989471"/>
+          </a:xfrm>
+          <a:prstGeom prst="rect">
+            <a:avLst/>
+          </a:prstGeom>
+        </p:spPr>
+      </p:pic>
+      <p:sp>
+        <p:nvSpPr>
+          <p:cNvPr id="6" name="TextBox 5"/>
+          <p:cNvSpPr txBox="1"/>
+          <p:nvPr/>
+        </p:nvSpPr>
+        <p:spPr>
+          <a:xfrm>
+            <a:off x="1122291" y="6335573"/>
+            <a:ext cx="1629623" cy="369332"/>
+          </a:xfrm>
+          <a:prstGeom prst="rect">
+            <a:avLst/>
+          </a:prstGeom>
+          <a:noFill/>
+        </p:spPr>
+        <p:txBody>
+          <a:bodyPr wrap="none" rtlCol="0">
+            <a:spAutoFit/>
+          </a:bodyPr>
+          <a:lstStyle/>
+          <a:p>
+            <a:r>
+              <a:rPr lang="en-US" dirty="0" smtClean="0"/>
+              <a:t>Code Monkey</a:t>
+            </a:r>
+            <a:endParaRPr lang="en-US" dirty="0"/>
+          </a:p>
+        </p:txBody>
+      </p:sp>
+      <p:sp>
+        <p:nvSpPr>
+          <p:cNvPr id="7" name="TextBox 6"/>
+          <p:cNvSpPr txBox="1"/>
+          <p:nvPr/>
+        </p:nvSpPr>
+        <p:spPr>
+          <a:xfrm>
+            <a:off x="9499907" y="6369826"/>
+            <a:ext cx="1478703" cy="369332"/>
+          </a:xfrm>
+          <a:prstGeom prst="rect">
+            <a:avLst/>
+          </a:prstGeom>
+          <a:noFill/>
+        </p:spPr>
+        <p:txBody>
+          <a:bodyPr wrap="none" rtlCol="0">
+            <a:spAutoFit/>
+          </a:bodyPr>
+          <a:lstStyle/>
+          <a:p>
+            <a:r>
+              <a:rPr lang="en-US" dirty="0" smtClean="0"/>
+              <a:t>April 5, 2017</a:t>
+            </a:r>
+            <a:endParaRPr lang="en-US" dirty="0"/>
+          </a:p>
+        </p:txBody>
+      </p:sp>
     </p:spTree>
     <p:extLst>
       <p:ext uri="{BB962C8B-B14F-4D97-AF65-F5344CB8AC3E}">
@@ -9578,7 +11474,7 @@
   <a:extraClrSchemeLst/>
   <a:extLst>
     <a:ext uri="{05A4C25C-085E-4340-85A3-A5531E510DB2}">
-      <thm15:themeFamily xmlns:thm15="http://schemas.microsoft.com/office/thememl/2012/main" xmlns="" name="Company background presentation" id="{7C18907C-4901-42BD-8F2C-E63B32C9DCA3}" vid="{B4FC953D-0C69-4290-95E2-4EA0E2E67DEC}"/>
+      <thm15:themeFamily xmlns="" xmlns:thm15="http://schemas.microsoft.com/office/thememl/2012/main" name="Company background presentation" id="{7C18907C-4901-42BD-8F2C-E63B32C9DCA3}" vid="{B4FC953D-0C69-4290-95E2-4EA0E2E67DEC}"/>
     </a:ext>
   </a:extLst>
 </a:theme>
@@ -9839,7 +11735,7 @@
   <a:extraClrSchemeLst/>
   <a:extLst>
     <a:ext uri="{05A4C25C-085E-4340-85A3-A5531E510DB2}">
-      <thm15:themeFamily xmlns:thm15="http://schemas.microsoft.com/office/thememl/2012/main" xmlns="" name="Office Theme" id="{62F939B6-93AF-4DB8-9C6B-D6C7DFDC589F}" vid="{4A3C46E8-61CC-4603-A589-7422A47A8E4A}"/>
+      <thm15:themeFamily xmlns="" xmlns:thm15="http://schemas.microsoft.com/office/thememl/2012/main" name="Office Theme" id="{62F939B6-93AF-4DB8-9C6B-D6C7DFDC589F}" vid="{4A3C46E8-61CC-4603-A589-7422A47A8E4A}"/>
     </a:ext>
   </a:extLst>
 </a:theme>
@@ -10100,7 +11996,7 @@
   <a:extraClrSchemeLst/>
   <a:extLst>
     <a:ext uri="{05A4C25C-085E-4340-85A3-A5531E510DB2}">
-      <thm15:themeFamily xmlns:thm15="http://schemas.microsoft.com/office/thememl/2012/main" xmlns="" name="Office Theme" id="{62F939B6-93AF-4DB8-9C6B-D6C7DFDC589F}" vid="{4A3C46E8-61CC-4603-A589-7422A47A8E4A}"/>
+      <thm15:themeFamily xmlns="" xmlns:thm15="http://schemas.microsoft.com/office/thememl/2012/main" name="Office Theme" id="{62F939B6-93AF-4DB8-9C6B-D6C7DFDC589F}" vid="{4A3C46E8-61CC-4603-A589-7422A47A8E4A}"/>
     </a:ext>
   </a:extLst>
 </a:theme>

--- a/Presentation1.pptx
+++ b/Presentation1.pptx
@@ -128,10 +128,10 @@
   </p:defaultTextStyle>
   <p:extLst>
     <p:ext uri="{EFAFB233-063F-42B5-8137-9DF3F51BA10A}">
-      <p15:sldGuideLst xmlns="" xmlns:p15="http://schemas.microsoft.com/office/powerpoint/2012/main"/>
+      <p15:sldGuideLst xmlns:p15="http://schemas.microsoft.com/office/powerpoint/2012/main" xmlns=""/>
     </p:ext>
     <p:ext uri="{2D200454-40CA-4A62-9FC3-DE9A4176ACB9}">
-      <p15:notesGuideLst xmlns="" xmlns:p15="http://schemas.microsoft.com/office/powerpoint/2012/main"/>
+      <p15:notesGuideLst xmlns:p15="http://schemas.microsoft.com/office/powerpoint/2012/main" xmlns=""/>
     </p:ext>
   </p:extLst>
 </p:presentation>
@@ -219,7 +219,7 @@
           <a:p>
             <a:fld id="{65700FC0-9E7A-4C53-8A3B-3C3C9A736C42}" type="datetimeFigureOut">
               <a:rPr lang="en-US" smtClean="0"/>
-              <a:t>4/3/17</a:t>
+              <a:t>4/4/17</a:t>
             </a:fld>
             <a:endParaRPr lang="en-US"/>
           </a:p>
@@ -384,7 +384,7 @@
           <a:p>
             <a:fld id="{8AF122B6-E47E-4A80-A9F3-23FD10D674FE}" type="datetimeFigureOut">
               <a:rPr lang="en-US" smtClean="0"/>
-              <a:t>4/3/17</a:t>
+              <a:t>4/4/17</a:t>
             </a:fld>
             <a:endParaRPr lang="en-US"/>
           </a:p>
@@ -695,7 +695,7 @@
             <a:fld id="{349BF3EA-1A78-4F07-BDC0-C8A1BD461199}" type="datetimeFigureOut">
               <a:rPr lang="en-US" smtClean="0"/>
               <a:pPr/>
-              <a:t>4/3/17</a:t>
+              <a:t>4/4/17</a:t>
             </a:fld>
             <a:endParaRPr lang="en-US"/>
           </a:p>
@@ -1056,7 +1056,7 @@
           <a:p>
             <a:fld id="{349BF3EA-1A78-4F07-BDC0-C8A1BD461199}" type="datetimeFigureOut">
               <a:rPr lang="en-US" smtClean="0"/>
-              <a:t>4/3/17</a:t>
+              <a:t>4/4/17</a:t>
             </a:fld>
             <a:endParaRPr lang="en-US"/>
           </a:p>
@@ -1254,7 +1254,7 @@
           <a:p>
             <a:fld id="{349BF3EA-1A78-4F07-BDC0-C8A1BD461199}" type="datetimeFigureOut">
               <a:rPr lang="en-US" smtClean="0"/>
-              <a:t>4/3/17</a:t>
+              <a:t>4/4/17</a:t>
             </a:fld>
             <a:endParaRPr lang="en-US"/>
           </a:p>
@@ -1502,7 +1502,7 @@
           <a:p>
             <a:fld id="{349BF3EA-1A78-4F07-BDC0-C8A1BD461199}" type="datetimeFigureOut">
               <a:rPr lang="en-US" smtClean="0"/>
-              <a:t>4/3/17</a:t>
+              <a:t>4/4/17</a:t>
             </a:fld>
             <a:endParaRPr lang="en-US"/>
           </a:p>
@@ -1773,7 +1773,7 @@
           <a:p>
             <a:fld id="{349BF3EA-1A78-4F07-BDC0-C8A1BD461199}" type="datetimeFigureOut">
               <a:rPr lang="en-US" smtClean="0"/>
-              <a:t>4/3/17</a:t>
+              <a:t>4/4/17</a:t>
             </a:fld>
             <a:endParaRPr lang="en-US"/>
           </a:p>
@@ -2144,7 +2144,7 @@
           <a:p>
             <a:fld id="{349BF3EA-1A78-4F07-BDC0-C8A1BD461199}" type="datetimeFigureOut">
               <a:rPr lang="en-US" smtClean="0"/>
-              <a:t>4/3/17</a:t>
+              <a:t>4/4/17</a:t>
             </a:fld>
             <a:endParaRPr lang="en-US"/>
           </a:p>
@@ -2475,7 +2475,7 @@
           <a:p>
             <a:fld id="{349BF3EA-1A78-4F07-BDC0-C8A1BD461199}" type="datetimeFigureOut">
               <a:rPr lang="en-US" smtClean="0"/>
-              <a:t>4/3/17</a:t>
+              <a:t>4/4/17</a:t>
             </a:fld>
             <a:endParaRPr lang="en-US"/>
           </a:p>
@@ -2730,7 +2730,7 @@
           <a:p>
             <a:fld id="{349BF3EA-1A78-4F07-BDC0-C8A1BD461199}" type="datetimeFigureOut">
               <a:rPr lang="en-US" smtClean="0"/>
-              <a:t>4/3/17</a:t>
+              <a:t>4/4/17</a:t>
             </a:fld>
             <a:endParaRPr lang="en-US"/>
           </a:p>
@@ -2837,7 +2837,7 @@
           <a:p>
             <a:fld id="{349BF3EA-1A78-4F07-BDC0-C8A1BD461199}" type="datetimeFigureOut">
               <a:rPr lang="en-US" smtClean="0"/>
-              <a:t>4/3/17</a:t>
+              <a:t>4/4/17</a:t>
             </a:fld>
             <a:endParaRPr lang="en-US"/>
           </a:p>
@@ -3136,7 +3136,7 @@
           <a:p>
             <a:fld id="{349BF3EA-1A78-4F07-BDC0-C8A1BD461199}" type="datetimeFigureOut">
               <a:rPr lang="en-US" smtClean="0"/>
-              <a:t>4/3/17</a:t>
+              <a:t>4/4/17</a:t>
             </a:fld>
             <a:endParaRPr lang="en-US"/>
           </a:p>
@@ -3424,7 +3424,7 @@
           <a:p>
             <a:fld id="{349BF3EA-1A78-4F07-BDC0-C8A1BD461199}" type="datetimeFigureOut">
               <a:rPr lang="en-US" smtClean="0"/>
-              <a:t>4/3/17</a:t>
+              <a:t>4/4/17</a:t>
             </a:fld>
             <a:endParaRPr lang="en-US"/>
           </a:p>
@@ -3554,7 +3554,7 @@
             <a:fld id="{349BF3EA-1A78-4F07-BDC0-C8A1BD461199}" type="datetimeFigureOut">
               <a:rPr lang="en-US" smtClean="0"/>
               <a:pPr/>
-              <a:t>4/3/17</a:t>
+              <a:t>4/4/17</a:t>
             </a:fld>
             <a:endParaRPr lang="en-US"/>
           </a:p>
@@ -4311,7 +4311,6 @@
               <a:rPr lang="en-US" dirty="0"/>
               <a:t>Effort Estimate Assumptions</a:t>
             </a:r>
-            <a:endParaRPr lang="en-US" dirty="0"/>
           </a:p>
         </p:txBody>
       </p:sp>
@@ -4344,28 +4343,28 @@
                 <a:gridCol w="2743200">
                   <a:extLst>
                     <a:ext uri="{9D8B030D-6E8A-4147-A177-3AD203B41FA5}">
-                      <a16:colId xmlns="" xmlns:a16="http://schemas.microsoft.com/office/drawing/2014/main" val="4007007747"/>
+                      <a16:colId xmlns:a16="http://schemas.microsoft.com/office/drawing/2014/main" xmlns="" val="4007007747"/>
                     </a:ext>
                   </a:extLst>
                 </a:gridCol>
                 <a:gridCol w="2743200">
                   <a:extLst>
                     <a:ext uri="{9D8B030D-6E8A-4147-A177-3AD203B41FA5}">
-                      <a16:colId xmlns="" xmlns:a16="http://schemas.microsoft.com/office/drawing/2014/main" val="2089765381"/>
+                      <a16:colId xmlns:a16="http://schemas.microsoft.com/office/drawing/2014/main" xmlns="" val="2089765381"/>
                     </a:ext>
                   </a:extLst>
                 </a:gridCol>
                 <a:gridCol w="2743200">
                   <a:extLst>
                     <a:ext uri="{9D8B030D-6E8A-4147-A177-3AD203B41FA5}">
-                      <a16:colId xmlns="" xmlns:a16="http://schemas.microsoft.com/office/drawing/2014/main" val="2946535250"/>
+                      <a16:colId xmlns:a16="http://schemas.microsoft.com/office/drawing/2014/main" xmlns="" val="2946535250"/>
                     </a:ext>
                   </a:extLst>
                 </a:gridCol>
                 <a:gridCol w="2743200">
                   <a:extLst>
                     <a:ext uri="{9D8B030D-6E8A-4147-A177-3AD203B41FA5}">
-                      <a16:colId xmlns="" xmlns:a16="http://schemas.microsoft.com/office/drawing/2014/main" val="2232881725"/>
+                      <a16:colId xmlns:a16="http://schemas.microsoft.com/office/drawing/2014/main" xmlns="" val="2232881725"/>
                     </a:ext>
                   </a:extLst>
                 </a:gridCol>
@@ -4429,7 +4428,7 @@
                 </a:tc>
                 <a:extLst>
                   <a:ext uri="{0D108BD9-81ED-4DB2-BD59-A6C34878D82A}">
-                    <a16:rowId xmlns="" xmlns:a16="http://schemas.microsoft.com/office/drawing/2014/main" val="2585052838"/>
+                    <a16:rowId xmlns:a16="http://schemas.microsoft.com/office/drawing/2014/main" xmlns="" val="2585052838"/>
                   </a:ext>
                 </a:extLst>
               </a:tr>
@@ -4496,7 +4495,7 @@
                 </a:tc>
                 <a:extLst>
                   <a:ext uri="{0D108BD9-81ED-4DB2-BD59-A6C34878D82A}">
-                    <a16:rowId xmlns="" xmlns:a16="http://schemas.microsoft.com/office/drawing/2014/main" val="2440870835"/>
+                    <a16:rowId xmlns:a16="http://schemas.microsoft.com/office/drawing/2014/main" xmlns="" val="2440870835"/>
                   </a:ext>
                 </a:extLst>
               </a:tr>
@@ -4557,7 +4556,7 @@
                 </a:tc>
                 <a:extLst>
                   <a:ext uri="{0D108BD9-81ED-4DB2-BD59-A6C34878D82A}">
-                    <a16:rowId xmlns="" xmlns:a16="http://schemas.microsoft.com/office/drawing/2014/main" val="3880781591"/>
+                    <a16:rowId xmlns:a16="http://schemas.microsoft.com/office/drawing/2014/main" xmlns="" val="3880781591"/>
                   </a:ext>
                 </a:extLst>
               </a:tr>
@@ -4624,7 +4623,7 @@
                 </a:tc>
                 <a:extLst>
                   <a:ext uri="{0D108BD9-81ED-4DB2-BD59-A6C34878D82A}">
-                    <a16:rowId xmlns="" xmlns:a16="http://schemas.microsoft.com/office/drawing/2014/main" val="4195087847"/>
+                    <a16:rowId xmlns:a16="http://schemas.microsoft.com/office/drawing/2014/main" xmlns="" val="4195087847"/>
                   </a:ext>
                 </a:extLst>
               </a:tr>
@@ -4790,7 +4789,6 @@
               <a:rPr lang="en-US" dirty="0"/>
               <a:t>Effort Estimate Assumptions</a:t>
             </a:r>
-            <a:endParaRPr lang="en-US" dirty="0"/>
           </a:p>
         </p:txBody>
       </p:sp>
@@ -4823,28 +4821,28 @@
                 <a:gridCol w="2743200">
                   <a:extLst>
                     <a:ext uri="{9D8B030D-6E8A-4147-A177-3AD203B41FA5}">
-                      <a16:colId xmlns="" xmlns:a16="http://schemas.microsoft.com/office/drawing/2014/main" val="4007007747"/>
+                      <a16:colId xmlns:a16="http://schemas.microsoft.com/office/drawing/2014/main" xmlns="" val="4007007747"/>
                     </a:ext>
                   </a:extLst>
                 </a:gridCol>
                 <a:gridCol w="2743200">
                   <a:extLst>
                     <a:ext uri="{9D8B030D-6E8A-4147-A177-3AD203B41FA5}">
-                      <a16:colId xmlns="" xmlns:a16="http://schemas.microsoft.com/office/drawing/2014/main" val="2089765381"/>
+                      <a16:colId xmlns:a16="http://schemas.microsoft.com/office/drawing/2014/main" xmlns="" val="2089765381"/>
                     </a:ext>
                   </a:extLst>
                 </a:gridCol>
                 <a:gridCol w="2743200">
                   <a:extLst>
                     <a:ext uri="{9D8B030D-6E8A-4147-A177-3AD203B41FA5}">
-                      <a16:colId xmlns="" xmlns:a16="http://schemas.microsoft.com/office/drawing/2014/main" val="2946535250"/>
+                      <a16:colId xmlns:a16="http://schemas.microsoft.com/office/drawing/2014/main" xmlns="" val="2946535250"/>
                     </a:ext>
                   </a:extLst>
                 </a:gridCol>
                 <a:gridCol w="2743200">
                   <a:extLst>
                     <a:ext uri="{9D8B030D-6E8A-4147-A177-3AD203B41FA5}">
-                      <a16:colId xmlns="" xmlns:a16="http://schemas.microsoft.com/office/drawing/2014/main" val="2232881725"/>
+                      <a16:colId xmlns:a16="http://schemas.microsoft.com/office/drawing/2014/main" xmlns="" val="2232881725"/>
                     </a:ext>
                   </a:extLst>
                 </a:gridCol>
@@ -4908,7 +4906,7 @@
                 </a:tc>
                 <a:extLst>
                   <a:ext uri="{0D108BD9-81ED-4DB2-BD59-A6C34878D82A}">
-                    <a16:rowId xmlns="" xmlns:a16="http://schemas.microsoft.com/office/drawing/2014/main" val="2585052838"/>
+                    <a16:rowId xmlns:a16="http://schemas.microsoft.com/office/drawing/2014/main" xmlns="" val="2585052838"/>
                   </a:ext>
                 </a:extLst>
               </a:tr>
@@ -4975,7 +4973,7 @@
                 </a:tc>
                 <a:extLst>
                   <a:ext uri="{0D108BD9-81ED-4DB2-BD59-A6C34878D82A}">
-                    <a16:rowId xmlns="" xmlns:a16="http://schemas.microsoft.com/office/drawing/2014/main" val="2319653860"/>
+                    <a16:rowId xmlns:a16="http://schemas.microsoft.com/office/drawing/2014/main" xmlns="" val="2319653860"/>
                   </a:ext>
                 </a:extLst>
               </a:tr>
@@ -5036,7 +5034,7 @@
                 </a:tc>
                 <a:extLst>
                   <a:ext uri="{0D108BD9-81ED-4DB2-BD59-A6C34878D82A}">
-                    <a16:rowId xmlns="" xmlns:a16="http://schemas.microsoft.com/office/drawing/2014/main" val="2490656911"/>
+                    <a16:rowId xmlns:a16="http://schemas.microsoft.com/office/drawing/2014/main" xmlns="" val="2490656911"/>
                   </a:ext>
                 </a:extLst>
               </a:tr>
@@ -5103,7 +5101,7 @@
                 </a:tc>
                 <a:extLst>
                   <a:ext uri="{0D108BD9-81ED-4DB2-BD59-A6C34878D82A}">
-                    <a16:rowId xmlns="" xmlns:a16="http://schemas.microsoft.com/office/drawing/2014/main" val="281916472"/>
+                    <a16:rowId xmlns:a16="http://schemas.microsoft.com/office/drawing/2014/main" xmlns="" val="281916472"/>
                   </a:ext>
                 </a:extLst>
               </a:tr>
@@ -5269,7 +5267,6 @@
               <a:rPr lang="en-US" dirty="0"/>
               <a:t>Effort Estimate Assumptions</a:t>
             </a:r>
-            <a:endParaRPr lang="en-US" dirty="0"/>
           </a:p>
         </p:txBody>
       </p:sp>
@@ -5302,28 +5299,28 @@
                 <a:gridCol w="2743200">
                   <a:extLst>
                     <a:ext uri="{9D8B030D-6E8A-4147-A177-3AD203B41FA5}">
-                      <a16:colId xmlns="" xmlns:a16="http://schemas.microsoft.com/office/drawing/2014/main" val="4007007747"/>
+                      <a16:colId xmlns:a16="http://schemas.microsoft.com/office/drawing/2014/main" xmlns="" val="4007007747"/>
                     </a:ext>
                   </a:extLst>
                 </a:gridCol>
                 <a:gridCol w="2743200">
                   <a:extLst>
                     <a:ext uri="{9D8B030D-6E8A-4147-A177-3AD203B41FA5}">
-                      <a16:colId xmlns="" xmlns:a16="http://schemas.microsoft.com/office/drawing/2014/main" val="2089765381"/>
+                      <a16:colId xmlns:a16="http://schemas.microsoft.com/office/drawing/2014/main" xmlns="" val="2089765381"/>
                     </a:ext>
                   </a:extLst>
                 </a:gridCol>
                 <a:gridCol w="2743200">
                   <a:extLst>
                     <a:ext uri="{9D8B030D-6E8A-4147-A177-3AD203B41FA5}">
-                      <a16:colId xmlns="" xmlns:a16="http://schemas.microsoft.com/office/drawing/2014/main" val="2946535250"/>
+                      <a16:colId xmlns:a16="http://schemas.microsoft.com/office/drawing/2014/main" xmlns="" val="2946535250"/>
                     </a:ext>
                   </a:extLst>
                 </a:gridCol>
                 <a:gridCol w="2743200">
                   <a:extLst>
                     <a:ext uri="{9D8B030D-6E8A-4147-A177-3AD203B41FA5}">
-                      <a16:colId xmlns="" xmlns:a16="http://schemas.microsoft.com/office/drawing/2014/main" val="2232881725"/>
+                      <a16:colId xmlns:a16="http://schemas.microsoft.com/office/drawing/2014/main" xmlns="" val="2232881725"/>
                     </a:ext>
                   </a:extLst>
                 </a:gridCol>
@@ -5387,7 +5384,7 @@
                 </a:tc>
                 <a:extLst>
                   <a:ext uri="{0D108BD9-81ED-4DB2-BD59-A6C34878D82A}">
-                    <a16:rowId xmlns="" xmlns:a16="http://schemas.microsoft.com/office/drawing/2014/main" val="2585052838"/>
+                    <a16:rowId xmlns:a16="http://schemas.microsoft.com/office/drawing/2014/main" xmlns="" val="2585052838"/>
                   </a:ext>
                 </a:extLst>
               </a:tr>
@@ -5454,7 +5451,7 @@
                 </a:tc>
                 <a:extLst>
                   <a:ext uri="{0D108BD9-81ED-4DB2-BD59-A6C34878D82A}">
-                    <a16:rowId xmlns="" xmlns:a16="http://schemas.microsoft.com/office/drawing/2014/main" val="3764811118"/>
+                    <a16:rowId xmlns:a16="http://schemas.microsoft.com/office/drawing/2014/main" xmlns="" val="3764811118"/>
                   </a:ext>
                 </a:extLst>
               </a:tr>
@@ -5521,7 +5518,7 @@
                 </a:tc>
                 <a:extLst>
                   <a:ext uri="{0D108BD9-81ED-4DB2-BD59-A6C34878D82A}">
-                    <a16:rowId xmlns="" xmlns:a16="http://schemas.microsoft.com/office/drawing/2014/main" val="14760046"/>
+                    <a16:rowId xmlns:a16="http://schemas.microsoft.com/office/drawing/2014/main" xmlns="" val="14760046"/>
                   </a:ext>
                 </a:extLst>
               </a:tr>
@@ -5588,7 +5585,7 @@
                 </a:tc>
                 <a:extLst>
                   <a:ext uri="{0D108BD9-81ED-4DB2-BD59-A6C34878D82A}">
-                    <a16:rowId xmlns="" xmlns:a16="http://schemas.microsoft.com/office/drawing/2014/main" val="1188642816"/>
+                    <a16:rowId xmlns:a16="http://schemas.microsoft.com/office/drawing/2014/main" xmlns="" val="1188642816"/>
                   </a:ext>
                 </a:extLst>
               </a:tr>
@@ -5652,7 +5649,7 @@
                 </a:tc>
                 <a:extLst>
                   <a:ext uri="{0D108BD9-81ED-4DB2-BD59-A6C34878D82A}">
-                    <a16:rowId xmlns="" xmlns:a16="http://schemas.microsoft.com/office/drawing/2014/main" val="297767302"/>
+                    <a16:rowId xmlns:a16="http://schemas.microsoft.com/office/drawing/2014/main" xmlns="" val="297767302"/>
                   </a:ext>
                 </a:extLst>
               </a:tr>
@@ -5818,7 +5815,6 @@
               <a:rPr lang="en-US" dirty="0"/>
               <a:t>Effort Estimate Assumptions</a:t>
             </a:r>
-            <a:endParaRPr lang="en-US" dirty="0"/>
           </a:p>
         </p:txBody>
       </p:sp>
@@ -5851,28 +5847,28 @@
                 <a:gridCol w="2743200">
                   <a:extLst>
                     <a:ext uri="{9D8B030D-6E8A-4147-A177-3AD203B41FA5}">
-                      <a16:colId xmlns="" xmlns:a16="http://schemas.microsoft.com/office/drawing/2014/main" val="4007007747"/>
+                      <a16:colId xmlns:a16="http://schemas.microsoft.com/office/drawing/2014/main" xmlns="" val="4007007747"/>
                     </a:ext>
                   </a:extLst>
                 </a:gridCol>
                 <a:gridCol w="2743200">
                   <a:extLst>
                     <a:ext uri="{9D8B030D-6E8A-4147-A177-3AD203B41FA5}">
-                      <a16:colId xmlns="" xmlns:a16="http://schemas.microsoft.com/office/drawing/2014/main" val="2089765381"/>
+                      <a16:colId xmlns:a16="http://schemas.microsoft.com/office/drawing/2014/main" xmlns="" val="2089765381"/>
                     </a:ext>
                   </a:extLst>
                 </a:gridCol>
                 <a:gridCol w="2743200">
                   <a:extLst>
                     <a:ext uri="{9D8B030D-6E8A-4147-A177-3AD203B41FA5}">
-                      <a16:colId xmlns="" xmlns:a16="http://schemas.microsoft.com/office/drawing/2014/main" val="2946535250"/>
+                      <a16:colId xmlns:a16="http://schemas.microsoft.com/office/drawing/2014/main" xmlns="" val="2946535250"/>
                     </a:ext>
                   </a:extLst>
                 </a:gridCol>
                 <a:gridCol w="2743200">
                   <a:extLst>
                     <a:ext uri="{9D8B030D-6E8A-4147-A177-3AD203B41FA5}">
-                      <a16:colId xmlns="" xmlns:a16="http://schemas.microsoft.com/office/drawing/2014/main" val="2232881725"/>
+                      <a16:colId xmlns:a16="http://schemas.microsoft.com/office/drawing/2014/main" xmlns="" val="2232881725"/>
                     </a:ext>
                   </a:extLst>
                 </a:gridCol>
@@ -5936,7 +5932,7 @@
                 </a:tc>
                 <a:extLst>
                   <a:ext uri="{0D108BD9-81ED-4DB2-BD59-A6C34878D82A}">
-                    <a16:rowId xmlns="" xmlns:a16="http://schemas.microsoft.com/office/drawing/2014/main" val="2585052838"/>
+                    <a16:rowId xmlns:a16="http://schemas.microsoft.com/office/drawing/2014/main" xmlns="" val="2585052838"/>
                   </a:ext>
                 </a:extLst>
               </a:tr>
@@ -5997,7 +5993,7 @@
                 </a:tc>
                 <a:extLst>
                   <a:ext uri="{0D108BD9-81ED-4DB2-BD59-A6C34878D82A}">
-                    <a16:rowId xmlns="" xmlns:a16="http://schemas.microsoft.com/office/drawing/2014/main" val="3714616697"/>
+                    <a16:rowId xmlns:a16="http://schemas.microsoft.com/office/drawing/2014/main" xmlns="" val="3714616697"/>
                   </a:ext>
                 </a:extLst>
               </a:tr>
@@ -6064,7 +6060,7 @@
                 </a:tc>
                 <a:extLst>
                   <a:ext uri="{0D108BD9-81ED-4DB2-BD59-A6C34878D82A}">
-                    <a16:rowId xmlns="" xmlns:a16="http://schemas.microsoft.com/office/drawing/2014/main" val="1340422060"/>
+                    <a16:rowId xmlns:a16="http://schemas.microsoft.com/office/drawing/2014/main" xmlns="" val="1340422060"/>
                   </a:ext>
                 </a:extLst>
               </a:tr>
@@ -6131,7 +6127,7 @@
                 </a:tc>
                 <a:extLst>
                   <a:ext uri="{0D108BD9-81ED-4DB2-BD59-A6C34878D82A}">
-                    <a16:rowId xmlns="" xmlns:a16="http://schemas.microsoft.com/office/drawing/2014/main" val="2564084175"/>
+                    <a16:rowId xmlns:a16="http://schemas.microsoft.com/office/drawing/2014/main" xmlns="" val="2564084175"/>
                   </a:ext>
                 </a:extLst>
               </a:tr>
@@ -6198,7 +6194,7 @@
                 </a:tc>
                 <a:extLst>
                   <a:ext uri="{0D108BD9-81ED-4DB2-BD59-A6C34878D82A}">
-                    <a16:rowId xmlns="" xmlns:a16="http://schemas.microsoft.com/office/drawing/2014/main" val="2775949887"/>
+                    <a16:rowId xmlns:a16="http://schemas.microsoft.com/office/drawing/2014/main" xmlns="" val="2775949887"/>
                   </a:ext>
                 </a:extLst>
               </a:tr>
@@ -6262,7 +6258,7 @@
                 </a:tc>
                 <a:extLst>
                   <a:ext uri="{0D108BD9-81ED-4DB2-BD59-A6C34878D82A}">
-                    <a16:rowId xmlns="" xmlns:a16="http://schemas.microsoft.com/office/drawing/2014/main" val="2549268092"/>
+                    <a16:rowId xmlns:a16="http://schemas.microsoft.com/office/drawing/2014/main" xmlns="" val="2549268092"/>
                   </a:ext>
                 </a:extLst>
               </a:tr>
@@ -6326,7 +6322,7 @@
                 </a:tc>
                 <a:extLst>
                   <a:ext uri="{0D108BD9-81ED-4DB2-BD59-A6C34878D82A}">
-                    <a16:rowId xmlns="" xmlns:a16="http://schemas.microsoft.com/office/drawing/2014/main" val="178318549"/>
+                    <a16:rowId xmlns:a16="http://schemas.microsoft.com/office/drawing/2014/main" xmlns="" val="178318549"/>
                   </a:ext>
                 </a:extLst>
               </a:tr>
@@ -6520,21 +6516,50 @@
             <a:pPr lvl="1"/>
             <a:r>
               <a:rPr lang="en-US" dirty="0"/>
-              <a:t>PROD estimate is very low (5)</a:t>
-            </a:r>
+              <a:t>PROD estimate is </a:t>
+            </a:r>
+            <a:r>
+              <a:rPr lang="en-US" dirty="0" smtClean="0"/>
+              <a:t>normal</a:t>
+            </a:r>
+            <a:r>
+              <a:rPr lang="en-US" dirty="0" smtClean="0"/>
+              <a:t> (10)</a:t>
+            </a:r>
+            <a:endParaRPr lang="en-US" dirty="0"/>
           </a:p>
           <a:p>
             <a:pPr lvl="1"/>
             <a:r>
               <a:rPr lang="en-US" dirty="0"/>
-              <a:t>PROD = 160 NOP / 32 person months</a:t>
+              <a:t>PROD = 160 NOP / </a:t>
+            </a:r>
+            <a:r>
+              <a:rPr lang="en-US" dirty="0" smtClean="0"/>
+              <a:t>16</a:t>
+            </a:r>
+            <a:r>
+              <a:rPr lang="en-US" dirty="0" smtClean="0"/>
+              <a:t> </a:t>
+            </a:r>
+            <a:r>
+              <a:rPr lang="en-US" dirty="0"/>
+              <a:t>person months</a:t>
             </a:r>
           </a:p>
           <a:p>
             <a:pPr lvl="1"/>
             <a:r>
               <a:rPr lang="en-US" dirty="0"/>
-              <a:t>PM = 8hr x 1 week x 4 weeks</a:t>
+              <a:t>PM = </a:t>
+            </a:r>
+            <a:r>
+              <a:rPr lang="en-US" dirty="0" smtClean="0"/>
+              <a:t>4hr </a:t>
+            </a:r>
+            <a:r>
+              <a:rPr lang="en-US" dirty="0"/>
+              <a:t>x 1 week x 4 weeks</a:t>
             </a:r>
           </a:p>
           <a:p>
@@ -6568,14 +6593,39 @@
           <a:p>
             <a:r>
               <a:rPr lang="en-US" dirty="0"/>
-              <a:t>Effort Estimate in person months (PM) (PM = 32)</a:t>
-            </a:r>
+              <a:t>Effort Estimate in person months (PM) (PM = </a:t>
+            </a:r>
+            <a:r>
+              <a:rPr lang="en-US" dirty="0" smtClean="0"/>
+              <a:t>16</a:t>
+            </a:r>
+            <a:r>
+              <a:rPr lang="en-US" dirty="0" smtClean="0"/>
+              <a:t>)</a:t>
+            </a:r>
+            <a:endParaRPr lang="en-US" dirty="0"/>
           </a:p>
           <a:p>
             <a:pPr lvl="1"/>
             <a:r>
-              <a:rPr lang="en-US"/>
-              <a:t>Effort(PM) = 159/5 = 31.8 person months</a:t>
+              <a:rPr lang="en-US" dirty="0"/>
+              <a:t>Effort(PM) = 159</a:t>
+            </a:r>
+            <a:r>
+              <a:rPr lang="en-US" dirty="0" smtClean="0"/>
+              <a:t>/10 </a:t>
+            </a:r>
+            <a:r>
+              <a:rPr lang="en-US" dirty="0"/>
+              <a:t>= </a:t>
+            </a:r>
+            <a:r>
+              <a:rPr lang="en-US" dirty="0" smtClean="0"/>
+              <a:t>15.9 </a:t>
+            </a:r>
+            <a:r>
+              <a:rPr lang="en-US" dirty="0"/>
+              <a:t>person months</a:t>
             </a:r>
           </a:p>
         </p:txBody>
@@ -8035,14 +8085,14 @@
                 <a:gridCol w="5486400">
                   <a:extLst>
                     <a:ext uri="{9D8B030D-6E8A-4147-A177-3AD203B41FA5}">
-                      <a16:colId xmlns="" xmlns:a16="http://schemas.microsoft.com/office/drawing/2014/main" val="4024214062"/>
+                      <a16:colId xmlns:a16="http://schemas.microsoft.com/office/drawing/2014/main" xmlns="" val="4024214062"/>
                     </a:ext>
                   </a:extLst>
                 </a:gridCol>
                 <a:gridCol w="5486400">
                   <a:extLst>
                     <a:ext uri="{9D8B030D-6E8A-4147-A177-3AD203B41FA5}">
-                      <a16:colId xmlns="" xmlns:a16="http://schemas.microsoft.com/office/drawing/2014/main" val="1838665537"/>
+                      <a16:colId xmlns:a16="http://schemas.microsoft.com/office/drawing/2014/main" xmlns="" val="1838665537"/>
                     </a:ext>
                   </a:extLst>
                 </a:gridCol>
@@ -8078,7 +8128,7 @@
                 </a:tc>
                 <a:extLst>
                   <a:ext uri="{0D108BD9-81ED-4DB2-BD59-A6C34878D82A}">
-                    <a16:rowId xmlns="" xmlns:a16="http://schemas.microsoft.com/office/drawing/2014/main" val="986279335"/>
+                    <a16:rowId xmlns:a16="http://schemas.microsoft.com/office/drawing/2014/main" xmlns="" val="986279335"/>
                   </a:ext>
                 </a:extLst>
               </a:tr>
@@ -8109,7 +8159,7 @@
                 </a:tc>
                 <a:extLst>
                   <a:ext uri="{0D108BD9-81ED-4DB2-BD59-A6C34878D82A}">
-                    <a16:rowId xmlns="" xmlns:a16="http://schemas.microsoft.com/office/drawing/2014/main" val="2649700066"/>
+                    <a16:rowId xmlns:a16="http://schemas.microsoft.com/office/drawing/2014/main" xmlns="" val="2649700066"/>
                   </a:ext>
                 </a:extLst>
               </a:tr>
@@ -8144,7 +8194,7 @@
                 </a:tc>
                 <a:extLst>
                   <a:ext uri="{0D108BD9-81ED-4DB2-BD59-A6C34878D82A}">
-                    <a16:rowId xmlns="" xmlns:a16="http://schemas.microsoft.com/office/drawing/2014/main" val="3650691391"/>
+                    <a16:rowId xmlns:a16="http://schemas.microsoft.com/office/drawing/2014/main" xmlns="" val="3650691391"/>
                   </a:ext>
                 </a:extLst>
               </a:tr>
@@ -8179,7 +8229,7 @@
                 </a:tc>
                 <a:extLst>
                   <a:ext uri="{0D108BD9-81ED-4DB2-BD59-A6C34878D82A}">
-                    <a16:rowId xmlns="" xmlns:a16="http://schemas.microsoft.com/office/drawing/2014/main" val="3717878835"/>
+                    <a16:rowId xmlns:a16="http://schemas.microsoft.com/office/drawing/2014/main" xmlns="" val="3717878835"/>
                   </a:ext>
                 </a:extLst>
               </a:tr>
@@ -8214,7 +8264,7 @@
                 </a:tc>
                 <a:extLst>
                   <a:ext uri="{0D108BD9-81ED-4DB2-BD59-A6C34878D82A}">
-                    <a16:rowId xmlns="" xmlns:a16="http://schemas.microsoft.com/office/drawing/2014/main" val="304909867"/>
+                    <a16:rowId xmlns:a16="http://schemas.microsoft.com/office/drawing/2014/main" xmlns="" val="304909867"/>
                   </a:ext>
                 </a:extLst>
               </a:tr>
@@ -8253,7 +8303,7 @@
                 </a:tc>
                 <a:extLst>
                   <a:ext uri="{0D108BD9-81ED-4DB2-BD59-A6C34878D82A}">
-                    <a16:rowId xmlns="" xmlns:a16="http://schemas.microsoft.com/office/drawing/2014/main" val="1562380615"/>
+                    <a16:rowId xmlns:a16="http://schemas.microsoft.com/office/drawing/2014/main" xmlns="" val="1562380615"/>
                   </a:ext>
                 </a:extLst>
               </a:tr>
@@ -8288,7 +8338,7 @@
                 </a:tc>
                 <a:extLst>
                   <a:ext uri="{0D108BD9-81ED-4DB2-BD59-A6C34878D82A}">
-                    <a16:rowId xmlns="" xmlns:a16="http://schemas.microsoft.com/office/drawing/2014/main" val="207666318"/>
+                    <a16:rowId xmlns:a16="http://schemas.microsoft.com/office/drawing/2014/main" xmlns="" val="207666318"/>
                   </a:ext>
                 </a:extLst>
               </a:tr>
@@ -8323,7 +8373,7 @@
                 </a:tc>
                 <a:extLst>
                   <a:ext uri="{0D108BD9-81ED-4DB2-BD59-A6C34878D82A}">
-                    <a16:rowId xmlns="" xmlns:a16="http://schemas.microsoft.com/office/drawing/2014/main" val="4219954106"/>
+                    <a16:rowId xmlns:a16="http://schemas.microsoft.com/office/drawing/2014/main" xmlns="" val="4219954106"/>
                   </a:ext>
                 </a:extLst>
               </a:tr>
@@ -8358,7 +8408,7 @@
                 </a:tc>
                 <a:extLst>
                   <a:ext uri="{0D108BD9-81ED-4DB2-BD59-A6C34878D82A}">
-                    <a16:rowId xmlns="" xmlns:a16="http://schemas.microsoft.com/office/drawing/2014/main" val="2908311740"/>
+                    <a16:rowId xmlns:a16="http://schemas.microsoft.com/office/drawing/2014/main" xmlns="" val="2908311740"/>
                   </a:ext>
                 </a:extLst>
               </a:tr>
@@ -8392,7 +8442,7 @@
                 </a:tc>
                 <a:extLst>
                   <a:ext uri="{0D108BD9-81ED-4DB2-BD59-A6C34878D82A}">
-                    <a16:rowId xmlns="" xmlns:a16="http://schemas.microsoft.com/office/drawing/2014/main" val="2041197959"/>
+                    <a16:rowId xmlns:a16="http://schemas.microsoft.com/office/drawing/2014/main" xmlns="" val="2041197959"/>
                   </a:ext>
                 </a:extLst>
               </a:tr>
@@ -8426,7 +8476,7 @@
                 </a:tc>
                 <a:extLst>
                   <a:ext uri="{0D108BD9-81ED-4DB2-BD59-A6C34878D82A}">
-                    <a16:rowId xmlns="" xmlns:a16="http://schemas.microsoft.com/office/drawing/2014/main" val="1620820458"/>
+                    <a16:rowId xmlns:a16="http://schemas.microsoft.com/office/drawing/2014/main" xmlns="" val="1620820458"/>
                   </a:ext>
                 </a:extLst>
               </a:tr>
@@ -8625,14 +8675,14 @@
                 <a:gridCol w="5486400">
                   <a:extLst>
                     <a:ext uri="{9D8B030D-6E8A-4147-A177-3AD203B41FA5}">
-                      <a16:colId xmlns="" xmlns:a16="http://schemas.microsoft.com/office/drawing/2014/main" val="4024214062"/>
+                      <a16:colId xmlns:a16="http://schemas.microsoft.com/office/drawing/2014/main" xmlns="" val="4024214062"/>
                     </a:ext>
                   </a:extLst>
                 </a:gridCol>
                 <a:gridCol w="5486400">
                   <a:extLst>
                     <a:ext uri="{9D8B030D-6E8A-4147-A177-3AD203B41FA5}">
-                      <a16:colId xmlns="" xmlns:a16="http://schemas.microsoft.com/office/drawing/2014/main" val="1838665537"/>
+                      <a16:colId xmlns:a16="http://schemas.microsoft.com/office/drawing/2014/main" xmlns="" val="1838665537"/>
                     </a:ext>
                   </a:extLst>
                 </a:gridCol>
@@ -8664,7 +8714,7 @@
                 </a:tc>
                 <a:extLst>
                   <a:ext uri="{0D108BD9-81ED-4DB2-BD59-A6C34878D82A}">
-                    <a16:rowId xmlns="" xmlns:a16="http://schemas.microsoft.com/office/drawing/2014/main" val="986279335"/>
+                    <a16:rowId xmlns:a16="http://schemas.microsoft.com/office/drawing/2014/main" xmlns="" val="986279335"/>
                   </a:ext>
                 </a:extLst>
               </a:tr>
@@ -8695,7 +8745,7 @@
                 </a:tc>
                 <a:extLst>
                   <a:ext uri="{0D108BD9-81ED-4DB2-BD59-A6C34878D82A}">
-                    <a16:rowId xmlns="" xmlns:a16="http://schemas.microsoft.com/office/drawing/2014/main" val="2649700066"/>
+                    <a16:rowId xmlns:a16="http://schemas.microsoft.com/office/drawing/2014/main" xmlns="" val="2649700066"/>
                   </a:ext>
                 </a:extLst>
               </a:tr>
@@ -8730,7 +8780,7 @@
                 </a:tc>
                 <a:extLst>
                   <a:ext uri="{0D108BD9-81ED-4DB2-BD59-A6C34878D82A}">
-                    <a16:rowId xmlns="" xmlns:a16="http://schemas.microsoft.com/office/drawing/2014/main" val="309961168"/>
+                    <a16:rowId xmlns:a16="http://schemas.microsoft.com/office/drawing/2014/main" xmlns="" val="309961168"/>
                   </a:ext>
                 </a:extLst>
               </a:tr>
@@ -8765,7 +8815,7 @@
                 </a:tc>
                 <a:extLst>
                   <a:ext uri="{0D108BD9-81ED-4DB2-BD59-A6C34878D82A}">
-                    <a16:rowId xmlns="" xmlns:a16="http://schemas.microsoft.com/office/drawing/2014/main" val="1746750848"/>
+                    <a16:rowId xmlns:a16="http://schemas.microsoft.com/office/drawing/2014/main" xmlns="" val="1746750848"/>
                   </a:ext>
                 </a:extLst>
               </a:tr>
@@ -8800,7 +8850,7 @@
                 </a:tc>
                 <a:extLst>
                   <a:ext uri="{0D108BD9-81ED-4DB2-BD59-A6C34878D82A}">
-                    <a16:rowId xmlns="" xmlns:a16="http://schemas.microsoft.com/office/drawing/2014/main" val="2287252683"/>
+                    <a16:rowId xmlns:a16="http://schemas.microsoft.com/office/drawing/2014/main" xmlns="" val="2287252683"/>
                   </a:ext>
                 </a:extLst>
               </a:tr>
@@ -8835,7 +8885,7 @@
                 </a:tc>
                 <a:extLst>
                   <a:ext uri="{0D108BD9-81ED-4DB2-BD59-A6C34878D82A}">
-                    <a16:rowId xmlns="" xmlns:a16="http://schemas.microsoft.com/office/drawing/2014/main" val="3931255069"/>
+                    <a16:rowId xmlns:a16="http://schemas.microsoft.com/office/drawing/2014/main" xmlns="" val="3931255069"/>
                   </a:ext>
                 </a:extLst>
               </a:tr>
@@ -8870,7 +8920,7 @@
                 </a:tc>
                 <a:extLst>
                   <a:ext uri="{0D108BD9-81ED-4DB2-BD59-A6C34878D82A}">
-                    <a16:rowId xmlns="" xmlns:a16="http://schemas.microsoft.com/office/drawing/2014/main" val="3016523529"/>
+                    <a16:rowId xmlns:a16="http://schemas.microsoft.com/office/drawing/2014/main" xmlns="" val="3016523529"/>
                   </a:ext>
                 </a:extLst>
               </a:tr>
@@ -8905,7 +8955,7 @@
                 </a:tc>
                 <a:extLst>
                   <a:ext uri="{0D108BD9-81ED-4DB2-BD59-A6C34878D82A}">
-                    <a16:rowId xmlns="" xmlns:a16="http://schemas.microsoft.com/office/drawing/2014/main" val="3948036698"/>
+                    <a16:rowId xmlns:a16="http://schemas.microsoft.com/office/drawing/2014/main" xmlns="" val="3948036698"/>
                   </a:ext>
                 </a:extLst>
               </a:tr>
@@ -8940,7 +8990,7 @@
                 </a:tc>
                 <a:extLst>
                   <a:ext uri="{0D108BD9-81ED-4DB2-BD59-A6C34878D82A}">
-                    <a16:rowId xmlns="" xmlns:a16="http://schemas.microsoft.com/office/drawing/2014/main" val="1862235874"/>
+                    <a16:rowId xmlns:a16="http://schemas.microsoft.com/office/drawing/2014/main" xmlns="" val="1862235874"/>
                   </a:ext>
                 </a:extLst>
               </a:tr>
@@ -8975,7 +9025,7 @@
                 </a:tc>
                 <a:extLst>
                   <a:ext uri="{0D108BD9-81ED-4DB2-BD59-A6C34878D82A}">
-                    <a16:rowId xmlns="" xmlns:a16="http://schemas.microsoft.com/office/drawing/2014/main" val="1952473074"/>
+                    <a16:rowId xmlns:a16="http://schemas.microsoft.com/office/drawing/2014/main" xmlns="" val="1952473074"/>
                   </a:ext>
                 </a:extLst>
               </a:tr>
@@ -9010,7 +9060,7 @@
                 </a:tc>
                 <a:extLst>
                   <a:ext uri="{0D108BD9-81ED-4DB2-BD59-A6C34878D82A}">
-                    <a16:rowId xmlns="" xmlns:a16="http://schemas.microsoft.com/office/drawing/2014/main" val="3794391533"/>
+                    <a16:rowId xmlns:a16="http://schemas.microsoft.com/office/drawing/2014/main" xmlns="" val="3794391533"/>
                   </a:ext>
                 </a:extLst>
               </a:tr>
@@ -9045,7 +9095,7 @@
                 </a:tc>
                 <a:extLst>
                   <a:ext uri="{0D108BD9-81ED-4DB2-BD59-A6C34878D82A}">
-                    <a16:rowId xmlns="" xmlns:a16="http://schemas.microsoft.com/office/drawing/2014/main" val="4213279396"/>
+                    <a16:rowId xmlns:a16="http://schemas.microsoft.com/office/drawing/2014/main" xmlns="" val="4213279396"/>
                   </a:ext>
                 </a:extLst>
               </a:tr>
@@ -9244,14 +9294,14 @@
                 <a:gridCol w="5486400">
                   <a:extLst>
                     <a:ext uri="{9D8B030D-6E8A-4147-A177-3AD203B41FA5}">
-                      <a16:colId xmlns="" xmlns:a16="http://schemas.microsoft.com/office/drawing/2014/main" val="3661438328"/>
+                      <a16:colId xmlns:a16="http://schemas.microsoft.com/office/drawing/2014/main" xmlns="" val="3661438328"/>
                     </a:ext>
                   </a:extLst>
                 </a:gridCol>
                 <a:gridCol w="5486400">
                   <a:extLst>
                     <a:ext uri="{9D8B030D-6E8A-4147-A177-3AD203B41FA5}">
-                      <a16:colId xmlns="" xmlns:a16="http://schemas.microsoft.com/office/drawing/2014/main" val="2462084561"/>
+                      <a16:colId xmlns:a16="http://schemas.microsoft.com/office/drawing/2014/main" xmlns="" val="2462084561"/>
                     </a:ext>
                   </a:extLst>
                 </a:gridCol>
@@ -9287,7 +9337,7 @@
                 </a:tc>
                 <a:extLst>
                   <a:ext uri="{0D108BD9-81ED-4DB2-BD59-A6C34878D82A}">
-                    <a16:rowId xmlns="" xmlns:a16="http://schemas.microsoft.com/office/drawing/2014/main" val="2830022487"/>
+                    <a16:rowId xmlns:a16="http://schemas.microsoft.com/office/drawing/2014/main" xmlns="" val="2830022487"/>
                   </a:ext>
                 </a:extLst>
               </a:tr>
@@ -9322,7 +9372,7 @@
                 </a:tc>
                 <a:extLst>
                   <a:ext uri="{0D108BD9-81ED-4DB2-BD59-A6C34878D82A}">
-                    <a16:rowId xmlns="" xmlns:a16="http://schemas.microsoft.com/office/drawing/2014/main" val="3462792300"/>
+                    <a16:rowId xmlns:a16="http://schemas.microsoft.com/office/drawing/2014/main" xmlns="" val="3462792300"/>
                   </a:ext>
                 </a:extLst>
               </a:tr>
@@ -9365,7 +9415,7 @@
                 </a:tc>
                 <a:extLst>
                   <a:ext uri="{0D108BD9-81ED-4DB2-BD59-A6C34878D82A}">
-                    <a16:rowId xmlns="" xmlns:a16="http://schemas.microsoft.com/office/drawing/2014/main" val="3061581558"/>
+                    <a16:rowId xmlns:a16="http://schemas.microsoft.com/office/drawing/2014/main" xmlns="" val="3061581558"/>
                   </a:ext>
                 </a:extLst>
               </a:tr>
@@ -9416,7 +9466,7 @@
                 </a:tc>
                 <a:extLst>
                   <a:ext uri="{0D108BD9-81ED-4DB2-BD59-A6C34878D82A}">
-                    <a16:rowId xmlns="" xmlns:a16="http://schemas.microsoft.com/office/drawing/2014/main" val="742086977"/>
+                    <a16:rowId xmlns:a16="http://schemas.microsoft.com/office/drawing/2014/main" xmlns="" val="742086977"/>
                   </a:ext>
                 </a:extLst>
               </a:tr>
@@ -9455,7 +9505,7 @@
                 </a:tc>
                 <a:extLst>
                   <a:ext uri="{0D108BD9-81ED-4DB2-BD59-A6C34878D82A}">
-                    <a16:rowId xmlns="" xmlns:a16="http://schemas.microsoft.com/office/drawing/2014/main" val="2361850435"/>
+                    <a16:rowId xmlns:a16="http://schemas.microsoft.com/office/drawing/2014/main" xmlns="" val="2361850435"/>
                   </a:ext>
                 </a:extLst>
               </a:tr>
@@ -9498,7 +9548,7 @@
                 </a:tc>
                 <a:extLst>
                   <a:ext uri="{0D108BD9-81ED-4DB2-BD59-A6C34878D82A}">
-                    <a16:rowId xmlns="" xmlns:a16="http://schemas.microsoft.com/office/drawing/2014/main" val="2876776749"/>
+                    <a16:rowId xmlns:a16="http://schemas.microsoft.com/office/drawing/2014/main" xmlns="" val="2876776749"/>
                   </a:ext>
                 </a:extLst>
               </a:tr>
@@ -9533,7 +9583,7 @@
                 </a:tc>
                 <a:extLst>
                   <a:ext uri="{0D108BD9-81ED-4DB2-BD59-A6C34878D82A}">
-                    <a16:rowId xmlns="" xmlns:a16="http://schemas.microsoft.com/office/drawing/2014/main" val="2847548840"/>
+                    <a16:rowId xmlns:a16="http://schemas.microsoft.com/office/drawing/2014/main" xmlns="" val="2847548840"/>
                   </a:ext>
                 </a:extLst>
               </a:tr>
@@ -9572,7 +9622,7 @@
                 </a:tc>
                 <a:extLst>
                   <a:ext uri="{0D108BD9-81ED-4DB2-BD59-A6C34878D82A}">
-                    <a16:rowId xmlns="" xmlns:a16="http://schemas.microsoft.com/office/drawing/2014/main" val="1662843150"/>
+                    <a16:rowId xmlns:a16="http://schemas.microsoft.com/office/drawing/2014/main" xmlns="" val="1662843150"/>
                   </a:ext>
                 </a:extLst>
               </a:tr>
@@ -9771,28 +9821,28 @@
                 <a:gridCol w="2743200">
                   <a:extLst>
                     <a:ext uri="{9D8B030D-6E8A-4147-A177-3AD203B41FA5}">
-                      <a16:colId xmlns="" xmlns:a16="http://schemas.microsoft.com/office/drawing/2014/main" val="4007007747"/>
+                      <a16:colId xmlns:a16="http://schemas.microsoft.com/office/drawing/2014/main" xmlns="" val="4007007747"/>
                     </a:ext>
                   </a:extLst>
                 </a:gridCol>
                 <a:gridCol w="2743200">
                   <a:extLst>
                     <a:ext uri="{9D8B030D-6E8A-4147-A177-3AD203B41FA5}">
-                      <a16:colId xmlns="" xmlns:a16="http://schemas.microsoft.com/office/drawing/2014/main" val="2089765381"/>
+                      <a16:colId xmlns:a16="http://schemas.microsoft.com/office/drawing/2014/main" xmlns="" val="2089765381"/>
                     </a:ext>
                   </a:extLst>
                 </a:gridCol>
                 <a:gridCol w="2743200">
                   <a:extLst>
                     <a:ext uri="{9D8B030D-6E8A-4147-A177-3AD203B41FA5}">
-                      <a16:colId xmlns="" xmlns:a16="http://schemas.microsoft.com/office/drawing/2014/main" val="2946535250"/>
+                      <a16:colId xmlns:a16="http://schemas.microsoft.com/office/drawing/2014/main" xmlns="" val="2946535250"/>
                     </a:ext>
                   </a:extLst>
                 </a:gridCol>
                 <a:gridCol w="2743200">
                   <a:extLst>
                     <a:ext uri="{9D8B030D-6E8A-4147-A177-3AD203B41FA5}">
-                      <a16:colId xmlns="" xmlns:a16="http://schemas.microsoft.com/office/drawing/2014/main" val="2232881725"/>
+                      <a16:colId xmlns:a16="http://schemas.microsoft.com/office/drawing/2014/main" xmlns="" val="2232881725"/>
                     </a:ext>
                   </a:extLst>
                 </a:gridCol>
@@ -9856,7 +9906,7 @@
                 </a:tc>
                 <a:extLst>
                   <a:ext uri="{0D108BD9-81ED-4DB2-BD59-A6C34878D82A}">
-                    <a16:rowId xmlns="" xmlns:a16="http://schemas.microsoft.com/office/drawing/2014/main" val="2585052838"/>
+                    <a16:rowId xmlns:a16="http://schemas.microsoft.com/office/drawing/2014/main" xmlns="" val="2585052838"/>
                   </a:ext>
                 </a:extLst>
               </a:tr>
@@ -9923,7 +9973,7 @@
                 </a:tc>
                 <a:extLst>
                   <a:ext uri="{0D108BD9-81ED-4DB2-BD59-A6C34878D82A}">
-                    <a16:rowId xmlns="" xmlns:a16="http://schemas.microsoft.com/office/drawing/2014/main" val="1152342311"/>
+                    <a16:rowId xmlns:a16="http://schemas.microsoft.com/office/drawing/2014/main" xmlns="" val="1152342311"/>
                   </a:ext>
                 </a:extLst>
               </a:tr>
@@ -9990,7 +10040,7 @@
                 </a:tc>
                 <a:extLst>
                   <a:ext uri="{0D108BD9-81ED-4DB2-BD59-A6C34878D82A}">
-                    <a16:rowId xmlns="" xmlns:a16="http://schemas.microsoft.com/office/drawing/2014/main" val="2957515265"/>
+                    <a16:rowId xmlns:a16="http://schemas.microsoft.com/office/drawing/2014/main" xmlns="" val="2957515265"/>
                   </a:ext>
                 </a:extLst>
               </a:tr>
@@ -10189,28 +10239,28 @@
                 <a:gridCol w="2743200">
                   <a:extLst>
                     <a:ext uri="{9D8B030D-6E8A-4147-A177-3AD203B41FA5}">
-                      <a16:colId xmlns="" xmlns:a16="http://schemas.microsoft.com/office/drawing/2014/main" val="4007007747"/>
+                      <a16:colId xmlns:a16="http://schemas.microsoft.com/office/drawing/2014/main" xmlns="" val="4007007747"/>
                     </a:ext>
                   </a:extLst>
                 </a:gridCol>
                 <a:gridCol w="2743200">
                   <a:extLst>
                     <a:ext uri="{9D8B030D-6E8A-4147-A177-3AD203B41FA5}">
-                      <a16:colId xmlns="" xmlns:a16="http://schemas.microsoft.com/office/drawing/2014/main" val="2089765381"/>
+                      <a16:colId xmlns:a16="http://schemas.microsoft.com/office/drawing/2014/main" xmlns="" val="2089765381"/>
                     </a:ext>
                   </a:extLst>
                 </a:gridCol>
                 <a:gridCol w="2743200">
                   <a:extLst>
                     <a:ext uri="{9D8B030D-6E8A-4147-A177-3AD203B41FA5}">
-                      <a16:colId xmlns="" xmlns:a16="http://schemas.microsoft.com/office/drawing/2014/main" val="2946535250"/>
+                      <a16:colId xmlns:a16="http://schemas.microsoft.com/office/drawing/2014/main" xmlns="" val="2946535250"/>
                     </a:ext>
                   </a:extLst>
                 </a:gridCol>
                 <a:gridCol w="2743200">
                   <a:extLst>
                     <a:ext uri="{9D8B030D-6E8A-4147-A177-3AD203B41FA5}">
-                      <a16:colId xmlns="" xmlns:a16="http://schemas.microsoft.com/office/drawing/2014/main" val="2232881725"/>
+                      <a16:colId xmlns:a16="http://schemas.microsoft.com/office/drawing/2014/main" xmlns="" val="2232881725"/>
                     </a:ext>
                   </a:extLst>
                 </a:gridCol>
@@ -10274,7 +10324,7 @@
                 </a:tc>
                 <a:extLst>
                   <a:ext uri="{0D108BD9-81ED-4DB2-BD59-A6C34878D82A}">
-                    <a16:rowId xmlns="" xmlns:a16="http://schemas.microsoft.com/office/drawing/2014/main" val="2585052838"/>
+                    <a16:rowId xmlns:a16="http://schemas.microsoft.com/office/drawing/2014/main" xmlns="" val="2585052838"/>
                   </a:ext>
                 </a:extLst>
               </a:tr>
@@ -10341,7 +10391,7 @@
                 </a:tc>
                 <a:extLst>
                   <a:ext uri="{0D108BD9-81ED-4DB2-BD59-A6C34878D82A}">
-                    <a16:rowId xmlns="" xmlns:a16="http://schemas.microsoft.com/office/drawing/2014/main" val="3190619547"/>
+                    <a16:rowId xmlns:a16="http://schemas.microsoft.com/office/drawing/2014/main" xmlns="" val="3190619547"/>
                   </a:ext>
                 </a:extLst>
               </a:tr>
@@ -10402,7 +10452,7 @@
                 </a:tc>
                 <a:extLst>
                   <a:ext uri="{0D108BD9-81ED-4DB2-BD59-A6C34878D82A}">
-                    <a16:rowId xmlns="" xmlns:a16="http://schemas.microsoft.com/office/drawing/2014/main" val="1767920701"/>
+                    <a16:rowId xmlns:a16="http://schemas.microsoft.com/office/drawing/2014/main" xmlns="" val="1767920701"/>
                   </a:ext>
                 </a:extLst>
               </a:tr>
@@ -10469,7 +10519,7 @@
                 </a:tc>
                 <a:extLst>
                   <a:ext uri="{0D108BD9-81ED-4DB2-BD59-A6C34878D82A}">
-                    <a16:rowId xmlns="" xmlns:a16="http://schemas.microsoft.com/office/drawing/2014/main" val="1045687176"/>
+                    <a16:rowId xmlns:a16="http://schemas.microsoft.com/office/drawing/2014/main" xmlns="" val="1045687176"/>
                   </a:ext>
                 </a:extLst>
               </a:tr>
@@ -10536,7 +10586,7 @@
                 </a:tc>
                 <a:extLst>
                   <a:ext uri="{0D108BD9-81ED-4DB2-BD59-A6C34878D82A}">
-                    <a16:rowId xmlns="" xmlns:a16="http://schemas.microsoft.com/office/drawing/2014/main" val="2351577163"/>
+                    <a16:rowId xmlns:a16="http://schemas.microsoft.com/office/drawing/2014/main" xmlns="" val="2351577163"/>
                   </a:ext>
                 </a:extLst>
               </a:tr>
@@ -10603,7 +10653,7 @@
                 </a:tc>
                 <a:extLst>
                   <a:ext uri="{0D108BD9-81ED-4DB2-BD59-A6C34878D82A}">
-                    <a16:rowId xmlns="" xmlns:a16="http://schemas.microsoft.com/office/drawing/2014/main" val="3050760200"/>
+                    <a16:rowId xmlns:a16="http://schemas.microsoft.com/office/drawing/2014/main" xmlns="" val="3050760200"/>
                   </a:ext>
                 </a:extLst>
               </a:tr>
@@ -10769,7 +10819,6 @@
               <a:rPr lang="en-US" dirty="0"/>
               <a:t>Effort Estimate Assumptions</a:t>
             </a:r>
-            <a:endParaRPr lang="en-US" dirty="0"/>
           </a:p>
         </p:txBody>
       </p:sp>
@@ -10802,28 +10851,28 @@
                 <a:gridCol w="2743200">
                   <a:extLst>
                     <a:ext uri="{9D8B030D-6E8A-4147-A177-3AD203B41FA5}">
-                      <a16:colId xmlns="" xmlns:a16="http://schemas.microsoft.com/office/drawing/2014/main" val="4007007747"/>
+                      <a16:colId xmlns:a16="http://schemas.microsoft.com/office/drawing/2014/main" xmlns="" val="4007007747"/>
                     </a:ext>
                   </a:extLst>
                 </a:gridCol>
                 <a:gridCol w="2743200">
                   <a:extLst>
                     <a:ext uri="{9D8B030D-6E8A-4147-A177-3AD203B41FA5}">
-                      <a16:colId xmlns="" xmlns:a16="http://schemas.microsoft.com/office/drawing/2014/main" val="2089765381"/>
+                      <a16:colId xmlns:a16="http://schemas.microsoft.com/office/drawing/2014/main" xmlns="" val="2089765381"/>
                     </a:ext>
                   </a:extLst>
                 </a:gridCol>
                 <a:gridCol w="2743200">
                   <a:extLst>
                     <a:ext uri="{9D8B030D-6E8A-4147-A177-3AD203B41FA5}">
-                      <a16:colId xmlns="" xmlns:a16="http://schemas.microsoft.com/office/drawing/2014/main" val="2946535250"/>
+                      <a16:colId xmlns:a16="http://schemas.microsoft.com/office/drawing/2014/main" xmlns="" val="2946535250"/>
                     </a:ext>
                   </a:extLst>
                 </a:gridCol>
                 <a:gridCol w="2743200">
                   <a:extLst>
                     <a:ext uri="{9D8B030D-6E8A-4147-A177-3AD203B41FA5}">
-                      <a16:colId xmlns="" xmlns:a16="http://schemas.microsoft.com/office/drawing/2014/main" val="2232881725"/>
+                      <a16:colId xmlns:a16="http://schemas.microsoft.com/office/drawing/2014/main" xmlns="" val="2232881725"/>
                     </a:ext>
                   </a:extLst>
                 </a:gridCol>
@@ -10887,7 +10936,7 @@
                 </a:tc>
                 <a:extLst>
                   <a:ext uri="{0D108BD9-81ED-4DB2-BD59-A6C34878D82A}">
-                    <a16:rowId xmlns="" xmlns:a16="http://schemas.microsoft.com/office/drawing/2014/main" val="2585052838"/>
+                    <a16:rowId xmlns:a16="http://schemas.microsoft.com/office/drawing/2014/main" xmlns="" val="2585052838"/>
                   </a:ext>
                 </a:extLst>
               </a:tr>
@@ -10954,7 +11003,7 @@
                 </a:tc>
                 <a:extLst>
                   <a:ext uri="{0D108BD9-81ED-4DB2-BD59-A6C34878D82A}">
-                    <a16:rowId xmlns="" xmlns:a16="http://schemas.microsoft.com/office/drawing/2014/main" val="4002715652"/>
+                    <a16:rowId xmlns:a16="http://schemas.microsoft.com/office/drawing/2014/main" xmlns="" val="4002715652"/>
                   </a:ext>
                 </a:extLst>
               </a:tr>
@@ -11015,7 +11064,7 @@
                 </a:tc>
                 <a:extLst>
                   <a:ext uri="{0D108BD9-81ED-4DB2-BD59-A6C34878D82A}">
-                    <a16:rowId xmlns="" xmlns:a16="http://schemas.microsoft.com/office/drawing/2014/main" val="2947406717"/>
+                    <a16:rowId xmlns:a16="http://schemas.microsoft.com/office/drawing/2014/main" xmlns="" val="2947406717"/>
                   </a:ext>
                 </a:extLst>
               </a:tr>
@@ -11082,7 +11131,7 @@
                 </a:tc>
                 <a:extLst>
                   <a:ext uri="{0D108BD9-81ED-4DB2-BD59-A6C34878D82A}">
-                    <a16:rowId xmlns="" xmlns:a16="http://schemas.microsoft.com/office/drawing/2014/main" val="864418350"/>
+                    <a16:rowId xmlns:a16="http://schemas.microsoft.com/office/drawing/2014/main" xmlns="" val="864418350"/>
                   </a:ext>
                 </a:extLst>
               </a:tr>
@@ -11474,7 +11523,7 @@
   <a:extraClrSchemeLst/>
   <a:extLst>
     <a:ext uri="{05A4C25C-085E-4340-85A3-A5531E510DB2}">
-      <thm15:themeFamily xmlns="" xmlns:thm15="http://schemas.microsoft.com/office/thememl/2012/main" name="Company background presentation" id="{7C18907C-4901-42BD-8F2C-E63B32C9DCA3}" vid="{B4FC953D-0C69-4290-95E2-4EA0E2E67DEC}"/>
+      <thm15:themeFamily xmlns:thm15="http://schemas.microsoft.com/office/thememl/2012/main" xmlns="" name="Company background presentation" id="{7C18907C-4901-42BD-8F2C-E63B32C9DCA3}" vid="{B4FC953D-0C69-4290-95E2-4EA0E2E67DEC}"/>
     </a:ext>
   </a:extLst>
 </a:theme>
@@ -11735,7 +11784,7 @@
   <a:extraClrSchemeLst/>
   <a:extLst>
     <a:ext uri="{05A4C25C-085E-4340-85A3-A5531E510DB2}">
-      <thm15:themeFamily xmlns="" xmlns:thm15="http://schemas.microsoft.com/office/thememl/2012/main" name="Office Theme" id="{62F939B6-93AF-4DB8-9C6B-D6C7DFDC589F}" vid="{4A3C46E8-61CC-4603-A589-7422A47A8E4A}"/>
+      <thm15:themeFamily xmlns:thm15="http://schemas.microsoft.com/office/thememl/2012/main" xmlns="" name="Office Theme" id="{62F939B6-93AF-4DB8-9C6B-D6C7DFDC589F}" vid="{4A3C46E8-61CC-4603-A589-7422A47A8E4A}"/>
     </a:ext>
   </a:extLst>
 </a:theme>
@@ -11996,7 +12045,7 @@
   <a:extraClrSchemeLst/>
   <a:extLst>
     <a:ext uri="{05A4C25C-085E-4340-85A3-A5531E510DB2}">
-      <thm15:themeFamily xmlns="" xmlns:thm15="http://schemas.microsoft.com/office/thememl/2012/main" name="Office Theme" id="{62F939B6-93AF-4DB8-9C6B-D6C7DFDC589F}" vid="{4A3C46E8-61CC-4603-A589-7422A47A8E4A}"/>
+      <thm15:themeFamily xmlns:thm15="http://schemas.microsoft.com/office/thememl/2012/main" xmlns="" name="Office Theme" id="{62F939B6-93AF-4DB8-9C6B-D6C7DFDC589F}" vid="{4A3C46E8-61CC-4603-A589-7422A47A8E4A}"/>
     </a:ext>
   </a:extLst>
 </a:theme>

--- a/Presentation1.pptx
+++ b/Presentation1.pptx
@@ -5,10 +5,10 @@
     <p:sldMasterId id="2147483672" r:id="rId2"/>
   </p:sldMasterIdLst>
   <p:notesMasterIdLst>
-    <p:notesMasterId r:id="rId20"/>
+    <p:notesMasterId r:id="rId21"/>
   </p:notesMasterIdLst>
   <p:handoutMasterIdLst>
-    <p:handoutMasterId r:id="rId21"/>
+    <p:handoutMasterId r:id="rId22"/>
   </p:handoutMasterIdLst>
   <p:sldIdLst>
     <p:sldId id="270" r:id="rId3"/>
@@ -17,17 +17,18 @@
     <p:sldId id="273" r:id="rId6"/>
     <p:sldId id="274" r:id="rId7"/>
     <p:sldId id="275" r:id="rId8"/>
-    <p:sldId id="276" r:id="rId9"/>
-    <p:sldId id="277" r:id="rId10"/>
-    <p:sldId id="278" r:id="rId11"/>
-    <p:sldId id="279" r:id="rId12"/>
-    <p:sldId id="280" r:id="rId13"/>
-    <p:sldId id="281" r:id="rId14"/>
-    <p:sldId id="282" r:id="rId15"/>
-    <p:sldId id="284" r:id="rId16"/>
-    <p:sldId id="283" r:id="rId17"/>
-    <p:sldId id="285" r:id="rId18"/>
-    <p:sldId id="286" r:id="rId19"/>
+    <p:sldId id="287" r:id="rId9"/>
+    <p:sldId id="276" r:id="rId10"/>
+    <p:sldId id="277" r:id="rId11"/>
+    <p:sldId id="278" r:id="rId12"/>
+    <p:sldId id="279" r:id="rId13"/>
+    <p:sldId id="280" r:id="rId14"/>
+    <p:sldId id="281" r:id="rId15"/>
+    <p:sldId id="282" r:id="rId16"/>
+    <p:sldId id="284" r:id="rId17"/>
+    <p:sldId id="283" r:id="rId18"/>
+    <p:sldId id="285" r:id="rId19"/>
+    <p:sldId id="286" r:id="rId20"/>
   </p:sldIdLst>
   <p:sldSz cx="12192000" cy="6858000"/>
   <p:notesSz cx="6858000" cy="9144000"/>
@@ -128,10 +129,10 @@
   </p:defaultTextStyle>
   <p:extLst>
     <p:ext uri="{EFAFB233-063F-42B5-8137-9DF3F51BA10A}">
-      <p15:sldGuideLst xmlns:p15="http://schemas.microsoft.com/office/powerpoint/2012/main" xmlns=""/>
+      <p15:sldGuideLst xmlns="" xmlns:p15="http://schemas.microsoft.com/office/powerpoint/2012/main"/>
     </p:ext>
     <p:ext uri="{2D200454-40CA-4A62-9FC3-DE9A4176ACB9}">
-      <p15:notesGuideLst xmlns:p15="http://schemas.microsoft.com/office/powerpoint/2012/main" xmlns=""/>
+      <p15:notesGuideLst xmlns="" xmlns:p15="http://schemas.microsoft.com/office/powerpoint/2012/main"/>
     </p:ext>
   </p:extLst>
 </p:presentation>
@@ -219,7 +220,7 @@
           <a:p>
             <a:fld id="{65700FC0-9E7A-4C53-8A3B-3C3C9A736C42}" type="datetimeFigureOut">
               <a:rPr lang="en-US" smtClean="0"/>
-              <a:t>4/4/17</a:t>
+              <a:t>4/5/17</a:t>
             </a:fld>
             <a:endParaRPr lang="en-US"/>
           </a:p>
@@ -384,7 +385,7 @@
           <a:p>
             <a:fld id="{8AF122B6-E47E-4A80-A9F3-23FD10D674FE}" type="datetimeFigureOut">
               <a:rPr lang="en-US" smtClean="0"/>
-              <a:t>4/4/17</a:t>
+              <a:t>4/5/17</a:t>
             </a:fld>
             <a:endParaRPr lang="en-US"/>
           </a:p>
@@ -695,7 +696,7 @@
             <a:fld id="{349BF3EA-1A78-4F07-BDC0-C8A1BD461199}" type="datetimeFigureOut">
               <a:rPr lang="en-US" smtClean="0"/>
               <a:pPr/>
-              <a:t>4/4/17</a:t>
+              <a:t>4/5/17</a:t>
             </a:fld>
             <a:endParaRPr lang="en-US"/>
           </a:p>
@@ -1056,7 +1057,7 @@
           <a:p>
             <a:fld id="{349BF3EA-1A78-4F07-BDC0-C8A1BD461199}" type="datetimeFigureOut">
               <a:rPr lang="en-US" smtClean="0"/>
-              <a:t>4/4/17</a:t>
+              <a:t>4/5/17</a:t>
             </a:fld>
             <a:endParaRPr lang="en-US"/>
           </a:p>
@@ -1254,7 +1255,7 @@
           <a:p>
             <a:fld id="{349BF3EA-1A78-4F07-BDC0-C8A1BD461199}" type="datetimeFigureOut">
               <a:rPr lang="en-US" smtClean="0"/>
-              <a:t>4/4/17</a:t>
+              <a:t>4/5/17</a:t>
             </a:fld>
             <a:endParaRPr lang="en-US"/>
           </a:p>
@@ -1502,7 +1503,7 @@
           <a:p>
             <a:fld id="{349BF3EA-1A78-4F07-BDC0-C8A1BD461199}" type="datetimeFigureOut">
               <a:rPr lang="en-US" smtClean="0"/>
-              <a:t>4/4/17</a:t>
+              <a:t>4/5/17</a:t>
             </a:fld>
             <a:endParaRPr lang="en-US"/>
           </a:p>
@@ -1773,7 +1774,7 @@
           <a:p>
             <a:fld id="{349BF3EA-1A78-4F07-BDC0-C8A1BD461199}" type="datetimeFigureOut">
               <a:rPr lang="en-US" smtClean="0"/>
-              <a:t>4/4/17</a:t>
+              <a:t>4/5/17</a:t>
             </a:fld>
             <a:endParaRPr lang="en-US"/>
           </a:p>
@@ -2144,7 +2145,7 @@
           <a:p>
             <a:fld id="{349BF3EA-1A78-4F07-BDC0-C8A1BD461199}" type="datetimeFigureOut">
               <a:rPr lang="en-US" smtClean="0"/>
-              <a:t>4/4/17</a:t>
+              <a:t>4/5/17</a:t>
             </a:fld>
             <a:endParaRPr lang="en-US"/>
           </a:p>
@@ -2475,7 +2476,7 @@
           <a:p>
             <a:fld id="{349BF3EA-1A78-4F07-BDC0-C8A1BD461199}" type="datetimeFigureOut">
               <a:rPr lang="en-US" smtClean="0"/>
-              <a:t>4/4/17</a:t>
+              <a:t>4/5/17</a:t>
             </a:fld>
             <a:endParaRPr lang="en-US"/>
           </a:p>
@@ -2730,7 +2731,7 @@
           <a:p>
             <a:fld id="{349BF3EA-1A78-4F07-BDC0-C8A1BD461199}" type="datetimeFigureOut">
               <a:rPr lang="en-US" smtClean="0"/>
-              <a:t>4/4/17</a:t>
+              <a:t>4/5/17</a:t>
             </a:fld>
             <a:endParaRPr lang="en-US"/>
           </a:p>
@@ -2837,7 +2838,7 @@
           <a:p>
             <a:fld id="{349BF3EA-1A78-4F07-BDC0-C8A1BD461199}" type="datetimeFigureOut">
               <a:rPr lang="en-US" smtClean="0"/>
-              <a:t>4/4/17</a:t>
+              <a:t>4/5/17</a:t>
             </a:fld>
             <a:endParaRPr lang="en-US"/>
           </a:p>
@@ -3136,7 +3137,7 @@
           <a:p>
             <a:fld id="{349BF3EA-1A78-4F07-BDC0-C8A1BD461199}" type="datetimeFigureOut">
               <a:rPr lang="en-US" smtClean="0"/>
-              <a:t>4/4/17</a:t>
+              <a:t>4/5/17</a:t>
             </a:fld>
             <a:endParaRPr lang="en-US"/>
           </a:p>
@@ -3424,7 +3425,7 @@
           <a:p>
             <a:fld id="{349BF3EA-1A78-4F07-BDC0-C8A1BD461199}" type="datetimeFigureOut">
               <a:rPr lang="en-US" smtClean="0"/>
-              <a:t>4/4/17</a:t>
+              <a:t>4/5/17</a:t>
             </a:fld>
             <a:endParaRPr lang="en-US"/>
           </a:p>
@@ -3554,7 +3555,7 @@
             <a:fld id="{349BF3EA-1A78-4F07-BDC0-C8A1BD461199}" type="datetimeFigureOut">
               <a:rPr lang="en-US" smtClean="0"/>
               <a:pPr/>
-              <a:t>4/4/17</a:t>
+              <a:t>4/5/17</a:t>
             </a:fld>
             <a:endParaRPr lang="en-US"/>
           </a:p>
@@ -4324,14 +4325,14 @@
             <p:ph idx="1"/>
             <p:extLst>
               <p:ext uri="{D42A27DB-BD31-4B8C-83A1-F6EECF244321}">
-                <p14:modId xmlns:p14="http://schemas.microsoft.com/office/powerpoint/2010/main" val="3756915691"/>
+                <p14:modId xmlns:p14="http://schemas.microsoft.com/office/powerpoint/2010/main" val="1546207687"/>
               </p:ext>
             </p:extLst>
           </p:nvPr>
         </p:nvGraphicFramePr>
         <p:xfrm>
           <a:off x="609600" y="1600200"/>
-          <a:ext cx="10972800" cy="3182619"/>
+          <a:ext cx="10972800" cy="2908299"/>
         </p:xfrm>
         <a:graphic>
           <a:graphicData uri="http://schemas.openxmlformats.org/drawingml/2006/table">
@@ -4343,28 +4344,28 @@
                 <a:gridCol w="2743200">
                   <a:extLst>
                     <a:ext uri="{9D8B030D-6E8A-4147-A177-3AD203B41FA5}">
-                      <a16:colId xmlns:a16="http://schemas.microsoft.com/office/drawing/2014/main" xmlns="" val="4007007747"/>
+                      <a16:colId xmlns="" xmlns:a16="http://schemas.microsoft.com/office/drawing/2014/main" val="4007007747"/>
                     </a:ext>
                   </a:extLst>
                 </a:gridCol>
                 <a:gridCol w="2743200">
                   <a:extLst>
                     <a:ext uri="{9D8B030D-6E8A-4147-A177-3AD203B41FA5}">
-                      <a16:colId xmlns:a16="http://schemas.microsoft.com/office/drawing/2014/main" xmlns="" val="2089765381"/>
+                      <a16:colId xmlns="" xmlns:a16="http://schemas.microsoft.com/office/drawing/2014/main" val="2089765381"/>
                     </a:ext>
                   </a:extLst>
                 </a:gridCol>
                 <a:gridCol w="2743200">
                   <a:extLst>
                     <a:ext uri="{9D8B030D-6E8A-4147-A177-3AD203B41FA5}">
-                      <a16:colId xmlns:a16="http://schemas.microsoft.com/office/drawing/2014/main" xmlns="" val="2946535250"/>
+                      <a16:colId xmlns="" xmlns:a16="http://schemas.microsoft.com/office/drawing/2014/main" val="2946535250"/>
                     </a:ext>
                   </a:extLst>
                 </a:gridCol>
                 <a:gridCol w="2743200">
                   <a:extLst>
                     <a:ext uri="{9D8B030D-6E8A-4147-A177-3AD203B41FA5}">
-                      <a16:colId xmlns:a16="http://schemas.microsoft.com/office/drawing/2014/main" xmlns="" val="2232881725"/>
+                      <a16:colId xmlns="" xmlns:a16="http://schemas.microsoft.com/office/drawing/2014/main" val="2232881725"/>
                     </a:ext>
                   </a:extLst>
                 </a:gridCol>
@@ -4428,7 +4429,7 @@
                 </a:tc>
                 <a:extLst>
                   <a:ext uri="{0D108BD9-81ED-4DB2-BD59-A6C34878D82A}">
-                    <a16:rowId xmlns:a16="http://schemas.microsoft.com/office/drawing/2014/main" xmlns="" val="2585052838"/>
+                    <a16:rowId xmlns="" xmlns:a16="http://schemas.microsoft.com/office/drawing/2014/main" val="2585052838"/>
                   </a:ext>
                 </a:extLst>
               </a:tr>
@@ -4442,7 +4443,7 @@
                         <a:rPr lang="en-US" dirty="0">
                           <a:effectLst/>
                         </a:rPr>
-                        <a:t>Take Grass Tour</a:t>
+                        <a:t>Take Building Tour</a:t>
                       </a:r>
                     </a:p>
                   </a:txBody>
@@ -4487,7 +4488,7 @@
                         <a:rPr lang="en-US">
                           <a:effectLst/>
                         </a:rPr>
-                        <a:t>Screen Will be constructed by Drury's location and individual location from data source with grass location.</a:t>
+                        <a:t>Screen will be constructed by Drury's location and individual location from data source.</a:t>
                       </a:r>
                     </a:p>
                   </a:txBody>
@@ -4495,7 +4496,7 @@
                 </a:tc>
                 <a:extLst>
                   <a:ext uri="{0D108BD9-81ED-4DB2-BD59-A6C34878D82A}">
-                    <a16:rowId xmlns:a16="http://schemas.microsoft.com/office/drawing/2014/main" xmlns="" val="2440870835"/>
+                    <a16:rowId xmlns="" xmlns:a16="http://schemas.microsoft.com/office/drawing/2014/main" val="4002715652"/>
                   </a:ext>
                 </a:extLst>
               </a:tr>
@@ -4556,7 +4557,7 @@
                 </a:tc>
                 <a:extLst>
                   <a:ext uri="{0D108BD9-81ED-4DB2-BD59-A6C34878D82A}">
-                    <a16:rowId xmlns:a16="http://schemas.microsoft.com/office/drawing/2014/main" xmlns="" val="3880781591"/>
+                    <a16:rowId xmlns="" xmlns:a16="http://schemas.microsoft.com/office/drawing/2014/main" val="2947406717"/>
                   </a:ext>
                 </a:extLst>
               </a:tr>
@@ -4570,7 +4571,7 @@
                         <a:rPr lang="en-US">
                           <a:effectLst/>
                         </a:rPr>
-                        <a:t>Read About Grasses</a:t>
+                        <a:t>Read About Repurposed Pieces</a:t>
                       </a:r>
                     </a:p>
                   </a:txBody>
@@ -4623,7 +4624,7 @@
                 </a:tc>
                 <a:extLst>
                   <a:ext uri="{0D108BD9-81ED-4DB2-BD59-A6C34878D82A}">
-                    <a16:rowId xmlns:a16="http://schemas.microsoft.com/office/drawing/2014/main" xmlns="" val="4195087847"/>
+                    <a16:rowId xmlns="" xmlns:a16="http://schemas.microsoft.com/office/drawing/2014/main" val="864418350"/>
                   </a:ext>
                 </a:extLst>
               </a:tr>
@@ -4724,7 +4725,7 @@
     </p:spTree>
     <p:extLst>
       <p:ext uri="{BB962C8B-B14F-4D97-AF65-F5344CB8AC3E}">
-        <p14:creationId xmlns:p14="http://schemas.microsoft.com/office/powerpoint/2010/main" val="1216751560"/>
+        <p14:creationId xmlns:p14="http://schemas.microsoft.com/office/powerpoint/2010/main" val="2519909124"/>
       </p:ext>
     </p:extLst>
   </p:cSld>
@@ -4802,7 +4803,7 @@
             <p:ph idx="1"/>
             <p:extLst>
               <p:ext uri="{D42A27DB-BD31-4B8C-83A1-F6EECF244321}">
-                <p14:modId xmlns:p14="http://schemas.microsoft.com/office/powerpoint/2010/main" val="450252133"/>
+                <p14:modId xmlns:p14="http://schemas.microsoft.com/office/powerpoint/2010/main" val="3756915691"/>
               </p:ext>
             </p:extLst>
           </p:nvPr>
@@ -4821,28 +4822,28 @@
                 <a:gridCol w="2743200">
                   <a:extLst>
                     <a:ext uri="{9D8B030D-6E8A-4147-A177-3AD203B41FA5}">
-                      <a16:colId xmlns:a16="http://schemas.microsoft.com/office/drawing/2014/main" xmlns="" val="4007007747"/>
+                      <a16:colId xmlns="" xmlns:a16="http://schemas.microsoft.com/office/drawing/2014/main" val="4007007747"/>
                     </a:ext>
                   </a:extLst>
                 </a:gridCol>
                 <a:gridCol w="2743200">
                   <a:extLst>
                     <a:ext uri="{9D8B030D-6E8A-4147-A177-3AD203B41FA5}">
-                      <a16:colId xmlns:a16="http://schemas.microsoft.com/office/drawing/2014/main" xmlns="" val="2089765381"/>
+                      <a16:colId xmlns="" xmlns:a16="http://schemas.microsoft.com/office/drawing/2014/main" val="2089765381"/>
                     </a:ext>
                   </a:extLst>
                 </a:gridCol>
                 <a:gridCol w="2743200">
                   <a:extLst>
                     <a:ext uri="{9D8B030D-6E8A-4147-A177-3AD203B41FA5}">
-                      <a16:colId xmlns:a16="http://schemas.microsoft.com/office/drawing/2014/main" xmlns="" val="2946535250"/>
+                      <a16:colId xmlns="" xmlns:a16="http://schemas.microsoft.com/office/drawing/2014/main" val="2946535250"/>
                     </a:ext>
                   </a:extLst>
                 </a:gridCol>
                 <a:gridCol w="2743200">
                   <a:extLst>
                     <a:ext uri="{9D8B030D-6E8A-4147-A177-3AD203B41FA5}">
-                      <a16:colId xmlns:a16="http://schemas.microsoft.com/office/drawing/2014/main" xmlns="" val="2232881725"/>
+                      <a16:colId xmlns="" xmlns:a16="http://schemas.microsoft.com/office/drawing/2014/main" val="2232881725"/>
                     </a:ext>
                   </a:extLst>
                 </a:gridCol>
@@ -4906,7 +4907,7 @@
                 </a:tc>
                 <a:extLst>
                   <a:ext uri="{0D108BD9-81ED-4DB2-BD59-A6C34878D82A}">
-                    <a16:rowId xmlns:a16="http://schemas.microsoft.com/office/drawing/2014/main" xmlns="" val="2585052838"/>
+                    <a16:rowId xmlns="" xmlns:a16="http://schemas.microsoft.com/office/drawing/2014/main" val="2585052838"/>
                   </a:ext>
                 </a:extLst>
               </a:tr>
@@ -4920,7 +4921,7 @@
                         <a:rPr lang="en-US" dirty="0">
                           <a:effectLst/>
                         </a:rPr>
-                        <a:t>Take Repurposed Pieces Tour</a:t>
+                        <a:t>Take Grass Tour</a:t>
                       </a:r>
                     </a:p>
                   </a:txBody>
@@ -4965,7 +4966,7 @@
                         <a:rPr lang="en-US">
                           <a:effectLst/>
                         </a:rPr>
-                        <a:t>Screen will be constructed by Drury's location and individual location from data source with repurposed pieces location.</a:t>
+                        <a:t>Screen Will be constructed by Drury's location and individual location from data source with grass location.</a:t>
                       </a:r>
                     </a:p>
                   </a:txBody>
@@ -4973,7 +4974,7 @@
                 </a:tc>
                 <a:extLst>
                   <a:ext uri="{0D108BD9-81ED-4DB2-BD59-A6C34878D82A}">
-                    <a16:rowId xmlns:a16="http://schemas.microsoft.com/office/drawing/2014/main" xmlns="" val="2319653860"/>
+                    <a16:rowId xmlns="" xmlns:a16="http://schemas.microsoft.com/office/drawing/2014/main" val="2440870835"/>
                   </a:ext>
                 </a:extLst>
               </a:tr>
@@ -5034,7 +5035,7 @@
                 </a:tc>
                 <a:extLst>
                   <a:ext uri="{0D108BD9-81ED-4DB2-BD59-A6C34878D82A}">
-                    <a16:rowId xmlns:a16="http://schemas.microsoft.com/office/drawing/2014/main" xmlns="" val="2490656911"/>
+                    <a16:rowId xmlns="" xmlns:a16="http://schemas.microsoft.com/office/drawing/2014/main" val="3880781591"/>
                   </a:ext>
                 </a:extLst>
               </a:tr>
@@ -5048,22 +5049,7 @@
                         <a:rPr lang="en-US">
                           <a:effectLst/>
                         </a:rPr>
-                        <a:t>Read About Repurposed Pieces</a:t>
-                      </a:r>
-                    </a:p>
-                  </a:txBody>
-                  <a:tcPr marL="123825" marR="123825" marT="57150" marB="57150" anchor="ctr"/>
-                </a:tc>
-                <a:tc>
-                  <a:txBody>
-                    <a:bodyPr/>
-                    <a:lstStyle/>
-                    <a:p>
-                      <a:r>
-                        <a:rPr lang="en-US" dirty="0">
-                          <a:effectLst/>
-                        </a:rPr>
-                        <a:t>1</a:t>
+                        <a:t>Read About Grasses</a:t>
                       </a:r>
                     </a:p>
                   </a:txBody>
@@ -5090,10 +5076,25 @@
                     <a:lstStyle/>
                     <a:p>
                       <a:r>
+                        <a:rPr lang="en-US">
+                          <a:effectLst/>
+                        </a:rPr>
+                        <a:t>1</a:t>
+                      </a:r>
+                    </a:p>
+                  </a:txBody>
+                  <a:tcPr marL="123825" marR="123825" marT="57150" marB="57150" anchor="ctr"/>
+                </a:tc>
+                <a:tc>
+                  <a:txBody>
+                    <a:bodyPr/>
+                    <a:lstStyle/>
+                    <a:p>
+                      <a:r>
                         <a:rPr lang="en-US" dirty="0">
                           <a:effectLst/>
                         </a:rPr>
-                        <a:t>Simple text with some images on the screen.</a:t>
+                        <a:t>Simple text with some images on screen.</a:t>
                       </a:r>
                     </a:p>
                   </a:txBody>
@@ -5101,7 +5102,7 @@
                 </a:tc>
                 <a:extLst>
                   <a:ext uri="{0D108BD9-81ED-4DB2-BD59-A6C34878D82A}">
-                    <a16:rowId xmlns:a16="http://schemas.microsoft.com/office/drawing/2014/main" xmlns="" val="281916472"/>
+                    <a16:rowId xmlns="" xmlns:a16="http://schemas.microsoft.com/office/drawing/2014/main" val="4195087847"/>
                   </a:ext>
                 </a:extLst>
               </a:tr>
@@ -5202,7 +5203,7 @@
     </p:spTree>
     <p:extLst>
       <p:ext uri="{BB962C8B-B14F-4D97-AF65-F5344CB8AC3E}">
-        <p14:creationId xmlns:p14="http://schemas.microsoft.com/office/powerpoint/2010/main" val="2303474947"/>
+        <p14:creationId xmlns:p14="http://schemas.microsoft.com/office/powerpoint/2010/main" val="1216751560"/>
       </p:ext>
     </p:extLst>
   </p:cSld>
@@ -5280,14 +5281,14 @@
             <p:ph idx="1"/>
             <p:extLst>
               <p:ext uri="{D42A27DB-BD31-4B8C-83A1-F6EECF244321}">
-                <p14:modId xmlns:p14="http://schemas.microsoft.com/office/powerpoint/2010/main" val="1082142021"/>
+                <p14:modId xmlns:p14="http://schemas.microsoft.com/office/powerpoint/2010/main" val="450252133"/>
               </p:ext>
             </p:extLst>
           </p:nvPr>
         </p:nvGraphicFramePr>
         <p:xfrm>
           <a:off x="609600" y="1600200"/>
-          <a:ext cx="10972800" cy="3022600"/>
+          <a:ext cx="10972800" cy="3182619"/>
         </p:xfrm>
         <a:graphic>
           <a:graphicData uri="http://schemas.openxmlformats.org/drawingml/2006/table">
@@ -5299,28 +5300,28 @@
                 <a:gridCol w="2743200">
                   <a:extLst>
                     <a:ext uri="{9D8B030D-6E8A-4147-A177-3AD203B41FA5}">
-                      <a16:colId xmlns:a16="http://schemas.microsoft.com/office/drawing/2014/main" xmlns="" val="4007007747"/>
+                      <a16:colId xmlns="" xmlns:a16="http://schemas.microsoft.com/office/drawing/2014/main" val="4007007747"/>
                     </a:ext>
                   </a:extLst>
                 </a:gridCol>
                 <a:gridCol w="2743200">
                   <a:extLst>
                     <a:ext uri="{9D8B030D-6E8A-4147-A177-3AD203B41FA5}">
-                      <a16:colId xmlns:a16="http://schemas.microsoft.com/office/drawing/2014/main" xmlns="" val="2089765381"/>
+                      <a16:colId xmlns="" xmlns:a16="http://schemas.microsoft.com/office/drawing/2014/main" val="2089765381"/>
                     </a:ext>
                   </a:extLst>
                 </a:gridCol>
                 <a:gridCol w="2743200">
                   <a:extLst>
                     <a:ext uri="{9D8B030D-6E8A-4147-A177-3AD203B41FA5}">
-                      <a16:colId xmlns:a16="http://schemas.microsoft.com/office/drawing/2014/main" xmlns="" val="2946535250"/>
+                      <a16:colId xmlns="" xmlns:a16="http://schemas.microsoft.com/office/drawing/2014/main" val="2946535250"/>
                     </a:ext>
                   </a:extLst>
                 </a:gridCol>
                 <a:gridCol w="2743200">
                   <a:extLst>
                     <a:ext uri="{9D8B030D-6E8A-4147-A177-3AD203B41FA5}">
-                      <a16:colId xmlns:a16="http://schemas.microsoft.com/office/drawing/2014/main" xmlns="" val="2232881725"/>
+                      <a16:colId xmlns="" xmlns:a16="http://schemas.microsoft.com/office/drawing/2014/main" val="2232881725"/>
                     </a:ext>
                   </a:extLst>
                 </a:gridCol>
@@ -5384,7 +5385,7 @@
                 </a:tc>
                 <a:extLst>
                   <a:ext uri="{0D108BD9-81ED-4DB2-BD59-A6C34878D82A}">
-                    <a16:rowId xmlns:a16="http://schemas.microsoft.com/office/drawing/2014/main" xmlns="" val="2585052838"/>
+                    <a16:rowId xmlns="" xmlns:a16="http://schemas.microsoft.com/office/drawing/2014/main" val="2585052838"/>
                   </a:ext>
                 </a:extLst>
               </a:tr>
@@ -5398,7 +5399,150 @@
                         <a:rPr lang="en-US" dirty="0">
                           <a:effectLst/>
                         </a:rPr>
-                        <a:t>Manage Repurposed Pieces</a:t>
+                        <a:t>Take Repurposed Pieces Tour</a:t>
+                      </a:r>
+                    </a:p>
+                  </a:txBody>
+                  <a:tcPr marL="123825" marR="123825" marT="57150" marB="57150" anchor="ctr"/>
+                </a:tc>
+                <a:tc>
+                  <a:txBody>
+                    <a:bodyPr/>
+                    <a:lstStyle/>
+                    <a:p>
+                      <a:r>
+                        <a:rPr lang="en-US">
+                          <a:effectLst/>
+                        </a:rPr>
+                        <a:t>2</a:t>
+                      </a:r>
+                    </a:p>
+                  </a:txBody>
+                  <a:tcPr marL="123825" marR="123825" marT="57150" marB="57150" anchor="ctr"/>
+                </a:tc>
+                <a:tc>
+                  <a:txBody>
+                    <a:bodyPr/>
+                    <a:lstStyle/>
+                    <a:p>
+                      <a:r>
+                        <a:rPr lang="en-US">
+                          <a:effectLst/>
+                        </a:rPr>
+                        <a:t>2</a:t>
+                      </a:r>
+                    </a:p>
+                  </a:txBody>
+                  <a:tcPr marL="123825" marR="123825" marT="57150" marB="57150" anchor="ctr"/>
+                </a:tc>
+                <a:tc>
+                  <a:txBody>
+                    <a:bodyPr/>
+                    <a:lstStyle/>
+                    <a:p>
+                      <a:r>
+                        <a:rPr lang="en-US">
+                          <a:effectLst/>
+                        </a:rPr>
+                        <a:t>Screen will be constructed by Drury's location and individual location from data source with repurposed pieces location.</a:t>
+                      </a:r>
+                    </a:p>
+                  </a:txBody>
+                  <a:tcPr marL="123825" marR="123825" marT="57150" marB="57150" anchor="ctr"/>
+                </a:tc>
+                <a:extLst>
+                  <a:ext uri="{0D108BD9-81ED-4DB2-BD59-A6C34878D82A}">
+                    <a16:rowId xmlns="" xmlns:a16="http://schemas.microsoft.com/office/drawing/2014/main" val="2319653860"/>
+                  </a:ext>
+                </a:extLst>
+              </a:tr>
+              <a:tr h="370840">
+                <a:tc>
+                  <a:txBody>
+                    <a:bodyPr/>
+                    <a:lstStyle/>
+                    <a:p>
+                      <a:r>
+                        <a:rPr lang="en-US" b="1">
+                          <a:effectLst/>
+                        </a:rPr>
+                        <a:t>Subscreen</a:t>
+                      </a:r>
+                      <a:endParaRPr lang="en-US">
+                        <a:effectLst/>
+                      </a:endParaRPr>
+                    </a:p>
+                  </a:txBody>
+                  <a:tcPr marL="123825" marR="123825" marT="57150" marB="57150" anchor="ctr"/>
+                </a:tc>
+                <a:tc>
+                  <a:txBody>
+                    <a:bodyPr/>
+                    <a:lstStyle/>
+                    <a:p>
+                      <a:endParaRPr lang="en-US">
+                        <a:effectLst/>
+                      </a:endParaRPr>
+                    </a:p>
+                  </a:txBody>
+                  <a:tcPr marL="123825" marR="123825" marT="57150" marB="57150" anchor="ctr"/>
+                </a:tc>
+                <a:tc>
+                  <a:txBody>
+                    <a:bodyPr/>
+                    <a:lstStyle/>
+                    <a:p>
+                      <a:endParaRPr lang="en-US">
+                        <a:effectLst/>
+                      </a:endParaRPr>
+                    </a:p>
+                  </a:txBody>
+                  <a:tcPr marL="123825" marR="123825" marT="57150" marB="57150" anchor="ctr"/>
+                </a:tc>
+                <a:tc>
+                  <a:txBody>
+                    <a:bodyPr/>
+                    <a:lstStyle/>
+                    <a:p>
+                      <a:endParaRPr lang="en-US">
+                        <a:effectLst/>
+                      </a:endParaRPr>
+                    </a:p>
+                  </a:txBody>
+                  <a:tcPr marL="123825" marR="123825" marT="57150" marB="57150" anchor="ctr"/>
+                </a:tc>
+                <a:extLst>
+                  <a:ext uri="{0D108BD9-81ED-4DB2-BD59-A6C34878D82A}">
+                    <a16:rowId xmlns="" xmlns:a16="http://schemas.microsoft.com/office/drawing/2014/main" val="2490656911"/>
+                  </a:ext>
+                </a:extLst>
+              </a:tr>
+              <a:tr h="370840">
+                <a:tc>
+                  <a:txBody>
+                    <a:bodyPr/>
+                    <a:lstStyle/>
+                    <a:p>
+                      <a:r>
+                        <a:rPr lang="en-US">
+                          <a:effectLst/>
+                        </a:rPr>
+                        <a:t>Read About Repurposed Pieces</a:t>
+                      </a:r>
+                    </a:p>
+                  </a:txBody>
+                  <a:tcPr marL="123825" marR="123825" marT="57150" marB="57150" anchor="ctr"/>
+                </a:tc>
+                <a:tc>
+                  <a:txBody>
+                    <a:bodyPr/>
+                    <a:lstStyle/>
+                    <a:p>
+                      <a:r>
+                        <a:rPr lang="en-US" dirty="0">
+                          <a:effectLst/>
+                        </a:rPr>
+                        <a:t>1</a:t>
                       </a:r>
                     </a:p>
                   </a:txBody>
@@ -5425,223 +5569,10 @@
                     <a:lstStyle/>
                     <a:p>
                       <a:r>
-                        <a:rPr lang="en-US">
-                          <a:effectLst/>
-                        </a:rPr>
-                        <a:t>1</a:t>
-                      </a:r>
-                    </a:p>
-                  </a:txBody>
-                  <a:tcPr marL="123825" marR="123825" marT="57150" marB="57150" anchor="ctr"/>
-                </a:tc>
-                <a:tc>
-                  <a:txBody>
-                    <a:bodyPr/>
-                    <a:lstStyle/>
-                    <a:p>
-                      <a:r>
-                        <a:rPr lang="en-US">
-                          <a:effectLst/>
-                        </a:rPr>
-                        <a:t>Simple screen and access to the database.</a:t>
-                      </a:r>
-                    </a:p>
-                  </a:txBody>
-                  <a:tcPr marL="123825" marR="123825" marT="57150" marB="57150" anchor="ctr"/>
-                </a:tc>
-                <a:extLst>
-                  <a:ext uri="{0D108BD9-81ED-4DB2-BD59-A6C34878D82A}">
-                    <a16:rowId xmlns:a16="http://schemas.microsoft.com/office/drawing/2014/main" xmlns="" val="3764811118"/>
-                  </a:ext>
-                </a:extLst>
-              </a:tr>
-              <a:tr h="370840">
-                <a:tc>
-                  <a:txBody>
-                    <a:bodyPr/>
-                    <a:lstStyle/>
-                    <a:p>
-                      <a:r>
-                        <a:rPr lang="en-US">
-                          <a:effectLst/>
-                        </a:rPr>
-                        <a:t>Manage Grass</a:t>
-                      </a:r>
-                    </a:p>
-                  </a:txBody>
-                  <a:tcPr marL="123825" marR="123825" marT="57150" marB="57150" anchor="ctr"/>
-                </a:tc>
-                <a:tc>
-                  <a:txBody>
-                    <a:bodyPr/>
-                    <a:lstStyle/>
-                    <a:p>
-                      <a:r>
-                        <a:rPr lang="en-US">
-                          <a:effectLst/>
-                        </a:rPr>
-                        <a:t>1</a:t>
-                      </a:r>
-                    </a:p>
-                  </a:txBody>
-                  <a:tcPr marL="123825" marR="123825" marT="57150" marB="57150" anchor="ctr"/>
-                </a:tc>
-                <a:tc>
-                  <a:txBody>
-                    <a:bodyPr/>
-                    <a:lstStyle/>
-                    <a:p>
-                      <a:r>
-                        <a:rPr lang="en-US">
-                          <a:effectLst/>
-                        </a:rPr>
-                        <a:t>1</a:t>
-                      </a:r>
-                    </a:p>
-                  </a:txBody>
-                  <a:tcPr marL="123825" marR="123825" marT="57150" marB="57150" anchor="ctr"/>
-                </a:tc>
-                <a:tc>
-                  <a:txBody>
-                    <a:bodyPr/>
-                    <a:lstStyle/>
-                    <a:p>
-                      <a:r>
-                        <a:rPr lang="en-US">
-                          <a:effectLst/>
-                        </a:rPr>
-                        <a:t>Simple screen and access to the database.</a:t>
-                      </a:r>
-                    </a:p>
-                  </a:txBody>
-                  <a:tcPr marL="123825" marR="123825" marT="57150" marB="57150" anchor="ctr"/>
-                </a:tc>
-                <a:extLst>
-                  <a:ext uri="{0D108BD9-81ED-4DB2-BD59-A6C34878D82A}">
-                    <a16:rowId xmlns:a16="http://schemas.microsoft.com/office/drawing/2014/main" xmlns="" val="14760046"/>
-                  </a:ext>
-                </a:extLst>
-              </a:tr>
-              <a:tr h="370840">
-                <a:tc>
-                  <a:txBody>
-                    <a:bodyPr/>
-                    <a:lstStyle/>
-                    <a:p>
-                      <a:r>
-                        <a:rPr lang="en-US">
-                          <a:effectLst/>
-                        </a:rPr>
-                        <a:t>Manage Trees</a:t>
-                      </a:r>
-                    </a:p>
-                  </a:txBody>
-                  <a:tcPr marL="123825" marR="123825" marT="57150" marB="57150" anchor="ctr"/>
-                </a:tc>
-                <a:tc>
-                  <a:txBody>
-                    <a:bodyPr/>
-                    <a:lstStyle/>
-                    <a:p>
-                      <a:r>
-                        <a:rPr lang="en-US">
-                          <a:effectLst/>
-                        </a:rPr>
-                        <a:t>1</a:t>
-                      </a:r>
-                    </a:p>
-                  </a:txBody>
-                  <a:tcPr marL="123825" marR="123825" marT="57150" marB="57150" anchor="ctr"/>
-                </a:tc>
-                <a:tc>
-                  <a:txBody>
-                    <a:bodyPr/>
-                    <a:lstStyle/>
-                    <a:p>
-                      <a:r>
-                        <a:rPr lang="en-US">
-                          <a:effectLst/>
-                        </a:rPr>
-                        <a:t>1</a:t>
-                      </a:r>
-                    </a:p>
-                  </a:txBody>
-                  <a:tcPr marL="123825" marR="123825" marT="57150" marB="57150" anchor="ctr"/>
-                </a:tc>
-                <a:tc>
-                  <a:txBody>
-                    <a:bodyPr/>
-                    <a:lstStyle/>
-                    <a:p>
-                      <a:r>
-                        <a:rPr lang="en-US">
-                          <a:effectLst/>
-                        </a:rPr>
-                        <a:t>Simple screen and access to the database.</a:t>
-                      </a:r>
-                    </a:p>
-                  </a:txBody>
-                  <a:tcPr marL="123825" marR="123825" marT="57150" marB="57150" anchor="ctr"/>
-                </a:tc>
-                <a:extLst>
-                  <a:ext uri="{0D108BD9-81ED-4DB2-BD59-A6C34878D82A}">
-                    <a16:rowId xmlns:a16="http://schemas.microsoft.com/office/drawing/2014/main" xmlns="" val="1188642816"/>
-                  </a:ext>
-                </a:extLst>
-              </a:tr>
-              <a:tr h="370840">
-                <a:tc>
-                  <a:txBody>
-                    <a:bodyPr/>
-                    <a:lstStyle/>
-                    <a:p>
-                      <a:r>
-                        <a:rPr lang="en-US">
-                          <a:effectLst/>
-                        </a:rPr>
-                        <a:t>Screen Total</a:t>
-                      </a:r>
-                    </a:p>
-                  </a:txBody>
-                  <a:tcPr marL="123825" marR="123825" marT="57150" marB="57150" anchor="ctr"/>
-                </a:tc>
-                <a:tc>
-                  <a:txBody>
-                    <a:bodyPr/>
-                    <a:lstStyle/>
-                    <a:p>
-                      <a:endParaRPr lang="en-US">
-                        <a:effectLst/>
-                      </a:endParaRPr>
-                    </a:p>
-                  </a:txBody>
-                  <a:tcPr marL="123825" marR="123825" marT="57150" marB="57150" anchor="ctr"/>
-                </a:tc>
-                <a:tc>
-                  <a:txBody>
-                    <a:bodyPr/>
-                    <a:lstStyle/>
-                    <a:p>
-                      <a:r>
-                        <a:rPr lang="en-US">
-                          <a:effectLst/>
-                        </a:rPr>
-                        <a:t>20</a:t>
-                      </a:r>
-                    </a:p>
-                  </a:txBody>
-                  <a:tcPr marL="123825" marR="123825" marT="57150" marB="57150" anchor="ctr"/>
-                </a:tc>
-                <a:tc>
-                  <a:txBody>
-                    <a:bodyPr/>
-                    <a:lstStyle/>
-                    <a:p>
-                      <a:r>
                         <a:rPr lang="en-US" dirty="0">
                           <a:effectLst/>
                         </a:rPr>
-                        <a:t>Total object points for screen.</a:t>
+                        <a:t>Simple text with some images on the screen.</a:t>
                       </a:r>
                     </a:p>
                   </a:txBody>
@@ -5649,7 +5580,7 @@
                 </a:tc>
                 <a:extLst>
                   <a:ext uri="{0D108BD9-81ED-4DB2-BD59-A6C34878D82A}">
-                    <a16:rowId xmlns:a16="http://schemas.microsoft.com/office/drawing/2014/main" xmlns="" val="297767302"/>
+                    <a16:rowId xmlns="" xmlns:a16="http://schemas.microsoft.com/office/drawing/2014/main" val="281916472"/>
                   </a:ext>
                 </a:extLst>
               </a:tr>
@@ -5750,7 +5681,7 @@
     </p:spTree>
     <p:extLst>
       <p:ext uri="{BB962C8B-B14F-4D97-AF65-F5344CB8AC3E}">
-        <p14:creationId xmlns:p14="http://schemas.microsoft.com/office/powerpoint/2010/main" val="329787518"/>
+        <p14:creationId xmlns:p14="http://schemas.microsoft.com/office/powerpoint/2010/main" val="2303474947"/>
       </p:ext>
     </p:extLst>
   </p:cSld>
@@ -5828,14 +5759,14 @@
             <p:ph idx="1"/>
             <p:extLst>
               <p:ext uri="{D42A27DB-BD31-4B8C-83A1-F6EECF244321}">
-                <p14:modId xmlns:p14="http://schemas.microsoft.com/office/powerpoint/2010/main" val="3368142880"/>
+                <p14:modId xmlns:p14="http://schemas.microsoft.com/office/powerpoint/2010/main" val="1082142021"/>
               </p:ext>
             </p:extLst>
           </p:nvPr>
         </p:nvGraphicFramePr>
         <p:xfrm>
           <a:off x="609600" y="1600200"/>
-          <a:ext cx="10972800" cy="4622799"/>
+          <a:ext cx="10972800" cy="3022600"/>
         </p:xfrm>
         <a:graphic>
           <a:graphicData uri="http://schemas.openxmlformats.org/drawingml/2006/table">
@@ -5847,28 +5778,28 @@
                 <a:gridCol w="2743200">
                   <a:extLst>
                     <a:ext uri="{9D8B030D-6E8A-4147-A177-3AD203B41FA5}">
-                      <a16:colId xmlns:a16="http://schemas.microsoft.com/office/drawing/2014/main" xmlns="" val="4007007747"/>
+                      <a16:colId xmlns="" xmlns:a16="http://schemas.microsoft.com/office/drawing/2014/main" val="4007007747"/>
                     </a:ext>
                   </a:extLst>
                 </a:gridCol>
                 <a:gridCol w="2743200">
                   <a:extLst>
                     <a:ext uri="{9D8B030D-6E8A-4147-A177-3AD203B41FA5}">
-                      <a16:colId xmlns:a16="http://schemas.microsoft.com/office/drawing/2014/main" xmlns="" val="2089765381"/>
+                      <a16:colId xmlns="" xmlns:a16="http://schemas.microsoft.com/office/drawing/2014/main" val="2089765381"/>
                     </a:ext>
                   </a:extLst>
                 </a:gridCol>
                 <a:gridCol w="2743200">
                   <a:extLst>
                     <a:ext uri="{9D8B030D-6E8A-4147-A177-3AD203B41FA5}">
-                      <a16:colId xmlns:a16="http://schemas.microsoft.com/office/drawing/2014/main" xmlns="" val="2946535250"/>
+                      <a16:colId xmlns="" xmlns:a16="http://schemas.microsoft.com/office/drawing/2014/main" val="2946535250"/>
                     </a:ext>
                   </a:extLst>
                 </a:gridCol>
                 <a:gridCol w="2743200">
                   <a:extLst>
                     <a:ext uri="{9D8B030D-6E8A-4147-A177-3AD203B41FA5}">
-                      <a16:colId xmlns:a16="http://schemas.microsoft.com/office/drawing/2014/main" xmlns="" val="2232881725"/>
+                      <a16:colId xmlns="" xmlns:a16="http://schemas.microsoft.com/office/drawing/2014/main" val="2232881725"/>
                     </a:ext>
                   </a:extLst>
                 </a:gridCol>
@@ -5932,7 +5863,7 @@
                 </a:tc>
                 <a:extLst>
                   <a:ext uri="{0D108BD9-81ED-4DB2-BD59-A6C34878D82A}">
-                    <a16:rowId xmlns:a16="http://schemas.microsoft.com/office/drawing/2014/main" xmlns="" val="2585052838"/>
+                    <a16:rowId xmlns="" xmlns:a16="http://schemas.microsoft.com/office/drawing/2014/main" val="2585052838"/>
                   </a:ext>
                 </a:extLst>
               </a:tr>
@@ -5943,14 +5874,11 @@
                     <a:lstStyle/>
                     <a:p>
                       <a:r>
-                        <a:rPr lang="en-US" b="1" dirty="0">
+                        <a:rPr lang="en-US" dirty="0">
                           <a:effectLst/>
                         </a:rPr>
-                        <a:t>3GL Modules</a:t>
-                      </a:r>
-                      <a:endParaRPr lang="en-US" dirty="0">
-                        <a:effectLst/>
-                      </a:endParaRPr>
+                        <a:t>Manage Repurposed Pieces</a:t>
+                      </a:r>
                     </a:p>
                   </a:txBody>
                   <a:tcPr marL="123825" marR="123825" marT="57150" marB="57150" anchor="ctr"/>
@@ -5960,9 +5888,12 @@
                     <a:bodyPr/>
                     <a:lstStyle/>
                     <a:p>
-                      <a:endParaRPr lang="en-US">
-                        <a:effectLst/>
-                      </a:endParaRPr>
+                      <a:r>
+                        <a:rPr lang="en-US">
+                          <a:effectLst/>
+                        </a:rPr>
+                        <a:t>1</a:t>
+                      </a:r>
                     </a:p>
                   </a:txBody>
                   <a:tcPr marL="123825" marR="123825" marT="57150" marB="57150" anchor="ctr"/>
@@ -5972,9 +5903,12 @@
                     <a:bodyPr/>
                     <a:lstStyle/>
                     <a:p>
-                      <a:endParaRPr lang="en-US">
-                        <a:effectLst/>
-                      </a:endParaRPr>
+                      <a:r>
+                        <a:rPr lang="en-US">
+                          <a:effectLst/>
+                        </a:rPr>
+                        <a:t>1</a:t>
+                      </a:r>
                     </a:p>
                   </a:txBody>
                   <a:tcPr marL="123825" marR="123825" marT="57150" marB="57150" anchor="ctr"/>
@@ -5984,16 +5918,19 @@
                     <a:bodyPr/>
                     <a:lstStyle/>
                     <a:p>
-                      <a:endParaRPr lang="en-US">
-                        <a:effectLst/>
-                      </a:endParaRPr>
+                      <a:r>
+                        <a:rPr lang="en-US">
+                          <a:effectLst/>
+                        </a:rPr>
+                        <a:t>Simple screen and access to the database.</a:t>
+                      </a:r>
                     </a:p>
                   </a:txBody>
                   <a:tcPr marL="123825" marR="123825" marT="57150" marB="57150" anchor="ctr"/>
                 </a:tc>
                 <a:extLst>
                   <a:ext uri="{0D108BD9-81ED-4DB2-BD59-A6C34878D82A}">
-                    <a16:rowId xmlns:a16="http://schemas.microsoft.com/office/drawing/2014/main" xmlns="" val="3714616697"/>
+                    <a16:rowId xmlns="" xmlns:a16="http://schemas.microsoft.com/office/drawing/2014/main" val="3764811118"/>
                   </a:ext>
                 </a:extLst>
               </a:tr>
@@ -6007,7 +5944,7 @@
                         <a:rPr lang="en-US">
                           <a:effectLst/>
                         </a:rPr>
-                        <a:t>Map Modules</a:t>
+                        <a:t>Manage Grass</a:t>
                       </a:r>
                     </a:p>
                   </a:txBody>
@@ -6022,7 +5959,7 @@
                         <a:rPr lang="en-US">
                           <a:effectLst/>
                         </a:rPr>
-                        <a:t>5@10</a:t>
+                        <a:t>1</a:t>
                       </a:r>
                     </a:p>
                   </a:txBody>
@@ -6037,7 +5974,7 @@
                         <a:rPr lang="en-US">
                           <a:effectLst/>
                         </a:rPr>
-                        <a:t>50</a:t>
+                        <a:t>1</a:t>
                       </a:r>
                     </a:p>
                   </a:txBody>
@@ -6052,7 +5989,7 @@
                         <a:rPr lang="en-US">
                           <a:effectLst/>
                         </a:rPr>
-                        <a:t>Module requiring scripting against a map API.</a:t>
+                        <a:t>Simple screen and access to the database.</a:t>
                       </a:r>
                     </a:p>
                   </a:txBody>
@@ -6060,7 +5997,7 @@
                 </a:tc>
                 <a:extLst>
                   <a:ext uri="{0D108BD9-81ED-4DB2-BD59-A6C34878D82A}">
-                    <a16:rowId xmlns:a16="http://schemas.microsoft.com/office/drawing/2014/main" xmlns="" val="1340422060"/>
+                    <a16:rowId xmlns="" xmlns:a16="http://schemas.microsoft.com/office/drawing/2014/main" val="14760046"/>
                   </a:ext>
                 </a:extLst>
               </a:tr>
@@ -6074,7 +6011,7 @@
                         <a:rPr lang="en-US">
                           <a:effectLst/>
                         </a:rPr>
-                        <a:t>GPS Tour</a:t>
+                        <a:t>Manage Trees</a:t>
                       </a:r>
                     </a:p>
                   </a:txBody>
@@ -6089,7 +6026,7 @@
                         <a:rPr lang="en-US">
                           <a:effectLst/>
                         </a:rPr>
-                        <a:t>5@10</a:t>
+                        <a:t>1</a:t>
                       </a:r>
                     </a:p>
                   </a:txBody>
@@ -6104,7 +6041,7 @@
                         <a:rPr lang="en-US">
                           <a:effectLst/>
                         </a:rPr>
-                        <a:t>50</a:t>
+                        <a:t>1</a:t>
                       </a:r>
                     </a:p>
                   </a:txBody>
@@ -6119,7 +6056,7 @@
                         <a:rPr lang="en-US">
                           <a:effectLst/>
                         </a:rPr>
-                        <a:t>Module to find individual location with GPS.</a:t>
+                        <a:t>Simple screen and access to the database.</a:t>
                       </a:r>
                     </a:p>
                   </a:txBody>
@@ -6127,7 +6064,7 @@
                 </a:tc>
                 <a:extLst>
                   <a:ext uri="{0D108BD9-81ED-4DB2-BD59-A6C34878D82A}">
-                    <a16:rowId xmlns:a16="http://schemas.microsoft.com/office/drawing/2014/main" xmlns="" val="2564084175"/>
+                    <a16:rowId xmlns="" xmlns:a16="http://schemas.microsoft.com/office/drawing/2014/main" val="1188642816"/>
                   </a:ext>
                 </a:extLst>
               </a:tr>
@@ -6141,8 +6078,20 @@
                         <a:rPr lang="en-US">
                           <a:effectLst/>
                         </a:rPr>
-                        <a:t>Server Modules</a:t>
-                      </a:r>
+                        <a:t>Screen Total</a:t>
+                      </a:r>
+                    </a:p>
+                  </a:txBody>
+                  <a:tcPr marL="123825" marR="123825" marT="57150" marB="57150" anchor="ctr"/>
+                </a:tc>
+                <a:tc>
+                  <a:txBody>
+                    <a:bodyPr/>
+                    <a:lstStyle/>
+                    <a:p>
+                      <a:endParaRPr lang="en-US">
+                        <a:effectLst/>
+                      </a:endParaRPr>
                     </a:p>
                   </a:txBody>
                   <a:tcPr marL="123825" marR="123825" marT="57150" marB="57150" anchor="ctr"/>
@@ -6156,150 +6105,7 @@
                         <a:rPr lang="en-US">
                           <a:effectLst/>
                         </a:rPr>
-                        <a:t>4@10</a:t>
-                      </a:r>
-                    </a:p>
-                  </a:txBody>
-                  <a:tcPr marL="123825" marR="123825" marT="57150" marB="57150" anchor="ctr"/>
-                </a:tc>
-                <a:tc>
-                  <a:txBody>
-                    <a:bodyPr/>
-                    <a:lstStyle/>
-                    <a:p>
-                      <a:r>
-                        <a:rPr lang="en-US">
-                          <a:effectLst/>
-                        </a:rPr>
-                        <a:t>40</a:t>
-                      </a:r>
-                    </a:p>
-                  </a:txBody>
-                  <a:tcPr marL="123825" marR="123825" marT="57150" marB="57150" anchor="ctr"/>
-                </a:tc>
-                <a:tc>
-                  <a:txBody>
-                    <a:bodyPr/>
-                    <a:lstStyle/>
-                    <a:p>
-                      <a:r>
-                        <a:rPr lang="en-US">
-                          <a:effectLst/>
-                        </a:rPr>
-                        <a:t>Data server for all 4 Map Modules.</a:t>
-                      </a:r>
-                    </a:p>
-                  </a:txBody>
-                  <a:tcPr marL="123825" marR="123825" marT="57150" marB="57150" anchor="ctr"/>
-                </a:tc>
-                <a:extLst>
-                  <a:ext uri="{0D108BD9-81ED-4DB2-BD59-A6C34878D82A}">
-                    <a16:rowId xmlns:a16="http://schemas.microsoft.com/office/drawing/2014/main" xmlns="" val="2775949887"/>
-                  </a:ext>
-                </a:extLst>
-              </a:tr>
-              <a:tr h="370840">
-                <a:tc>
-                  <a:txBody>
-                    <a:bodyPr/>
-                    <a:lstStyle/>
-                    <a:p>
-                      <a:r>
-                        <a:rPr lang="en-US">
-                          <a:effectLst/>
-                        </a:rPr>
-                        <a:t>3GL Total</a:t>
-                      </a:r>
-                    </a:p>
-                  </a:txBody>
-                  <a:tcPr marL="123825" marR="123825" marT="57150" marB="57150" anchor="ctr"/>
-                </a:tc>
-                <a:tc>
-                  <a:txBody>
-                    <a:bodyPr/>
-                    <a:lstStyle/>
-                    <a:p>
-                      <a:endParaRPr lang="en-US">
-                        <a:effectLst/>
-                      </a:endParaRPr>
-                    </a:p>
-                  </a:txBody>
-                  <a:tcPr marL="123825" marR="123825" marT="57150" marB="57150" anchor="ctr"/>
-                </a:tc>
-                <a:tc>
-                  <a:txBody>
-                    <a:bodyPr/>
-                    <a:lstStyle/>
-                    <a:p>
-                      <a:r>
-                        <a:rPr lang="en-US">
-                          <a:effectLst/>
-                        </a:rPr>
-                        <a:t>140</a:t>
-                      </a:r>
-                    </a:p>
-                  </a:txBody>
-                  <a:tcPr marL="123825" marR="123825" marT="57150" marB="57150" anchor="ctr"/>
-                </a:tc>
-                <a:tc>
-                  <a:txBody>
-                    <a:bodyPr/>
-                    <a:lstStyle/>
-                    <a:p>
-                      <a:r>
-                        <a:rPr lang="en-US">
-                          <a:effectLst/>
-                        </a:rPr>
-                        <a:t>Total object points for 3GL Module.</a:t>
-                      </a:r>
-                    </a:p>
-                  </a:txBody>
-                  <a:tcPr marL="123825" marR="123825" marT="57150" marB="57150" anchor="ctr"/>
-                </a:tc>
-                <a:extLst>
-                  <a:ext uri="{0D108BD9-81ED-4DB2-BD59-A6C34878D82A}">
-                    <a16:rowId xmlns:a16="http://schemas.microsoft.com/office/drawing/2014/main" xmlns="" val="2549268092"/>
-                  </a:ext>
-                </a:extLst>
-              </a:tr>
-              <a:tr h="370840">
-                <a:tc>
-                  <a:txBody>
-                    <a:bodyPr/>
-                    <a:lstStyle/>
-                    <a:p>
-                      <a:r>
-                        <a:rPr lang="en-US">
-                          <a:effectLst/>
-                        </a:rPr>
-                        <a:t>Total Object Points</a:t>
-                      </a:r>
-                    </a:p>
-                  </a:txBody>
-                  <a:tcPr marL="123825" marR="123825" marT="57150" marB="57150" anchor="ctr"/>
-                </a:tc>
-                <a:tc>
-                  <a:txBody>
-                    <a:bodyPr/>
-                    <a:lstStyle/>
-                    <a:p>
-                      <a:endParaRPr lang="en-US">
-                        <a:effectLst/>
-                      </a:endParaRPr>
-                    </a:p>
-                  </a:txBody>
-                  <a:tcPr marL="123825" marR="123825" marT="57150" marB="57150" anchor="ctr"/>
-                </a:tc>
-                <a:tc>
-                  <a:txBody>
-                    <a:bodyPr/>
-                    <a:lstStyle/>
-                    <a:p>
-                      <a:r>
-                        <a:rPr lang="en-US">
-                          <a:effectLst/>
-                        </a:rPr>
-                        <a:t>160</a:t>
+                        <a:t>20</a:t>
                       </a:r>
                     </a:p>
                   </a:txBody>
@@ -6314,7 +6120,7 @@
                         <a:rPr lang="en-US" dirty="0">
                           <a:effectLst/>
                         </a:rPr>
-                        <a:t>Total object points for the project.</a:t>
+                        <a:t>Total object points for screen.</a:t>
                       </a:r>
                     </a:p>
                   </a:txBody>
@@ -6322,7 +6128,7 @@
                 </a:tc>
                 <a:extLst>
                   <a:ext uri="{0D108BD9-81ED-4DB2-BD59-A6C34878D82A}">
-                    <a16:rowId xmlns:a16="http://schemas.microsoft.com/office/drawing/2014/main" xmlns="" val="178318549"/>
+                    <a16:rowId xmlns="" xmlns:a16="http://schemas.microsoft.com/office/drawing/2014/main" val="297767302"/>
                   </a:ext>
                 </a:extLst>
               </a:tr>
@@ -6423,7 +6229,7 @@
     </p:spTree>
     <p:extLst>
       <p:ext uri="{BB962C8B-B14F-4D97-AF65-F5344CB8AC3E}">
-        <p14:creationId xmlns:p14="http://schemas.microsoft.com/office/powerpoint/2010/main" val="2876187254"/>
+        <p14:creationId xmlns:p14="http://schemas.microsoft.com/office/powerpoint/2010/main" val="329787518"/>
       </p:ext>
     </p:extLst>
   </p:cSld>
@@ -6485,6 +6291,679 @@
           <a:lstStyle/>
           <a:p>
             <a:r>
+              <a:rPr lang="en-US" dirty="0"/>
+              <a:t>Effort Estimate Assumptions</a:t>
+            </a:r>
+          </a:p>
+        </p:txBody>
+      </p:sp>
+      <p:graphicFrame>
+        <p:nvGraphicFramePr>
+          <p:cNvPr id="4" name="Content Placeholder 3"/>
+          <p:cNvGraphicFramePr>
+            <a:graphicFrameLocks noGrp="1"/>
+          </p:cNvGraphicFramePr>
+          <p:nvPr>
+            <p:ph idx="1"/>
+            <p:extLst>
+              <p:ext uri="{D42A27DB-BD31-4B8C-83A1-F6EECF244321}">
+                <p14:modId xmlns:p14="http://schemas.microsoft.com/office/powerpoint/2010/main" val="3368142880"/>
+              </p:ext>
+            </p:extLst>
+          </p:nvPr>
+        </p:nvGraphicFramePr>
+        <p:xfrm>
+          <a:off x="609600" y="1600200"/>
+          <a:ext cx="10972800" cy="4622799"/>
+        </p:xfrm>
+        <a:graphic>
+          <a:graphicData uri="http://schemas.openxmlformats.org/drawingml/2006/table">
+            <a:tbl>
+              <a:tblPr firstRow="1" bandRow="1">
+                <a:tableStyleId>{5C22544A-7EE6-4342-B048-85BDC9FD1C3A}</a:tableStyleId>
+              </a:tblPr>
+              <a:tblGrid>
+                <a:gridCol w="2743200">
+                  <a:extLst>
+                    <a:ext uri="{9D8B030D-6E8A-4147-A177-3AD203B41FA5}">
+                      <a16:colId xmlns="" xmlns:a16="http://schemas.microsoft.com/office/drawing/2014/main" val="4007007747"/>
+                    </a:ext>
+                  </a:extLst>
+                </a:gridCol>
+                <a:gridCol w="2743200">
+                  <a:extLst>
+                    <a:ext uri="{9D8B030D-6E8A-4147-A177-3AD203B41FA5}">
+                      <a16:colId xmlns="" xmlns:a16="http://schemas.microsoft.com/office/drawing/2014/main" val="2089765381"/>
+                    </a:ext>
+                  </a:extLst>
+                </a:gridCol>
+                <a:gridCol w="2743200">
+                  <a:extLst>
+                    <a:ext uri="{9D8B030D-6E8A-4147-A177-3AD203B41FA5}">
+                      <a16:colId xmlns="" xmlns:a16="http://schemas.microsoft.com/office/drawing/2014/main" val="2946535250"/>
+                    </a:ext>
+                  </a:extLst>
+                </a:gridCol>
+                <a:gridCol w="2743200">
+                  <a:extLst>
+                    <a:ext uri="{9D8B030D-6E8A-4147-A177-3AD203B41FA5}">
+                      <a16:colId xmlns="" xmlns:a16="http://schemas.microsoft.com/office/drawing/2014/main" val="2232881725"/>
+                    </a:ext>
+                  </a:extLst>
+                </a:gridCol>
+              </a:tblGrid>
+              <a:tr h="370840">
+                <a:tc>
+                  <a:txBody>
+                    <a:bodyPr/>
+                    <a:lstStyle/>
+                    <a:p>
+                      <a:r>
+                        <a:rPr lang="en-US" dirty="0" smtClean="0"/>
+                        <a:t>Screen/Report</a:t>
+                      </a:r>
+                      <a:endParaRPr lang="en-US" dirty="0"/>
+                    </a:p>
+                  </a:txBody>
+                  <a:tcPr/>
+                </a:tc>
+                <a:tc>
+                  <a:txBody>
+                    <a:bodyPr/>
+                    <a:lstStyle/>
+                    <a:p>
+                      <a:r>
+                        <a:rPr lang="en-US" dirty="0" smtClean="0"/>
+                        <a:t>Complexity</a:t>
+                      </a:r>
+                      <a:endParaRPr lang="en-US" dirty="0"/>
+                    </a:p>
+                  </a:txBody>
+                  <a:tcPr/>
+                </a:tc>
+                <a:tc>
+                  <a:txBody>
+                    <a:bodyPr/>
+                    <a:lstStyle/>
+                    <a:p>
+                      <a:r>
+                        <a:rPr lang="en-US" dirty="0" smtClean="0"/>
+                        <a:t>Object Points</a:t>
+                      </a:r>
+                      <a:endParaRPr lang="en-US" dirty="0"/>
+                    </a:p>
+                  </a:txBody>
+                  <a:tcPr/>
+                </a:tc>
+                <a:tc>
+                  <a:txBody>
+                    <a:bodyPr/>
+                    <a:lstStyle/>
+                    <a:p>
+                      <a:r>
+                        <a:rPr lang="en-US" dirty="0" smtClean="0"/>
+                        <a:t>Notes</a:t>
+                      </a:r>
+                      <a:endParaRPr lang="en-US" dirty="0"/>
+                    </a:p>
+                  </a:txBody>
+                  <a:tcPr/>
+                </a:tc>
+                <a:extLst>
+                  <a:ext uri="{0D108BD9-81ED-4DB2-BD59-A6C34878D82A}">
+                    <a16:rowId xmlns="" xmlns:a16="http://schemas.microsoft.com/office/drawing/2014/main" val="2585052838"/>
+                  </a:ext>
+                </a:extLst>
+              </a:tr>
+              <a:tr h="370840">
+                <a:tc>
+                  <a:txBody>
+                    <a:bodyPr/>
+                    <a:lstStyle/>
+                    <a:p>
+                      <a:r>
+                        <a:rPr lang="en-US" b="1" dirty="0">
+                          <a:effectLst/>
+                        </a:rPr>
+                        <a:t>3GL Modules</a:t>
+                      </a:r>
+                      <a:endParaRPr lang="en-US" dirty="0">
+                        <a:effectLst/>
+                      </a:endParaRPr>
+                    </a:p>
+                  </a:txBody>
+                  <a:tcPr marL="123825" marR="123825" marT="57150" marB="57150" anchor="ctr"/>
+                </a:tc>
+                <a:tc>
+                  <a:txBody>
+                    <a:bodyPr/>
+                    <a:lstStyle/>
+                    <a:p>
+                      <a:endParaRPr lang="en-US">
+                        <a:effectLst/>
+                      </a:endParaRPr>
+                    </a:p>
+                  </a:txBody>
+                  <a:tcPr marL="123825" marR="123825" marT="57150" marB="57150" anchor="ctr"/>
+                </a:tc>
+                <a:tc>
+                  <a:txBody>
+                    <a:bodyPr/>
+                    <a:lstStyle/>
+                    <a:p>
+                      <a:endParaRPr lang="en-US">
+                        <a:effectLst/>
+                      </a:endParaRPr>
+                    </a:p>
+                  </a:txBody>
+                  <a:tcPr marL="123825" marR="123825" marT="57150" marB="57150" anchor="ctr"/>
+                </a:tc>
+                <a:tc>
+                  <a:txBody>
+                    <a:bodyPr/>
+                    <a:lstStyle/>
+                    <a:p>
+                      <a:endParaRPr lang="en-US">
+                        <a:effectLst/>
+                      </a:endParaRPr>
+                    </a:p>
+                  </a:txBody>
+                  <a:tcPr marL="123825" marR="123825" marT="57150" marB="57150" anchor="ctr"/>
+                </a:tc>
+                <a:extLst>
+                  <a:ext uri="{0D108BD9-81ED-4DB2-BD59-A6C34878D82A}">
+                    <a16:rowId xmlns="" xmlns:a16="http://schemas.microsoft.com/office/drawing/2014/main" val="3714616697"/>
+                  </a:ext>
+                </a:extLst>
+              </a:tr>
+              <a:tr h="370840">
+                <a:tc>
+                  <a:txBody>
+                    <a:bodyPr/>
+                    <a:lstStyle/>
+                    <a:p>
+                      <a:r>
+                        <a:rPr lang="en-US">
+                          <a:effectLst/>
+                        </a:rPr>
+                        <a:t>Map Modules</a:t>
+                      </a:r>
+                    </a:p>
+                  </a:txBody>
+                  <a:tcPr marL="123825" marR="123825" marT="57150" marB="57150" anchor="ctr"/>
+                </a:tc>
+                <a:tc>
+                  <a:txBody>
+                    <a:bodyPr/>
+                    <a:lstStyle/>
+                    <a:p>
+                      <a:r>
+                        <a:rPr lang="en-US">
+                          <a:effectLst/>
+                        </a:rPr>
+                        <a:t>5@10</a:t>
+                      </a:r>
+                    </a:p>
+                  </a:txBody>
+                  <a:tcPr marL="123825" marR="123825" marT="57150" marB="57150" anchor="ctr"/>
+                </a:tc>
+                <a:tc>
+                  <a:txBody>
+                    <a:bodyPr/>
+                    <a:lstStyle/>
+                    <a:p>
+                      <a:r>
+                        <a:rPr lang="en-US">
+                          <a:effectLst/>
+                        </a:rPr>
+                        <a:t>50</a:t>
+                      </a:r>
+                    </a:p>
+                  </a:txBody>
+                  <a:tcPr marL="123825" marR="123825" marT="57150" marB="57150" anchor="ctr"/>
+                </a:tc>
+                <a:tc>
+                  <a:txBody>
+                    <a:bodyPr/>
+                    <a:lstStyle/>
+                    <a:p>
+                      <a:r>
+                        <a:rPr lang="en-US">
+                          <a:effectLst/>
+                        </a:rPr>
+                        <a:t>Module requiring scripting against a map API.</a:t>
+                      </a:r>
+                    </a:p>
+                  </a:txBody>
+                  <a:tcPr marL="123825" marR="123825" marT="57150" marB="57150" anchor="ctr"/>
+                </a:tc>
+                <a:extLst>
+                  <a:ext uri="{0D108BD9-81ED-4DB2-BD59-A6C34878D82A}">
+                    <a16:rowId xmlns="" xmlns:a16="http://schemas.microsoft.com/office/drawing/2014/main" val="1340422060"/>
+                  </a:ext>
+                </a:extLst>
+              </a:tr>
+              <a:tr h="370840">
+                <a:tc>
+                  <a:txBody>
+                    <a:bodyPr/>
+                    <a:lstStyle/>
+                    <a:p>
+                      <a:r>
+                        <a:rPr lang="en-US">
+                          <a:effectLst/>
+                        </a:rPr>
+                        <a:t>GPS Tour</a:t>
+                      </a:r>
+                    </a:p>
+                  </a:txBody>
+                  <a:tcPr marL="123825" marR="123825" marT="57150" marB="57150" anchor="ctr"/>
+                </a:tc>
+                <a:tc>
+                  <a:txBody>
+                    <a:bodyPr/>
+                    <a:lstStyle/>
+                    <a:p>
+                      <a:r>
+                        <a:rPr lang="en-US">
+                          <a:effectLst/>
+                        </a:rPr>
+                        <a:t>5@10</a:t>
+                      </a:r>
+                    </a:p>
+                  </a:txBody>
+                  <a:tcPr marL="123825" marR="123825" marT="57150" marB="57150" anchor="ctr"/>
+                </a:tc>
+                <a:tc>
+                  <a:txBody>
+                    <a:bodyPr/>
+                    <a:lstStyle/>
+                    <a:p>
+                      <a:r>
+                        <a:rPr lang="en-US">
+                          <a:effectLst/>
+                        </a:rPr>
+                        <a:t>50</a:t>
+                      </a:r>
+                    </a:p>
+                  </a:txBody>
+                  <a:tcPr marL="123825" marR="123825" marT="57150" marB="57150" anchor="ctr"/>
+                </a:tc>
+                <a:tc>
+                  <a:txBody>
+                    <a:bodyPr/>
+                    <a:lstStyle/>
+                    <a:p>
+                      <a:r>
+                        <a:rPr lang="en-US">
+                          <a:effectLst/>
+                        </a:rPr>
+                        <a:t>Module to find individual location with GPS.</a:t>
+                      </a:r>
+                    </a:p>
+                  </a:txBody>
+                  <a:tcPr marL="123825" marR="123825" marT="57150" marB="57150" anchor="ctr"/>
+                </a:tc>
+                <a:extLst>
+                  <a:ext uri="{0D108BD9-81ED-4DB2-BD59-A6C34878D82A}">
+                    <a16:rowId xmlns="" xmlns:a16="http://schemas.microsoft.com/office/drawing/2014/main" val="2564084175"/>
+                  </a:ext>
+                </a:extLst>
+              </a:tr>
+              <a:tr h="370840">
+                <a:tc>
+                  <a:txBody>
+                    <a:bodyPr/>
+                    <a:lstStyle/>
+                    <a:p>
+                      <a:r>
+                        <a:rPr lang="en-US">
+                          <a:effectLst/>
+                        </a:rPr>
+                        <a:t>Server Modules</a:t>
+                      </a:r>
+                    </a:p>
+                  </a:txBody>
+                  <a:tcPr marL="123825" marR="123825" marT="57150" marB="57150" anchor="ctr"/>
+                </a:tc>
+                <a:tc>
+                  <a:txBody>
+                    <a:bodyPr/>
+                    <a:lstStyle/>
+                    <a:p>
+                      <a:r>
+                        <a:rPr lang="en-US">
+                          <a:effectLst/>
+                        </a:rPr>
+                        <a:t>4@10</a:t>
+                      </a:r>
+                    </a:p>
+                  </a:txBody>
+                  <a:tcPr marL="123825" marR="123825" marT="57150" marB="57150" anchor="ctr"/>
+                </a:tc>
+                <a:tc>
+                  <a:txBody>
+                    <a:bodyPr/>
+                    <a:lstStyle/>
+                    <a:p>
+                      <a:r>
+                        <a:rPr lang="en-US">
+                          <a:effectLst/>
+                        </a:rPr>
+                        <a:t>40</a:t>
+                      </a:r>
+                    </a:p>
+                  </a:txBody>
+                  <a:tcPr marL="123825" marR="123825" marT="57150" marB="57150" anchor="ctr"/>
+                </a:tc>
+                <a:tc>
+                  <a:txBody>
+                    <a:bodyPr/>
+                    <a:lstStyle/>
+                    <a:p>
+                      <a:r>
+                        <a:rPr lang="en-US">
+                          <a:effectLst/>
+                        </a:rPr>
+                        <a:t>Data server for all 4 Map Modules.</a:t>
+                      </a:r>
+                    </a:p>
+                  </a:txBody>
+                  <a:tcPr marL="123825" marR="123825" marT="57150" marB="57150" anchor="ctr"/>
+                </a:tc>
+                <a:extLst>
+                  <a:ext uri="{0D108BD9-81ED-4DB2-BD59-A6C34878D82A}">
+                    <a16:rowId xmlns="" xmlns:a16="http://schemas.microsoft.com/office/drawing/2014/main" val="2775949887"/>
+                  </a:ext>
+                </a:extLst>
+              </a:tr>
+              <a:tr h="370840">
+                <a:tc>
+                  <a:txBody>
+                    <a:bodyPr/>
+                    <a:lstStyle/>
+                    <a:p>
+                      <a:r>
+                        <a:rPr lang="en-US">
+                          <a:effectLst/>
+                        </a:rPr>
+                        <a:t>3GL Total</a:t>
+                      </a:r>
+                    </a:p>
+                  </a:txBody>
+                  <a:tcPr marL="123825" marR="123825" marT="57150" marB="57150" anchor="ctr"/>
+                </a:tc>
+                <a:tc>
+                  <a:txBody>
+                    <a:bodyPr/>
+                    <a:lstStyle/>
+                    <a:p>
+                      <a:endParaRPr lang="en-US">
+                        <a:effectLst/>
+                      </a:endParaRPr>
+                    </a:p>
+                  </a:txBody>
+                  <a:tcPr marL="123825" marR="123825" marT="57150" marB="57150" anchor="ctr"/>
+                </a:tc>
+                <a:tc>
+                  <a:txBody>
+                    <a:bodyPr/>
+                    <a:lstStyle/>
+                    <a:p>
+                      <a:r>
+                        <a:rPr lang="en-US">
+                          <a:effectLst/>
+                        </a:rPr>
+                        <a:t>140</a:t>
+                      </a:r>
+                    </a:p>
+                  </a:txBody>
+                  <a:tcPr marL="123825" marR="123825" marT="57150" marB="57150" anchor="ctr"/>
+                </a:tc>
+                <a:tc>
+                  <a:txBody>
+                    <a:bodyPr/>
+                    <a:lstStyle/>
+                    <a:p>
+                      <a:r>
+                        <a:rPr lang="en-US">
+                          <a:effectLst/>
+                        </a:rPr>
+                        <a:t>Total object points for 3GL Module.</a:t>
+                      </a:r>
+                    </a:p>
+                  </a:txBody>
+                  <a:tcPr marL="123825" marR="123825" marT="57150" marB="57150" anchor="ctr"/>
+                </a:tc>
+                <a:extLst>
+                  <a:ext uri="{0D108BD9-81ED-4DB2-BD59-A6C34878D82A}">
+                    <a16:rowId xmlns="" xmlns:a16="http://schemas.microsoft.com/office/drawing/2014/main" val="2549268092"/>
+                  </a:ext>
+                </a:extLst>
+              </a:tr>
+              <a:tr h="370840">
+                <a:tc>
+                  <a:txBody>
+                    <a:bodyPr/>
+                    <a:lstStyle/>
+                    <a:p>
+                      <a:r>
+                        <a:rPr lang="en-US">
+                          <a:effectLst/>
+                        </a:rPr>
+                        <a:t>Total Object Points</a:t>
+                      </a:r>
+                    </a:p>
+                  </a:txBody>
+                  <a:tcPr marL="123825" marR="123825" marT="57150" marB="57150" anchor="ctr"/>
+                </a:tc>
+                <a:tc>
+                  <a:txBody>
+                    <a:bodyPr/>
+                    <a:lstStyle/>
+                    <a:p>
+                      <a:endParaRPr lang="en-US">
+                        <a:effectLst/>
+                      </a:endParaRPr>
+                    </a:p>
+                  </a:txBody>
+                  <a:tcPr marL="123825" marR="123825" marT="57150" marB="57150" anchor="ctr"/>
+                </a:tc>
+                <a:tc>
+                  <a:txBody>
+                    <a:bodyPr/>
+                    <a:lstStyle/>
+                    <a:p>
+                      <a:r>
+                        <a:rPr lang="en-US">
+                          <a:effectLst/>
+                        </a:rPr>
+                        <a:t>160</a:t>
+                      </a:r>
+                    </a:p>
+                  </a:txBody>
+                  <a:tcPr marL="123825" marR="123825" marT="57150" marB="57150" anchor="ctr"/>
+                </a:tc>
+                <a:tc>
+                  <a:txBody>
+                    <a:bodyPr/>
+                    <a:lstStyle/>
+                    <a:p>
+                      <a:r>
+                        <a:rPr lang="en-US" dirty="0">
+                          <a:effectLst/>
+                        </a:rPr>
+                        <a:t>Total object points for the project.</a:t>
+                      </a:r>
+                    </a:p>
+                  </a:txBody>
+                  <a:tcPr marL="123825" marR="123825" marT="57150" marB="57150" anchor="ctr"/>
+                </a:tc>
+                <a:extLst>
+                  <a:ext uri="{0D108BD9-81ED-4DB2-BD59-A6C34878D82A}">
+                    <a16:rowId xmlns="" xmlns:a16="http://schemas.microsoft.com/office/drawing/2014/main" val="178318549"/>
+                  </a:ext>
+                </a:extLst>
+              </a:tr>
+            </a:tbl>
+          </a:graphicData>
+        </a:graphic>
+      </p:graphicFrame>
+      <p:pic>
+        <p:nvPicPr>
+          <p:cNvPr id="5" name="Picture 4" descr="TeamLogo.png"/>
+          <p:cNvPicPr>
+            <a:picLocks noChangeAspect="1"/>
+          </p:cNvPicPr>
+          <p:nvPr/>
+        </p:nvPicPr>
+        <p:blipFill>
+          <a:blip r:embed="rId2">
+            <a:extLst>
+              <a:ext uri="{28A0092B-C50C-407E-A947-70E740481C1C}">
+                <a14:useLocalDpi xmlns:a14="http://schemas.microsoft.com/office/drawing/2010/main" val="0"/>
+              </a:ext>
+            </a:extLst>
+          </a:blip>
+          <a:stretch>
+            <a:fillRect/>
+          </a:stretch>
+        </p:blipFill>
+        <p:spPr>
+          <a:xfrm>
+            <a:off x="11220623" y="206756"/>
+            <a:ext cx="742103" cy="989471"/>
+          </a:xfrm>
+          <a:prstGeom prst="rect">
+            <a:avLst/>
+          </a:prstGeom>
+        </p:spPr>
+      </p:pic>
+      <p:sp>
+        <p:nvSpPr>
+          <p:cNvPr id="6" name="TextBox 5"/>
+          <p:cNvSpPr txBox="1"/>
+          <p:nvPr/>
+        </p:nvSpPr>
+        <p:spPr>
+          <a:xfrm>
+            <a:off x="1122291" y="6335573"/>
+            <a:ext cx="1629623" cy="369332"/>
+          </a:xfrm>
+          <a:prstGeom prst="rect">
+            <a:avLst/>
+          </a:prstGeom>
+          <a:noFill/>
+        </p:spPr>
+        <p:txBody>
+          <a:bodyPr wrap="none" rtlCol="0">
+            <a:spAutoFit/>
+          </a:bodyPr>
+          <a:lstStyle/>
+          <a:p>
+            <a:r>
+              <a:rPr lang="en-US" dirty="0" smtClean="0"/>
+              <a:t>Code Monkey</a:t>
+            </a:r>
+            <a:endParaRPr lang="en-US" dirty="0"/>
+          </a:p>
+        </p:txBody>
+      </p:sp>
+      <p:sp>
+        <p:nvSpPr>
+          <p:cNvPr id="7" name="TextBox 6"/>
+          <p:cNvSpPr txBox="1"/>
+          <p:nvPr/>
+        </p:nvSpPr>
+        <p:spPr>
+          <a:xfrm>
+            <a:off x="9499907" y="6369826"/>
+            <a:ext cx="1478703" cy="369332"/>
+          </a:xfrm>
+          <a:prstGeom prst="rect">
+            <a:avLst/>
+          </a:prstGeom>
+          <a:noFill/>
+        </p:spPr>
+        <p:txBody>
+          <a:bodyPr wrap="none" rtlCol="0">
+            <a:spAutoFit/>
+          </a:bodyPr>
+          <a:lstStyle/>
+          <a:p>
+            <a:r>
+              <a:rPr lang="en-US" dirty="0" smtClean="0"/>
+              <a:t>April 5, 2017</a:t>
+            </a:r>
+            <a:endParaRPr lang="en-US" dirty="0"/>
+          </a:p>
+        </p:txBody>
+      </p:sp>
+    </p:spTree>
+    <p:extLst>
+      <p:ext uri="{BB962C8B-B14F-4D97-AF65-F5344CB8AC3E}">
+        <p14:creationId xmlns:p14="http://schemas.microsoft.com/office/powerpoint/2010/main" val="2876187254"/>
+      </p:ext>
+    </p:extLst>
+  </p:cSld>
+  <p:clrMapOvr>
+    <a:masterClrMapping/>
+  </p:clrMapOvr>
+  <mc:AlternateContent xmlns:mc="http://schemas.openxmlformats.org/markup-compatibility/2006" xmlns:p14="http://schemas.microsoft.com/office/powerpoint/2010/main">
+    <mc:Choice Requires="p14">
+      <p:transition spd="med" p14:dur="700">
+        <p:fade/>
+      </p:transition>
+    </mc:Choice>
+    <mc:Fallback xmlns="">
+      <p:transition spd="med">
+        <p:fade/>
+      </p:transition>
+    </mc:Fallback>
+  </mc:AlternateContent>
+  <p:timing>
+    <p:tnLst>
+      <p:par>
+        <p:cTn xmlns:p14="http://schemas.microsoft.com/office/powerpoint/2010/main" id="1" dur="indefinite" restart="never" nodeType="tmRoot"/>
+      </p:par>
+    </p:tnLst>
+  </p:timing>
+</p:sld>
+</file>
+
+<file path=ppt/slides/slide15.xml><?xml version="1.0" encoding="utf-8"?>
+<p:sld xmlns:a="http://schemas.openxmlformats.org/drawingml/2006/main" xmlns:r="http://schemas.openxmlformats.org/officeDocument/2006/relationships" xmlns:p="http://schemas.openxmlformats.org/presentationml/2006/main">
+  <p:cSld>
+    <p:spTree>
+      <p:nvGrpSpPr>
+        <p:cNvPr id="1" name=""/>
+        <p:cNvGrpSpPr/>
+        <p:nvPr/>
+      </p:nvGrpSpPr>
+      <p:grpSpPr>
+        <a:xfrm>
+          <a:off x="0" y="0"/>
+          <a:ext cx="0" cy="0"/>
+          <a:chOff x="0" y="0"/>
+          <a:chExt cx="0" cy="0"/>
+        </a:xfrm>
+      </p:grpSpPr>
+      <p:sp>
+        <p:nvSpPr>
+          <p:cNvPr id="2" name="Title 1"/>
+          <p:cNvSpPr>
+            <a:spLocks noGrp="1"/>
+          </p:cNvSpPr>
+          <p:nvPr>
+            <p:ph type="title"/>
+          </p:nvPr>
+        </p:nvSpPr>
+        <p:spPr/>
+        <p:txBody>
+          <a:bodyPr/>
+          <a:lstStyle/>
+          <a:p>
+            <a:r>
               <a:rPr lang="en-US" dirty="0" smtClean="0"/>
               <a:t>Effort Estimate</a:t>
             </a:r>
@@ -6520,11 +6999,7 @@
             </a:r>
             <a:r>
               <a:rPr lang="en-US" dirty="0" smtClean="0"/>
-              <a:t>normal</a:t>
-            </a:r>
-            <a:r>
-              <a:rPr lang="en-US" dirty="0" smtClean="0"/>
-              <a:t> (10)</a:t>
+              <a:t>normal (10)</a:t>
             </a:r>
             <a:endParaRPr lang="en-US" dirty="0"/>
           </a:p>
@@ -6536,11 +7011,7 @@
             </a:r>
             <a:r>
               <a:rPr lang="en-US" dirty="0" smtClean="0"/>
-              <a:t>16</a:t>
-            </a:r>
-            <a:r>
-              <a:rPr lang="en-US" dirty="0" smtClean="0"/>
-              <a:t> </a:t>
+              <a:t>16 </a:t>
             </a:r>
             <a:r>
               <a:rPr lang="en-US" dirty="0"/>
@@ -6597,11 +7068,7 @@
             </a:r>
             <a:r>
               <a:rPr lang="en-US" dirty="0" smtClean="0"/>
-              <a:t>16</a:t>
-            </a:r>
-            <a:r>
-              <a:rPr lang="en-US" dirty="0" smtClean="0"/>
-              <a:t>)</a:t>
+              <a:t>16)</a:t>
             </a:r>
             <a:endParaRPr lang="en-US" dirty="0"/>
           </a:p>
@@ -6752,7 +7219,7 @@
 </p:sld>
 </file>
 
-<file path=ppt/slides/slide15.xml><?xml version="1.0" encoding="utf-8"?>
+<file path=ppt/slides/slide16.xml><?xml version="1.0" encoding="utf-8"?>
 <p:sld xmlns:a="http://schemas.openxmlformats.org/drawingml/2006/main" xmlns:r="http://schemas.openxmlformats.org/officeDocument/2006/relationships" xmlns:p="http://schemas.openxmlformats.org/presentationml/2006/main">
   <p:cSld>
     <p:spTree>
@@ -6955,7 +7422,7 @@
 </p:sld>
 </file>
 
-<file path=ppt/slides/slide16.xml><?xml version="1.0" encoding="utf-8"?>
+<file path=ppt/slides/slide17.xml><?xml version="1.0" encoding="utf-8"?>
 <p:sld xmlns:a="http://schemas.openxmlformats.org/drawingml/2006/main" xmlns:r="http://schemas.openxmlformats.org/officeDocument/2006/relationships" xmlns:p="http://schemas.openxmlformats.org/presentationml/2006/main">
   <p:cSld>
     <p:spTree>
@@ -7158,7 +7625,7 @@
 </p:sld>
 </file>
 
-<file path=ppt/slides/slide17.xml><?xml version="1.0" encoding="utf-8"?>
+<file path=ppt/slides/slide18.xml><?xml version="1.0" encoding="utf-8"?>
 <p:sld xmlns:a="http://schemas.openxmlformats.org/drawingml/2006/main" xmlns:r="http://schemas.openxmlformats.org/officeDocument/2006/relationships" xmlns:p="http://schemas.openxmlformats.org/presentationml/2006/main">
   <p:cSld>
     <p:spTree>
@@ -8085,14 +8552,14 @@
                 <a:gridCol w="5486400">
                   <a:extLst>
                     <a:ext uri="{9D8B030D-6E8A-4147-A177-3AD203B41FA5}">
-                      <a16:colId xmlns:a16="http://schemas.microsoft.com/office/drawing/2014/main" xmlns="" val="4024214062"/>
+                      <a16:colId xmlns="" xmlns:a16="http://schemas.microsoft.com/office/drawing/2014/main" val="4024214062"/>
                     </a:ext>
                   </a:extLst>
                 </a:gridCol>
                 <a:gridCol w="5486400">
                   <a:extLst>
                     <a:ext uri="{9D8B030D-6E8A-4147-A177-3AD203B41FA5}">
-                      <a16:colId xmlns:a16="http://schemas.microsoft.com/office/drawing/2014/main" xmlns="" val="1838665537"/>
+                      <a16:colId xmlns="" xmlns:a16="http://schemas.microsoft.com/office/drawing/2014/main" val="1838665537"/>
                     </a:ext>
                   </a:extLst>
                 </a:gridCol>
@@ -8128,7 +8595,7 @@
                 </a:tc>
                 <a:extLst>
                   <a:ext uri="{0D108BD9-81ED-4DB2-BD59-A6C34878D82A}">
-                    <a16:rowId xmlns:a16="http://schemas.microsoft.com/office/drawing/2014/main" xmlns="" val="986279335"/>
+                    <a16:rowId xmlns="" xmlns:a16="http://schemas.microsoft.com/office/drawing/2014/main" val="986279335"/>
                   </a:ext>
                 </a:extLst>
               </a:tr>
@@ -8159,7 +8626,7 @@
                 </a:tc>
                 <a:extLst>
                   <a:ext uri="{0D108BD9-81ED-4DB2-BD59-A6C34878D82A}">
-                    <a16:rowId xmlns:a16="http://schemas.microsoft.com/office/drawing/2014/main" xmlns="" val="2649700066"/>
+                    <a16:rowId xmlns="" xmlns:a16="http://schemas.microsoft.com/office/drawing/2014/main" val="2649700066"/>
                   </a:ext>
                 </a:extLst>
               </a:tr>
@@ -8194,7 +8661,7 @@
                 </a:tc>
                 <a:extLst>
                   <a:ext uri="{0D108BD9-81ED-4DB2-BD59-A6C34878D82A}">
-                    <a16:rowId xmlns:a16="http://schemas.microsoft.com/office/drawing/2014/main" xmlns="" val="3650691391"/>
+                    <a16:rowId xmlns="" xmlns:a16="http://schemas.microsoft.com/office/drawing/2014/main" val="3650691391"/>
                   </a:ext>
                 </a:extLst>
               </a:tr>
@@ -8229,7 +8696,7 @@
                 </a:tc>
                 <a:extLst>
                   <a:ext uri="{0D108BD9-81ED-4DB2-BD59-A6C34878D82A}">
-                    <a16:rowId xmlns:a16="http://schemas.microsoft.com/office/drawing/2014/main" xmlns="" val="3717878835"/>
+                    <a16:rowId xmlns="" xmlns:a16="http://schemas.microsoft.com/office/drawing/2014/main" val="3717878835"/>
                   </a:ext>
                 </a:extLst>
               </a:tr>
@@ -8264,7 +8731,7 @@
                 </a:tc>
                 <a:extLst>
                   <a:ext uri="{0D108BD9-81ED-4DB2-BD59-A6C34878D82A}">
-                    <a16:rowId xmlns:a16="http://schemas.microsoft.com/office/drawing/2014/main" xmlns="" val="304909867"/>
+                    <a16:rowId xmlns="" xmlns:a16="http://schemas.microsoft.com/office/drawing/2014/main" val="304909867"/>
                   </a:ext>
                 </a:extLst>
               </a:tr>
@@ -8303,7 +8770,7 @@
                 </a:tc>
                 <a:extLst>
                   <a:ext uri="{0D108BD9-81ED-4DB2-BD59-A6C34878D82A}">
-                    <a16:rowId xmlns:a16="http://schemas.microsoft.com/office/drawing/2014/main" xmlns="" val="1562380615"/>
+                    <a16:rowId xmlns="" xmlns:a16="http://schemas.microsoft.com/office/drawing/2014/main" val="1562380615"/>
                   </a:ext>
                 </a:extLst>
               </a:tr>
@@ -8338,7 +8805,7 @@
                 </a:tc>
                 <a:extLst>
                   <a:ext uri="{0D108BD9-81ED-4DB2-BD59-A6C34878D82A}">
-                    <a16:rowId xmlns:a16="http://schemas.microsoft.com/office/drawing/2014/main" xmlns="" val="207666318"/>
+                    <a16:rowId xmlns="" xmlns:a16="http://schemas.microsoft.com/office/drawing/2014/main" val="207666318"/>
                   </a:ext>
                 </a:extLst>
               </a:tr>
@@ -8373,7 +8840,7 @@
                 </a:tc>
                 <a:extLst>
                   <a:ext uri="{0D108BD9-81ED-4DB2-BD59-A6C34878D82A}">
-                    <a16:rowId xmlns:a16="http://schemas.microsoft.com/office/drawing/2014/main" xmlns="" val="4219954106"/>
+                    <a16:rowId xmlns="" xmlns:a16="http://schemas.microsoft.com/office/drawing/2014/main" val="4219954106"/>
                   </a:ext>
                 </a:extLst>
               </a:tr>
@@ -8408,7 +8875,7 @@
                 </a:tc>
                 <a:extLst>
                   <a:ext uri="{0D108BD9-81ED-4DB2-BD59-A6C34878D82A}">
-                    <a16:rowId xmlns:a16="http://schemas.microsoft.com/office/drawing/2014/main" xmlns="" val="2908311740"/>
+                    <a16:rowId xmlns="" xmlns:a16="http://schemas.microsoft.com/office/drawing/2014/main" val="2908311740"/>
                   </a:ext>
                 </a:extLst>
               </a:tr>
@@ -8442,7 +8909,7 @@
                 </a:tc>
                 <a:extLst>
                   <a:ext uri="{0D108BD9-81ED-4DB2-BD59-A6C34878D82A}">
-                    <a16:rowId xmlns:a16="http://schemas.microsoft.com/office/drawing/2014/main" xmlns="" val="2041197959"/>
+                    <a16:rowId xmlns="" xmlns:a16="http://schemas.microsoft.com/office/drawing/2014/main" val="2041197959"/>
                   </a:ext>
                 </a:extLst>
               </a:tr>
@@ -8476,7 +8943,7 @@
                 </a:tc>
                 <a:extLst>
                   <a:ext uri="{0D108BD9-81ED-4DB2-BD59-A6C34878D82A}">
-                    <a16:rowId xmlns:a16="http://schemas.microsoft.com/office/drawing/2014/main" xmlns="" val="1620820458"/>
+                    <a16:rowId xmlns="" xmlns:a16="http://schemas.microsoft.com/office/drawing/2014/main" val="1620820458"/>
                   </a:ext>
                 </a:extLst>
               </a:tr>
@@ -8675,14 +9142,14 @@
                 <a:gridCol w="5486400">
                   <a:extLst>
                     <a:ext uri="{9D8B030D-6E8A-4147-A177-3AD203B41FA5}">
-                      <a16:colId xmlns:a16="http://schemas.microsoft.com/office/drawing/2014/main" xmlns="" val="4024214062"/>
+                      <a16:colId xmlns="" xmlns:a16="http://schemas.microsoft.com/office/drawing/2014/main" val="4024214062"/>
                     </a:ext>
                   </a:extLst>
                 </a:gridCol>
                 <a:gridCol w="5486400">
                   <a:extLst>
                     <a:ext uri="{9D8B030D-6E8A-4147-A177-3AD203B41FA5}">
-                      <a16:colId xmlns:a16="http://schemas.microsoft.com/office/drawing/2014/main" xmlns="" val="1838665537"/>
+                      <a16:colId xmlns="" xmlns:a16="http://schemas.microsoft.com/office/drawing/2014/main" val="1838665537"/>
                     </a:ext>
                   </a:extLst>
                 </a:gridCol>
@@ -8714,7 +9181,7 @@
                 </a:tc>
                 <a:extLst>
                   <a:ext uri="{0D108BD9-81ED-4DB2-BD59-A6C34878D82A}">
-                    <a16:rowId xmlns:a16="http://schemas.microsoft.com/office/drawing/2014/main" xmlns="" val="986279335"/>
+                    <a16:rowId xmlns="" xmlns:a16="http://schemas.microsoft.com/office/drawing/2014/main" val="986279335"/>
                   </a:ext>
                 </a:extLst>
               </a:tr>
@@ -8745,7 +9212,7 @@
                 </a:tc>
                 <a:extLst>
                   <a:ext uri="{0D108BD9-81ED-4DB2-BD59-A6C34878D82A}">
-                    <a16:rowId xmlns:a16="http://schemas.microsoft.com/office/drawing/2014/main" xmlns="" val="2649700066"/>
+                    <a16:rowId xmlns="" xmlns:a16="http://schemas.microsoft.com/office/drawing/2014/main" val="2649700066"/>
                   </a:ext>
                 </a:extLst>
               </a:tr>
@@ -8780,7 +9247,7 @@
                 </a:tc>
                 <a:extLst>
                   <a:ext uri="{0D108BD9-81ED-4DB2-BD59-A6C34878D82A}">
-                    <a16:rowId xmlns:a16="http://schemas.microsoft.com/office/drawing/2014/main" xmlns="" val="309961168"/>
+                    <a16:rowId xmlns="" xmlns:a16="http://schemas.microsoft.com/office/drawing/2014/main" val="309961168"/>
                   </a:ext>
                 </a:extLst>
               </a:tr>
@@ -8815,7 +9282,7 @@
                 </a:tc>
                 <a:extLst>
                   <a:ext uri="{0D108BD9-81ED-4DB2-BD59-A6C34878D82A}">
-                    <a16:rowId xmlns:a16="http://schemas.microsoft.com/office/drawing/2014/main" xmlns="" val="1746750848"/>
+                    <a16:rowId xmlns="" xmlns:a16="http://schemas.microsoft.com/office/drawing/2014/main" val="1746750848"/>
                   </a:ext>
                 </a:extLst>
               </a:tr>
@@ -8850,7 +9317,7 @@
                 </a:tc>
                 <a:extLst>
                   <a:ext uri="{0D108BD9-81ED-4DB2-BD59-A6C34878D82A}">
-                    <a16:rowId xmlns:a16="http://schemas.microsoft.com/office/drawing/2014/main" xmlns="" val="2287252683"/>
+                    <a16:rowId xmlns="" xmlns:a16="http://schemas.microsoft.com/office/drawing/2014/main" val="2287252683"/>
                   </a:ext>
                 </a:extLst>
               </a:tr>
@@ -8885,7 +9352,7 @@
                 </a:tc>
                 <a:extLst>
                   <a:ext uri="{0D108BD9-81ED-4DB2-BD59-A6C34878D82A}">
-                    <a16:rowId xmlns:a16="http://schemas.microsoft.com/office/drawing/2014/main" xmlns="" val="3931255069"/>
+                    <a16:rowId xmlns="" xmlns:a16="http://schemas.microsoft.com/office/drawing/2014/main" val="3931255069"/>
                   </a:ext>
                 </a:extLst>
               </a:tr>
@@ -8920,7 +9387,7 @@
                 </a:tc>
                 <a:extLst>
                   <a:ext uri="{0D108BD9-81ED-4DB2-BD59-A6C34878D82A}">
-                    <a16:rowId xmlns:a16="http://schemas.microsoft.com/office/drawing/2014/main" xmlns="" val="3016523529"/>
+                    <a16:rowId xmlns="" xmlns:a16="http://schemas.microsoft.com/office/drawing/2014/main" val="3016523529"/>
                   </a:ext>
                 </a:extLst>
               </a:tr>
@@ -8955,7 +9422,7 @@
                 </a:tc>
                 <a:extLst>
                   <a:ext uri="{0D108BD9-81ED-4DB2-BD59-A6C34878D82A}">
-                    <a16:rowId xmlns:a16="http://schemas.microsoft.com/office/drawing/2014/main" xmlns="" val="3948036698"/>
+                    <a16:rowId xmlns="" xmlns:a16="http://schemas.microsoft.com/office/drawing/2014/main" val="3948036698"/>
                   </a:ext>
                 </a:extLst>
               </a:tr>
@@ -8990,7 +9457,7 @@
                 </a:tc>
                 <a:extLst>
                   <a:ext uri="{0D108BD9-81ED-4DB2-BD59-A6C34878D82A}">
-                    <a16:rowId xmlns:a16="http://schemas.microsoft.com/office/drawing/2014/main" xmlns="" val="1862235874"/>
+                    <a16:rowId xmlns="" xmlns:a16="http://schemas.microsoft.com/office/drawing/2014/main" val="1862235874"/>
                   </a:ext>
                 </a:extLst>
               </a:tr>
@@ -9025,7 +9492,7 @@
                 </a:tc>
                 <a:extLst>
                   <a:ext uri="{0D108BD9-81ED-4DB2-BD59-A6C34878D82A}">
-                    <a16:rowId xmlns:a16="http://schemas.microsoft.com/office/drawing/2014/main" xmlns="" val="1952473074"/>
+                    <a16:rowId xmlns="" xmlns:a16="http://schemas.microsoft.com/office/drawing/2014/main" val="1952473074"/>
                   </a:ext>
                 </a:extLst>
               </a:tr>
@@ -9060,7 +9527,7 @@
                 </a:tc>
                 <a:extLst>
                   <a:ext uri="{0D108BD9-81ED-4DB2-BD59-A6C34878D82A}">
-                    <a16:rowId xmlns:a16="http://schemas.microsoft.com/office/drawing/2014/main" xmlns="" val="3794391533"/>
+                    <a16:rowId xmlns="" xmlns:a16="http://schemas.microsoft.com/office/drawing/2014/main" val="3794391533"/>
                   </a:ext>
                 </a:extLst>
               </a:tr>
@@ -9095,7 +9562,7 @@
                 </a:tc>
                 <a:extLst>
                   <a:ext uri="{0D108BD9-81ED-4DB2-BD59-A6C34878D82A}">
-                    <a16:rowId xmlns:a16="http://schemas.microsoft.com/office/drawing/2014/main" xmlns="" val="4213279396"/>
+                    <a16:rowId xmlns="" xmlns:a16="http://schemas.microsoft.com/office/drawing/2014/main" val="4213279396"/>
                   </a:ext>
                 </a:extLst>
               </a:tr>
@@ -9294,14 +9761,14 @@
                 <a:gridCol w="5486400">
                   <a:extLst>
                     <a:ext uri="{9D8B030D-6E8A-4147-A177-3AD203B41FA5}">
-                      <a16:colId xmlns:a16="http://schemas.microsoft.com/office/drawing/2014/main" xmlns="" val="3661438328"/>
+                      <a16:colId xmlns="" xmlns:a16="http://schemas.microsoft.com/office/drawing/2014/main" val="3661438328"/>
                     </a:ext>
                   </a:extLst>
                 </a:gridCol>
                 <a:gridCol w="5486400">
                   <a:extLst>
                     <a:ext uri="{9D8B030D-6E8A-4147-A177-3AD203B41FA5}">
-                      <a16:colId xmlns:a16="http://schemas.microsoft.com/office/drawing/2014/main" xmlns="" val="2462084561"/>
+                      <a16:colId xmlns="" xmlns:a16="http://schemas.microsoft.com/office/drawing/2014/main" val="2462084561"/>
                     </a:ext>
                   </a:extLst>
                 </a:gridCol>
@@ -9337,7 +9804,7 @@
                 </a:tc>
                 <a:extLst>
                   <a:ext uri="{0D108BD9-81ED-4DB2-BD59-A6C34878D82A}">
-                    <a16:rowId xmlns:a16="http://schemas.microsoft.com/office/drawing/2014/main" xmlns="" val="2830022487"/>
+                    <a16:rowId xmlns="" xmlns:a16="http://schemas.microsoft.com/office/drawing/2014/main" val="2830022487"/>
                   </a:ext>
                 </a:extLst>
               </a:tr>
@@ -9372,7 +9839,7 @@
                 </a:tc>
                 <a:extLst>
                   <a:ext uri="{0D108BD9-81ED-4DB2-BD59-A6C34878D82A}">
-                    <a16:rowId xmlns:a16="http://schemas.microsoft.com/office/drawing/2014/main" xmlns="" val="3462792300"/>
+                    <a16:rowId xmlns="" xmlns:a16="http://schemas.microsoft.com/office/drawing/2014/main" val="3462792300"/>
                   </a:ext>
                 </a:extLst>
               </a:tr>
@@ -9415,7 +9882,7 @@
                 </a:tc>
                 <a:extLst>
                   <a:ext uri="{0D108BD9-81ED-4DB2-BD59-A6C34878D82A}">
-                    <a16:rowId xmlns:a16="http://schemas.microsoft.com/office/drawing/2014/main" xmlns="" val="3061581558"/>
+                    <a16:rowId xmlns="" xmlns:a16="http://schemas.microsoft.com/office/drawing/2014/main" val="3061581558"/>
                   </a:ext>
                 </a:extLst>
               </a:tr>
@@ -9466,7 +9933,7 @@
                 </a:tc>
                 <a:extLst>
                   <a:ext uri="{0D108BD9-81ED-4DB2-BD59-A6C34878D82A}">
-                    <a16:rowId xmlns:a16="http://schemas.microsoft.com/office/drawing/2014/main" xmlns="" val="742086977"/>
+                    <a16:rowId xmlns="" xmlns:a16="http://schemas.microsoft.com/office/drawing/2014/main" val="742086977"/>
                   </a:ext>
                 </a:extLst>
               </a:tr>
@@ -9505,7 +9972,7 @@
                 </a:tc>
                 <a:extLst>
                   <a:ext uri="{0D108BD9-81ED-4DB2-BD59-A6C34878D82A}">
-                    <a16:rowId xmlns:a16="http://schemas.microsoft.com/office/drawing/2014/main" xmlns="" val="2361850435"/>
+                    <a16:rowId xmlns="" xmlns:a16="http://schemas.microsoft.com/office/drawing/2014/main" val="2361850435"/>
                   </a:ext>
                 </a:extLst>
               </a:tr>
@@ -9548,7 +10015,7 @@
                 </a:tc>
                 <a:extLst>
                   <a:ext uri="{0D108BD9-81ED-4DB2-BD59-A6C34878D82A}">
-                    <a16:rowId xmlns:a16="http://schemas.microsoft.com/office/drawing/2014/main" xmlns="" val="2876776749"/>
+                    <a16:rowId xmlns="" xmlns:a16="http://schemas.microsoft.com/office/drawing/2014/main" val="2876776749"/>
                   </a:ext>
                 </a:extLst>
               </a:tr>
@@ -9583,7 +10050,7 @@
                 </a:tc>
                 <a:extLst>
                   <a:ext uri="{0D108BD9-81ED-4DB2-BD59-A6C34878D82A}">
-                    <a16:rowId xmlns:a16="http://schemas.microsoft.com/office/drawing/2014/main" xmlns="" val="2847548840"/>
+                    <a16:rowId xmlns="" xmlns:a16="http://schemas.microsoft.com/office/drawing/2014/main" val="2847548840"/>
                   </a:ext>
                 </a:extLst>
               </a:tr>
@@ -9622,7 +10089,7 @@
                 </a:tc>
                 <a:extLst>
                   <a:ext uri="{0D108BD9-81ED-4DB2-BD59-A6C34878D82A}">
-                    <a16:rowId xmlns:a16="http://schemas.microsoft.com/office/drawing/2014/main" xmlns="" val="1662843150"/>
+                    <a16:rowId xmlns="" xmlns:a16="http://schemas.microsoft.com/office/drawing/2014/main" val="1662843150"/>
                   </a:ext>
                 </a:extLst>
               </a:tr>
@@ -9792,262 +10259,6 @@
           </a:p>
         </p:txBody>
       </p:sp>
-      <p:graphicFrame>
-        <p:nvGraphicFramePr>
-          <p:cNvPr id="4" name="Content Placeholder 3"/>
-          <p:cNvGraphicFramePr>
-            <a:graphicFrameLocks noGrp="1"/>
-          </p:cNvGraphicFramePr>
-          <p:nvPr>
-            <p:ph idx="1"/>
-            <p:extLst>
-              <p:ext uri="{D42A27DB-BD31-4B8C-83A1-F6EECF244321}">
-                <p14:modId xmlns:p14="http://schemas.microsoft.com/office/powerpoint/2010/main" val="2850126485"/>
-              </p:ext>
-            </p:extLst>
-          </p:nvPr>
-        </p:nvGraphicFramePr>
-        <p:xfrm>
-          <a:off x="609600" y="1600200"/>
-          <a:ext cx="10972800" cy="2245360"/>
-        </p:xfrm>
-        <a:graphic>
-          <a:graphicData uri="http://schemas.openxmlformats.org/drawingml/2006/table">
-            <a:tbl>
-              <a:tblPr firstRow="1" bandRow="1">
-                <a:tableStyleId>{5C22544A-7EE6-4342-B048-85BDC9FD1C3A}</a:tableStyleId>
-              </a:tblPr>
-              <a:tblGrid>
-                <a:gridCol w="2743200">
-                  <a:extLst>
-                    <a:ext uri="{9D8B030D-6E8A-4147-A177-3AD203B41FA5}">
-                      <a16:colId xmlns:a16="http://schemas.microsoft.com/office/drawing/2014/main" xmlns="" val="4007007747"/>
-                    </a:ext>
-                  </a:extLst>
-                </a:gridCol>
-                <a:gridCol w="2743200">
-                  <a:extLst>
-                    <a:ext uri="{9D8B030D-6E8A-4147-A177-3AD203B41FA5}">
-                      <a16:colId xmlns:a16="http://schemas.microsoft.com/office/drawing/2014/main" xmlns="" val="2089765381"/>
-                    </a:ext>
-                  </a:extLst>
-                </a:gridCol>
-                <a:gridCol w="2743200">
-                  <a:extLst>
-                    <a:ext uri="{9D8B030D-6E8A-4147-A177-3AD203B41FA5}">
-                      <a16:colId xmlns:a16="http://schemas.microsoft.com/office/drawing/2014/main" xmlns="" val="2946535250"/>
-                    </a:ext>
-                  </a:extLst>
-                </a:gridCol>
-                <a:gridCol w="2743200">
-                  <a:extLst>
-                    <a:ext uri="{9D8B030D-6E8A-4147-A177-3AD203B41FA5}">
-                      <a16:colId xmlns:a16="http://schemas.microsoft.com/office/drawing/2014/main" xmlns="" val="2232881725"/>
-                    </a:ext>
-                  </a:extLst>
-                </a:gridCol>
-              </a:tblGrid>
-              <a:tr h="370840">
-                <a:tc>
-                  <a:txBody>
-                    <a:bodyPr/>
-                    <a:lstStyle/>
-                    <a:p>
-                      <a:r>
-                        <a:rPr lang="en-US" dirty="0" smtClean="0"/>
-                        <a:t>Screen/Report</a:t>
-                      </a:r>
-                      <a:endParaRPr lang="en-US" dirty="0"/>
-                    </a:p>
-                  </a:txBody>
-                  <a:tcPr/>
-                </a:tc>
-                <a:tc>
-                  <a:txBody>
-                    <a:bodyPr/>
-                    <a:lstStyle/>
-                    <a:p>
-                      <a:r>
-                        <a:rPr lang="en-US" dirty="0" smtClean="0"/>
-                        <a:t>Complexity</a:t>
-                      </a:r>
-                      <a:endParaRPr lang="en-US" dirty="0"/>
-                    </a:p>
-                  </a:txBody>
-                  <a:tcPr/>
-                </a:tc>
-                <a:tc>
-                  <a:txBody>
-                    <a:bodyPr/>
-                    <a:lstStyle/>
-                    <a:p>
-                      <a:r>
-                        <a:rPr lang="en-US" dirty="0" smtClean="0"/>
-                        <a:t>Object Points</a:t>
-                      </a:r>
-                      <a:endParaRPr lang="en-US" dirty="0"/>
-                    </a:p>
-                  </a:txBody>
-                  <a:tcPr/>
-                </a:tc>
-                <a:tc>
-                  <a:txBody>
-                    <a:bodyPr/>
-                    <a:lstStyle/>
-                    <a:p>
-                      <a:r>
-                        <a:rPr lang="en-US" dirty="0" smtClean="0"/>
-                        <a:t>Notes</a:t>
-                      </a:r>
-                      <a:endParaRPr lang="en-US" dirty="0"/>
-                    </a:p>
-                  </a:txBody>
-                  <a:tcPr/>
-                </a:tc>
-                <a:extLst>
-                  <a:ext uri="{0D108BD9-81ED-4DB2-BD59-A6C34878D82A}">
-                    <a16:rowId xmlns:a16="http://schemas.microsoft.com/office/drawing/2014/main" xmlns="" val="2585052838"/>
-                  </a:ext>
-                </a:extLst>
-              </a:tr>
-              <a:tr h="370840">
-                <a:tc>
-                  <a:txBody>
-                    <a:bodyPr/>
-                    <a:lstStyle/>
-                    <a:p>
-                      <a:r>
-                        <a:rPr lang="en-US" dirty="0">
-                          <a:effectLst/>
-                        </a:rPr>
-                        <a:t>View Campus</a:t>
-                      </a:r>
-                    </a:p>
-                  </a:txBody>
-                  <a:tcPr marL="123825" marR="123825" marT="57150" marB="57150" anchor="ctr"/>
-                </a:tc>
-                <a:tc>
-                  <a:txBody>
-                    <a:bodyPr/>
-                    <a:lstStyle/>
-                    <a:p>
-                      <a:r>
-                        <a:rPr lang="en-US">
-                          <a:effectLst/>
-                        </a:rPr>
-                        <a:t>1</a:t>
-                      </a:r>
-                    </a:p>
-                  </a:txBody>
-                  <a:tcPr marL="123825" marR="123825" marT="57150" marB="57150" anchor="ctr"/>
-                </a:tc>
-                <a:tc>
-                  <a:txBody>
-                    <a:bodyPr/>
-                    <a:lstStyle/>
-                    <a:p>
-                      <a:r>
-                        <a:rPr lang="en-US">
-                          <a:effectLst/>
-                        </a:rPr>
-                        <a:t>1</a:t>
-                      </a:r>
-                    </a:p>
-                  </a:txBody>
-                  <a:tcPr marL="123825" marR="123825" marT="57150" marB="57150" anchor="ctr"/>
-                </a:tc>
-                <a:tc>
-                  <a:txBody>
-                    <a:bodyPr/>
-                    <a:lstStyle/>
-                    <a:p>
-                      <a:r>
-                        <a:rPr lang="en-US">
-                          <a:effectLst/>
-                        </a:rPr>
-                        <a:t>Screen will be constructed by reading Drury location from the data source.</a:t>
-                      </a:r>
-                    </a:p>
-                  </a:txBody>
-                  <a:tcPr marL="123825" marR="123825" marT="57150" marB="57150" anchor="ctr"/>
-                </a:tc>
-                <a:extLst>
-                  <a:ext uri="{0D108BD9-81ED-4DB2-BD59-A6C34878D82A}">
-                    <a16:rowId xmlns:a16="http://schemas.microsoft.com/office/drawing/2014/main" xmlns="" val="1152342311"/>
-                  </a:ext>
-                </a:extLst>
-              </a:tr>
-              <a:tr h="370840">
-                <a:tc>
-                  <a:txBody>
-                    <a:bodyPr/>
-                    <a:lstStyle/>
-                    <a:p>
-                      <a:r>
-                        <a:rPr lang="en-US">
-                          <a:effectLst/>
-                        </a:rPr>
-                        <a:t>Access Menu</a:t>
-                      </a:r>
-                    </a:p>
-                  </a:txBody>
-                  <a:tcPr marL="123825" marR="123825" marT="57150" marB="57150" anchor="ctr"/>
-                </a:tc>
-                <a:tc>
-                  <a:txBody>
-                    <a:bodyPr/>
-                    <a:lstStyle/>
-                    <a:p>
-                      <a:r>
-                        <a:rPr lang="en-US">
-                          <a:effectLst/>
-                        </a:rPr>
-                        <a:t>1</a:t>
-                      </a:r>
-                    </a:p>
-                  </a:txBody>
-                  <a:tcPr marL="123825" marR="123825" marT="57150" marB="57150" anchor="ctr"/>
-                </a:tc>
-                <a:tc>
-                  <a:txBody>
-                    <a:bodyPr/>
-                    <a:lstStyle/>
-                    <a:p>
-                      <a:r>
-                        <a:rPr lang="en-US">
-                          <a:effectLst/>
-                        </a:rPr>
-                        <a:t>1</a:t>
-                      </a:r>
-                    </a:p>
-                  </a:txBody>
-                  <a:tcPr marL="123825" marR="123825" marT="57150" marB="57150" anchor="ctr"/>
-                </a:tc>
-                <a:tc>
-                  <a:txBody>
-                    <a:bodyPr/>
-                    <a:lstStyle/>
-                    <a:p>
-                      <a:r>
-                        <a:rPr lang="en-US" dirty="0">
-                          <a:effectLst/>
-                        </a:rPr>
-                        <a:t>Simple drop down with text tabs.</a:t>
-                      </a:r>
-                    </a:p>
-                  </a:txBody>
-                  <a:tcPr marL="123825" marR="123825" marT="57150" marB="57150" anchor="ctr"/>
-                </a:tc>
-                <a:extLst>
-                  <a:ext uri="{0D108BD9-81ED-4DB2-BD59-A6C34878D82A}">
-                    <a16:rowId xmlns:a16="http://schemas.microsoft.com/office/drawing/2014/main" xmlns="" val="2957515265"/>
-                  </a:ext>
-                </a:extLst>
-              </a:tr>
-            </a:tbl>
-          </a:graphicData>
-        </a:graphic>
-      </p:graphicFrame>
       <p:pic>
         <p:nvPicPr>
           <p:cNvPr id="5" name="Picture 4" descr="TeamLogo.png"/>
@@ -10138,10 +10349,40 @@
           </a:p>
         </p:txBody>
       </p:sp>
+      <p:pic>
+        <p:nvPicPr>
+          <p:cNvPr id="9" name="Picture 8" descr="Screen Shot 2017-04-05 at 11.26.25 AM.png"/>
+          <p:cNvPicPr>
+            <a:picLocks noChangeAspect="1"/>
+          </p:cNvPicPr>
+          <p:nvPr/>
+        </p:nvPicPr>
+        <p:blipFill>
+          <a:blip r:embed="rId3">
+            <a:extLst>
+              <a:ext uri="{28A0092B-C50C-407E-A947-70E740481C1C}">
+                <a14:useLocalDpi xmlns:a14="http://schemas.microsoft.com/office/drawing/2010/main" val="0"/>
+              </a:ext>
+            </a:extLst>
+          </a:blip>
+          <a:stretch>
+            <a:fillRect/>
+          </a:stretch>
+        </p:blipFill>
+        <p:spPr>
+          <a:xfrm>
+            <a:off x="3592455" y="1646017"/>
+            <a:ext cx="4913333" cy="4606250"/>
+          </a:xfrm>
+          <a:prstGeom prst="rect">
+            <a:avLst/>
+          </a:prstGeom>
+        </p:spPr>
+      </p:pic>
     </p:spTree>
     <p:extLst>
       <p:ext uri="{BB962C8B-B14F-4D97-AF65-F5344CB8AC3E}">
-        <p14:creationId xmlns:p14="http://schemas.microsoft.com/office/powerpoint/2010/main" val="2494252465"/>
+        <p14:creationId xmlns:p14="http://schemas.microsoft.com/office/powerpoint/2010/main" val="454833290"/>
       </p:ext>
     </p:extLst>
   </p:cSld>
@@ -10204,7 +10445,7 @@
           <a:p>
             <a:r>
               <a:rPr lang="en-US" dirty="0" smtClean="0"/>
-              <a:t>Effort Estimate Assumptions</a:t>
+              <a:t>Effort Estimate</a:t>
             </a:r>
             <a:endParaRPr lang="en-US" dirty="0"/>
           </a:p>
@@ -10220,14 +10461,14 @@
             <p:ph idx="1"/>
             <p:extLst>
               <p:ext uri="{D42A27DB-BD31-4B8C-83A1-F6EECF244321}">
-                <p14:modId xmlns:p14="http://schemas.microsoft.com/office/powerpoint/2010/main" val="391608317"/>
+                <p14:modId xmlns:p14="http://schemas.microsoft.com/office/powerpoint/2010/main" val="2850126485"/>
               </p:ext>
             </p:extLst>
           </p:nvPr>
         </p:nvGraphicFramePr>
         <p:xfrm>
           <a:off x="609600" y="1600200"/>
-          <a:ext cx="10972800" cy="4508499"/>
+          <a:ext cx="10972800" cy="2245360"/>
         </p:xfrm>
         <a:graphic>
           <a:graphicData uri="http://schemas.openxmlformats.org/drawingml/2006/table">
@@ -10239,28 +10480,28 @@
                 <a:gridCol w="2743200">
                   <a:extLst>
                     <a:ext uri="{9D8B030D-6E8A-4147-A177-3AD203B41FA5}">
-                      <a16:colId xmlns:a16="http://schemas.microsoft.com/office/drawing/2014/main" xmlns="" val="4007007747"/>
+                      <a16:colId xmlns="" xmlns:a16="http://schemas.microsoft.com/office/drawing/2014/main" val="4007007747"/>
                     </a:ext>
                   </a:extLst>
                 </a:gridCol>
                 <a:gridCol w="2743200">
                   <a:extLst>
                     <a:ext uri="{9D8B030D-6E8A-4147-A177-3AD203B41FA5}">
-                      <a16:colId xmlns:a16="http://schemas.microsoft.com/office/drawing/2014/main" xmlns="" val="2089765381"/>
+                      <a16:colId xmlns="" xmlns:a16="http://schemas.microsoft.com/office/drawing/2014/main" val="2089765381"/>
                     </a:ext>
                   </a:extLst>
                 </a:gridCol>
                 <a:gridCol w="2743200">
                   <a:extLst>
                     <a:ext uri="{9D8B030D-6E8A-4147-A177-3AD203B41FA5}">
-                      <a16:colId xmlns:a16="http://schemas.microsoft.com/office/drawing/2014/main" xmlns="" val="2946535250"/>
+                      <a16:colId xmlns="" xmlns:a16="http://schemas.microsoft.com/office/drawing/2014/main" val="2946535250"/>
                     </a:ext>
                   </a:extLst>
                 </a:gridCol>
                 <a:gridCol w="2743200">
                   <a:extLst>
                     <a:ext uri="{9D8B030D-6E8A-4147-A177-3AD203B41FA5}">
-                      <a16:colId xmlns:a16="http://schemas.microsoft.com/office/drawing/2014/main" xmlns="" val="2232881725"/>
+                      <a16:colId xmlns="" xmlns:a16="http://schemas.microsoft.com/office/drawing/2014/main" val="2232881725"/>
                     </a:ext>
                   </a:extLst>
                 </a:gridCol>
@@ -10324,7 +10565,7 @@
                 </a:tc>
                 <a:extLst>
                   <a:ext uri="{0D108BD9-81ED-4DB2-BD59-A6C34878D82A}">
-                    <a16:rowId xmlns:a16="http://schemas.microsoft.com/office/drawing/2014/main" xmlns="" val="2585052838"/>
+                    <a16:rowId xmlns="" xmlns:a16="http://schemas.microsoft.com/office/drawing/2014/main" val="2585052838"/>
                   </a:ext>
                 </a:extLst>
               </a:tr>
@@ -10338,7 +10579,7 @@
                         <a:rPr lang="en-US" dirty="0">
                           <a:effectLst/>
                         </a:rPr>
-                        <a:t>Take 21 Tree Tour</a:t>
+                        <a:t>View Campus</a:t>
                       </a:r>
                     </a:p>
                   </a:txBody>
@@ -10353,7 +10594,7 @@
                         <a:rPr lang="en-US">
                           <a:effectLst/>
                         </a:rPr>
-                        <a:t>2</a:t>
+                        <a:t>1</a:t>
                       </a:r>
                     </a:p>
                   </a:txBody>
@@ -10368,7 +10609,7 @@
                         <a:rPr lang="en-US">
                           <a:effectLst/>
                         </a:rPr>
-                        <a:t>2</a:t>
+                        <a:t>1</a:t>
                       </a:r>
                     </a:p>
                   </a:txBody>
@@ -10383,7 +10624,7 @@
                         <a:rPr lang="en-US">
                           <a:effectLst/>
                         </a:rPr>
-                        <a:t>Screen will be constructed by Drury's location and individual location from the data source.</a:t>
+                        <a:t>Screen will be constructed by reading Drury location from the data source.</a:t>
                       </a:r>
                     </a:p>
                   </a:txBody>
@@ -10391,7 +10632,7 @@
                 </a:tc>
                 <a:extLst>
                   <a:ext uri="{0D108BD9-81ED-4DB2-BD59-A6C34878D82A}">
-                    <a16:rowId xmlns:a16="http://schemas.microsoft.com/office/drawing/2014/main" xmlns="" val="3190619547"/>
+                    <a16:rowId xmlns="" xmlns:a16="http://schemas.microsoft.com/office/drawing/2014/main" val="1152342311"/>
                   </a:ext>
                 </a:extLst>
               </a:tr>
@@ -10402,71 +10643,10 @@
                     <a:lstStyle/>
                     <a:p>
                       <a:r>
-                        <a:rPr lang="en-US" b="1">
-                          <a:effectLst/>
-                        </a:rPr>
-                        <a:t>Subscreen</a:t>
-                      </a:r>
-                      <a:endParaRPr lang="en-US">
-                        <a:effectLst/>
-                      </a:endParaRPr>
-                    </a:p>
-                  </a:txBody>
-                  <a:tcPr marL="123825" marR="123825" marT="57150" marB="57150" anchor="ctr"/>
-                </a:tc>
-                <a:tc>
-                  <a:txBody>
-                    <a:bodyPr/>
-                    <a:lstStyle/>
-                    <a:p>
-                      <a:endParaRPr lang="en-US">
-                        <a:effectLst/>
-                      </a:endParaRPr>
-                    </a:p>
-                  </a:txBody>
-                  <a:tcPr marL="123825" marR="123825" marT="57150" marB="57150" anchor="ctr"/>
-                </a:tc>
-                <a:tc>
-                  <a:txBody>
-                    <a:bodyPr/>
-                    <a:lstStyle/>
-                    <a:p>
-                      <a:endParaRPr lang="en-US">
-                        <a:effectLst/>
-                      </a:endParaRPr>
-                    </a:p>
-                  </a:txBody>
-                  <a:tcPr marL="123825" marR="123825" marT="57150" marB="57150" anchor="ctr"/>
-                </a:tc>
-                <a:tc>
-                  <a:txBody>
-                    <a:bodyPr/>
-                    <a:lstStyle/>
-                    <a:p>
-                      <a:endParaRPr lang="en-US">
-                        <a:effectLst/>
-                      </a:endParaRPr>
-                    </a:p>
-                  </a:txBody>
-                  <a:tcPr marL="123825" marR="123825" marT="57150" marB="57150" anchor="ctr"/>
-                </a:tc>
-                <a:extLst>
-                  <a:ext uri="{0D108BD9-81ED-4DB2-BD59-A6C34878D82A}">
-                    <a16:rowId xmlns:a16="http://schemas.microsoft.com/office/drawing/2014/main" xmlns="" val="1767920701"/>
-                  </a:ext>
-                </a:extLst>
-              </a:tr>
-              <a:tr h="370840">
-                <a:tc>
-                  <a:txBody>
-                    <a:bodyPr/>
-                    <a:lstStyle/>
-                    <a:p>
-                      <a:r>
                         <a:rPr lang="en-US">
                           <a:effectLst/>
                         </a:rPr>
-                        <a:t>Read About Trees</a:t>
+                        <a:t>Access Menu</a:t>
                       </a:r>
                     </a:p>
                   </a:txBody>
@@ -10508,144 +10688,10 @@
                     <a:lstStyle/>
                     <a:p>
                       <a:r>
-                        <a:rPr lang="en-US">
-                          <a:effectLst/>
-                        </a:rPr>
-                        <a:t>Simple text with some images on screen.</a:t>
-                      </a:r>
-                    </a:p>
-                  </a:txBody>
-                  <a:tcPr marL="123825" marR="123825" marT="57150" marB="57150" anchor="ctr"/>
-                </a:tc>
-                <a:extLst>
-                  <a:ext uri="{0D108BD9-81ED-4DB2-BD59-A6C34878D82A}">
-                    <a16:rowId xmlns:a16="http://schemas.microsoft.com/office/drawing/2014/main" xmlns="" val="1045687176"/>
-                  </a:ext>
-                </a:extLst>
-              </a:tr>
-              <a:tr h="370840">
-                <a:tc>
-                  <a:txBody>
-                    <a:bodyPr/>
-                    <a:lstStyle/>
-                    <a:p>
-                      <a:r>
-                        <a:rPr lang="en-US">
-                          <a:effectLst/>
-                        </a:rPr>
-                        <a:t>Search Tree Species</a:t>
-                      </a:r>
-                    </a:p>
-                  </a:txBody>
-                  <a:tcPr marL="123825" marR="123825" marT="57150" marB="57150" anchor="ctr"/>
-                </a:tc>
-                <a:tc>
-                  <a:txBody>
-                    <a:bodyPr/>
-                    <a:lstStyle/>
-                    <a:p>
-                      <a:r>
-                        <a:rPr lang="en-US">
-                          <a:effectLst/>
-                        </a:rPr>
-                        <a:t>1</a:t>
-                      </a:r>
-                    </a:p>
-                  </a:txBody>
-                  <a:tcPr marL="123825" marR="123825" marT="57150" marB="57150" anchor="ctr"/>
-                </a:tc>
-                <a:tc>
-                  <a:txBody>
-                    <a:bodyPr/>
-                    <a:lstStyle/>
-                    <a:p>
-                      <a:r>
-                        <a:rPr lang="en-US">
-                          <a:effectLst/>
-                        </a:rPr>
-                        <a:t>1</a:t>
-                      </a:r>
-                    </a:p>
-                  </a:txBody>
-                  <a:tcPr marL="123825" marR="123825" marT="57150" marB="57150" anchor="ctr"/>
-                </a:tc>
-                <a:tc>
-                  <a:txBody>
-                    <a:bodyPr/>
-                    <a:lstStyle/>
-                    <a:p>
-                      <a:r>
-                        <a:rPr lang="en-US">
-                          <a:effectLst/>
-                        </a:rPr>
-                        <a:t>Simple search bar that accesses data source.</a:t>
-                      </a:r>
-                    </a:p>
-                  </a:txBody>
-                  <a:tcPr marL="123825" marR="123825" marT="57150" marB="57150" anchor="ctr"/>
-                </a:tc>
-                <a:extLst>
-                  <a:ext uri="{0D108BD9-81ED-4DB2-BD59-A6C34878D82A}">
-                    <a16:rowId xmlns:a16="http://schemas.microsoft.com/office/drawing/2014/main" xmlns="" val="2351577163"/>
-                  </a:ext>
-                </a:extLst>
-              </a:tr>
-              <a:tr h="370840">
-                <a:tc>
-                  <a:txBody>
-                    <a:bodyPr/>
-                    <a:lstStyle/>
-                    <a:p>
-                      <a:r>
-                        <a:rPr lang="en-US">
-                          <a:effectLst/>
-                        </a:rPr>
-                        <a:t>View Specific Trees on Campus</a:t>
-                      </a:r>
-                    </a:p>
-                  </a:txBody>
-                  <a:tcPr marL="123825" marR="123825" marT="57150" marB="57150" anchor="ctr"/>
-                </a:tc>
-                <a:tc>
-                  <a:txBody>
-                    <a:bodyPr/>
-                    <a:lstStyle/>
-                    <a:p>
-                      <a:r>
-                        <a:rPr lang="en-US">
-                          <a:effectLst/>
-                        </a:rPr>
-                        <a:t>2</a:t>
-                      </a:r>
-                    </a:p>
-                  </a:txBody>
-                  <a:tcPr marL="123825" marR="123825" marT="57150" marB="57150" anchor="ctr"/>
-                </a:tc>
-                <a:tc>
-                  <a:txBody>
-                    <a:bodyPr/>
-                    <a:lstStyle/>
-                    <a:p>
-                      <a:r>
-                        <a:rPr lang="en-US">
-                          <a:effectLst/>
-                        </a:rPr>
-                        <a:t>2</a:t>
-                      </a:r>
-                    </a:p>
-                  </a:txBody>
-                  <a:tcPr marL="123825" marR="123825" marT="57150" marB="57150" anchor="ctr"/>
-                </a:tc>
-                <a:tc>
-                  <a:txBody>
-                    <a:bodyPr/>
-                    <a:lstStyle/>
-                    <a:p>
-                      <a:r>
                         <a:rPr lang="en-US" dirty="0">
                           <a:effectLst/>
                         </a:rPr>
-                        <a:t>Filter specified tree request from search bar, and access data source.</a:t>
+                        <a:t>Simple drop down with text tabs.</a:t>
                       </a:r>
                     </a:p>
                   </a:txBody>
@@ -10653,7 +10699,7 @@
                 </a:tc>
                 <a:extLst>
                   <a:ext uri="{0D108BD9-81ED-4DB2-BD59-A6C34878D82A}">
-                    <a16:rowId xmlns:a16="http://schemas.microsoft.com/office/drawing/2014/main" xmlns="" val="3050760200"/>
+                    <a16:rowId xmlns="" xmlns:a16="http://schemas.microsoft.com/office/drawing/2014/main" val="2957515265"/>
                   </a:ext>
                 </a:extLst>
               </a:tr>
@@ -10754,7 +10800,7 @@
     </p:spTree>
     <p:extLst>
       <p:ext uri="{BB962C8B-B14F-4D97-AF65-F5344CB8AC3E}">
-        <p14:creationId xmlns:p14="http://schemas.microsoft.com/office/powerpoint/2010/main" val="3801660654"/>
+        <p14:creationId xmlns:p14="http://schemas.microsoft.com/office/powerpoint/2010/main" val="2494252465"/>
       </p:ext>
     </p:extLst>
   </p:cSld>
@@ -10816,9 +10862,10 @@
           <a:lstStyle/>
           <a:p>
             <a:r>
-              <a:rPr lang="en-US" dirty="0"/>
+              <a:rPr lang="en-US" dirty="0" smtClean="0"/>
               <a:t>Effort Estimate Assumptions</a:t>
             </a:r>
+            <a:endParaRPr lang="en-US" dirty="0"/>
           </a:p>
         </p:txBody>
       </p:sp>
@@ -10832,14 +10879,14 @@
             <p:ph idx="1"/>
             <p:extLst>
               <p:ext uri="{D42A27DB-BD31-4B8C-83A1-F6EECF244321}">
-                <p14:modId xmlns:p14="http://schemas.microsoft.com/office/powerpoint/2010/main" val="1546207687"/>
+                <p14:modId xmlns:p14="http://schemas.microsoft.com/office/powerpoint/2010/main" val="391608317"/>
               </p:ext>
             </p:extLst>
           </p:nvPr>
         </p:nvGraphicFramePr>
         <p:xfrm>
           <a:off x="609600" y="1600200"/>
-          <a:ext cx="10972800" cy="2908299"/>
+          <a:ext cx="10972800" cy="4508499"/>
         </p:xfrm>
         <a:graphic>
           <a:graphicData uri="http://schemas.openxmlformats.org/drawingml/2006/table">
@@ -10851,28 +10898,28 @@
                 <a:gridCol w="2743200">
                   <a:extLst>
                     <a:ext uri="{9D8B030D-6E8A-4147-A177-3AD203B41FA5}">
-                      <a16:colId xmlns:a16="http://schemas.microsoft.com/office/drawing/2014/main" xmlns="" val="4007007747"/>
+                      <a16:colId xmlns="" xmlns:a16="http://schemas.microsoft.com/office/drawing/2014/main" val="4007007747"/>
                     </a:ext>
                   </a:extLst>
                 </a:gridCol>
                 <a:gridCol w="2743200">
                   <a:extLst>
                     <a:ext uri="{9D8B030D-6E8A-4147-A177-3AD203B41FA5}">
-                      <a16:colId xmlns:a16="http://schemas.microsoft.com/office/drawing/2014/main" xmlns="" val="2089765381"/>
+                      <a16:colId xmlns="" xmlns:a16="http://schemas.microsoft.com/office/drawing/2014/main" val="2089765381"/>
                     </a:ext>
                   </a:extLst>
                 </a:gridCol>
                 <a:gridCol w="2743200">
                   <a:extLst>
                     <a:ext uri="{9D8B030D-6E8A-4147-A177-3AD203B41FA5}">
-                      <a16:colId xmlns:a16="http://schemas.microsoft.com/office/drawing/2014/main" xmlns="" val="2946535250"/>
+                      <a16:colId xmlns="" xmlns:a16="http://schemas.microsoft.com/office/drawing/2014/main" val="2946535250"/>
                     </a:ext>
                   </a:extLst>
                 </a:gridCol>
                 <a:gridCol w="2743200">
                   <a:extLst>
                     <a:ext uri="{9D8B030D-6E8A-4147-A177-3AD203B41FA5}">
-                      <a16:colId xmlns:a16="http://schemas.microsoft.com/office/drawing/2014/main" xmlns="" val="2232881725"/>
+                      <a16:colId xmlns="" xmlns:a16="http://schemas.microsoft.com/office/drawing/2014/main" val="2232881725"/>
                     </a:ext>
                   </a:extLst>
                 </a:gridCol>
@@ -10936,7 +10983,7 @@
                 </a:tc>
                 <a:extLst>
                   <a:ext uri="{0D108BD9-81ED-4DB2-BD59-A6C34878D82A}">
-                    <a16:rowId xmlns:a16="http://schemas.microsoft.com/office/drawing/2014/main" xmlns="" val="2585052838"/>
+                    <a16:rowId xmlns="" xmlns:a16="http://schemas.microsoft.com/office/drawing/2014/main" val="2585052838"/>
                   </a:ext>
                 </a:extLst>
               </a:tr>
@@ -10950,7 +10997,7 @@
                         <a:rPr lang="en-US" dirty="0">
                           <a:effectLst/>
                         </a:rPr>
-                        <a:t>Take Building Tour</a:t>
+                        <a:t>Take 21 Tree Tour</a:t>
                       </a:r>
                     </a:p>
                   </a:txBody>
@@ -10995,7 +11042,7 @@
                         <a:rPr lang="en-US">
                           <a:effectLst/>
                         </a:rPr>
-                        <a:t>Screen will be constructed by Drury's location and individual location from data source.</a:t>
+                        <a:t>Screen will be constructed by Drury's location and individual location from the data source.</a:t>
                       </a:r>
                     </a:p>
                   </a:txBody>
@@ -11003,7 +11050,7 @@
                 </a:tc>
                 <a:extLst>
                   <a:ext uri="{0D108BD9-81ED-4DB2-BD59-A6C34878D82A}">
-                    <a16:rowId xmlns:a16="http://schemas.microsoft.com/office/drawing/2014/main" xmlns="" val="4002715652"/>
+                    <a16:rowId xmlns="" xmlns:a16="http://schemas.microsoft.com/office/drawing/2014/main" val="3190619547"/>
                   </a:ext>
                 </a:extLst>
               </a:tr>
@@ -11064,7 +11111,7 @@
                 </a:tc>
                 <a:extLst>
                   <a:ext uri="{0D108BD9-81ED-4DB2-BD59-A6C34878D82A}">
-                    <a16:rowId xmlns:a16="http://schemas.microsoft.com/office/drawing/2014/main" xmlns="" val="2947406717"/>
+                    <a16:rowId xmlns="" xmlns:a16="http://schemas.microsoft.com/office/drawing/2014/main" val="1767920701"/>
                   </a:ext>
                 </a:extLst>
               </a:tr>
@@ -11078,7 +11125,7 @@
                         <a:rPr lang="en-US">
                           <a:effectLst/>
                         </a:rPr>
-                        <a:t>Read About Repurposed Pieces</a:t>
+                        <a:t>Read About Trees</a:t>
                       </a:r>
                     </a:p>
                   </a:txBody>
@@ -11120,10 +11167,144 @@
                     <a:lstStyle/>
                     <a:p>
                       <a:r>
+                        <a:rPr lang="en-US">
+                          <a:effectLst/>
+                        </a:rPr>
+                        <a:t>Simple text with some images on screen.</a:t>
+                      </a:r>
+                    </a:p>
+                  </a:txBody>
+                  <a:tcPr marL="123825" marR="123825" marT="57150" marB="57150" anchor="ctr"/>
+                </a:tc>
+                <a:extLst>
+                  <a:ext uri="{0D108BD9-81ED-4DB2-BD59-A6C34878D82A}">
+                    <a16:rowId xmlns="" xmlns:a16="http://schemas.microsoft.com/office/drawing/2014/main" val="1045687176"/>
+                  </a:ext>
+                </a:extLst>
+              </a:tr>
+              <a:tr h="370840">
+                <a:tc>
+                  <a:txBody>
+                    <a:bodyPr/>
+                    <a:lstStyle/>
+                    <a:p>
+                      <a:r>
+                        <a:rPr lang="en-US">
+                          <a:effectLst/>
+                        </a:rPr>
+                        <a:t>Search Tree Species</a:t>
+                      </a:r>
+                    </a:p>
+                  </a:txBody>
+                  <a:tcPr marL="123825" marR="123825" marT="57150" marB="57150" anchor="ctr"/>
+                </a:tc>
+                <a:tc>
+                  <a:txBody>
+                    <a:bodyPr/>
+                    <a:lstStyle/>
+                    <a:p>
+                      <a:r>
+                        <a:rPr lang="en-US">
+                          <a:effectLst/>
+                        </a:rPr>
+                        <a:t>1</a:t>
+                      </a:r>
+                    </a:p>
+                  </a:txBody>
+                  <a:tcPr marL="123825" marR="123825" marT="57150" marB="57150" anchor="ctr"/>
+                </a:tc>
+                <a:tc>
+                  <a:txBody>
+                    <a:bodyPr/>
+                    <a:lstStyle/>
+                    <a:p>
+                      <a:r>
+                        <a:rPr lang="en-US">
+                          <a:effectLst/>
+                        </a:rPr>
+                        <a:t>1</a:t>
+                      </a:r>
+                    </a:p>
+                  </a:txBody>
+                  <a:tcPr marL="123825" marR="123825" marT="57150" marB="57150" anchor="ctr"/>
+                </a:tc>
+                <a:tc>
+                  <a:txBody>
+                    <a:bodyPr/>
+                    <a:lstStyle/>
+                    <a:p>
+                      <a:r>
+                        <a:rPr lang="en-US">
+                          <a:effectLst/>
+                        </a:rPr>
+                        <a:t>Simple search bar that accesses data source.</a:t>
+                      </a:r>
+                    </a:p>
+                  </a:txBody>
+                  <a:tcPr marL="123825" marR="123825" marT="57150" marB="57150" anchor="ctr"/>
+                </a:tc>
+                <a:extLst>
+                  <a:ext uri="{0D108BD9-81ED-4DB2-BD59-A6C34878D82A}">
+                    <a16:rowId xmlns="" xmlns:a16="http://schemas.microsoft.com/office/drawing/2014/main" val="2351577163"/>
+                  </a:ext>
+                </a:extLst>
+              </a:tr>
+              <a:tr h="370840">
+                <a:tc>
+                  <a:txBody>
+                    <a:bodyPr/>
+                    <a:lstStyle/>
+                    <a:p>
+                      <a:r>
+                        <a:rPr lang="en-US">
+                          <a:effectLst/>
+                        </a:rPr>
+                        <a:t>View Specific Trees on Campus</a:t>
+                      </a:r>
+                    </a:p>
+                  </a:txBody>
+                  <a:tcPr marL="123825" marR="123825" marT="57150" marB="57150" anchor="ctr"/>
+                </a:tc>
+                <a:tc>
+                  <a:txBody>
+                    <a:bodyPr/>
+                    <a:lstStyle/>
+                    <a:p>
+                      <a:r>
+                        <a:rPr lang="en-US">
+                          <a:effectLst/>
+                        </a:rPr>
+                        <a:t>2</a:t>
+                      </a:r>
+                    </a:p>
+                  </a:txBody>
+                  <a:tcPr marL="123825" marR="123825" marT="57150" marB="57150" anchor="ctr"/>
+                </a:tc>
+                <a:tc>
+                  <a:txBody>
+                    <a:bodyPr/>
+                    <a:lstStyle/>
+                    <a:p>
+                      <a:r>
+                        <a:rPr lang="en-US">
+                          <a:effectLst/>
+                        </a:rPr>
+                        <a:t>2</a:t>
+                      </a:r>
+                    </a:p>
+                  </a:txBody>
+                  <a:tcPr marL="123825" marR="123825" marT="57150" marB="57150" anchor="ctr"/>
+                </a:tc>
+                <a:tc>
+                  <a:txBody>
+                    <a:bodyPr/>
+                    <a:lstStyle/>
+                    <a:p>
+                      <a:r>
                         <a:rPr lang="en-US" dirty="0">
                           <a:effectLst/>
                         </a:rPr>
-                        <a:t>Simple text with some images on screen.</a:t>
+                        <a:t>Filter specified tree request from search bar, and access data source.</a:t>
                       </a:r>
                     </a:p>
                   </a:txBody>
@@ -11131,7 +11312,7 @@
                 </a:tc>
                 <a:extLst>
                   <a:ext uri="{0D108BD9-81ED-4DB2-BD59-A6C34878D82A}">
-                    <a16:rowId xmlns:a16="http://schemas.microsoft.com/office/drawing/2014/main" xmlns="" val="864418350"/>
+                    <a16:rowId xmlns="" xmlns:a16="http://schemas.microsoft.com/office/drawing/2014/main" val="3050760200"/>
                   </a:ext>
                 </a:extLst>
               </a:tr>
@@ -11232,7 +11413,7 @@
     </p:spTree>
     <p:extLst>
       <p:ext uri="{BB962C8B-B14F-4D97-AF65-F5344CB8AC3E}">
-        <p14:creationId xmlns:p14="http://schemas.microsoft.com/office/powerpoint/2010/main" val="2519909124"/>
+        <p14:creationId xmlns:p14="http://schemas.microsoft.com/office/powerpoint/2010/main" val="3801660654"/>
       </p:ext>
     </p:extLst>
   </p:cSld>
@@ -11523,7 +11704,7 @@
   <a:extraClrSchemeLst/>
   <a:extLst>
     <a:ext uri="{05A4C25C-085E-4340-85A3-A5531E510DB2}">
-      <thm15:themeFamily xmlns:thm15="http://schemas.microsoft.com/office/thememl/2012/main" xmlns="" name="Company background presentation" id="{7C18907C-4901-42BD-8F2C-E63B32C9DCA3}" vid="{B4FC953D-0C69-4290-95E2-4EA0E2E67DEC}"/>
+      <thm15:themeFamily xmlns="" xmlns:thm15="http://schemas.microsoft.com/office/thememl/2012/main" name="Company background presentation" id="{7C18907C-4901-42BD-8F2C-E63B32C9DCA3}" vid="{B4FC953D-0C69-4290-95E2-4EA0E2E67DEC}"/>
     </a:ext>
   </a:extLst>
 </a:theme>
@@ -11784,7 +11965,7 @@
   <a:extraClrSchemeLst/>
   <a:extLst>
     <a:ext uri="{05A4C25C-085E-4340-85A3-A5531E510DB2}">
-      <thm15:themeFamily xmlns:thm15="http://schemas.microsoft.com/office/thememl/2012/main" xmlns="" name="Office Theme" id="{62F939B6-93AF-4DB8-9C6B-D6C7DFDC589F}" vid="{4A3C46E8-61CC-4603-A589-7422A47A8E4A}"/>
+      <thm15:themeFamily xmlns="" xmlns:thm15="http://schemas.microsoft.com/office/thememl/2012/main" name="Office Theme" id="{62F939B6-93AF-4DB8-9C6B-D6C7DFDC589F}" vid="{4A3C46E8-61CC-4603-A589-7422A47A8E4A}"/>
     </a:ext>
   </a:extLst>
 </a:theme>
@@ -12045,7 +12226,7 @@
   <a:extraClrSchemeLst/>
   <a:extLst>
     <a:ext uri="{05A4C25C-085E-4340-85A3-A5531E510DB2}">
-      <thm15:themeFamily xmlns:thm15="http://schemas.microsoft.com/office/thememl/2012/main" xmlns="" name="Office Theme" id="{62F939B6-93AF-4DB8-9C6B-D6C7DFDC589F}" vid="{4A3C46E8-61CC-4603-A589-7422A47A8E4A}"/>
+      <thm15:themeFamily xmlns="" xmlns:thm15="http://schemas.microsoft.com/office/thememl/2012/main" name="Office Theme" id="{62F939B6-93AF-4DB8-9C6B-D6C7DFDC589F}" vid="{4A3C46E8-61CC-4603-A589-7422A47A8E4A}"/>
     </a:ext>
   </a:extLst>
 </a:theme>

--- a/Presentation1.pptx
+++ b/Presentation1.pptx
@@ -129,10 +129,21 @@
   </p:defaultTextStyle>
   <p:extLst>
     <p:ext uri="{EFAFB233-063F-42B5-8137-9DF3F51BA10A}">
-      <p15:sldGuideLst xmlns="" xmlns:p15="http://schemas.microsoft.com/office/powerpoint/2012/main"/>
+      <p15:sldGuideLst xmlns:p15="http://schemas.microsoft.com/office/powerpoint/2012/main">
+        <p15:guide id="1" orient="horz" pos="2160">
+          <p15:clr>
+            <a:srgbClr val="A4A3A4"/>
+          </p15:clr>
+        </p15:guide>
+        <p15:guide id="2" pos="3840">
+          <p15:clr>
+            <a:srgbClr val="A4A3A4"/>
+          </p15:clr>
+        </p15:guide>
+      </p15:sldGuideLst>
     </p:ext>
     <p:ext uri="{2D200454-40CA-4A62-9FC3-DE9A4176ACB9}">
-      <p15:notesGuideLst xmlns="" xmlns:p15="http://schemas.microsoft.com/office/powerpoint/2012/main"/>
+      <p15:notesGuideLst xmlns:p15="http://schemas.microsoft.com/office/powerpoint/2012/main"/>
     </p:ext>
   </p:extLst>
 </p:presentation>
@@ -3886,7 +3897,7 @@
   <p:timing>
     <p:tnLst>
       <p:par>
-        <p:cTn xmlns:p14="http://schemas.microsoft.com/office/powerpoint/2010/main" id="1" dur="indefinite" restart="never" nodeType="tmRoot"/>
+        <p:cTn id="1" dur="indefinite" restart="never" nodeType="tmRoot"/>
       </p:par>
     </p:tnLst>
   </p:timing>
@@ -4269,7 +4280,7 @@
   <p:timing>
     <p:tnLst>
       <p:par>
-        <p:cTn xmlns:p14="http://schemas.microsoft.com/office/powerpoint/2010/main" id="1" dur="indefinite" restart="never" nodeType="tmRoot"/>
+        <p:cTn id="1" dur="indefinite" restart="never" nodeType="tmRoot"/>
       </p:par>
     </p:tnLst>
   </p:timing>
@@ -4325,14 +4336,14 @@
             <p:ph idx="1"/>
             <p:extLst>
               <p:ext uri="{D42A27DB-BD31-4B8C-83A1-F6EECF244321}">
-                <p14:modId xmlns:p14="http://schemas.microsoft.com/office/powerpoint/2010/main" val="1546207687"/>
+                <p14:modId xmlns:p14="http://schemas.microsoft.com/office/powerpoint/2010/main" val="1934685410"/>
               </p:ext>
             </p:extLst>
           </p:nvPr>
         </p:nvGraphicFramePr>
         <p:xfrm>
           <a:off x="609600" y="1600200"/>
-          <a:ext cx="10972800" cy="2908299"/>
+          <a:ext cx="10972800" cy="2908300"/>
         </p:xfrm>
         <a:graphic>
           <a:graphicData uri="http://schemas.openxmlformats.org/drawingml/2006/table">
@@ -4344,28 +4355,28 @@
                 <a:gridCol w="2743200">
                   <a:extLst>
                     <a:ext uri="{9D8B030D-6E8A-4147-A177-3AD203B41FA5}">
-                      <a16:colId xmlns="" xmlns:a16="http://schemas.microsoft.com/office/drawing/2014/main" val="4007007747"/>
+                      <a16:colId xmlns:a16="http://schemas.microsoft.com/office/drawing/2014/main" xmlns="" val="4007007747"/>
                     </a:ext>
                   </a:extLst>
                 </a:gridCol>
                 <a:gridCol w="2743200">
                   <a:extLst>
                     <a:ext uri="{9D8B030D-6E8A-4147-A177-3AD203B41FA5}">
-                      <a16:colId xmlns="" xmlns:a16="http://schemas.microsoft.com/office/drawing/2014/main" val="2089765381"/>
+                      <a16:colId xmlns:a16="http://schemas.microsoft.com/office/drawing/2014/main" xmlns="" val="2089765381"/>
                     </a:ext>
                   </a:extLst>
                 </a:gridCol>
                 <a:gridCol w="2743200">
                   <a:extLst>
                     <a:ext uri="{9D8B030D-6E8A-4147-A177-3AD203B41FA5}">
-                      <a16:colId xmlns="" xmlns:a16="http://schemas.microsoft.com/office/drawing/2014/main" val="2946535250"/>
+                      <a16:colId xmlns:a16="http://schemas.microsoft.com/office/drawing/2014/main" xmlns="" val="2946535250"/>
                     </a:ext>
                   </a:extLst>
                 </a:gridCol>
                 <a:gridCol w="2743200">
                   <a:extLst>
                     <a:ext uri="{9D8B030D-6E8A-4147-A177-3AD203B41FA5}">
-                      <a16:colId xmlns="" xmlns:a16="http://schemas.microsoft.com/office/drawing/2014/main" val="2232881725"/>
+                      <a16:colId xmlns:a16="http://schemas.microsoft.com/office/drawing/2014/main" xmlns="" val="2232881725"/>
                     </a:ext>
                   </a:extLst>
                 </a:gridCol>
@@ -4429,7 +4440,7 @@
                 </a:tc>
                 <a:extLst>
                   <a:ext uri="{0D108BD9-81ED-4DB2-BD59-A6C34878D82A}">
-                    <a16:rowId xmlns="" xmlns:a16="http://schemas.microsoft.com/office/drawing/2014/main" val="2585052838"/>
+                    <a16:rowId xmlns:a16="http://schemas.microsoft.com/office/drawing/2014/main" xmlns="" val="2585052838"/>
                   </a:ext>
                 </a:extLst>
               </a:tr>
@@ -4496,7 +4507,7 @@
                 </a:tc>
                 <a:extLst>
                   <a:ext uri="{0D108BD9-81ED-4DB2-BD59-A6C34878D82A}">
-                    <a16:rowId xmlns="" xmlns:a16="http://schemas.microsoft.com/office/drawing/2014/main" val="4002715652"/>
+                    <a16:rowId xmlns:a16="http://schemas.microsoft.com/office/drawing/2014/main" xmlns="" val="4002715652"/>
                   </a:ext>
                 </a:extLst>
               </a:tr>
@@ -4557,7 +4568,7 @@
                 </a:tc>
                 <a:extLst>
                   <a:ext uri="{0D108BD9-81ED-4DB2-BD59-A6C34878D82A}">
-                    <a16:rowId xmlns="" xmlns:a16="http://schemas.microsoft.com/office/drawing/2014/main" val="2947406717"/>
+                    <a16:rowId xmlns:a16="http://schemas.microsoft.com/office/drawing/2014/main" xmlns="" val="2947406717"/>
                   </a:ext>
                 </a:extLst>
               </a:tr>
@@ -4568,11 +4579,32 @@
                     <a:lstStyle/>
                     <a:p>
                       <a:r>
+                        <a:rPr lang="en-US" dirty="0">
+                          <a:effectLst/>
+                        </a:rPr>
+                        <a:t>Read </a:t>
+                      </a:r>
+                      <a:r>
                         <a:rPr lang="en-US">
                           <a:effectLst/>
                         </a:rPr>
-                        <a:t>Read About Repurposed Pieces</a:t>
-                      </a:r>
+                        <a:t>About </a:t>
+                      </a:r>
+                      <a:r>
+                        <a:rPr lang="en-US" smtClean="0">
+                          <a:effectLst/>
+                        </a:rPr>
+                        <a:t>Building</a:t>
+                      </a:r>
+                      <a:r>
+                        <a:rPr lang="en-US" baseline="0" smtClean="0">
+                          <a:effectLst/>
+                        </a:rPr>
+                        <a:t> </a:t>
+                      </a:r>
+                      <a:endParaRPr lang="en-US" dirty="0">
+                        <a:effectLst/>
+                      </a:endParaRPr>
                     </a:p>
                   </a:txBody>
                   <a:tcPr marL="123825" marR="123825" marT="57150" marB="57150" anchor="ctr"/>
@@ -4624,7 +4656,7 @@
                 </a:tc>
                 <a:extLst>
                   <a:ext uri="{0D108BD9-81ED-4DB2-BD59-A6C34878D82A}">
-                    <a16:rowId xmlns="" xmlns:a16="http://schemas.microsoft.com/office/drawing/2014/main" val="864418350"/>
+                    <a16:rowId xmlns:a16="http://schemas.microsoft.com/office/drawing/2014/main" xmlns="" val="864418350"/>
                   </a:ext>
                 </a:extLst>
               </a:tr>
@@ -4747,7 +4779,7 @@
   <p:timing>
     <p:tnLst>
       <p:par>
-        <p:cTn xmlns:p14="http://schemas.microsoft.com/office/powerpoint/2010/main" id="1" dur="indefinite" restart="never" nodeType="tmRoot"/>
+        <p:cTn id="1" dur="indefinite" restart="never" nodeType="tmRoot"/>
       </p:par>
     </p:tnLst>
   </p:timing>
@@ -4810,7 +4842,7 @@
         </p:nvGraphicFramePr>
         <p:xfrm>
           <a:off x="609600" y="1600200"/>
-          <a:ext cx="10972800" cy="3182619"/>
+          <a:ext cx="10972800" cy="3182620"/>
         </p:xfrm>
         <a:graphic>
           <a:graphicData uri="http://schemas.openxmlformats.org/drawingml/2006/table">
@@ -4822,28 +4854,28 @@
                 <a:gridCol w="2743200">
                   <a:extLst>
                     <a:ext uri="{9D8B030D-6E8A-4147-A177-3AD203B41FA5}">
-                      <a16:colId xmlns="" xmlns:a16="http://schemas.microsoft.com/office/drawing/2014/main" val="4007007747"/>
+                      <a16:colId xmlns:a16="http://schemas.microsoft.com/office/drawing/2014/main" xmlns="" val="4007007747"/>
                     </a:ext>
                   </a:extLst>
                 </a:gridCol>
                 <a:gridCol w="2743200">
                   <a:extLst>
                     <a:ext uri="{9D8B030D-6E8A-4147-A177-3AD203B41FA5}">
-                      <a16:colId xmlns="" xmlns:a16="http://schemas.microsoft.com/office/drawing/2014/main" val="2089765381"/>
+                      <a16:colId xmlns:a16="http://schemas.microsoft.com/office/drawing/2014/main" xmlns="" val="2089765381"/>
                     </a:ext>
                   </a:extLst>
                 </a:gridCol>
                 <a:gridCol w="2743200">
                   <a:extLst>
                     <a:ext uri="{9D8B030D-6E8A-4147-A177-3AD203B41FA5}">
-                      <a16:colId xmlns="" xmlns:a16="http://schemas.microsoft.com/office/drawing/2014/main" val="2946535250"/>
+                      <a16:colId xmlns:a16="http://schemas.microsoft.com/office/drawing/2014/main" xmlns="" val="2946535250"/>
                     </a:ext>
                   </a:extLst>
                 </a:gridCol>
                 <a:gridCol w="2743200">
                   <a:extLst>
                     <a:ext uri="{9D8B030D-6E8A-4147-A177-3AD203B41FA5}">
-                      <a16:colId xmlns="" xmlns:a16="http://schemas.microsoft.com/office/drawing/2014/main" val="2232881725"/>
+                      <a16:colId xmlns:a16="http://schemas.microsoft.com/office/drawing/2014/main" xmlns="" val="2232881725"/>
                     </a:ext>
                   </a:extLst>
                 </a:gridCol>
@@ -4907,7 +4939,7 @@
                 </a:tc>
                 <a:extLst>
                   <a:ext uri="{0D108BD9-81ED-4DB2-BD59-A6C34878D82A}">
-                    <a16:rowId xmlns="" xmlns:a16="http://schemas.microsoft.com/office/drawing/2014/main" val="2585052838"/>
+                    <a16:rowId xmlns:a16="http://schemas.microsoft.com/office/drawing/2014/main" xmlns="" val="2585052838"/>
                   </a:ext>
                 </a:extLst>
               </a:tr>
@@ -4974,7 +5006,7 @@
                 </a:tc>
                 <a:extLst>
                   <a:ext uri="{0D108BD9-81ED-4DB2-BD59-A6C34878D82A}">
-                    <a16:rowId xmlns="" xmlns:a16="http://schemas.microsoft.com/office/drawing/2014/main" val="2440870835"/>
+                    <a16:rowId xmlns:a16="http://schemas.microsoft.com/office/drawing/2014/main" xmlns="" val="2440870835"/>
                   </a:ext>
                 </a:extLst>
               </a:tr>
@@ -5035,7 +5067,7 @@
                 </a:tc>
                 <a:extLst>
                   <a:ext uri="{0D108BD9-81ED-4DB2-BD59-A6C34878D82A}">
-                    <a16:rowId xmlns="" xmlns:a16="http://schemas.microsoft.com/office/drawing/2014/main" val="3880781591"/>
+                    <a16:rowId xmlns:a16="http://schemas.microsoft.com/office/drawing/2014/main" xmlns="" val="3880781591"/>
                   </a:ext>
                 </a:extLst>
               </a:tr>
@@ -5102,7 +5134,7 @@
                 </a:tc>
                 <a:extLst>
                   <a:ext uri="{0D108BD9-81ED-4DB2-BD59-A6C34878D82A}">
-                    <a16:rowId xmlns="" xmlns:a16="http://schemas.microsoft.com/office/drawing/2014/main" val="4195087847"/>
+                    <a16:rowId xmlns:a16="http://schemas.microsoft.com/office/drawing/2014/main" xmlns="" val="4195087847"/>
                   </a:ext>
                 </a:extLst>
               </a:tr>
@@ -5225,7 +5257,7 @@
   <p:timing>
     <p:tnLst>
       <p:par>
-        <p:cTn xmlns:p14="http://schemas.microsoft.com/office/powerpoint/2010/main" id="1" dur="indefinite" restart="never" nodeType="tmRoot"/>
+        <p:cTn id="1" dur="indefinite" restart="never" nodeType="tmRoot"/>
       </p:par>
     </p:tnLst>
   </p:timing>
@@ -5288,7 +5320,7 @@
         </p:nvGraphicFramePr>
         <p:xfrm>
           <a:off x="609600" y="1600200"/>
-          <a:ext cx="10972800" cy="3182619"/>
+          <a:ext cx="10972800" cy="3182620"/>
         </p:xfrm>
         <a:graphic>
           <a:graphicData uri="http://schemas.openxmlformats.org/drawingml/2006/table">
@@ -5300,28 +5332,28 @@
                 <a:gridCol w="2743200">
                   <a:extLst>
                     <a:ext uri="{9D8B030D-6E8A-4147-A177-3AD203B41FA5}">
-                      <a16:colId xmlns="" xmlns:a16="http://schemas.microsoft.com/office/drawing/2014/main" val="4007007747"/>
+                      <a16:colId xmlns:a16="http://schemas.microsoft.com/office/drawing/2014/main" xmlns="" val="4007007747"/>
                     </a:ext>
                   </a:extLst>
                 </a:gridCol>
                 <a:gridCol w="2743200">
                   <a:extLst>
                     <a:ext uri="{9D8B030D-6E8A-4147-A177-3AD203B41FA5}">
-                      <a16:colId xmlns="" xmlns:a16="http://schemas.microsoft.com/office/drawing/2014/main" val="2089765381"/>
+                      <a16:colId xmlns:a16="http://schemas.microsoft.com/office/drawing/2014/main" xmlns="" val="2089765381"/>
                     </a:ext>
                   </a:extLst>
                 </a:gridCol>
                 <a:gridCol w="2743200">
                   <a:extLst>
                     <a:ext uri="{9D8B030D-6E8A-4147-A177-3AD203B41FA5}">
-                      <a16:colId xmlns="" xmlns:a16="http://schemas.microsoft.com/office/drawing/2014/main" val="2946535250"/>
+                      <a16:colId xmlns:a16="http://schemas.microsoft.com/office/drawing/2014/main" xmlns="" val="2946535250"/>
                     </a:ext>
                   </a:extLst>
                 </a:gridCol>
                 <a:gridCol w="2743200">
                   <a:extLst>
                     <a:ext uri="{9D8B030D-6E8A-4147-A177-3AD203B41FA5}">
-                      <a16:colId xmlns="" xmlns:a16="http://schemas.microsoft.com/office/drawing/2014/main" val="2232881725"/>
+                      <a16:colId xmlns:a16="http://schemas.microsoft.com/office/drawing/2014/main" xmlns="" val="2232881725"/>
                     </a:ext>
                   </a:extLst>
                 </a:gridCol>
@@ -5385,7 +5417,7 @@
                 </a:tc>
                 <a:extLst>
                   <a:ext uri="{0D108BD9-81ED-4DB2-BD59-A6C34878D82A}">
-                    <a16:rowId xmlns="" xmlns:a16="http://schemas.microsoft.com/office/drawing/2014/main" val="2585052838"/>
+                    <a16:rowId xmlns:a16="http://schemas.microsoft.com/office/drawing/2014/main" xmlns="" val="2585052838"/>
                   </a:ext>
                 </a:extLst>
               </a:tr>
@@ -5452,7 +5484,7 @@
                 </a:tc>
                 <a:extLst>
                   <a:ext uri="{0D108BD9-81ED-4DB2-BD59-A6C34878D82A}">
-                    <a16:rowId xmlns="" xmlns:a16="http://schemas.microsoft.com/office/drawing/2014/main" val="2319653860"/>
+                    <a16:rowId xmlns:a16="http://schemas.microsoft.com/office/drawing/2014/main" xmlns="" val="2319653860"/>
                   </a:ext>
                 </a:extLst>
               </a:tr>
@@ -5513,7 +5545,7 @@
                 </a:tc>
                 <a:extLst>
                   <a:ext uri="{0D108BD9-81ED-4DB2-BD59-A6C34878D82A}">
-                    <a16:rowId xmlns="" xmlns:a16="http://schemas.microsoft.com/office/drawing/2014/main" val="2490656911"/>
+                    <a16:rowId xmlns:a16="http://schemas.microsoft.com/office/drawing/2014/main" xmlns="" val="2490656911"/>
                   </a:ext>
                 </a:extLst>
               </a:tr>
@@ -5580,7 +5612,7 @@
                 </a:tc>
                 <a:extLst>
                   <a:ext uri="{0D108BD9-81ED-4DB2-BD59-A6C34878D82A}">
-                    <a16:rowId xmlns="" xmlns:a16="http://schemas.microsoft.com/office/drawing/2014/main" val="281916472"/>
+                    <a16:rowId xmlns:a16="http://schemas.microsoft.com/office/drawing/2014/main" xmlns="" val="281916472"/>
                   </a:ext>
                 </a:extLst>
               </a:tr>
@@ -5703,7 +5735,7 @@
   <p:timing>
     <p:tnLst>
       <p:par>
-        <p:cTn xmlns:p14="http://schemas.microsoft.com/office/powerpoint/2010/main" id="1" dur="indefinite" restart="never" nodeType="tmRoot"/>
+        <p:cTn id="1" dur="indefinite" restart="never" nodeType="tmRoot"/>
       </p:par>
     </p:tnLst>
   </p:timing>
@@ -5778,28 +5810,28 @@
                 <a:gridCol w="2743200">
                   <a:extLst>
                     <a:ext uri="{9D8B030D-6E8A-4147-A177-3AD203B41FA5}">
-                      <a16:colId xmlns="" xmlns:a16="http://schemas.microsoft.com/office/drawing/2014/main" val="4007007747"/>
+                      <a16:colId xmlns:a16="http://schemas.microsoft.com/office/drawing/2014/main" xmlns="" val="4007007747"/>
                     </a:ext>
                   </a:extLst>
                 </a:gridCol>
                 <a:gridCol w="2743200">
                   <a:extLst>
                     <a:ext uri="{9D8B030D-6E8A-4147-A177-3AD203B41FA5}">
-                      <a16:colId xmlns="" xmlns:a16="http://schemas.microsoft.com/office/drawing/2014/main" val="2089765381"/>
+                      <a16:colId xmlns:a16="http://schemas.microsoft.com/office/drawing/2014/main" xmlns="" val="2089765381"/>
                     </a:ext>
                   </a:extLst>
                 </a:gridCol>
                 <a:gridCol w="2743200">
                   <a:extLst>
                     <a:ext uri="{9D8B030D-6E8A-4147-A177-3AD203B41FA5}">
-                      <a16:colId xmlns="" xmlns:a16="http://schemas.microsoft.com/office/drawing/2014/main" val="2946535250"/>
+                      <a16:colId xmlns:a16="http://schemas.microsoft.com/office/drawing/2014/main" xmlns="" val="2946535250"/>
                     </a:ext>
                   </a:extLst>
                 </a:gridCol>
                 <a:gridCol w="2743200">
                   <a:extLst>
                     <a:ext uri="{9D8B030D-6E8A-4147-A177-3AD203B41FA5}">
-                      <a16:colId xmlns="" xmlns:a16="http://schemas.microsoft.com/office/drawing/2014/main" val="2232881725"/>
+                      <a16:colId xmlns:a16="http://schemas.microsoft.com/office/drawing/2014/main" xmlns="" val="2232881725"/>
                     </a:ext>
                   </a:extLst>
                 </a:gridCol>
@@ -5863,7 +5895,7 @@
                 </a:tc>
                 <a:extLst>
                   <a:ext uri="{0D108BD9-81ED-4DB2-BD59-A6C34878D82A}">
-                    <a16:rowId xmlns="" xmlns:a16="http://schemas.microsoft.com/office/drawing/2014/main" val="2585052838"/>
+                    <a16:rowId xmlns:a16="http://schemas.microsoft.com/office/drawing/2014/main" xmlns="" val="2585052838"/>
                   </a:ext>
                 </a:extLst>
               </a:tr>
@@ -5930,7 +5962,7 @@
                 </a:tc>
                 <a:extLst>
                   <a:ext uri="{0D108BD9-81ED-4DB2-BD59-A6C34878D82A}">
-                    <a16:rowId xmlns="" xmlns:a16="http://schemas.microsoft.com/office/drawing/2014/main" val="3764811118"/>
+                    <a16:rowId xmlns:a16="http://schemas.microsoft.com/office/drawing/2014/main" xmlns="" val="3764811118"/>
                   </a:ext>
                 </a:extLst>
               </a:tr>
@@ -5997,7 +6029,7 @@
                 </a:tc>
                 <a:extLst>
                   <a:ext uri="{0D108BD9-81ED-4DB2-BD59-A6C34878D82A}">
-                    <a16:rowId xmlns="" xmlns:a16="http://schemas.microsoft.com/office/drawing/2014/main" val="14760046"/>
+                    <a16:rowId xmlns:a16="http://schemas.microsoft.com/office/drawing/2014/main" xmlns="" val="14760046"/>
                   </a:ext>
                 </a:extLst>
               </a:tr>
@@ -6064,7 +6096,7 @@
                 </a:tc>
                 <a:extLst>
                   <a:ext uri="{0D108BD9-81ED-4DB2-BD59-A6C34878D82A}">
-                    <a16:rowId xmlns="" xmlns:a16="http://schemas.microsoft.com/office/drawing/2014/main" val="1188642816"/>
+                    <a16:rowId xmlns:a16="http://schemas.microsoft.com/office/drawing/2014/main" xmlns="" val="1188642816"/>
                   </a:ext>
                 </a:extLst>
               </a:tr>
@@ -6128,7 +6160,7 @@
                 </a:tc>
                 <a:extLst>
                   <a:ext uri="{0D108BD9-81ED-4DB2-BD59-A6C34878D82A}">
-                    <a16:rowId xmlns="" xmlns:a16="http://schemas.microsoft.com/office/drawing/2014/main" val="297767302"/>
+                    <a16:rowId xmlns:a16="http://schemas.microsoft.com/office/drawing/2014/main" xmlns="" val="297767302"/>
                   </a:ext>
                 </a:extLst>
               </a:tr>
@@ -6251,7 +6283,7 @@
   <p:timing>
     <p:tnLst>
       <p:par>
-        <p:cTn xmlns:p14="http://schemas.microsoft.com/office/powerpoint/2010/main" id="1" dur="indefinite" restart="never" nodeType="tmRoot"/>
+        <p:cTn id="1" dur="indefinite" restart="never" nodeType="tmRoot"/>
       </p:par>
     </p:tnLst>
   </p:timing>
@@ -6314,7 +6346,7 @@
         </p:nvGraphicFramePr>
         <p:xfrm>
           <a:off x="609600" y="1600200"/>
-          <a:ext cx="10972800" cy="4622799"/>
+          <a:ext cx="10972800" cy="4622800"/>
         </p:xfrm>
         <a:graphic>
           <a:graphicData uri="http://schemas.openxmlformats.org/drawingml/2006/table">
@@ -6326,28 +6358,28 @@
                 <a:gridCol w="2743200">
                   <a:extLst>
                     <a:ext uri="{9D8B030D-6E8A-4147-A177-3AD203B41FA5}">
-                      <a16:colId xmlns="" xmlns:a16="http://schemas.microsoft.com/office/drawing/2014/main" val="4007007747"/>
+                      <a16:colId xmlns:a16="http://schemas.microsoft.com/office/drawing/2014/main" xmlns="" val="4007007747"/>
                     </a:ext>
                   </a:extLst>
                 </a:gridCol>
                 <a:gridCol w="2743200">
                   <a:extLst>
                     <a:ext uri="{9D8B030D-6E8A-4147-A177-3AD203B41FA5}">
-                      <a16:colId xmlns="" xmlns:a16="http://schemas.microsoft.com/office/drawing/2014/main" val="2089765381"/>
+                      <a16:colId xmlns:a16="http://schemas.microsoft.com/office/drawing/2014/main" xmlns="" val="2089765381"/>
                     </a:ext>
                   </a:extLst>
                 </a:gridCol>
                 <a:gridCol w="2743200">
                   <a:extLst>
                     <a:ext uri="{9D8B030D-6E8A-4147-A177-3AD203B41FA5}">
-                      <a16:colId xmlns="" xmlns:a16="http://schemas.microsoft.com/office/drawing/2014/main" val="2946535250"/>
+                      <a16:colId xmlns:a16="http://schemas.microsoft.com/office/drawing/2014/main" xmlns="" val="2946535250"/>
                     </a:ext>
                   </a:extLst>
                 </a:gridCol>
                 <a:gridCol w="2743200">
                   <a:extLst>
                     <a:ext uri="{9D8B030D-6E8A-4147-A177-3AD203B41FA5}">
-                      <a16:colId xmlns="" xmlns:a16="http://schemas.microsoft.com/office/drawing/2014/main" val="2232881725"/>
+                      <a16:colId xmlns:a16="http://schemas.microsoft.com/office/drawing/2014/main" xmlns="" val="2232881725"/>
                     </a:ext>
                   </a:extLst>
                 </a:gridCol>
@@ -6411,7 +6443,7 @@
                 </a:tc>
                 <a:extLst>
                   <a:ext uri="{0D108BD9-81ED-4DB2-BD59-A6C34878D82A}">
-                    <a16:rowId xmlns="" xmlns:a16="http://schemas.microsoft.com/office/drawing/2014/main" val="2585052838"/>
+                    <a16:rowId xmlns:a16="http://schemas.microsoft.com/office/drawing/2014/main" xmlns="" val="2585052838"/>
                   </a:ext>
                 </a:extLst>
               </a:tr>
@@ -6472,7 +6504,7 @@
                 </a:tc>
                 <a:extLst>
                   <a:ext uri="{0D108BD9-81ED-4DB2-BD59-A6C34878D82A}">
-                    <a16:rowId xmlns="" xmlns:a16="http://schemas.microsoft.com/office/drawing/2014/main" val="3714616697"/>
+                    <a16:rowId xmlns:a16="http://schemas.microsoft.com/office/drawing/2014/main" xmlns="" val="3714616697"/>
                   </a:ext>
                 </a:extLst>
               </a:tr>
@@ -6539,7 +6571,7 @@
                 </a:tc>
                 <a:extLst>
                   <a:ext uri="{0D108BD9-81ED-4DB2-BD59-A6C34878D82A}">
-                    <a16:rowId xmlns="" xmlns:a16="http://schemas.microsoft.com/office/drawing/2014/main" val="1340422060"/>
+                    <a16:rowId xmlns:a16="http://schemas.microsoft.com/office/drawing/2014/main" xmlns="" val="1340422060"/>
                   </a:ext>
                 </a:extLst>
               </a:tr>
@@ -6606,7 +6638,7 @@
                 </a:tc>
                 <a:extLst>
                   <a:ext uri="{0D108BD9-81ED-4DB2-BD59-A6C34878D82A}">
-                    <a16:rowId xmlns="" xmlns:a16="http://schemas.microsoft.com/office/drawing/2014/main" val="2564084175"/>
+                    <a16:rowId xmlns:a16="http://schemas.microsoft.com/office/drawing/2014/main" xmlns="" val="2564084175"/>
                   </a:ext>
                 </a:extLst>
               </a:tr>
@@ -6673,7 +6705,7 @@
                 </a:tc>
                 <a:extLst>
                   <a:ext uri="{0D108BD9-81ED-4DB2-BD59-A6C34878D82A}">
-                    <a16:rowId xmlns="" xmlns:a16="http://schemas.microsoft.com/office/drawing/2014/main" val="2775949887"/>
+                    <a16:rowId xmlns:a16="http://schemas.microsoft.com/office/drawing/2014/main" xmlns="" val="2775949887"/>
                   </a:ext>
                 </a:extLst>
               </a:tr>
@@ -6737,7 +6769,7 @@
                 </a:tc>
                 <a:extLst>
                   <a:ext uri="{0D108BD9-81ED-4DB2-BD59-A6C34878D82A}">
-                    <a16:rowId xmlns="" xmlns:a16="http://schemas.microsoft.com/office/drawing/2014/main" val="2549268092"/>
+                    <a16:rowId xmlns:a16="http://schemas.microsoft.com/office/drawing/2014/main" xmlns="" val="2549268092"/>
                   </a:ext>
                 </a:extLst>
               </a:tr>
@@ -6801,7 +6833,7 @@
                 </a:tc>
                 <a:extLst>
                   <a:ext uri="{0D108BD9-81ED-4DB2-BD59-A6C34878D82A}">
-                    <a16:rowId xmlns="" xmlns:a16="http://schemas.microsoft.com/office/drawing/2014/main" val="178318549"/>
+                    <a16:rowId xmlns:a16="http://schemas.microsoft.com/office/drawing/2014/main" xmlns="" val="178318549"/>
                   </a:ext>
                 </a:extLst>
               </a:tr>
@@ -6924,7 +6956,7 @@
   <p:timing>
     <p:tnLst>
       <p:par>
-        <p:cTn xmlns:p14="http://schemas.microsoft.com/office/powerpoint/2010/main" id="1" dur="indefinite" restart="never" nodeType="tmRoot"/>
+        <p:cTn id="1" dur="indefinite" restart="never" nodeType="tmRoot"/>
       </p:par>
     </p:tnLst>
   </p:timing>
@@ -7212,7 +7244,7 @@
   <p:timing>
     <p:tnLst>
       <p:par>
-        <p:cTn xmlns:p14="http://schemas.microsoft.com/office/powerpoint/2010/main" id="1" dur="indefinite" restart="never" nodeType="tmRoot"/>
+        <p:cTn id="1" dur="indefinite" restart="never" nodeType="tmRoot"/>
       </p:par>
     </p:tnLst>
   </p:timing>
@@ -7291,7 +7323,7 @@
           <a:noFill/>
           <a:extLst>
             <a:ext uri="{909E8E84-426E-40dd-AFC4-6F175D3DCCD1}">
-              <a14:hiddenFill xmlns:a14="http://schemas.microsoft.com/office/drawing/2010/main">
+              <a14:hiddenFill xmlns:a14="http://schemas.microsoft.com/office/drawing/2010/main" xmlns="">
                 <a:solidFill>
                   <a:srgbClr val="FFFFFF"/>
                 </a:solidFill>
@@ -7415,7 +7447,7 @@
   <p:timing>
     <p:tnLst>
       <p:par>
-        <p:cTn xmlns:p14="http://schemas.microsoft.com/office/powerpoint/2010/main" id="1" dur="indefinite" restart="never" nodeType="tmRoot"/>
+        <p:cTn id="1" dur="indefinite" restart="never" nodeType="tmRoot"/>
       </p:par>
     </p:tnLst>
   </p:timing>
@@ -7479,8 +7511,13 @@
           <a:p>
             <a:r>
               <a:rPr lang="en-US" dirty="0" smtClean="0"/>
-              <a:t>Penetration attacks</a:t>
-            </a:r>
+              <a:t>Penetration </a:t>
+            </a:r>
+            <a:r>
+              <a:rPr lang="en-US" dirty="0" smtClean="0"/>
+              <a:t>Attacks</a:t>
+            </a:r>
+            <a:endParaRPr lang="en-US" dirty="0" smtClean="0"/>
           </a:p>
           <a:p>
             <a:pPr lvl="1"/>
@@ -7492,21 +7529,24 @@
           <a:p>
             <a:r>
               <a:rPr lang="en-US" dirty="0" smtClean="0"/>
-              <a:t>Man in the middle attack</a:t>
-            </a:r>
+              <a:t>MITM Attack</a:t>
+            </a:r>
+            <a:endParaRPr lang="en-US" dirty="0" smtClean="0"/>
           </a:p>
           <a:p>
             <a:r>
               <a:rPr lang="en-US" dirty="0" smtClean="0"/>
-              <a:t>SQL injection</a:t>
-            </a:r>
-          </a:p>
-          <a:p>
+              <a:t>SQL </a:t>
+            </a:r>
+            <a:r>
+              <a:rPr lang="en-US" dirty="0"/>
+              <a:t>I</a:t>
+            </a:r>
             <a:r>
               <a:rPr lang="en-US" dirty="0" smtClean="0"/>
-              <a:t>Penetration attacks</a:t>
-            </a:r>
-            <a:endParaRPr lang="en-US" dirty="0"/>
+              <a:t>njection</a:t>
+            </a:r>
+            <a:endParaRPr lang="en-US" dirty="0" smtClean="0"/>
           </a:p>
         </p:txBody>
       </p:sp>
@@ -7690,7 +7730,7 @@
         </p:nvGraphicFramePr>
         <p:xfrm>
           <a:off x="609600" y="1600200"/>
-          <a:ext cx="10972800" cy="2565399"/>
+          <a:ext cx="10972800" cy="2565400"/>
         </p:xfrm>
         <a:graphic>
           <a:graphicData uri="http://schemas.openxmlformats.org/drawingml/2006/table">
@@ -8268,7 +8308,7 @@
   <p:timing>
     <p:tnLst>
       <p:par>
-        <p:cTn xmlns:p14="http://schemas.microsoft.com/office/powerpoint/2010/main" id="1" dur="indefinite" restart="never" nodeType="tmRoot"/>
+        <p:cTn id="1" dur="indefinite" restart="never" nodeType="tmRoot"/>
       </p:par>
     </p:tnLst>
   </p:timing>
@@ -8352,7 +8392,7 @@
           <a:noFill/>
           <a:extLst>
             <a:ext uri="{909E8E84-426E-40dd-AFC4-6F175D3DCCD1}">
-              <a14:hiddenFill xmlns:a14="http://schemas.microsoft.com/office/drawing/2010/main">
+              <a14:hiddenFill xmlns:a14="http://schemas.microsoft.com/office/drawing/2010/main" xmlns="">
                 <a:solidFill>
                   <a:srgbClr val="FFFFFF"/>
                 </a:solidFill>
@@ -8476,7 +8516,7 @@
   <p:timing>
     <p:tnLst>
       <p:par>
-        <p:cTn xmlns:p14="http://schemas.microsoft.com/office/powerpoint/2010/main" id="1" dur="indefinite" restart="never" nodeType="tmRoot"/>
+        <p:cTn id="1" dur="indefinite" restart="never" nodeType="tmRoot"/>
       </p:par>
     </p:tnLst>
   </p:timing>
@@ -8552,14 +8592,14 @@
                 <a:gridCol w="5486400">
                   <a:extLst>
                     <a:ext uri="{9D8B030D-6E8A-4147-A177-3AD203B41FA5}">
-                      <a16:colId xmlns="" xmlns:a16="http://schemas.microsoft.com/office/drawing/2014/main" val="4024214062"/>
+                      <a16:colId xmlns:a16="http://schemas.microsoft.com/office/drawing/2014/main" xmlns="" val="4024214062"/>
                     </a:ext>
                   </a:extLst>
                 </a:gridCol>
                 <a:gridCol w="5486400">
                   <a:extLst>
                     <a:ext uri="{9D8B030D-6E8A-4147-A177-3AD203B41FA5}">
-                      <a16:colId xmlns="" xmlns:a16="http://schemas.microsoft.com/office/drawing/2014/main" val="1838665537"/>
+                      <a16:colId xmlns:a16="http://schemas.microsoft.com/office/drawing/2014/main" xmlns="" val="1838665537"/>
                     </a:ext>
                   </a:extLst>
                 </a:gridCol>
@@ -8595,7 +8635,7 @@
                 </a:tc>
                 <a:extLst>
                   <a:ext uri="{0D108BD9-81ED-4DB2-BD59-A6C34878D82A}">
-                    <a16:rowId xmlns="" xmlns:a16="http://schemas.microsoft.com/office/drawing/2014/main" val="986279335"/>
+                    <a16:rowId xmlns:a16="http://schemas.microsoft.com/office/drawing/2014/main" xmlns="" val="986279335"/>
                   </a:ext>
                 </a:extLst>
               </a:tr>
@@ -8626,7 +8666,7 @@
                 </a:tc>
                 <a:extLst>
                   <a:ext uri="{0D108BD9-81ED-4DB2-BD59-A6C34878D82A}">
-                    <a16:rowId xmlns="" xmlns:a16="http://schemas.microsoft.com/office/drawing/2014/main" val="2649700066"/>
+                    <a16:rowId xmlns:a16="http://schemas.microsoft.com/office/drawing/2014/main" xmlns="" val="2649700066"/>
                   </a:ext>
                 </a:extLst>
               </a:tr>
@@ -8661,7 +8701,7 @@
                 </a:tc>
                 <a:extLst>
                   <a:ext uri="{0D108BD9-81ED-4DB2-BD59-A6C34878D82A}">
-                    <a16:rowId xmlns="" xmlns:a16="http://schemas.microsoft.com/office/drawing/2014/main" val="3650691391"/>
+                    <a16:rowId xmlns:a16="http://schemas.microsoft.com/office/drawing/2014/main" xmlns="" val="3650691391"/>
                   </a:ext>
                 </a:extLst>
               </a:tr>
@@ -8696,7 +8736,7 @@
                 </a:tc>
                 <a:extLst>
                   <a:ext uri="{0D108BD9-81ED-4DB2-BD59-A6C34878D82A}">
-                    <a16:rowId xmlns="" xmlns:a16="http://schemas.microsoft.com/office/drawing/2014/main" val="3717878835"/>
+                    <a16:rowId xmlns:a16="http://schemas.microsoft.com/office/drawing/2014/main" xmlns="" val="3717878835"/>
                   </a:ext>
                 </a:extLst>
               </a:tr>
@@ -8731,7 +8771,7 @@
                 </a:tc>
                 <a:extLst>
                   <a:ext uri="{0D108BD9-81ED-4DB2-BD59-A6C34878D82A}">
-                    <a16:rowId xmlns="" xmlns:a16="http://schemas.microsoft.com/office/drawing/2014/main" val="304909867"/>
+                    <a16:rowId xmlns:a16="http://schemas.microsoft.com/office/drawing/2014/main" xmlns="" val="304909867"/>
                   </a:ext>
                 </a:extLst>
               </a:tr>
@@ -8770,7 +8810,7 @@
                 </a:tc>
                 <a:extLst>
                   <a:ext uri="{0D108BD9-81ED-4DB2-BD59-A6C34878D82A}">
-                    <a16:rowId xmlns="" xmlns:a16="http://schemas.microsoft.com/office/drawing/2014/main" val="1562380615"/>
+                    <a16:rowId xmlns:a16="http://schemas.microsoft.com/office/drawing/2014/main" xmlns="" val="1562380615"/>
                   </a:ext>
                 </a:extLst>
               </a:tr>
@@ -8805,7 +8845,7 @@
                 </a:tc>
                 <a:extLst>
                   <a:ext uri="{0D108BD9-81ED-4DB2-BD59-A6C34878D82A}">
-                    <a16:rowId xmlns="" xmlns:a16="http://schemas.microsoft.com/office/drawing/2014/main" val="207666318"/>
+                    <a16:rowId xmlns:a16="http://schemas.microsoft.com/office/drawing/2014/main" xmlns="" val="207666318"/>
                   </a:ext>
                 </a:extLst>
               </a:tr>
@@ -8840,7 +8880,7 @@
                 </a:tc>
                 <a:extLst>
                   <a:ext uri="{0D108BD9-81ED-4DB2-BD59-A6C34878D82A}">
-                    <a16:rowId xmlns="" xmlns:a16="http://schemas.microsoft.com/office/drawing/2014/main" val="4219954106"/>
+                    <a16:rowId xmlns:a16="http://schemas.microsoft.com/office/drawing/2014/main" xmlns="" val="4219954106"/>
                   </a:ext>
                 </a:extLst>
               </a:tr>
@@ -8875,7 +8915,7 @@
                 </a:tc>
                 <a:extLst>
                   <a:ext uri="{0D108BD9-81ED-4DB2-BD59-A6C34878D82A}">
-                    <a16:rowId xmlns="" xmlns:a16="http://schemas.microsoft.com/office/drawing/2014/main" val="2908311740"/>
+                    <a16:rowId xmlns:a16="http://schemas.microsoft.com/office/drawing/2014/main" xmlns="" val="2908311740"/>
                   </a:ext>
                 </a:extLst>
               </a:tr>
@@ -8909,7 +8949,7 @@
                 </a:tc>
                 <a:extLst>
                   <a:ext uri="{0D108BD9-81ED-4DB2-BD59-A6C34878D82A}">
-                    <a16:rowId xmlns="" xmlns:a16="http://schemas.microsoft.com/office/drawing/2014/main" val="2041197959"/>
+                    <a16:rowId xmlns:a16="http://schemas.microsoft.com/office/drawing/2014/main" xmlns="" val="2041197959"/>
                   </a:ext>
                 </a:extLst>
               </a:tr>
@@ -8943,7 +8983,7 @@
                 </a:tc>
                 <a:extLst>
                   <a:ext uri="{0D108BD9-81ED-4DB2-BD59-A6C34878D82A}">
-                    <a16:rowId xmlns="" xmlns:a16="http://schemas.microsoft.com/office/drawing/2014/main" val="1620820458"/>
+                    <a16:rowId xmlns:a16="http://schemas.microsoft.com/office/drawing/2014/main" xmlns="" val="1620820458"/>
                   </a:ext>
                 </a:extLst>
               </a:tr>
@@ -9066,7 +9106,7 @@
   <p:timing>
     <p:tnLst>
       <p:par>
-        <p:cTn xmlns:p14="http://schemas.microsoft.com/office/powerpoint/2010/main" id="1" dur="indefinite" restart="never" nodeType="tmRoot"/>
+        <p:cTn id="1" dur="indefinite" restart="never" nodeType="tmRoot"/>
       </p:par>
     </p:tnLst>
   </p:timing>
@@ -9142,14 +9182,14 @@
                 <a:gridCol w="5486400">
                   <a:extLst>
                     <a:ext uri="{9D8B030D-6E8A-4147-A177-3AD203B41FA5}">
-                      <a16:colId xmlns="" xmlns:a16="http://schemas.microsoft.com/office/drawing/2014/main" val="4024214062"/>
+                      <a16:colId xmlns:a16="http://schemas.microsoft.com/office/drawing/2014/main" xmlns="" val="4024214062"/>
                     </a:ext>
                   </a:extLst>
                 </a:gridCol>
                 <a:gridCol w="5486400">
                   <a:extLst>
                     <a:ext uri="{9D8B030D-6E8A-4147-A177-3AD203B41FA5}">
-                      <a16:colId xmlns="" xmlns:a16="http://schemas.microsoft.com/office/drawing/2014/main" val="1838665537"/>
+                      <a16:colId xmlns:a16="http://schemas.microsoft.com/office/drawing/2014/main" xmlns="" val="1838665537"/>
                     </a:ext>
                   </a:extLst>
                 </a:gridCol>
@@ -9181,7 +9221,7 @@
                 </a:tc>
                 <a:extLst>
                   <a:ext uri="{0D108BD9-81ED-4DB2-BD59-A6C34878D82A}">
-                    <a16:rowId xmlns="" xmlns:a16="http://schemas.microsoft.com/office/drawing/2014/main" val="986279335"/>
+                    <a16:rowId xmlns:a16="http://schemas.microsoft.com/office/drawing/2014/main" xmlns="" val="986279335"/>
                   </a:ext>
                 </a:extLst>
               </a:tr>
@@ -9212,7 +9252,7 @@
                 </a:tc>
                 <a:extLst>
                   <a:ext uri="{0D108BD9-81ED-4DB2-BD59-A6C34878D82A}">
-                    <a16:rowId xmlns="" xmlns:a16="http://schemas.microsoft.com/office/drawing/2014/main" val="2649700066"/>
+                    <a16:rowId xmlns:a16="http://schemas.microsoft.com/office/drawing/2014/main" xmlns="" val="2649700066"/>
                   </a:ext>
                 </a:extLst>
               </a:tr>
@@ -9247,7 +9287,7 @@
                 </a:tc>
                 <a:extLst>
                   <a:ext uri="{0D108BD9-81ED-4DB2-BD59-A6C34878D82A}">
-                    <a16:rowId xmlns="" xmlns:a16="http://schemas.microsoft.com/office/drawing/2014/main" val="309961168"/>
+                    <a16:rowId xmlns:a16="http://schemas.microsoft.com/office/drawing/2014/main" xmlns="" val="309961168"/>
                   </a:ext>
                 </a:extLst>
               </a:tr>
@@ -9282,7 +9322,7 @@
                 </a:tc>
                 <a:extLst>
                   <a:ext uri="{0D108BD9-81ED-4DB2-BD59-A6C34878D82A}">
-                    <a16:rowId xmlns="" xmlns:a16="http://schemas.microsoft.com/office/drawing/2014/main" val="1746750848"/>
+                    <a16:rowId xmlns:a16="http://schemas.microsoft.com/office/drawing/2014/main" xmlns="" val="1746750848"/>
                   </a:ext>
                 </a:extLst>
               </a:tr>
@@ -9317,7 +9357,7 @@
                 </a:tc>
                 <a:extLst>
                   <a:ext uri="{0D108BD9-81ED-4DB2-BD59-A6C34878D82A}">
-                    <a16:rowId xmlns="" xmlns:a16="http://schemas.microsoft.com/office/drawing/2014/main" val="2287252683"/>
+                    <a16:rowId xmlns:a16="http://schemas.microsoft.com/office/drawing/2014/main" xmlns="" val="2287252683"/>
                   </a:ext>
                 </a:extLst>
               </a:tr>
@@ -9352,7 +9392,7 @@
                 </a:tc>
                 <a:extLst>
                   <a:ext uri="{0D108BD9-81ED-4DB2-BD59-A6C34878D82A}">
-                    <a16:rowId xmlns="" xmlns:a16="http://schemas.microsoft.com/office/drawing/2014/main" val="3931255069"/>
+                    <a16:rowId xmlns:a16="http://schemas.microsoft.com/office/drawing/2014/main" xmlns="" val="3931255069"/>
                   </a:ext>
                 </a:extLst>
               </a:tr>
@@ -9387,7 +9427,7 @@
                 </a:tc>
                 <a:extLst>
                   <a:ext uri="{0D108BD9-81ED-4DB2-BD59-A6C34878D82A}">
-                    <a16:rowId xmlns="" xmlns:a16="http://schemas.microsoft.com/office/drawing/2014/main" val="3016523529"/>
+                    <a16:rowId xmlns:a16="http://schemas.microsoft.com/office/drawing/2014/main" xmlns="" val="3016523529"/>
                   </a:ext>
                 </a:extLst>
               </a:tr>
@@ -9422,7 +9462,7 @@
                 </a:tc>
                 <a:extLst>
                   <a:ext uri="{0D108BD9-81ED-4DB2-BD59-A6C34878D82A}">
-                    <a16:rowId xmlns="" xmlns:a16="http://schemas.microsoft.com/office/drawing/2014/main" val="3948036698"/>
+                    <a16:rowId xmlns:a16="http://schemas.microsoft.com/office/drawing/2014/main" xmlns="" val="3948036698"/>
                   </a:ext>
                 </a:extLst>
               </a:tr>
@@ -9457,7 +9497,7 @@
                 </a:tc>
                 <a:extLst>
                   <a:ext uri="{0D108BD9-81ED-4DB2-BD59-A6C34878D82A}">
-                    <a16:rowId xmlns="" xmlns:a16="http://schemas.microsoft.com/office/drawing/2014/main" val="1862235874"/>
+                    <a16:rowId xmlns:a16="http://schemas.microsoft.com/office/drawing/2014/main" xmlns="" val="1862235874"/>
                   </a:ext>
                 </a:extLst>
               </a:tr>
@@ -9492,7 +9532,7 @@
                 </a:tc>
                 <a:extLst>
                   <a:ext uri="{0D108BD9-81ED-4DB2-BD59-A6C34878D82A}">
-                    <a16:rowId xmlns="" xmlns:a16="http://schemas.microsoft.com/office/drawing/2014/main" val="1952473074"/>
+                    <a16:rowId xmlns:a16="http://schemas.microsoft.com/office/drawing/2014/main" xmlns="" val="1952473074"/>
                   </a:ext>
                 </a:extLst>
               </a:tr>
@@ -9527,7 +9567,7 @@
                 </a:tc>
                 <a:extLst>
                   <a:ext uri="{0D108BD9-81ED-4DB2-BD59-A6C34878D82A}">
-                    <a16:rowId xmlns="" xmlns:a16="http://schemas.microsoft.com/office/drawing/2014/main" val="3794391533"/>
+                    <a16:rowId xmlns:a16="http://schemas.microsoft.com/office/drawing/2014/main" xmlns="" val="3794391533"/>
                   </a:ext>
                 </a:extLst>
               </a:tr>
@@ -9562,7 +9602,7 @@
                 </a:tc>
                 <a:extLst>
                   <a:ext uri="{0D108BD9-81ED-4DB2-BD59-A6C34878D82A}">
-                    <a16:rowId xmlns="" xmlns:a16="http://schemas.microsoft.com/office/drawing/2014/main" val="4213279396"/>
+                    <a16:rowId xmlns:a16="http://schemas.microsoft.com/office/drawing/2014/main" xmlns="" val="4213279396"/>
                   </a:ext>
                 </a:extLst>
               </a:tr>
@@ -9685,7 +9725,7 @@
   <p:timing>
     <p:tnLst>
       <p:par>
-        <p:cTn xmlns:p14="http://schemas.microsoft.com/office/powerpoint/2010/main" id="1" dur="indefinite" restart="never" nodeType="tmRoot"/>
+        <p:cTn id="1" dur="indefinite" restart="never" nodeType="tmRoot"/>
       </p:par>
     </p:tnLst>
   </p:timing>
@@ -9761,14 +9801,14 @@
                 <a:gridCol w="5486400">
                   <a:extLst>
                     <a:ext uri="{9D8B030D-6E8A-4147-A177-3AD203B41FA5}">
-                      <a16:colId xmlns="" xmlns:a16="http://schemas.microsoft.com/office/drawing/2014/main" val="3661438328"/>
+                      <a16:colId xmlns:a16="http://schemas.microsoft.com/office/drawing/2014/main" xmlns="" val="3661438328"/>
                     </a:ext>
                   </a:extLst>
                 </a:gridCol>
                 <a:gridCol w="5486400">
                   <a:extLst>
                     <a:ext uri="{9D8B030D-6E8A-4147-A177-3AD203B41FA5}">
-                      <a16:colId xmlns="" xmlns:a16="http://schemas.microsoft.com/office/drawing/2014/main" val="2462084561"/>
+                      <a16:colId xmlns:a16="http://schemas.microsoft.com/office/drawing/2014/main" xmlns="" val="2462084561"/>
                     </a:ext>
                   </a:extLst>
                 </a:gridCol>
@@ -9804,7 +9844,7 @@
                 </a:tc>
                 <a:extLst>
                   <a:ext uri="{0D108BD9-81ED-4DB2-BD59-A6C34878D82A}">
-                    <a16:rowId xmlns="" xmlns:a16="http://schemas.microsoft.com/office/drawing/2014/main" val="2830022487"/>
+                    <a16:rowId xmlns:a16="http://schemas.microsoft.com/office/drawing/2014/main" xmlns="" val="2830022487"/>
                   </a:ext>
                 </a:extLst>
               </a:tr>
@@ -9839,7 +9879,7 @@
                 </a:tc>
                 <a:extLst>
                   <a:ext uri="{0D108BD9-81ED-4DB2-BD59-A6C34878D82A}">
-                    <a16:rowId xmlns="" xmlns:a16="http://schemas.microsoft.com/office/drawing/2014/main" val="3462792300"/>
+                    <a16:rowId xmlns:a16="http://schemas.microsoft.com/office/drawing/2014/main" xmlns="" val="3462792300"/>
                   </a:ext>
                 </a:extLst>
               </a:tr>
@@ -9882,7 +9922,7 @@
                 </a:tc>
                 <a:extLst>
                   <a:ext uri="{0D108BD9-81ED-4DB2-BD59-A6C34878D82A}">
-                    <a16:rowId xmlns="" xmlns:a16="http://schemas.microsoft.com/office/drawing/2014/main" val="3061581558"/>
+                    <a16:rowId xmlns:a16="http://schemas.microsoft.com/office/drawing/2014/main" xmlns="" val="3061581558"/>
                   </a:ext>
                 </a:extLst>
               </a:tr>
@@ -9933,7 +9973,7 @@
                 </a:tc>
                 <a:extLst>
                   <a:ext uri="{0D108BD9-81ED-4DB2-BD59-A6C34878D82A}">
-                    <a16:rowId xmlns="" xmlns:a16="http://schemas.microsoft.com/office/drawing/2014/main" val="742086977"/>
+                    <a16:rowId xmlns:a16="http://schemas.microsoft.com/office/drawing/2014/main" xmlns="" val="742086977"/>
                   </a:ext>
                 </a:extLst>
               </a:tr>
@@ -9972,7 +10012,7 @@
                 </a:tc>
                 <a:extLst>
                   <a:ext uri="{0D108BD9-81ED-4DB2-BD59-A6C34878D82A}">
-                    <a16:rowId xmlns="" xmlns:a16="http://schemas.microsoft.com/office/drawing/2014/main" val="2361850435"/>
+                    <a16:rowId xmlns:a16="http://schemas.microsoft.com/office/drawing/2014/main" xmlns="" val="2361850435"/>
                   </a:ext>
                 </a:extLst>
               </a:tr>
@@ -10015,7 +10055,7 @@
                 </a:tc>
                 <a:extLst>
                   <a:ext uri="{0D108BD9-81ED-4DB2-BD59-A6C34878D82A}">
-                    <a16:rowId xmlns="" xmlns:a16="http://schemas.microsoft.com/office/drawing/2014/main" val="2876776749"/>
+                    <a16:rowId xmlns:a16="http://schemas.microsoft.com/office/drawing/2014/main" xmlns="" val="2876776749"/>
                   </a:ext>
                 </a:extLst>
               </a:tr>
@@ -10050,7 +10090,7 @@
                 </a:tc>
                 <a:extLst>
                   <a:ext uri="{0D108BD9-81ED-4DB2-BD59-A6C34878D82A}">
-                    <a16:rowId xmlns="" xmlns:a16="http://schemas.microsoft.com/office/drawing/2014/main" val="2847548840"/>
+                    <a16:rowId xmlns:a16="http://schemas.microsoft.com/office/drawing/2014/main" xmlns="" val="2847548840"/>
                   </a:ext>
                 </a:extLst>
               </a:tr>
@@ -10089,7 +10129,7 @@
                 </a:tc>
                 <a:extLst>
                   <a:ext uri="{0D108BD9-81ED-4DB2-BD59-A6C34878D82A}">
-                    <a16:rowId xmlns="" xmlns:a16="http://schemas.microsoft.com/office/drawing/2014/main" val="1662843150"/>
+                    <a16:rowId xmlns:a16="http://schemas.microsoft.com/office/drawing/2014/main" xmlns="" val="1662843150"/>
                   </a:ext>
                 </a:extLst>
               </a:tr>
@@ -10212,7 +10252,7 @@
   <p:timing>
     <p:tnLst>
       <p:par>
-        <p:cTn xmlns:p14="http://schemas.microsoft.com/office/powerpoint/2010/main" id="1" dur="indefinite" restart="never" nodeType="tmRoot"/>
+        <p:cTn id="1" dur="indefinite" restart="never" nodeType="tmRoot"/>
       </p:par>
     </p:tnLst>
   </p:timing>
@@ -10404,7 +10444,7 @@
   <p:timing>
     <p:tnLst>
       <p:par>
-        <p:cTn xmlns:p14="http://schemas.microsoft.com/office/powerpoint/2010/main" id="1" dur="indefinite" restart="never" nodeType="tmRoot"/>
+        <p:cTn id="1" dur="indefinite" restart="never" nodeType="tmRoot"/>
       </p:par>
     </p:tnLst>
   </p:timing>
@@ -10480,28 +10520,28 @@
                 <a:gridCol w="2743200">
                   <a:extLst>
                     <a:ext uri="{9D8B030D-6E8A-4147-A177-3AD203B41FA5}">
-                      <a16:colId xmlns="" xmlns:a16="http://schemas.microsoft.com/office/drawing/2014/main" val="4007007747"/>
+                      <a16:colId xmlns:a16="http://schemas.microsoft.com/office/drawing/2014/main" xmlns="" val="4007007747"/>
                     </a:ext>
                   </a:extLst>
                 </a:gridCol>
                 <a:gridCol w="2743200">
                   <a:extLst>
                     <a:ext uri="{9D8B030D-6E8A-4147-A177-3AD203B41FA5}">
-                      <a16:colId xmlns="" xmlns:a16="http://schemas.microsoft.com/office/drawing/2014/main" val="2089765381"/>
+                      <a16:colId xmlns:a16="http://schemas.microsoft.com/office/drawing/2014/main" xmlns="" val="2089765381"/>
                     </a:ext>
                   </a:extLst>
                 </a:gridCol>
                 <a:gridCol w="2743200">
                   <a:extLst>
                     <a:ext uri="{9D8B030D-6E8A-4147-A177-3AD203B41FA5}">
-                      <a16:colId xmlns="" xmlns:a16="http://schemas.microsoft.com/office/drawing/2014/main" val="2946535250"/>
+                      <a16:colId xmlns:a16="http://schemas.microsoft.com/office/drawing/2014/main" xmlns="" val="2946535250"/>
                     </a:ext>
                   </a:extLst>
                 </a:gridCol>
                 <a:gridCol w="2743200">
                   <a:extLst>
                     <a:ext uri="{9D8B030D-6E8A-4147-A177-3AD203B41FA5}">
-                      <a16:colId xmlns="" xmlns:a16="http://schemas.microsoft.com/office/drawing/2014/main" val="2232881725"/>
+                      <a16:colId xmlns:a16="http://schemas.microsoft.com/office/drawing/2014/main" xmlns="" val="2232881725"/>
                     </a:ext>
                   </a:extLst>
                 </a:gridCol>
@@ -10565,7 +10605,7 @@
                 </a:tc>
                 <a:extLst>
                   <a:ext uri="{0D108BD9-81ED-4DB2-BD59-A6C34878D82A}">
-                    <a16:rowId xmlns="" xmlns:a16="http://schemas.microsoft.com/office/drawing/2014/main" val="2585052838"/>
+                    <a16:rowId xmlns:a16="http://schemas.microsoft.com/office/drawing/2014/main" xmlns="" val="2585052838"/>
                   </a:ext>
                 </a:extLst>
               </a:tr>
@@ -10632,7 +10672,7 @@
                 </a:tc>
                 <a:extLst>
                   <a:ext uri="{0D108BD9-81ED-4DB2-BD59-A6C34878D82A}">
-                    <a16:rowId xmlns="" xmlns:a16="http://schemas.microsoft.com/office/drawing/2014/main" val="1152342311"/>
+                    <a16:rowId xmlns:a16="http://schemas.microsoft.com/office/drawing/2014/main" xmlns="" val="1152342311"/>
                   </a:ext>
                 </a:extLst>
               </a:tr>
@@ -10699,7 +10739,7 @@
                 </a:tc>
                 <a:extLst>
                   <a:ext uri="{0D108BD9-81ED-4DB2-BD59-A6C34878D82A}">
-                    <a16:rowId xmlns="" xmlns:a16="http://schemas.microsoft.com/office/drawing/2014/main" val="2957515265"/>
+                    <a16:rowId xmlns:a16="http://schemas.microsoft.com/office/drawing/2014/main" xmlns="" val="2957515265"/>
                   </a:ext>
                 </a:extLst>
               </a:tr>
@@ -10822,7 +10862,7 @@
   <p:timing>
     <p:tnLst>
       <p:par>
-        <p:cTn xmlns:p14="http://schemas.microsoft.com/office/powerpoint/2010/main" id="1" dur="indefinite" restart="never" nodeType="tmRoot"/>
+        <p:cTn id="1" dur="indefinite" restart="never" nodeType="tmRoot"/>
       </p:par>
     </p:tnLst>
   </p:timing>
@@ -10898,28 +10938,28 @@
                 <a:gridCol w="2743200">
                   <a:extLst>
                     <a:ext uri="{9D8B030D-6E8A-4147-A177-3AD203B41FA5}">
-                      <a16:colId xmlns="" xmlns:a16="http://schemas.microsoft.com/office/drawing/2014/main" val="4007007747"/>
+                      <a16:colId xmlns:a16="http://schemas.microsoft.com/office/drawing/2014/main" xmlns="" val="4007007747"/>
                     </a:ext>
                   </a:extLst>
                 </a:gridCol>
                 <a:gridCol w="2743200">
                   <a:extLst>
                     <a:ext uri="{9D8B030D-6E8A-4147-A177-3AD203B41FA5}">
-                      <a16:colId xmlns="" xmlns:a16="http://schemas.microsoft.com/office/drawing/2014/main" val="2089765381"/>
+                      <a16:colId xmlns:a16="http://schemas.microsoft.com/office/drawing/2014/main" xmlns="" val="2089765381"/>
                     </a:ext>
                   </a:extLst>
                 </a:gridCol>
                 <a:gridCol w="2743200">
                   <a:extLst>
                     <a:ext uri="{9D8B030D-6E8A-4147-A177-3AD203B41FA5}">
-                      <a16:colId xmlns="" xmlns:a16="http://schemas.microsoft.com/office/drawing/2014/main" val="2946535250"/>
+                      <a16:colId xmlns:a16="http://schemas.microsoft.com/office/drawing/2014/main" xmlns="" val="2946535250"/>
                     </a:ext>
                   </a:extLst>
                 </a:gridCol>
                 <a:gridCol w="2743200">
                   <a:extLst>
                     <a:ext uri="{9D8B030D-6E8A-4147-A177-3AD203B41FA5}">
-                      <a16:colId xmlns="" xmlns:a16="http://schemas.microsoft.com/office/drawing/2014/main" val="2232881725"/>
+                      <a16:colId xmlns:a16="http://schemas.microsoft.com/office/drawing/2014/main" xmlns="" val="2232881725"/>
                     </a:ext>
                   </a:extLst>
                 </a:gridCol>
@@ -10983,7 +11023,7 @@
                 </a:tc>
                 <a:extLst>
                   <a:ext uri="{0D108BD9-81ED-4DB2-BD59-A6C34878D82A}">
-                    <a16:rowId xmlns="" xmlns:a16="http://schemas.microsoft.com/office/drawing/2014/main" val="2585052838"/>
+                    <a16:rowId xmlns:a16="http://schemas.microsoft.com/office/drawing/2014/main" xmlns="" val="2585052838"/>
                   </a:ext>
                 </a:extLst>
               </a:tr>
@@ -11050,7 +11090,7 @@
                 </a:tc>
                 <a:extLst>
                   <a:ext uri="{0D108BD9-81ED-4DB2-BD59-A6C34878D82A}">
-                    <a16:rowId xmlns="" xmlns:a16="http://schemas.microsoft.com/office/drawing/2014/main" val="3190619547"/>
+                    <a16:rowId xmlns:a16="http://schemas.microsoft.com/office/drawing/2014/main" xmlns="" val="3190619547"/>
                   </a:ext>
                 </a:extLst>
               </a:tr>
@@ -11111,7 +11151,7 @@
                 </a:tc>
                 <a:extLst>
                   <a:ext uri="{0D108BD9-81ED-4DB2-BD59-A6C34878D82A}">
-                    <a16:rowId xmlns="" xmlns:a16="http://schemas.microsoft.com/office/drawing/2014/main" val="1767920701"/>
+                    <a16:rowId xmlns:a16="http://schemas.microsoft.com/office/drawing/2014/main" xmlns="" val="1767920701"/>
                   </a:ext>
                 </a:extLst>
               </a:tr>
@@ -11178,7 +11218,7 @@
                 </a:tc>
                 <a:extLst>
                   <a:ext uri="{0D108BD9-81ED-4DB2-BD59-A6C34878D82A}">
-                    <a16:rowId xmlns="" xmlns:a16="http://schemas.microsoft.com/office/drawing/2014/main" val="1045687176"/>
+                    <a16:rowId xmlns:a16="http://schemas.microsoft.com/office/drawing/2014/main" xmlns="" val="1045687176"/>
                   </a:ext>
                 </a:extLst>
               </a:tr>
@@ -11245,7 +11285,7 @@
                 </a:tc>
                 <a:extLst>
                   <a:ext uri="{0D108BD9-81ED-4DB2-BD59-A6C34878D82A}">
-                    <a16:rowId xmlns="" xmlns:a16="http://schemas.microsoft.com/office/drawing/2014/main" val="2351577163"/>
+                    <a16:rowId xmlns:a16="http://schemas.microsoft.com/office/drawing/2014/main" xmlns="" val="2351577163"/>
                   </a:ext>
                 </a:extLst>
               </a:tr>
@@ -11312,7 +11352,7 @@
                 </a:tc>
                 <a:extLst>
                   <a:ext uri="{0D108BD9-81ED-4DB2-BD59-A6C34878D82A}">
-                    <a16:rowId xmlns="" xmlns:a16="http://schemas.microsoft.com/office/drawing/2014/main" val="3050760200"/>
+                    <a16:rowId xmlns:a16="http://schemas.microsoft.com/office/drawing/2014/main" xmlns="" val="3050760200"/>
                   </a:ext>
                 </a:extLst>
               </a:tr>
@@ -11435,7 +11475,7 @@
   <p:timing>
     <p:tnLst>
       <p:par>
-        <p:cTn xmlns:p14="http://schemas.microsoft.com/office/powerpoint/2010/main" id="1" dur="indefinite" restart="never" nodeType="tmRoot"/>
+        <p:cTn id="1" dur="indefinite" restart="never" nodeType="tmRoot"/>
       </p:par>
     </p:tnLst>
   </p:timing>
@@ -11704,7 +11744,7 @@
   <a:extraClrSchemeLst/>
   <a:extLst>
     <a:ext uri="{05A4C25C-085E-4340-85A3-A5531E510DB2}">
-      <thm15:themeFamily xmlns="" xmlns:thm15="http://schemas.microsoft.com/office/thememl/2012/main" name="Company background presentation" id="{7C18907C-4901-42BD-8F2C-E63B32C9DCA3}" vid="{B4FC953D-0C69-4290-95E2-4EA0E2E67DEC}"/>
+      <thm15:themeFamily xmlns:thm15="http://schemas.microsoft.com/office/thememl/2012/main" name="Company background presentation" id="{7C18907C-4901-42BD-8F2C-E63B32C9DCA3}" vid="{B4FC953D-0C69-4290-95E2-4EA0E2E67DEC}"/>
     </a:ext>
   </a:extLst>
 </a:theme>
@@ -11965,7 +12005,7 @@
   <a:extraClrSchemeLst/>
   <a:extLst>
     <a:ext uri="{05A4C25C-085E-4340-85A3-A5531E510DB2}">
-      <thm15:themeFamily xmlns="" xmlns:thm15="http://schemas.microsoft.com/office/thememl/2012/main" name="Office Theme" id="{62F939B6-93AF-4DB8-9C6B-D6C7DFDC589F}" vid="{4A3C46E8-61CC-4603-A589-7422A47A8E4A}"/>
+      <thm15:themeFamily xmlns:thm15="http://schemas.microsoft.com/office/thememl/2012/main" name="Office Theme" id="{62F939B6-93AF-4DB8-9C6B-D6C7DFDC589F}" vid="{4A3C46E8-61CC-4603-A589-7422A47A8E4A}"/>
     </a:ext>
   </a:extLst>
 </a:theme>
@@ -12226,7 +12266,7 @@
   <a:extraClrSchemeLst/>
   <a:extLst>
     <a:ext uri="{05A4C25C-085E-4340-85A3-A5531E510DB2}">
-      <thm15:themeFamily xmlns="" xmlns:thm15="http://schemas.microsoft.com/office/thememl/2012/main" name="Office Theme" id="{62F939B6-93AF-4DB8-9C6B-D6C7DFDC589F}" vid="{4A3C46E8-61CC-4603-A589-7422A47A8E4A}"/>
+      <thm15:themeFamily xmlns:thm15="http://schemas.microsoft.com/office/thememl/2012/main" name="Office Theme" id="{62F939B6-93AF-4DB8-9C6B-D6C7DFDC589F}" vid="{4A3C46E8-61CC-4603-A589-7422A47A8E4A}"/>
     </a:ext>
   </a:extLst>
 </a:theme>

--- a/Presentation1.pptx
+++ b/Presentation1.pptx
@@ -5,10 +5,10 @@
     <p:sldMasterId id="2147483672" r:id="rId2"/>
   </p:sldMasterIdLst>
   <p:notesMasterIdLst>
-    <p:notesMasterId r:id="rId21"/>
+    <p:notesMasterId r:id="rId15"/>
   </p:notesMasterIdLst>
   <p:handoutMasterIdLst>
-    <p:handoutMasterId r:id="rId22"/>
+    <p:handoutMasterId r:id="rId16"/>
   </p:handoutMasterIdLst>
   <p:sldIdLst>
     <p:sldId id="270" r:id="rId3"/>
@@ -17,18 +17,12 @@
     <p:sldId id="273" r:id="rId6"/>
     <p:sldId id="274" r:id="rId7"/>
     <p:sldId id="275" r:id="rId8"/>
-    <p:sldId id="287" r:id="rId9"/>
-    <p:sldId id="276" r:id="rId10"/>
-    <p:sldId id="277" r:id="rId11"/>
-    <p:sldId id="278" r:id="rId12"/>
-    <p:sldId id="279" r:id="rId13"/>
-    <p:sldId id="280" r:id="rId14"/>
-    <p:sldId id="281" r:id="rId15"/>
-    <p:sldId id="282" r:id="rId16"/>
-    <p:sldId id="284" r:id="rId17"/>
-    <p:sldId id="283" r:id="rId18"/>
-    <p:sldId id="285" r:id="rId19"/>
-    <p:sldId id="286" r:id="rId20"/>
+    <p:sldId id="276" r:id="rId9"/>
+    <p:sldId id="282" r:id="rId10"/>
+    <p:sldId id="284" r:id="rId11"/>
+    <p:sldId id="283" r:id="rId12"/>
+    <p:sldId id="285" r:id="rId13"/>
+    <p:sldId id="286" r:id="rId14"/>
   </p:sldIdLst>
   <p:sldSz cx="12192000" cy="6858000"/>
   <p:notesSz cx="6858000" cy="9144000"/>
@@ -129,7 +123,7 @@
   </p:defaultTextStyle>
   <p:extLst>
     <p:ext uri="{EFAFB233-063F-42B5-8137-9DF3F51BA10A}">
-      <p15:sldGuideLst xmlns:p15="http://schemas.microsoft.com/office/powerpoint/2012/main">
+      <p15:sldGuideLst xmlns:p15="http://schemas.microsoft.com/office/powerpoint/2012/main" xmlns="">
         <p15:guide id="1" orient="horz" pos="2160">
           <p15:clr>
             <a:srgbClr val="A4A3A4"/>
@@ -143,7 +137,7 @@
       </p15:sldGuideLst>
     </p:ext>
     <p:ext uri="{2D200454-40CA-4A62-9FC3-DE9A4176ACB9}">
-      <p15:notesGuideLst xmlns:p15="http://schemas.microsoft.com/office/powerpoint/2012/main"/>
+      <p15:notesGuideLst xmlns:p15="http://schemas.microsoft.com/office/powerpoint/2012/main" xmlns=""/>
     </p:ext>
   </p:extLst>
 </p:presentation>
@@ -231,7 +225,7 @@
           <a:p>
             <a:fld id="{65700FC0-9E7A-4C53-8A3B-3C3C9A736C42}" type="datetimeFigureOut">
               <a:rPr lang="en-US" smtClean="0"/>
-              <a:t>4/5/17</a:t>
+              <a:t>4/17/17</a:t>
             </a:fld>
             <a:endParaRPr lang="en-US"/>
           </a:p>
@@ -396,7 +390,7 @@
           <a:p>
             <a:fld id="{8AF122B6-E47E-4A80-A9F3-23FD10D674FE}" type="datetimeFigureOut">
               <a:rPr lang="en-US" smtClean="0"/>
-              <a:t>4/5/17</a:t>
+              <a:t>4/17/17</a:t>
             </a:fld>
             <a:endParaRPr lang="en-US"/>
           </a:p>
@@ -707,7 +701,7 @@
             <a:fld id="{349BF3EA-1A78-4F07-BDC0-C8A1BD461199}" type="datetimeFigureOut">
               <a:rPr lang="en-US" smtClean="0"/>
               <a:pPr/>
-              <a:t>4/5/17</a:t>
+              <a:t>4/17/17</a:t>
             </a:fld>
             <a:endParaRPr lang="en-US"/>
           </a:p>
@@ -1068,7 +1062,7 @@
           <a:p>
             <a:fld id="{349BF3EA-1A78-4F07-BDC0-C8A1BD461199}" type="datetimeFigureOut">
               <a:rPr lang="en-US" smtClean="0"/>
-              <a:t>4/5/17</a:t>
+              <a:t>4/17/17</a:t>
             </a:fld>
             <a:endParaRPr lang="en-US"/>
           </a:p>
@@ -1266,7 +1260,7 @@
           <a:p>
             <a:fld id="{349BF3EA-1A78-4F07-BDC0-C8A1BD461199}" type="datetimeFigureOut">
               <a:rPr lang="en-US" smtClean="0"/>
-              <a:t>4/5/17</a:t>
+              <a:t>4/17/17</a:t>
             </a:fld>
             <a:endParaRPr lang="en-US"/>
           </a:p>
@@ -1514,7 +1508,7 @@
           <a:p>
             <a:fld id="{349BF3EA-1A78-4F07-BDC0-C8A1BD461199}" type="datetimeFigureOut">
               <a:rPr lang="en-US" smtClean="0"/>
-              <a:t>4/5/17</a:t>
+              <a:t>4/17/17</a:t>
             </a:fld>
             <a:endParaRPr lang="en-US"/>
           </a:p>
@@ -1785,7 +1779,7 @@
           <a:p>
             <a:fld id="{349BF3EA-1A78-4F07-BDC0-C8A1BD461199}" type="datetimeFigureOut">
               <a:rPr lang="en-US" smtClean="0"/>
-              <a:t>4/5/17</a:t>
+              <a:t>4/17/17</a:t>
             </a:fld>
             <a:endParaRPr lang="en-US"/>
           </a:p>
@@ -2156,7 +2150,7 @@
           <a:p>
             <a:fld id="{349BF3EA-1A78-4F07-BDC0-C8A1BD461199}" type="datetimeFigureOut">
               <a:rPr lang="en-US" smtClean="0"/>
-              <a:t>4/5/17</a:t>
+              <a:t>4/17/17</a:t>
             </a:fld>
             <a:endParaRPr lang="en-US"/>
           </a:p>
@@ -2487,7 +2481,7 @@
           <a:p>
             <a:fld id="{349BF3EA-1A78-4F07-BDC0-C8A1BD461199}" type="datetimeFigureOut">
               <a:rPr lang="en-US" smtClean="0"/>
-              <a:t>4/5/17</a:t>
+              <a:t>4/17/17</a:t>
             </a:fld>
             <a:endParaRPr lang="en-US"/>
           </a:p>
@@ -2742,7 +2736,7 @@
           <a:p>
             <a:fld id="{349BF3EA-1A78-4F07-BDC0-C8A1BD461199}" type="datetimeFigureOut">
               <a:rPr lang="en-US" smtClean="0"/>
-              <a:t>4/5/17</a:t>
+              <a:t>4/17/17</a:t>
             </a:fld>
             <a:endParaRPr lang="en-US"/>
           </a:p>
@@ -2849,7 +2843,7 @@
           <a:p>
             <a:fld id="{349BF3EA-1A78-4F07-BDC0-C8A1BD461199}" type="datetimeFigureOut">
               <a:rPr lang="en-US" smtClean="0"/>
-              <a:t>4/5/17</a:t>
+              <a:t>4/17/17</a:t>
             </a:fld>
             <a:endParaRPr lang="en-US"/>
           </a:p>
@@ -3148,7 +3142,7 @@
           <a:p>
             <a:fld id="{349BF3EA-1A78-4F07-BDC0-C8A1BD461199}" type="datetimeFigureOut">
               <a:rPr lang="en-US" smtClean="0"/>
-              <a:t>4/5/17</a:t>
+              <a:t>4/17/17</a:t>
             </a:fld>
             <a:endParaRPr lang="en-US"/>
           </a:p>
@@ -3436,7 +3430,7 @@
           <a:p>
             <a:fld id="{349BF3EA-1A78-4F07-BDC0-C8A1BD461199}" type="datetimeFigureOut">
               <a:rPr lang="en-US" smtClean="0"/>
-              <a:t>4/5/17</a:t>
+              <a:t>4/17/17</a:t>
             </a:fld>
             <a:endParaRPr lang="en-US"/>
           </a:p>
@@ -3566,7 +3560,7 @@
             <a:fld id="{349BF3EA-1A78-4F07-BDC0-C8A1BD461199}" type="datetimeFigureOut">
               <a:rPr lang="en-US" smtClean="0"/>
               <a:pPr/>
-              <a:t>4/5/17</a:t>
+              <a:t>4/17/17</a:t>
             </a:fld>
             <a:endParaRPr lang="en-US"/>
           </a:p>
@@ -3897,7 +3891,7 @@
   <p:timing>
     <p:tnLst>
       <p:par>
-        <p:cTn id="1" dur="indefinite" restart="never" nodeType="tmRoot"/>
+        <p:cTn xmlns:p14="http://schemas.microsoft.com/office/powerpoint/2010/main" id="1" dur="indefinite" restart="never" nodeType="tmRoot"/>
       </p:par>
     </p:tnLst>
   </p:timing>
@@ -4280,7 +4274,7 @@
   <p:timing>
     <p:tnLst>
       <p:par>
-        <p:cTn id="1" dur="indefinite" restart="never" nodeType="tmRoot"/>
+        <p:cTn xmlns:p14="http://schemas.microsoft.com/office/powerpoint/2010/main" id="1" dur="indefinite" restart="never" nodeType="tmRoot"/>
       </p:par>
     </p:tnLst>
   </p:timing>
@@ -4288,2970 +4282,6 @@
 </file>
 
 <file path=ppt/slides/slide10.xml><?xml version="1.0" encoding="utf-8"?>
-<p:sld xmlns:a="http://schemas.openxmlformats.org/drawingml/2006/main" xmlns:r="http://schemas.openxmlformats.org/officeDocument/2006/relationships" xmlns:p="http://schemas.openxmlformats.org/presentationml/2006/main">
-  <p:cSld>
-    <p:spTree>
-      <p:nvGrpSpPr>
-        <p:cNvPr id="1" name=""/>
-        <p:cNvGrpSpPr/>
-        <p:nvPr/>
-      </p:nvGrpSpPr>
-      <p:grpSpPr>
-        <a:xfrm>
-          <a:off x="0" y="0"/>
-          <a:ext cx="0" cy="0"/>
-          <a:chOff x="0" y="0"/>
-          <a:chExt cx="0" cy="0"/>
-        </a:xfrm>
-      </p:grpSpPr>
-      <p:sp>
-        <p:nvSpPr>
-          <p:cNvPr id="2" name="Title 1"/>
-          <p:cNvSpPr>
-            <a:spLocks noGrp="1"/>
-          </p:cNvSpPr>
-          <p:nvPr>
-            <p:ph type="title"/>
-          </p:nvPr>
-        </p:nvSpPr>
-        <p:spPr/>
-        <p:txBody>
-          <a:bodyPr/>
-          <a:lstStyle/>
-          <a:p>
-            <a:r>
-              <a:rPr lang="en-US" dirty="0"/>
-              <a:t>Effort Estimate Assumptions</a:t>
-            </a:r>
-          </a:p>
-        </p:txBody>
-      </p:sp>
-      <p:graphicFrame>
-        <p:nvGraphicFramePr>
-          <p:cNvPr id="4" name="Content Placeholder 3"/>
-          <p:cNvGraphicFramePr>
-            <a:graphicFrameLocks noGrp="1"/>
-          </p:cNvGraphicFramePr>
-          <p:nvPr>
-            <p:ph idx="1"/>
-            <p:extLst>
-              <p:ext uri="{D42A27DB-BD31-4B8C-83A1-F6EECF244321}">
-                <p14:modId xmlns:p14="http://schemas.microsoft.com/office/powerpoint/2010/main" val="1934685410"/>
-              </p:ext>
-            </p:extLst>
-          </p:nvPr>
-        </p:nvGraphicFramePr>
-        <p:xfrm>
-          <a:off x="609600" y="1600200"/>
-          <a:ext cx="10972800" cy="2908300"/>
-        </p:xfrm>
-        <a:graphic>
-          <a:graphicData uri="http://schemas.openxmlformats.org/drawingml/2006/table">
-            <a:tbl>
-              <a:tblPr firstRow="1" bandRow="1">
-                <a:tableStyleId>{5C22544A-7EE6-4342-B048-85BDC9FD1C3A}</a:tableStyleId>
-              </a:tblPr>
-              <a:tblGrid>
-                <a:gridCol w="2743200">
-                  <a:extLst>
-                    <a:ext uri="{9D8B030D-6E8A-4147-A177-3AD203B41FA5}">
-                      <a16:colId xmlns:a16="http://schemas.microsoft.com/office/drawing/2014/main" xmlns="" val="4007007747"/>
-                    </a:ext>
-                  </a:extLst>
-                </a:gridCol>
-                <a:gridCol w="2743200">
-                  <a:extLst>
-                    <a:ext uri="{9D8B030D-6E8A-4147-A177-3AD203B41FA5}">
-                      <a16:colId xmlns:a16="http://schemas.microsoft.com/office/drawing/2014/main" xmlns="" val="2089765381"/>
-                    </a:ext>
-                  </a:extLst>
-                </a:gridCol>
-                <a:gridCol w="2743200">
-                  <a:extLst>
-                    <a:ext uri="{9D8B030D-6E8A-4147-A177-3AD203B41FA5}">
-                      <a16:colId xmlns:a16="http://schemas.microsoft.com/office/drawing/2014/main" xmlns="" val="2946535250"/>
-                    </a:ext>
-                  </a:extLst>
-                </a:gridCol>
-                <a:gridCol w="2743200">
-                  <a:extLst>
-                    <a:ext uri="{9D8B030D-6E8A-4147-A177-3AD203B41FA5}">
-                      <a16:colId xmlns:a16="http://schemas.microsoft.com/office/drawing/2014/main" xmlns="" val="2232881725"/>
-                    </a:ext>
-                  </a:extLst>
-                </a:gridCol>
-              </a:tblGrid>
-              <a:tr h="370840">
-                <a:tc>
-                  <a:txBody>
-                    <a:bodyPr/>
-                    <a:lstStyle/>
-                    <a:p>
-                      <a:r>
-                        <a:rPr lang="en-US" dirty="0" smtClean="0"/>
-                        <a:t>Screen/Report</a:t>
-                      </a:r>
-                      <a:endParaRPr lang="en-US" dirty="0"/>
-                    </a:p>
-                  </a:txBody>
-                  <a:tcPr/>
-                </a:tc>
-                <a:tc>
-                  <a:txBody>
-                    <a:bodyPr/>
-                    <a:lstStyle/>
-                    <a:p>
-                      <a:r>
-                        <a:rPr lang="en-US" dirty="0" smtClean="0"/>
-                        <a:t>Complexity</a:t>
-                      </a:r>
-                      <a:endParaRPr lang="en-US" dirty="0"/>
-                    </a:p>
-                  </a:txBody>
-                  <a:tcPr/>
-                </a:tc>
-                <a:tc>
-                  <a:txBody>
-                    <a:bodyPr/>
-                    <a:lstStyle/>
-                    <a:p>
-                      <a:r>
-                        <a:rPr lang="en-US" dirty="0" smtClean="0"/>
-                        <a:t>Object Points</a:t>
-                      </a:r>
-                      <a:endParaRPr lang="en-US" dirty="0"/>
-                    </a:p>
-                  </a:txBody>
-                  <a:tcPr/>
-                </a:tc>
-                <a:tc>
-                  <a:txBody>
-                    <a:bodyPr/>
-                    <a:lstStyle/>
-                    <a:p>
-                      <a:r>
-                        <a:rPr lang="en-US" dirty="0" smtClean="0"/>
-                        <a:t>Notes</a:t>
-                      </a:r>
-                      <a:endParaRPr lang="en-US" dirty="0"/>
-                    </a:p>
-                  </a:txBody>
-                  <a:tcPr/>
-                </a:tc>
-                <a:extLst>
-                  <a:ext uri="{0D108BD9-81ED-4DB2-BD59-A6C34878D82A}">
-                    <a16:rowId xmlns:a16="http://schemas.microsoft.com/office/drawing/2014/main" xmlns="" val="2585052838"/>
-                  </a:ext>
-                </a:extLst>
-              </a:tr>
-              <a:tr h="370840">
-                <a:tc>
-                  <a:txBody>
-                    <a:bodyPr/>
-                    <a:lstStyle/>
-                    <a:p>
-                      <a:r>
-                        <a:rPr lang="en-US" dirty="0">
-                          <a:effectLst/>
-                        </a:rPr>
-                        <a:t>Take Building Tour</a:t>
-                      </a:r>
-                    </a:p>
-                  </a:txBody>
-                  <a:tcPr marL="123825" marR="123825" marT="57150" marB="57150" anchor="ctr"/>
-                </a:tc>
-                <a:tc>
-                  <a:txBody>
-                    <a:bodyPr/>
-                    <a:lstStyle/>
-                    <a:p>
-                      <a:r>
-                        <a:rPr lang="en-US">
-                          <a:effectLst/>
-                        </a:rPr>
-                        <a:t>2</a:t>
-                      </a:r>
-                    </a:p>
-                  </a:txBody>
-                  <a:tcPr marL="123825" marR="123825" marT="57150" marB="57150" anchor="ctr"/>
-                </a:tc>
-                <a:tc>
-                  <a:txBody>
-                    <a:bodyPr/>
-                    <a:lstStyle/>
-                    <a:p>
-                      <a:r>
-                        <a:rPr lang="en-US">
-                          <a:effectLst/>
-                        </a:rPr>
-                        <a:t>2</a:t>
-                      </a:r>
-                    </a:p>
-                  </a:txBody>
-                  <a:tcPr marL="123825" marR="123825" marT="57150" marB="57150" anchor="ctr"/>
-                </a:tc>
-                <a:tc>
-                  <a:txBody>
-                    <a:bodyPr/>
-                    <a:lstStyle/>
-                    <a:p>
-                      <a:r>
-                        <a:rPr lang="en-US">
-                          <a:effectLst/>
-                        </a:rPr>
-                        <a:t>Screen will be constructed by Drury's location and individual location from data source.</a:t>
-                      </a:r>
-                    </a:p>
-                  </a:txBody>
-                  <a:tcPr marL="123825" marR="123825" marT="57150" marB="57150" anchor="ctr"/>
-                </a:tc>
-                <a:extLst>
-                  <a:ext uri="{0D108BD9-81ED-4DB2-BD59-A6C34878D82A}">
-                    <a16:rowId xmlns:a16="http://schemas.microsoft.com/office/drawing/2014/main" xmlns="" val="4002715652"/>
-                  </a:ext>
-                </a:extLst>
-              </a:tr>
-              <a:tr h="370840">
-                <a:tc>
-                  <a:txBody>
-                    <a:bodyPr/>
-                    <a:lstStyle/>
-                    <a:p>
-                      <a:r>
-                        <a:rPr lang="en-US" b="1">
-                          <a:effectLst/>
-                        </a:rPr>
-                        <a:t>Subscreen</a:t>
-                      </a:r>
-                      <a:endParaRPr lang="en-US">
-                        <a:effectLst/>
-                      </a:endParaRPr>
-                    </a:p>
-                  </a:txBody>
-                  <a:tcPr marL="123825" marR="123825" marT="57150" marB="57150" anchor="ctr"/>
-                </a:tc>
-                <a:tc>
-                  <a:txBody>
-                    <a:bodyPr/>
-                    <a:lstStyle/>
-                    <a:p>
-                      <a:endParaRPr lang="en-US">
-                        <a:effectLst/>
-                      </a:endParaRPr>
-                    </a:p>
-                  </a:txBody>
-                  <a:tcPr marL="123825" marR="123825" marT="57150" marB="57150" anchor="ctr"/>
-                </a:tc>
-                <a:tc>
-                  <a:txBody>
-                    <a:bodyPr/>
-                    <a:lstStyle/>
-                    <a:p>
-                      <a:endParaRPr lang="en-US">
-                        <a:effectLst/>
-                      </a:endParaRPr>
-                    </a:p>
-                  </a:txBody>
-                  <a:tcPr marL="123825" marR="123825" marT="57150" marB="57150" anchor="ctr"/>
-                </a:tc>
-                <a:tc>
-                  <a:txBody>
-                    <a:bodyPr/>
-                    <a:lstStyle/>
-                    <a:p>
-                      <a:endParaRPr lang="en-US">
-                        <a:effectLst/>
-                      </a:endParaRPr>
-                    </a:p>
-                  </a:txBody>
-                  <a:tcPr marL="123825" marR="123825" marT="57150" marB="57150" anchor="ctr"/>
-                </a:tc>
-                <a:extLst>
-                  <a:ext uri="{0D108BD9-81ED-4DB2-BD59-A6C34878D82A}">
-                    <a16:rowId xmlns:a16="http://schemas.microsoft.com/office/drawing/2014/main" xmlns="" val="2947406717"/>
-                  </a:ext>
-                </a:extLst>
-              </a:tr>
-              <a:tr h="370840">
-                <a:tc>
-                  <a:txBody>
-                    <a:bodyPr/>
-                    <a:lstStyle/>
-                    <a:p>
-                      <a:r>
-                        <a:rPr lang="en-US" dirty="0">
-                          <a:effectLst/>
-                        </a:rPr>
-                        <a:t>Read </a:t>
-                      </a:r>
-                      <a:r>
-                        <a:rPr lang="en-US">
-                          <a:effectLst/>
-                        </a:rPr>
-                        <a:t>About </a:t>
-                      </a:r>
-                      <a:r>
-                        <a:rPr lang="en-US" smtClean="0">
-                          <a:effectLst/>
-                        </a:rPr>
-                        <a:t>Building</a:t>
-                      </a:r>
-                      <a:r>
-                        <a:rPr lang="en-US" baseline="0" smtClean="0">
-                          <a:effectLst/>
-                        </a:rPr>
-                        <a:t> </a:t>
-                      </a:r>
-                      <a:endParaRPr lang="en-US" dirty="0">
-                        <a:effectLst/>
-                      </a:endParaRPr>
-                    </a:p>
-                  </a:txBody>
-                  <a:tcPr marL="123825" marR="123825" marT="57150" marB="57150" anchor="ctr"/>
-                </a:tc>
-                <a:tc>
-                  <a:txBody>
-                    <a:bodyPr/>
-                    <a:lstStyle/>
-                    <a:p>
-                      <a:r>
-                        <a:rPr lang="en-US">
-                          <a:effectLst/>
-                        </a:rPr>
-                        <a:t>1</a:t>
-                      </a:r>
-                    </a:p>
-                  </a:txBody>
-                  <a:tcPr marL="123825" marR="123825" marT="57150" marB="57150" anchor="ctr"/>
-                </a:tc>
-                <a:tc>
-                  <a:txBody>
-                    <a:bodyPr/>
-                    <a:lstStyle/>
-                    <a:p>
-                      <a:r>
-                        <a:rPr lang="en-US">
-                          <a:effectLst/>
-                        </a:rPr>
-                        <a:t>1</a:t>
-                      </a:r>
-                    </a:p>
-                  </a:txBody>
-                  <a:tcPr marL="123825" marR="123825" marT="57150" marB="57150" anchor="ctr"/>
-                </a:tc>
-                <a:tc>
-                  <a:txBody>
-                    <a:bodyPr/>
-                    <a:lstStyle/>
-                    <a:p>
-                      <a:r>
-                        <a:rPr lang="en-US" dirty="0">
-                          <a:effectLst/>
-                        </a:rPr>
-                        <a:t>Simple text with some images on screen.</a:t>
-                      </a:r>
-                    </a:p>
-                  </a:txBody>
-                  <a:tcPr marL="123825" marR="123825" marT="57150" marB="57150" anchor="ctr"/>
-                </a:tc>
-                <a:extLst>
-                  <a:ext uri="{0D108BD9-81ED-4DB2-BD59-A6C34878D82A}">
-                    <a16:rowId xmlns:a16="http://schemas.microsoft.com/office/drawing/2014/main" xmlns="" val="864418350"/>
-                  </a:ext>
-                </a:extLst>
-              </a:tr>
-            </a:tbl>
-          </a:graphicData>
-        </a:graphic>
-      </p:graphicFrame>
-      <p:pic>
-        <p:nvPicPr>
-          <p:cNvPr id="5" name="Picture 4" descr="TeamLogo.png"/>
-          <p:cNvPicPr>
-            <a:picLocks noChangeAspect="1"/>
-          </p:cNvPicPr>
-          <p:nvPr/>
-        </p:nvPicPr>
-        <p:blipFill>
-          <a:blip r:embed="rId2">
-            <a:extLst>
-              <a:ext uri="{28A0092B-C50C-407E-A947-70E740481C1C}">
-                <a14:useLocalDpi xmlns:a14="http://schemas.microsoft.com/office/drawing/2010/main" val="0"/>
-              </a:ext>
-            </a:extLst>
-          </a:blip>
-          <a:stretch>
-            <a:fillRect/>
-          </a:stretch>
-        </p:blipFill>
-        <p:spPr>
-          <a:xfrm>
-            <a:off x="11220623" y="206756"/>
-            <a:ext cx="742103" cy="989471"/>
-          </a:xfrm>
-          <a:prstGeom prst="rect">
-            <a:avLst/>
-          </a:prstGeom>
-        </p:spPr>
-      </p:pic>
-      <p:sp>
-        <p:nvSpPr>
-          <p:cNvPr id="6" name="TextBox 5"/>
-          <p:cNvSpPr txBox="1"/>
-          <p:nvPr/>
-        </p:nvSpPr>
-        <p:spPr>
-          <a:xfrm>
-            <a:off x="1122291" y="6335573"/>
-            <a:ext cx="1629623" cy="369332"/>
-          </a:xfrm>
-          <a:prstGeom prst="rect">
-            <a:avLst/>
-          </a:prstGeom>
-          <a:noFill/>
-        </p:spPr>
-        <p:txBody>
-          <a:bodyPr wrap="none" rtlCol="0">
-            <a:spAutoFit/>
-          </a:bodyPr>
-          <a:lstStyle/>
-          <a:p>
-            <a:r>
-              <a:rPr lang="en-US" dirty="0" smtClean="0"/>
-              <a:t>Code Monkey</a:t>
-            </a:r>
-            <a:endParaRPr lang="en-US" dirty="0"/>
-          </a:p>
-        </p:txBody>
-      </p:sp>
-      <p:sp>
-        <p:nvSpPr>
-          <p:cNvPr id="7" name="TextBox 6"/>
-          <p:cNvSpPr txBox="1"/>
-          <p:nvPr/>
-        </p:nvSpPr>
-        <p:spPr>
-          <a:xfrm>
-            <a:off x="9499907" y="6369826"/>
-            <a:ext cx="1478703" cy="369332"/>
-          </a:xfrm>
-          <a:prstGeom prst="rect">
-            <a:avLst/>
-          </a:prstGeom>
-          <a:noFill/>
-        </p:spPr>
-        <p:txBody>
-          <a:bodyPr wrap="none" rtlCol="0">
-            <a:spAutoFit/>
-          </a:bodyPr>
-          <a:lstStyle/>
-          <a:p>
-            <a:r>
-              <a:rPr lang="en-US" dirty="0" smtClean="0"/>
-              <a:t>April 5, 2017</a:t>
-            </a:r>
-            <a:endParaRPr lang="en-US" dirty="0"/>
-          </a:p>
-        </p:txBody>
-      </p:sp>
-    </p:spTree>
-    <p:extLst>
-      <p:ext uri="{BB962C8B-B14F-4D97-AF65-F5344CB8AC3E}">
-        <p14:creationId xmlns:p14="http://schemas.microsoft.com/office/powerpoint/2010/main" val="2519909124"/>
-      </p:ext>
-    </p:extLst>
-  </p:cSld>
-  <p:clrMapOvr>
-    <a:masterClrMapping/>
-  </p:clrMapOvr>
-  <mc:AlternateContent xmlns:mc="http://schemas.openxmlformats.org/markup-compatibility/2006" xmlns:p14="http://schemas.microsoft.com/office/powerpoint/2010/main">
-    <mc:Choice Requires="p14">
-      <p:transition spd="med" p14:dur="700">
-        <p:fade/>
-      </p:transition>
-    </mc:Choice>
-    <mc:Fallback xmlns="">
-      <p:transition spd="med">
-        <p:fade/>
-      </p:transition>
-    </mc:Fallback>
-  </mc:AlternateContent>
-  <p:timing>
-    <p:tnLst>
-      <p:par>
-        <p:cTn id="1" dur="indefinite" restart="never" nodeType="tmRoot"/>
-      </p:par>
-    </p:tnLst>
-  </p:timing>
-</p:sld>
-</file>
-
-<file path=ppt/slides/slide11.xml><?xml version="1.0" encoding="utf-8"?>
-<p:sld xmlns:a="http://schemas.openxmlformats.org/drawingml/2006/main" xmlns:r="http://schemas.openxmlformats.org/officeDocument/2006/relationships" xmlns:p="http://schemas.openxmlformats.org/presentationml/2006/main">
-  <p:cSld>
-    <p:spTree>
-      <p:nvGrpSpPr>
-        <p:cNvPr id="1" name=""/>
-        <p:cNvGrpSpPr/>
-        <p:nvPr/>
-      </p:nvGrpSpPr>
-      <p:grpSpPr>
-        <a:xfrm>
-          <a:off x="0" y="0"/>
-          <a:ext cx="0" cy="0"/>
-          <a:chOff x="0" y="0"/>
-          <a:chExt cx="0" cy="0"/>
-        </a:xfrm>
-      </p:grpSpPr>
-      <p:sp>
-        <p:nvSpPr>
-          <p:cNvPr id="2" name="Title 1"/>
-          <p:cNvSpPr>
-            <a:spLocks noGrp="1"/>
-          </p:cNvSpPr>
-          <p:nvPr>
-            <p:ph type="title"/>
-          </p:nvPr>
-        </p:nvSpPr>
-        <p:spPr/>
-        <p:txBody>
-          <a:bodyPr/>
-          <a:lstStyle/>
-          <a:p>
-            <a:r>
-              <a:rPr lang="en-US" dirty="0"/>
-              <a:t>Effort Estimate Assumptions</a:t>
-            </a:r>
-          </a:p>
-        </p:txBody>
-      </p:sp>
-      <p:graphicFrame>
-        <p:nvGraphicFramePr>
-          <p:cNvPr id="4" name="Content Placeholder 3"/>
-          <p:cNvGraphicFramePr>
-            <a:graphicFrameLocks noGrp="1"/>
-          </p:cNvGraphicFramePr>
-          <p:nvPr>
-            <p:ph idx="1"/>
-            <p:extLst>
-              <p:ext uri="{D42A27DB-BD31-4B8C-83A1-F6EECF244321}">
-                <p14:modId xmlns:p14="http://schemas.microsoft.com/office/powerpoint/2010/main" val="3756915691"/>
-              </p:ext>
-            </p:extLst>
-          </p:nvPr>
-        </p:nvGraphicFramePr>
-        <p:xfrm>
-          <a:off x="609600" y="1600200"/>
-          <a:ext cx="10972800" cy="3182620"/>
-        </p:xfrm>
-        <a:graphic>
-          <a:graphicData uri="http://schemas.openxmlformats.org/drawingml/2006/table">
-            <a:tbl>
-              <a:tblPr firstRow="1" bandRow="1">
-                <a:tableStyleId>{5C22544A-7EE6-4342-B048-85BDC9FD1C3A}</a:tableStyleId>
-              </a:tblPr>
-              <a:tblGrid>
-                <a:gridCol w="2743200">
-                  <a:extLst>
-                    <a:ext uri="{9D8B030D-6E8A-4147-A177-3AD203B41FA5}">
-                      <a16:colId xmlns:a16="http://schemas.microsoft.com/office/drawing/2014/main" xmlns="" val="4007007747"/>
-                    </a:ext>
-                  </a:extLst>
-                </a:gridCol>
-                <a:gridCol w="2743200">
-                  <a:extLst>
-                    <a:ext uri="{9D8B030D-6E8A-4147-A177-3AD203B41FA5}">
-                      <a16:colId xmlns:a16="http://schemas.microsoft.com/office/drawing/2014/main" xmlns="" val="2089765381"/>
-                    </a:ext>
-                  </a:extLst>
-                </a:gridCol>
-                <a:gridCol w="2743200">
-                  <a:extLst>
-                    <a:ext uri="{9D8B030D-6E8A-4147-A177-3AD203B41FA5}">
-                      <a16:colId xmlns:a16="http://schemas.microsoft.com/office/drawing/2014/main" xmlns="" val="2946535250"/>
-                    </a:ext>
-                  </a:extLst>
-                </a:gridCol>
-                <a:gridCol w="2743200">
-                  <a:extLst>
-                    <a:ext uri="{9D8B030D-6E8A-4147-A177-3AD203B41FA5}">
-                      <a16:colId xmlns:a16="http://schemas.microsoft.com/office/drawing/2014/main" xmlns="" val="2232881725"/>
-                    </a:ext>
-                  </a:extLst>
-                </a:gridCol>
-              </a:tblGrid>
-              <a:tr h="370840">
-                <a:tc>
-                  <a:txBody>
-                    <a:bodyPr/>
-                    <a:lstStyle/>
-                    <a:p>
-                      <a:r>
-                        <a:rPr lang="en-US" dirty="0" smtClean="0"/>
-                        <a:t>Screen/Report</a:t>
-                      </a:r>
-                      <a:endParaRPr lang="en-US" dirty="0"/>
-                    </a:p>
-                  </a:txBody>
-                  <a:tcPr/>
-                </a:tc>
-                <a:tc>
-                  <a:txBody>
-                    <a:bodyPr/>
-                    <a:lstStyle/>
-                    <a:p>
-                      <a:r>
-                        <a:rPr lang="en-US" dirty="0" smtClean="0"/>
-                        <a:t>Complexity</a:t>
-                      </a:r>
-                      <a:endParaRPr lang="en-US" dirty="0"/>
-                    </a:p>
-                  </a:txBody>
-                  <a:tcPr/>
-                </a:tc>
-                <a:tc>
-                  <a:txBody>
-                    <a:bodyPr/>
-                    <a:lstStyle/>
-                    <a:p>
-                      <a:r>
-                        <a:rPr lang="en-US" dirty="0" smtClean="0"/>
-                        <a:t>Object Points</a:t>
-                      </a:r>
-                      <a:endParaRPr lang="en-US" dirty="0"/>
-                    </a:p>
-                  </a:txBody>
-                  <a:tcPr/>
-                </a:tc>
-                <a:tc>
-                  <a:txBody>
-                    <a:bodyPr/>
-                    <a:lstStyle/>
-                    <a:p>
-                      <a:r>
-                        <a:rPr lang="en-US" dirty="0" smtClean="0"/>
-                        <a:t>Notes</a:t>
-                      </a:r>
-                      <a:endParaRPr lang="en-US" dirty="0"/>
-                    </a:p>
-                  </a:txBody>
-                  <a:tcPr/>
-                </a:tc>
-                <a:extLst>
-                  <a:ext uri="{0D108BD9-81ED-4DB2-BD59-A6C34878D82A}">
-                    <a16:rowId xmlns:a16="http://schemas.microsoft.com/office/drawing/2014/main" xmlns="" val="2585052838"/>
-                  </a:ext>
-                </a:extLst>
-              </a:tr>
-              <a:tr h="370840">
-                <a:tc>
-                  <a:txBody>
-                    <a:bodyPr/>
-                    <a:lstStyle/>
-                    <a:p>
-                      <a:r>
-                        <a:rPr lang="en-US" dirty="0">
-                          <a:effectLst/>
-                        </a:rPr>
-                        <a:t>Take Grass Tour</a:t>
-                      </a:r>
-                    </a:p>
-                  </a:txBody>
-                  <a:tcPr marL="123825" marR="123825" marT="57150" marB="57150" anchor="ctr"/>
-                </a:tc>
-                <a:tc>
-                  <a:txBody>
-                    <a:bodyPr/>
-                    <a:lstStyle/>
-                    <a:p>
-                      <a:r>
-                        <a:rPr lang="en-US">
-                          <a:effectLst/>
-                        </a:rPr>
-                        <a:t>2</a:t>
-                      </a:r>
-                    </a:p>
-                  </a:txBody>
-                  <a:tcPr marL="123825" marR="123825" marT="57150" marB="57150" anchor="ctr"/>
-                </a:tc>
-                <a:tc>
-                  <a:txBody>
-                    <a:bodyPr/>
-                    <a:lstStyle/>
-                    <a:p>
-                      <a:r>
-                        <a:rPr lang="en-US">
-                          <a:effectLst/>
-                        </a:rPr>
-                        <a:t>2</a:t>
-                      </a:r>
-                    </a:p>
-                  </a:txBody>
-                  <a:tcPr marL="123825" marR="123825" marT="57150" marB="57150" anchor="ctr"/>
-                </a:tc>
-                <a:tc>
-                  <a:txBody>
-                    <a:bodyPr/>
-                    <a:lstStyle/>
-                    <a:p>
-                      <a:r>
-                        <a:rPr lang="en-US">
-                          <a:effectLst/>
-                        </a:rPr>
-                        <a:t>Screen Will be constructed by Drury's location and individual location from data source with grass location.</a:t>
-                      </a:r>
-                    </a:p>
-                  </a:txBody>
-                  <a:tcPr marL="123825" marR="123825" marT="57150" marB="57150" anchor="ctr"/>
-                </a:tc>
-                <a:extLst>
-                  <a:ext uri="{0D108BD9-81ED-4DB2-BD59-A6C34878D82A}">
-                    <a16:rowId xmlns:a16="http://schemas.microsoft.com/office/drawing/2014/main" xmlns="" val="2440870835"/>
-                  </a:ext>
-                </a:extLst>
-              </a:tr>
-              <a:tr h="370840">
-                <a:tc>
-                  <a:txBody>
-                    <a:bodyPr/>
-                    <a:lstStyle/>
-                    <a:p>
-                      <a:r>
-                        <a:rPr lang="en-US" b="1">
-                          <a:effectLst/>
-                        </a:rPr>
-                        <a:t>Subscreen</a:t>
-                      </a:r>
-                      <a:endParaRPr lang="en-US">
-                        <a:effectLst/>
-                      </a:endParaRPr>
-                    </a:p>
-                  </a:txBody>
-                  <a:tcPr marL="123825" marR="123825" marT="57150" marB="57150" anchor="ctr"/>
-                </a:tc>
-                <a:tc>
-                  <a:txBody>
-                    <a:bodyPr/>
-                    <a:lstStyle/>
-                    <a:p>
-                      <a:endParaRPr lang="en-US">
-                        <a:effectLst/>
-                      </a:endParaRPr>
-                    </a:p>
-                  </a:txBody>
-                  <a:tcPr marL="123825" marR="123825" marT="57150" marB="57150" anchor="ctr"/>
-                </a:tc>
-                <a:tc>
-                  <a:txBody>
-                    <a:bodyPr/>
-                    <a:lstStyle/>
-                    <a:p>
-                      <a:endParaRPr lang="en-US">
-                        <a:effectLst/>
-                      </a:endParaRPr>
-                    </a:p>
-                  </a:txBody>
-                  <a:tcPr marL="123825" marR="123825" marT="57150" marB="57150" anchor="ctr"/>
-                </a:tc>
-                <a:tc>
-                  <a:txBody>
-                    <a:bodyPr/>
-                    <a:lstStyle/>
-                    <a:p>
-                      <a:endParaRPr lang="en-US">
-                        <a:effectLst/>
-                      </a:endParaRPr>
-                    </a:p>
-                  </a:txBody>
-                  <a:tcPr marL="123825" marR="123825" marT="57150" marB="57150" anchor="ctr"/>
-                </a:tc>
-                <a:extLst>
-                  <a:ext uri="{0D108BD9-81ED-4DB2-BD59-A6C34878D82A}">
-                    <a16:rowId xmlns:a16="http://schemas.microsoft.com/office/drawing/2014/main" xmlns="" val="3880781591"/>
-                  </a:ext>
-                </a:extLst>
-              </a:tr>
-              <a:tr h="370840">
-                <a:tc>
-                  <a:txBody>
-                    <a:bodyPr/>
-                    <a:lstStyle/>
-                    <a:p>
-                      <a:r>
-                        <a:rPr lang="en-US">
-                          <a:effectLst/>
-                        </a:rPr>
-                        <a:t>Read About Grasses</a:t>
-                      </a:r>
-                    </a:p>
-                  </a:txBody>
-                  <a:tcPr marL="123825" marR="123825" marT="57150" marB="57150" anchor="ctr"/>
-                </a:tc>
-                <a:tc>
-                  <a:txBody>
-                    <a:bodyPr/>
-                    <a:lstStyle/>
-                    <a:p>
-                      <a:r>
-                        <a:rPr lang="en-US">
-                          <a:effectLst/>
-                        </a:rPr>
-                        <a:t>1</a:t>
-                      </a:r>
-                    </a:p>
-                  </a:txBody>
-                  <a:tcPr marL="123825" marR="123825" marT="57150" marB="57150" anchor="ctr"/>
-                </a:tc>
-                <a:tc>
-                  <a:txBody>
-                    <a:bodyPr/>
-                    <a:lstStyle/>
-                    <a:p>
-                      <a:r>
-                        <a:rPr lang="en-US">
-                          <a:effectLst/>
-                        </a:rPr>
-                        <a:t>1</a:t>
-                      </a:r>
-                    </a:p>
-                  </a:txBody>
-                  <a:tcPr marL="123825" marR="123825" marT="57150" marB="57150" anchor="ctr"/>
-                </a:tc>
-                <a:tc>
-                  <a:txBody>
-                    <a:bodyPr/>
-                    <a:lstStyle/>
-                    <a:p>
-                      <a:r>
-                        <a:rPr lang="en-US" dirty="0">
-                          <a:effectLst/>
-                        </a:rPr>
-                        <a:t>Simple text with some images on screen.</a:t>
-                      </a:r>
-                    </a:p>
-                  </a:txBody>
-                  <a:tcPr marL="123825" marR="123825" marT="57150" marB="57150" anchor="ctr"/>
-                </a:tc>
-                <a:extLst>
-                  <a:ext uri="{0D108BD9-81ED-4DB2-BD59-A6C34878D82A}">
-                    <a16:rowId xmlns:a16="http://schemas.microsoft.com/office/drawing/2014/main" xmlns="" val="4195087847"/>
-                  </a:ext>
-                </a:extLst>
-              </a:tr>
-            </a:tbl>
-          </a:graphicData>
-        </a:graphic>
-      </p:graphicFrame>
-      <p:pic>
-        <p:nvPicPr>
-          <p:cNvPr id="5" name="Picture 4" descr="TeamLogo.png"/>
-          <p:cNvPicPr>
-            <a:picLocks noChangeAspect="1"/>
-          </p:cNvPicPr>
-          <p:nvPr/>
-        </p:nvPicPr>
-        <p:blipFill>
-          <a:blip r:embed="rId2">
-            <a:extLst>
-              <a:ext uri="{28A0092B-C50C-407E-A947-70E740481C1C}">
-                <a14:useLocalDpi xmlns:a14="http://schemas.microsoft.com/office/drawing/2010/main" val="0"/>
-              </a:ext>
-            </a:extLst>
-          </a:blip>
-          <a:stretch>
-            <a:fillRect/>
-          </a:stretch>
-        </p:blipFill>
-        <p:spPr>
-          <a:xfrm>
-            <a:off x="11220623" y="206756"/>
-            <a:ext cx="742103" cy="989471"/>
-          </a:xfrm>
-          <a:prstGeom prst="rect">
-            <a:avLst/>
-          </a:prstGeom>
-        </p:spPr>
-      </p:pic>
-      <p:sp>
-        <p:nvSpPr>
-          <p:cNvPr id="6" name="TextBox 5"/>
-          <p:cNvSpPr txBox="1"/>
-          <p:nvPr/>
-        </p:nvSpPr>
-        <p:spPr>
-          <a:xfrm>
-            <a:off x="1122291" y="6335573"/>
-            <a:ext cx="1629623" cy="369332"/>
-          </a:xfrm>
-          <a:prstGeom prst="rect">
-            <a:avLst/>
-          </a:prstGeom>
-          <a:noFill/>
-        </p:spPr>
-        <p:txBody>
-          <a:bodyPr wrap="none" rtlCol="0">
-            <a:spAutoFit/>
-          </a:bodyPr>
-          <a:lstStyle/>
-          <a:p>
-            <a:r>
-              <a:rPr lang="en-US" dirty="0" smtClean="0"/>
-              <a:t>Code Monkey</a:t>
-            </a:r>
-            <a:endParaRPr lang="en-US" dirty="0"/>
-          </a:p>
-        </p:txBody>
-      </p:sp>
-      <p:sp>
-        <p:nvSpPr>
-          <p:cNvPr id="7" name="TextBox 6"/>
-          <p:cNvSpPr txBox="1"/>
-          <p:nvPr/>
-        </p:nvSpPr>
-        <p:spPr>
-          <a:xfrm>
-            <a:off x="9499907" y="6369826"/>
-            <a:ext cx="1478703" cy="369332"/>
-          </a:xfrm>
-          <a:prstGeom prst="rect">
-            <a:avLst/>
-          </a:prstGeom>
-          <a:noFill/>
-        </p:spPr>
-        <p:txBody>
-          <a:bodyPr wrap="none" rtlCol="0">
-            <a:spAutoFit/>
-          </a:bodyPr>
-          <a:lstStyle/>
-          <a:p>
-            <a:r>
-              <a:rPr lang="en-US" dirty="0" smtClean="0"/>
-              <a:t>April 5, 2017</a:t>
-            </a:r>
-            <a:endParaRPr lang="en-US" dirty="0"/>
-          </a:p>
-        </p:txBody>
-      </p:sp>
-    </p:spTree>
-    <p:extLst>
-      <p:ext uri="{BB962C8B-B14F-4D97-AF65-F5344CB8AC3E}">
-        <p14:creationId xmlns:p14="http://schemas.microsoft.com/office/powerpoint/2010/main" val="1216751560"/>
-      </p:ext>
-    </p:extLst>
-  </p:cSld>
-  <p:clrMapOvr>
-    <a:masterClrMapping/>
-  </p:clrMapOvr>
-  <mc:AlternateContent xmlns:mc="http://schemas.openxmlformats.org/markup-compatibility/2006" xmlns:p14="http://schemas.microsoft.com/office/powerpoint/2010/main">
-    <mc:Choice Requires="p14">
-      <p:transition spd="med" p14:dur="700">
-        <p:fade/>
-      </p:transition>
-    </mc:Choice>
-    <mc:Fallback xmlns="">
-      <p:transition spd="med">
-        <p:fade/>
-      </p:transition>
-    </mc:Fallback>
-  </mc:AlternateContent>
-  <p:timing>
-    <p:tnLst>
-      <p:par>
-        <p:cTn id="1" dur="indefinite" restart="never" nodeType="tmRoot"/>
-      </p:par>
-    </p:tnLst>
-  </p:timing>
-</p:sld>
-</file>
-
-<file path=ppt/slides/slide12.xml><?xml version="1.0" encoding="utf-8"?>
-<p:sld xmlns:a="http://schemas.openxmlformats.org/drawingml/2006/main" xmlns:r="http://schemas.openxmlformats.org/officeDocument/2006/relationships" xmlns:p="http://schemas.openxmlformats.org/presentationml/2006/main">
-  <p:cSld>
-    <p:spTree>
-      <p:nvGrpSpPr>
-        <p:cNvPr id="1" name=""/>
-        <p:cNvGrpSpPr/>
-        <p:nvPr/>
-      </p:nvGrpSpPr>
-      <p:grpSpPr>
-        <a:xfrm>
-          <a:off x="0" y="0"/>
-          <a:ext cx="0" cy="0"/>
-          <a:chOff x="0" y="0"/>
-          <a:chExt cx="0" cy="0"/>
-        </a:xfrm>
-      </p:grpSpPr>
-      <p:sp>
-        <p:nvSpPr>
-          <p:cNvPr id="2" name="Title 1"/>
-          <p:cNvSpPr>
-            <a:spLocks noGrp="1"/>
-          </p:cNvSpPr>
-          <p:nvPr>
-            <p:ph type="title"/>
-          </p:nvPr>
-        </p:nvSpPr>
-        <p:spPr/>
-        <p:txBody>
-          <a:bodyPr/>
-          <a:lstStyle/>
-          <a:p>
-            <a:r>
-              <a:rPr lang="en-US" dirty="0"/>
-              <a:t>Effort Estimate Assumptions</a:t>
-            </a:r>
-          </a:p>
-        </p:txBody>
-      </p:sp>
-      <p:graphicFrame>
-        <p:nvGraphicFramePr>
-          <p:cNvPr id="4" name="Content Placeholder 3"/>
-          <p:cNvGraphicFramePr>
-            <a:graphicFrameLocks noGrp="1"/>
-          </p:cNvGraphicFramePr>
-          <p:nvPr>
-            <p:ph idx="1"/>
-            <p:extLst>
-              <p:ext uri="{D42A27DB-BD31-4B8C-83A1-F6EECF244321}">
-                <p14:modId xmlns:p14="http://schemas.microsoft.com/office/powerpoint/2010/main" val="450252133"/>
-              </p:ext>
-            </p:extLst>
-          </p:nvPr>
-        </p:nvGraphicFramePr>
-        <p:xfrm>
-          <a:off x="609600" y="1600200"/>
-          <a:ext cx="10972800" cy="3182620"/>
-        </p:xfrm>
-        <a:graphic>
-          <a:graphicData uri="http://schemas.openxmlformats.org/drawingml/2006/table">
-            <a:tbl>
-              <a:tblPr firstRow="1" bandRow="1">
-                <a:tableStyleId>{5C22544A-7EE6-4342-B048-85BDC9FD1C3A}</a:tableStyleId>
-              </a:tblPr>
-              <a:tblGrid>
-                <a:gridCol w="2743200">
-                  <a:extLst>
-                    <a:ext uri="{9D8B030D-6E8A-4147-A177-3AD203B41FA5}">
-                      <a16:colId xmlns:a16="http://schemas.microsoft.com/office/drawing/2014/main" xmlns="" val="4007007747"/>
-                    </a:ext>
-                  </a:extLst>
-                </a:gridCol>
-                <a:gridCol w="2743200">
-                  <a:extLst>
-                    <a:ext uri="{9D8B030D-6E8A-4147-A177-3AD203B41FA5}">
-                      <a16:colId xmlns:a16="http://schemas.microsoft.com/office/drawing/2014/main" xmlns="" val="2089765381"/>
-                    </a:ext>
-                  </a:extLst>
-                </a:gridCol>
-                <a:gridCol w="2743200">
-                  <a:extLst>
-                    <a:ext uri="{9D8B030D-6E8A-4147-A177-3AD203B41FA5}">
-                      <a16:colId xmlns:a16="http://schemas.microsoft.com/office/drawing/2014/main" xmlns="" val="2946535250"/>
-                    </a:ext>
-                  </a:extLst>
-                </a:gridCol>
-                <a:gridCol w="2743200">
-                  <a:extLst>
-                    <a:ext uri="{9D8B030D-6E8A-4147-A177-3AD203B41FA5}">
-                      <a16:colId xmlns:a16="http://schemas.microsoft.com/office/drawing/2014/main" xmlns="" val="2232881725"/>
-                    </a:ext>
-                  </a:extLst>
-                </a:gridCol>
-              </a:tblGrid>
-              <a:tr h="370840">
-                <a:tc>
-                  <a:txBody>
-                    <a:bodyPr/>
-                    <a:lstStyle/>
-                    <a:p>
-                      <a:r>
-                        <a:rPr lang="en-US" dirty="0" smtClean="0"/>
-                        <a:t>Screen/Report</a:t>
-                      </a:r>
-                      <a:endParaRPr lang="en-US" dirty="0"/>
-                    </a:p>
-                  </a:txBody>
-                  <a:tcPr/>
-                </a:tc>
-                <a:tc>
-                  <a:txBody>
-                    <a:bodyPr/>
-                    <a:lstStyle/>
-                    <a:p>
-                      <a:r>
-                        <a:rPr lang="en-US" dirty="0" smtClean="0"/>
-                        <a:t>Complexity</a:t>
-                      </a:r>
-                      <a:endParaRPr lang="en-US" dirty="0"/>
-                    </a:p>
-                  </a:txBody>
-                  <a:tcPr/>
-                </a:tc>
-                <a:tc>
-                  <a:txBody>
-                    <a:bodyPr/>
-                    <a:lstStyle/>
-                    <a:p>
-                      <a:r>
-                        <a:rPr lang="en-US" dirty="0" smtClean="0"/>
-                        <a:t>Object Points</a:t>
-                      </a:r>
-                      <a:endParaRPr lang="en-US" dirty="0"/>
-                    </a:p>
-                  </a:txBody>
-                  <a:tcPr/>
-                </a:tc>
-                <a:tc>
-                  <a:txBody>
-                    <a:bodyPr/>
-                    <a:lstStyle/>
-                    <a:p>
-                      <a:r>
-                        <a:rPr lang="en-US" dirty="0" smtClean="0"/>
-                        <a:t>Notes</a:t>
-                      </a:r>
-                      <a:endParaRPr lang="en-US" dirty="0"/>
-                    </a:p>
-                  </a:txBody>
-                  <a:tcPr/>
-                </a:tc>
-                <a:extLst>
-                  <a:ext uri="{0D108BD9-81ED-4DB2-BD59-A6C34878D82A}">
-                    <a16:rowId xmlns:a16="http://schemas.microsoft.com/office/drawing/2014/main" xmlns="" val="2585052838"/>
-                  </a:ext>
-                </a:extLst>
-              </a:tr>
-              <a:tr h="370840">
-                <a:tc>
-                  <a:txBody>
-                    <a:bodyPr/>
-                    <a:lstStyle/>
-                    <a:p>
-                      <a:r>
-                        <a:rPr lang="en-US" dirty="0">
-                          <a:effectLst/>
-                        </a:rPr>
-                        <a:t>Take Repurposed Pieces Tour</a:t>
-                      </a:r>
-                    </a:p>
-                  </a:txBody>
-                  <a:tcPr marL="123825" marR="123825" marT="57150" marB="57150" anchor="ctr"/>
-                </a:tc>
-                <a:tc>
-                  <a:txBody>
-                    <a:bodyPr/>
-                    <a:lstStyle/>
-                    <a:p>
-                      <a:r>
-                        <a:rPr lang="en-US">
-                          <a:effectLst/>
-                        </a:rPr>
-                        <a:t>2</a:t>
-                      </a:r>
-                    </a:p>
-                  </a:txBody>
-                  <a:tcPr marL="123825" marR="123825" marT="57150" marB="57150" anchor="ctr"/>
-                </a:tc>
-                <a:tc>
-                  <a:txBody>
-                    <a:bodyPr/>
-                    <a:lstStyle/>
-                    <a:p>
-                      <a:r>
-                        <a:rPr lang="en-US">
-                          <a:effectLst/>
-                        </a:rPr>
-                        <a:t>2</a:t>
-                      </a:r>
-                    </a:p>
-                  </a:txBody>
-                  <a:tcPr marL="123825" marR="123825" marT="57150" marB="57150" anchor="ctr"/>
-                </a:tc>
-                <a:tc>
-                  <a:txBody>
-                    <a:bodyPr/>
-                    <a:lstStyle/>
-                    <a:p>
-                      <a:r>
-                        <a:rPr lang="en-US">
-                          <a:effectLst/>
-                        </a:rPr>
-                        <a:t>Screen will be constructed by Drury's location and individual location from data source with repurposed pieces location.</a:t>
-                      </a:r>
-                    </a:p>
-                  </a:txBody>
-                  <a:tcPr marL="123825" marR="123825" marT="57150" marB="57150" anchor="ctr"/>
-                </a:tc>
-                <a:extLst>
-                  <a:ext uri="{0D108BD9-81ED-4DB2-BD59-A6C34878D82A}">
-                    <a16:rowId xmlns:a16="http://schemas.microsoft.com/office/drawing/2014/main" xmlns="" val="2319653860"/>
-                  </a:ext>
-                </a:extLst>
-              </a:tr>
-              <a:tr h="370840">
-                <a:tc>
-                  <a:txBody>
-                    <a:bodyPr/>
-                    <a:lstStyle/>
-                    <a:p>
-                      <a:r>
-                        <a:rPr lang="en-US" b="1">
-                          <a:effectLst/>
-                        </a:rPr>
-                        <a:t>Subscreen</a:t>
-                      </a:r>
-                      <a:endParaRPr lang="en-US">
-                        <a:effectLst/>
-                      </a:endParaRPr>
-                    </a:p>
-                  </a:txBody>
-                  <a:tcPr marL="123825" marR="123825" marT="57150" marB="57150" anchor="ctr"/>
-                </a:tc>
-                <a:tc>
-                  <a:txBody>
-                    <a:bodyPr/>
-                    <a:lstStyle/>
-                    <a:p>
-                      <a:endParaRPr lang="en-US">
-                        <a:effectLst/>
-                      </a:endParaRPr>
-                    </a:p>
-                  </a:txBody>
-                  <a:tcPr marL="123825" marR="123825" marT="57150" marB="57150" anchor="ctr"/>
-                </a:tc>
-                <a:tc>
-                  <a:txBody>
-                    <a:bodyPr/>
-                    <a:lstStyle/>
-                    <a:p>
-                      <a:endParaRPr lang="en-US">
-                        <a:effectLst/>
-                      </a:endParaRPr>
-                    </a:p>
-                  </a:txBody>
-                  <a:tcPr marL="123825" marR="123825" marT="57150" marB="57150" anchor="ctr"/>
-                </a:tc>
-                <a:tc>
-                  <a:txBody>
-                    <a:bodyPr/>
-                    <a:lstStyle/>
-                    <a:p>
-                      <a:endParaRPr lang="en-US">
-                        <a:effectLst/>
-                      </a:endParaRPr>
-                    </a:p>
-                  </a:txBody>
-                  <a:tcPr marL="123825" marR="123825" marT="57150" marB="57150" anchor="ctr"/>
-                </a:tc>
-                <a:extLst>
-                  <a:ext uri="{0D108BD9-81ED-4DB2-BD59-A6C34878D82A}">
-                    <a16:rowId xmlns:a16="http://schemas.microsoft.com/office/drawing/2014/main" xmlns="" val="2490656911"/>
-                  </a:ext>
-                </a:extLst>
-              </a:tr>
-              <a:tr h="370840">
-                <a:tc>
-                  <a:txBody>
-                    <a:bodyPr/>
-                    <a:lstStyle/>
-                    <a:p>
-                      <a:r>
-                        <a:rPr lang="en-US">
-                          <a:effectLst/>
-                        </a:rPr>
-                        <a:t>Read About Repurposed Pieces</a:t>
-                      </a:r>
-                    </a:p>
-                  </a:txBody>
-                  <a:tcPr marL="123825" marR="123825" marT="57150" marB="57150" anchor="ctr"/>
-                </a:tc>
-                <a:tc>
-                  <a:txBody>
-                    <a:bodyPr/>
-                    <a:lstStyle/>
-                    <a:p>
-                      <a:r>
-                        <a:rPr lang="en-US" dirty="0">
-                          <a:effectLst/>
-                        </a:rPr>
-                        <a:t>1</a:t>
-                      </a:r>
-                    </a:p>
-                  </a:txBody>
-                  <a:tcPr marL="123825" marR="123825" marT="57150" marB="57150" anchor="ctr"/>
-                </a:tc>
-                <a:tc>
-                  <a:txBody>
-                    <a:bodyPr/>
-                    <a:lstStyle/>
-                    <a:p>
-                      <a:r>
-                        <a:rPr lang="en-US">
-                          <a:effectLst/>
-                        </a:rPr>
-                        <a:t>1</a:t>
-                      </a:r>
-                    </a:p>
-                  </a:txBody>
-                  <a:tcPr marL="123825" marR="123825" marT="57150" marB="57150" anchor="ctr"/>
-                </a:tc>
-                <a:tc>
-                  <a:txBody>
-                    <a:bodyPr/>
-                    <a:lstStyle/>
-                    <a:p>
-                      <a:r>
-                        <a:rPr lang="en-US" dirty="0">
-                          <a:effectLst/>
-                        </a:rPr>
-                        <a:t>Simple text with some images on the screen.</a:t>
-                      </a:r>
-                    </a:p>
-                  </a:txBody>
-                  <a:tcPr marL="123825" marR="123825" marT="57150" marB="57150" anchor="ctr"/>
-                </a:tc>
-                <a:extLst>
-                  <a:ext uri="{0D108BD9-81ED-4DB2-BD59-A6C34878D82A}">
-                    <a16:rowId xmlns:a16="http://schemas.microsoft.com/office/drawing/2014/main" xmlns="" val="281916472"/>
-                  </a:ext>
-                </a:extLst>
-              </a:tr>
-            </a:tbl>
-          </a:graphicData>
-        </a:graphic>
-      </p:graphicFrame>
-      <p:pic>
-        <p:nvPicPr>
-          <p:cNvPr id="5" name="Picture 4" descr="TeamLogo.png"/>
-          <p:cNvPicPr>
-            <a:picLocks noChangeAspect="1"/>
-          </p:cNvPicPr>
-          <p:nvPr/>
-        </p:nvPicPr>
-        <p:blipFill>
-          <a:blip r:embed="rId2">
-            <a:extLst>
-              <a:ext uri="{28A0092B-C50C-407E-A947-70E740481C1C}">
-                <a14:useLocalDpi xmlns:a14="http://schemas.microsoft.com/office/drawing/2010/main" val="0"/>
-              </a:ext>
-            </a:extLst>
-          </a:blip>
-          <a:stretch>
-            <a:fillRect/>
-          </a:stretch>
-        </p:blipFill>
-        <p:spPr>
-          <a:xfrm>
-            <a:off x="11220623" y="206756"/>
-            <a:ext cx="742103" cy="989471"/>
-          </a:xfrm>
-          <a:prstGeom prst="rect">
-            <a:avLst/>
-          </a:prstGeom>
-        </p:spPr>
-      </p:pic>
-      <p:sp>
-        <p:nvSpPr>
-          <p:cNvPr id="6" name="TextBox 5"/>
-          <p:cNvSpPr txBox="1"/>
-          <p:nvPr/>
-        </p:nvSpPr>
-        <p:spPr>
-          <a:xfrm>
-            <a:off x="1122291" y="6335573"/>
-            <a:ext cx="1629623" cy="369332"/>
-          </a:xfrm>
-          <a:prstGeom prst="rect">
-            <a:avLst/>
-          </a:prstGeom>
-          <a:noFill/>
-        </p:spPr>
-        <p:txBody>
-          <a:bodyPr wrap="none" rtlCol="0">
-            <a:spAutoFit/>
-          </a:bodyPr>
-          <a:lstStyle/>
-          <a:p>
-            <a:r>
-              <a:rPr lang="en-US" dirty="0" smtClean="0"/>
-              <a:t>Code Monkey</a:t>
-            </a:r>
-            <a:endParaRPr lang="en-US" dirty="0"/>
-          </a:p>
-        </p:txBody>
-      </p:sp>
-      <p:sp>
-        <p:nvSpPr>
-          <p:cNvPr id="7" name="TextBox 6"/>
-          <p:cNvSpPr txBox="1"/>
-          <p:nvPr/>
-        </p:nvSpPr>
-        <p:spPr>
-          <a:xfrm>
-            <a:off x="9499907" y="6369826"/>
-            <a:ext cx="1478703" cy="369332"/>
-          </a:xfrm>
-          <a:prstGeom prst="rect">
-            <a:avLst/>
-          </a:prstGeom>
-          <a:noFill/>
-        </p:spPr>
-        <p:txBody>
-          <a:bodyPr wrap="none" rtlCol="0">
-            <a:spAutoFit/>
-          </a:bodyPr>
-          <a:lstStyle/>
-          <a:p>
-            <a:r>
-              <a:rPr lang="en-US" dirty="0" smtClean="0"/>
-              <a:t>April 5, 2017</a:t>
-            </a:r>
-            <a:endParaRPr lang="en-US" dirty="0"/>
-          </a:p>
-        </p:txBody>
-      </p:sp>
-    </p:spTree>
-    <p:extLst>
-      <p:ext uri="{BB962C8B-B14F-4D97-AF65-F5344CB8AC3E}">
-        <p14:creationId xmlns:p14="http://schemas.microsoft.com/office/powerpoint/2010/main" val="2303474947"/>
-      </p:ext>
-    </p:extLst>
-  </p:cSld>
-  <p:clrMapOvr>
-    <a:masterClrMapping/>
-  </p:clrMapOvr>
-  <mc:AlternateContent xmlns:mc="http://schemas.openxmlformats.org/markup-compatibility/2006" xmlns:p14="http://schemas.microsoft.com/office/powerpoint/2010/main">
-    <mc:Choice Requires="p14">
-      <p:transition spd="med" p14:dur="700">
-        <p:fade/>
-      </p:transition>
-    </mc:Choice>
-    <mc:Fallback xmlns="">
-      <p:transition spd="med">
-        <p:fade/>
-      </p:transition>
-    </mc:Fallback>
-  </mc:AlternateContent>
-  <p:timing>
-    <p:tnLst>
-      <p:par>
-        <p:cTn id="1" dur="indefinite" restart="never" nodeType="tmRoot"/>
-      </p:par>
-    </p:tnLst>
-  </p:timing>
-</p:sld>
-</file>
-
-<file path=ppt/slides/slide13.xml><?xml version="1.0" encoding="utf-8"?>
-<p:sld xmlns:a="http://schemas.openxmlformats.org/drawingml/2006/main" xmlns:r="http://schemas.openxmlformats.org/officeDocument/2006/relationships" xmlns:p="http://schemas.openxmlformats.org/presentationml/2006/main">
-  <p:cSld>
-    <p:spTree>
-      <p:nvGrpSpPr>
-        <p:cNvPr id="1" name=""/>
-        <p:cNvGrpSpPr/>
-        <p:nvPr/>
-      </p:nvGrpSpPr>
-      <p:grpSpPr>
-        <a:xfrm>
-          <a:off x="0" y="0"/>
-          <a:ext cx="0" cy="0"/>
-          <a:chOff x="0" y="0"/>
-          <a:chExt cx="0" cy="0"/>
-        </a:xfrm>
-      </p:grpSpPr>
-      <p:sp>
-        <p:nvSpPr>
-          <p:cNvPr id="2" name="Title 1"/>
-          <p:cNvSpPr>
-            <a:spLocks noGrp="1"/>
-          </p:cNvSpPr>
-          <p:nvPr>
-            <p:ph type="title"/>
-          </p:nvPr>
-        </p:nvSpPr>
-        <p:spPr/>
-        <p:txBody>
-          <a:bodyPr/>
-          <a:lstStyle/>
-          <a:p>
-            <a:r>
-              <a:rPr lang="en-US" dirty="0"/>
-              <a:t>Effort Estimate Assumptions</a:t>
-            </a:r>
-          </a:p>
-        </p:txBody>
-      </p:sp>
-      <p:graphicFrame>
-        <p:nvGraphicFramePr>
-          <p:cNvPr id="4" name="Content Placeholder 3"/>
-          <p:cNvGraphicFramePr>
-            <a:graphicFrameLocks noGrp="1"/>
-          </p:cNvGraphicFramePr>
-          <p:nvPr>
-            <p:ph idx="1"/>
-            <p:extLst>
-              <p:ext uri="{D42A27DB-BD31-4B8C-83A1-F6EECF244321}">
-                <p14:modId xmlns:p14="http://schemas.microsoft.com/office/powerpoint/2010/main" val="1082142021"/>
-              </p:ext>
-            </p:extLst>
-          </p:nvPr>
-        </p:nvGraphicFramePr>
-        <p:xfrm>
-          <a:off x="609600" y="1600200"/>
-          <a:ext cx="10972800" cy="3022600"/>
-        </p:xfrm>
-        <a:graphic>
-          <a:graphicData uri="http://schemas.openxmlformats.org/drawingml/2006/table">
-            <a:tbl>
-              <a:tblPr firstRow="1" bandRow="1">
-                <a:tableStyleId>{5C22544A-7EE6-4342-B048-85BDC9FD1C3A}</a:tableStyleId>
-              </a:tblPr>
-              <a:tblGrid>
-                <a:gridCol w="2743200">
-                  <a:extLst>
-                    <a:ext uri="{9D8B030D-6E8A-4147-A177-3AD203B41FA5}">
-                      <a16:colId xmlns:a16="http://schemas.microsoft.com/office/drawing/2014/main" xmlns="" val="4007007747"/>
-                    </a:ext>
-                  </a:extLst>
-                </a:gridCol>
-                <a:gridCol w="2743200">
-                  <a:extLst>
-                    <a:ext uri="{9D8B030D-6E8A-4147-A177-3AD203B41FA5}">
-                      <a16:colId xmlns:a16="http://schemas.microsoft.com/office/drawing/2014/main" xmlns="" val="2089765381"/>
-                    </a:ext>
-                  </a:extLst>
-                </a:gridCol>
-                <a:gridCol w="2743200">
-                  <a:extLst>
-                    <a:ext uri="{9D8B030D-6E8A-4147-A177-3AD203B41FA5}">
-                      <a16:colId xmlns:a16="http://schemas.microsoft.com/office/drawing/2014/main" xmlns="" val="2946535250"/>
-                    </a:ext>
-                  </a:extLst>
-                </a:gridCol>
-                <a:gridCol w="2743200">
-                  <a:extLst>
-                    <a:ext uri="{9D8B030D-6E8A-4147-A177-3AD203B41FA5}">
-                      <a16:colId xmlns:a16="http://schemas.microsoft.com/office/drawing/2014/main" xmlns="" val="2232881725"/>
-                    </a:ext>
-                  </a:extLst>
-                </a:gridCol>
-              </a:tblGrid>
-              <a:tr h="370840">
-                <a:tc>
-                  <a:txBody>
-                    <a:bodyPr/>
-                    <a:lstStyle/>
-                    <a:p>
-                      <a:r>
-                        <a:rPr lang="en-US" dirty="0" smtClean="0"/>
-                        <a:t>Screen/Report</a:t>
-                      </a:r>
-                      <a:endParaRPr lang="en-US" dirty="0"/>
-                    </a:p>
-                  </a:txBody>
-                  <a:tcPr/>
-                </a:tc>
-                <a:tc>
-                  <a:txBody>
-                    <a:bodyPr/>
-                    <a:lstStyle/>
-                    <a:p>
-                      <a:r>
-                        <a:rPr lang="en-US" dirty="0" smtClean="0"/>
-                        <a:t>Complexity</a:t>
-                      </a:r>
-                      <a:endParaRPr lang="en-US" dirty="0"/>
-                    </a:p>
-                  </a:txBody>
-                  <a:tcPr/>
-                </a:tc>
-                <a:tc>
-                  <a:txBody>
-                    <a:bodyPr/>
-                    <a:lstStyle/>
-                    <a:p>
-                      <a:r>
-                        <a:rPr lang="en-US" dirty="0" smtClean="0"/>
-                        <a:t>Object Points</a:t>
-                      </a:r>
-                      <a:endParaRPr lang="en-US" dirty="0"/>
-                    </a:p>
-                  </a:txBody>
-                  <a:tcPr/>
-                </a:tc>
-                <a:tc>
-                  <a:txBody>
-                    <a:bodyPr/>
-                    <a:lstStyle/>
-                    <a:p>
-                      <a:r>
-                        <a:rPr lang="en-US" dirty="0" smtClean="0"/>
-                        <a:t>Notes</a:t>
-                      </a:r>
-                      <a:endParaRPr lang="en-US" dirty="0"/>
-                    </a:p>
-                  </a:txBody>
-                  <a:tcPr/>
-                </a:tc>
-                <a:extLst>
-                  <a:ext uri="{0D108BD9-81ED-4DB2-BD59-A6C34878D82A}">
-                    <a16:rowId xmlns:a16="http://schemas.microsoft.com/office/drawing/2014/main" xmlns="" val="2585052838"/>
-                  </a:ext>
-                </a:extLst>
-              </a:tr>
-              <a:tr h="370840">
-                <a:tc>
-                  <a:txBody>
-                    <a:bodyPr/>
-                    <a:lstStyle/>
-                    <a:p>
-                      <a:r>
-                        <a:rPr lang="en-US" dirty="0">
-                          <a:effectLst/>
-                        </a:rPr>
-                        <a:t>Manage Repurposed Pieces</a:t>
-                      </a:r>
-                    </a:p>
-                  </a:txBody>
-                  <a:tcPr marL="123825" marR="123825" marT="57150" marB="57150" anchor="ctr"/>
-                </a:tc>
-                <a:tc>
-                  <a:txBody>
-                    <a:bodyPr/>
-                    <a:lstStyle/>
-                    <a:p>
-                      <a:r>
-                        <a:rPr lang="en-US">
-                          <a:effectLst/>
-                        </a:rPr>
-                        <a:t>1</a:t>
-                      </a:r>
-                    </a:p>
-                  </a:txBody>
-                  <a:tcPr marL="123825" marR="123825" marT="57150" marB="57150" anchor="ctr"/>
-                </a:tc>
-                <a:tc>
-                  <a:txBody>
-                    <a:bodyPr/>
-                    <a:lstStyle/>
-                    <a:p>
-                      <a:r>
-                        <a:rPr lang="en-US">
-                          <a:effectLst/>
-                        </a:rPr>
-                        <a:t>1</a:t>
-                      </a:r>
-                    </a:p>
-                  </a:txBody>
-                  <a:tcPr marL="123825" marR="123825" marT="57150" marB="57150" anchor="ctr"/>
-                </a:tc>
-                <a:tc>
-                  <a:txBody>
-                    <a:bodyPr/>
-                    <a:lstStyle/>
-                    <a:p>
-                      <a:r>
-                        <a:rPr lang="en-US">
-                          <a:effectLst/>
-                        </a:rPr>
-                        <a:t>Simple screen and access to the database.</a:t>
-                      </a:r>
-                    </a:p>
-                  </a:txBody>
-                  <a:tcPr marL="123825" marR="123825" marT="57150" marB="57150" anchor="ctr"/>
-                </a:tc>
-                <a:extLst>
-                  <a:ext uri="{0D108BD9-81ED-4DB2-BD59-A6C34878D82A}">
-                    <a16:rowId xmlns:a16="http://schemas.microsoft.com/office/drawing/2014/main" xmlns="" val="3764811118"/>
-                  </a:ext>
-                </a:extLst>
-              </a:tr>
-              <a:tr h="370840">
-                <a:tc>
-                  <a:txBody>
-                    <a:bodyPr/>
-                    <a:lstStyle/>
-                    <a:p>
-                      <a:r>
-                        <a:rPr lang="en-US">
-                          <a:effectLst/>
-                        </a:rPr>
-                        <a:t>Manage Grass</a:t>
-                      </a:r>
-                    </a:p>
-                  </a:txBody>
-                  <a:tcPr marL="123825" marR="123825" marT="57150" marB="57150" anchor="ctr"/>
-                </a:tc>
-                <a:tc>
-                  <a:txBody>
-                    <a:bodyPr/>
-                    <a:lstStyle/>
-                    <a:p>
-                      <a:r>
-                        <a:rPr lang="en-US">
-                          <a:effectLst/>
-                        </a:rPr>
-                        <a:t>1</a:t>
-                      </a:r>
-                    </a:p>
-                  </a:txBody>
-                  <a:tcPr marL="123825" marR="123825" marT="57150" marB="57150" anchor="ctr"/>
-                </a:tc>
-                <a:tc>
-                  <a:txBody>
-                    <a:bodyPr/>
-                    <a:lstStyle/>
-                    <a:p>
-                      <a:r>
-                        <a:rPr lang="en-US">
-                          <a:effectLst/>
-                        </a:rPr>
-                        <a:t>1</a:t>
-                      </a:r>
-                    </a:p>
-                  </a:txBody>
-                  <a:tcPr marL="123825" marR="123825" marT="57150" marB="57150" anchor="ctr"/>
-                </a:tc>
-                <a:tc>
-                  <a:txBody>
-                    <a:bodyPr/>
-                    <a:lstStyle/>
-                    <a:p>
-                      <a:r>
-                        <a:rPr lang="en-US">
-                          <a:effectLst/>
-                        </a:rPr>
-                        <a:t>Simple screen and access to the database.</a:t>
-                      </a:r>
-                    </a:p>
-                  </a:txBody>
-                  <a:tcPr marL="123825" marR="123825" marT="57150" marB="57150" anchor="ctr"/>
-                </a:tc>
-                <a:extLst>
-                  <a:ext uri="{0D108BD9-81ED-4DB2-BD59-A6C34878D82A}">
-                    <a16:rowId xmlns:a16="http://schemas.microsoft.com/office/drawing/2014/main" xmlns="" val="14760046"/>
-                  </a:ext>
-                </a:extLst>
-              </a:tr>
-              <a:tr h="370840">
-                <a:tc>
-                  <a:txBody>
-                    <a:bodyPr/>
-                    <a:lstStyle/>
-                    <a:p>
-                      <a:r>
-                        <a:rPr lang="en-US">
-                          <a:effectLst/>
-                        </a:rPr>
-                        <a:t>Manage Trees</a:t>
-                      </a:r>
-                    </a:p>
-                  </a:txBody>
-                  <a:tcPr marL="123825" marR="123825" marT="57150" marB="57150" anchor="ctr"/>
-                </a:tc>
-                <a:tc>
-                  <a:txBody>
-                    <a:bodyPr/>
-                    <a:lstStyle/>
-                    <a:p>
-                      <a:r>
-                        <a:rPr lang="en-US">
-                          <a:effectLst/>
-                        </a:rPr>
-                        <a:t>1</a:t>
-                      </a:r>
-                    </a:p>
-                  </a:txBody>
-                  <a:tcPr marL="123825" marR="123825" marT="57150" marB="57150" anchor="ctr"/>
-                </a:tc>
-                <a:tc>
-                  <a:txBody>
-                    <a:bodyPr/>
-                    <a:lstStyle/>
-                    <a:p>
-                      <a:r>
-                        <a:rPr lang="en-US">
-                          <a:effectLst/>
-                        </a:rPr>
-                        <a:t>1</a:t>
-                      </a:r>
-                    </a:p>
-                  </a:txBody>
-                  <a:tcPr marL="123825" marR="123825" marT="57150" marB="57150" anchor="ctr"/>
-                </a:tc>
-                <a:tc>
-                  <a:txBody>
-                    <a:bodyPr/>
-                    <a:lstStyle/>
-                    <a:p>
-                      <a:r>
-                        <a:rPr lang="en-US">
-                          <a:effectLst/>
-                        </a:rPr>
-                        <a:t>Simple screen and access to the database.</a:t>
-                      </a:r>
-                    </a:p>
-                  </a:txBody>
-                  <a:tcPr marL="123825" marR="123825" marT="57150" marB="57150" anchor="ctr"/>
-                </a:tc>
-                <a:extLst>
-                  <a:ext uri="{0D108BD9-81ED-4DB2-BD59-A6C34878D82A}">
-                    <a16:rowId xmlns:a16="http://schemas.microsoft.com/office/drawing/2014/main" xmlns="" val="1188642816"/>
-                  </a:ext>
-                </a:extLst>
-              </a:tr>
-              <a:tr h="370840">
-                <a:tc>
-                  <a:txBody>
-                    <a:bodyPr/>
-                    <a:lstStyle/>
-                    <a:p>
-                      <a:r>
-                        <a:rPr lang="en-US">
-                          <a:effectLst/>
-                        </a:rPr>
-                        <a:t>Screen Total</a:t>
-                      </a:r>
-                    </a:p>
-                  </a:txBody>
-                  <a:tcPr marL="123825" marR="123825" marT="57150" marB="57150" anchor="ctr"/>
-                </a:tc>
-                <a:tc>
-                  <a:txBody>
-                    <a:bodyPr/>
-                    <a:lstStyle/>
-                    <a:p>
-                      <a:endParaRPr lang="en-US">
-                        <a:effectLst/>
-                      </a:endParaRPr>
-                    </a:p>
-                  </a:txBody>
-                  <a:tcPr marL="123825" marR="123825" marT="57150" marB="57150" anchor="ctr"/>
-                </a:tc>
-                <a:tc>
-                  <a:txBody>
-                    <a:bodyPr/>
-                    <a:lstStyle/>
-                    <a:p>
-                      <a:r>
-                        <a:rPr lang="en-US">
-                          <a:effectLst/>
-                        </a:rPr>
-                        <a:t>20</a:t>
-                      </a:r>
-                    </a:p>
-                  </a:txBody>
-                  <a:tcPr marL="123825" marR="123825" marT="57150" marB="57150" anchor="ctr"/>
-                </a:tc>
-                <a:tc>
-                  <a:txBody>
-                    <a:bodyPr/>
-                    <a:lstStyle/>
-                    <a:p>
-                      <a:r>
-                        <a:rPr lang="en-US" dirty="0">
-                          <a:effectLst/>
-                        </a:rPr>
-                        <a:t>Total object points for screen.</a:t>
-                      </a:r>
-                    </a:p>
-                  </a:txBody>
-                  <a:tcPr marL="123825" marR="123825" marT="57150" marB="57150" anchor="ctr"/>
-                </a:tc>
-                <a:extLst>
-                  <a:ext uri="{0D108BD9-81ED-4DB2-BD59-A6C34878D82A}">
-                    <a16:rowId xmlns:a16="http://schemas.microsoft.com/office/drawing/2014/main" xmlns="" val="297767302"/>
-                  </a:ext>
-                </a:extLst>
-              </a:tr>
-            </a:tbl>
-          </a:graphicData>
-        </a:graphic>
-      </p:graphicFrame>
-      <p:pic>
-        <p:nvPicPr>
-          <p:cNvPr id="5" name="Picture 4" descr="TeamLogo.png"/>
-          <p:cNvPicPr>
-            <a:picLocks noChangeAspect="1"/>
-          </p:cNvPicPr>
-          <p:nvPr/>
-        </p:nvPicPr>
-        <p:blipFill>
-          <a:blip r:embed="rId2">
-            <a:extLst>
-              <a:ext uri="{28A0092B-C50C-407E-A947-70E740481C1C}">
-                <a14:useLocalDpi xmlns:a14="http://schemas.microsoft.com/office/drawing/2010/main" val="0"/>
-              </a:ext>
-            </a:extLst>
-          </a:blip>
-          <a:stretch>
-            <a:fillRect/>
-          </a:stretch>
-        </p:blipFill>
-        <p:spPr>
-          <a:xfrm>
-            <a:off x="11220623" y="206756"/>
-            <a:ext cx="742103" cy="989471"/>
-          </a:xfrm>
-          <a:prstGeom prst="rect">
-            <a:avLst/>
-          </a:prstGeom>
-        </p:spPr>
-      </p:pic>
-      <p:sp>
-        <p:nvSpPr>
-          <p:cNvPr id="6" name="TextBox 5"/>
-          <p:cNvSpPr txBox="1"/>
-          <p:nvPr/>
-        </p:nvSpPr>
-        <p:spPr>
-          <a:xfrm>
-            <a:off x="1122291" y="6335573"/>
-            <a:ext cx="1629623" cy="369332"/>
-          </a:xfrm>
-          <a:prstGeom prst="rect">
-            <a:avLst/>
-          </a:prstGeom>
-          <a:noFill/>
-        </p:spPr>
-        <p:txBody>
-          <a:bodyPr wrap="none" rtlCol="0">
-            <a:spAutoFit/>
-          </a:bodyPr>
-          <a:lstStyle/>
-          <a:p>
-            <a:r>
-              <a:rPr lang="en-US" dirty="0" smtClean="0"/>
-              <a:t>Code Monkey</a:t>
-            </a:r>
-            <a:endParaRPr lang="en-US" dirty="0"/>
-          </a:p>
-        </p:txBody>
-      </p:sp>
-      <p:sp>
-        <p:nvSpPr>
-          <p:cNvPr id="7" name="TextBox 6"/>
-          <p:cNvSpPr txBox="1"/>
-          <p:nvPr/>
-        </p:nvSpPr>
-        <p:spPr>
-          <a:xfrm>
-            <a:off x="9499907" y="6369826"/>
-            <a:ext cx="1478703" cy="369332"/>
-          </a:xfrm>
-          <a:prstGeom prst="rect">
-            <a:avLst/>
-          </a:prstGeom>
-          <a:noFill/>
-        </p:spPr>
-        <p:txBody>
-          <a:bodyPr wrap="none" rtlCol="0">
-            <a:spAutoFit/>
-          </a:bodyPr>
-          <a:lstStyle/>
-          <a:p>
-            <a:r>
-              <a:rPr lang="en-US" dirty="0" smtClean="0"/>
-              <a:t>April 5, 2017</a:t>
-            </a:r>
-            <a:endParaRPr lang="en-US" dirty="0"/>
-          </a:p>
-        </p:txBody>
-      </p:sp>
-    </p:spTree>
-    <p:extLst>
-      <p:ext uri="{BB962C8B-B14F-4D97-AF65-F5344CB8AC3E}">
-        <p14:creationId xmlns:p14="http://schemas.microsoft.com/office/powerpoint/2010/main" val="329787518"/>
-      </p:ext>
-    </p:extLst>
-  </p:cSld>
-  <p:clrMapOvr>
-    <a:masterClrMapping/>
-  </p:clrMapOvr>
-  <mc:AlternateContent xmlns:mc="http://schemas.openxmlformats.org/markup-compatibility/2006" xmlns:p14="http://schemas.microsoft.com/office/powerpoint/2010/main">
-    <mc:Choice Requires="p14">
-      <p:transition spd="med" p14:dur="700">
-        <p:fade/>
-      </p:transition>
-    </mc:Choice>
-    <mc:Fallback xmlns="">
-      <p:transition spd="med">
-        <p:fade/>
-      </p:transition>
-    </mc:Fallback>
-  </mc:AlternateContent>
-  <p:timing>
-    <p:tnLst>
-      <p:par>
-        <p:cTn id="1" dur="indefinite" restart="never" nodeType="tmRoot"/>
-      </p:par>
-    </p:tnLst>
-  </p:timing>
-</p:sld>
-</file>
-
-<file path=ppt/slides/slide14.xml><?xml version="1.0" encoding="utf-8"?>
-<p:sld xmlns:a="http://schemas.openxmlformats.org/drawingml/2006/main" xmlns:r="http://schemas.openxmlformats.org/officeDocument/2006/relationships" xmlns:p="http://schemas.openxmlformats.org/presentationml/2006/main">
-  <p:cSld>
-    <p:spTree>
-      <p:nvGrpSpPr>
-        <p:cNvPr id="1" name=""/>
-        <p:cNvGrpSpPr/>
-        <p:nvPr/>
-      </p:nvGrpSpPr>
-      <p:grpSpPr>
-        <a:xfrm>
-          <a:off x="0" y="0"/>
-          <a:ext cx="0" cy="0"/>
-          <a:chOff x="0" y="0"/>
-          <a:chExt cx="0" cy="0"/>
-        </a:xfrm>
-      </p:grpSpPr>
-      <p:sp>
-        <p:nvSpPr>
-          <p:cNvPr id="2" name="Title 1"/>
-          <p:cNvSpPr>
-            <a:spLocks noGrp="1"/>
-          </p:cNvSpPr>
-          <p:nvPr>
-            <p:ph type="title"/>
-          </p:nvPr>
-        </p:nvSpPr>
-        <p:spPr/>
-        <p:txBody>
-          <a:bodyPr/>
-          <a:lstStyle/>
-          <a:p>
-            <a:r>
-              <a:rPr lang="en-US" dirty="0"/>
-              <a:t>Effort Estimate Assumptions</a:t>
-            </a:r>
-          </a:p>
-        </p:txBody>
-      </p:sp>
-      <p:graphicFrame>
-        <p:nvGraphicFramePr>
-          <p:cNvPr id="4" name="Content Placeholder 3"/>
-          <p:cNvGraphicFramePr>
-            <a:graphicFrameLocks noGrp="1"/>
-          </p:cNvGraphicFramePr>
-          <p:nvPr>
-            <p:ph idx="1"/>
-            <p:extLst>
-              <p:ext uri="{D42A27DB-BD31-4B8C-83A1-F6EECF244321}">
-                <p14:modId xmlns:p14="http://schemas.microsoft.com/office/powerpoint/2010/main" val="3368142880"/>
-              </p:ext>
-            </p:extLst>
-          </p:nvPr>
-        </p:nvGraphicFramePr>
-        <p:xfrm>
-          <a:off x="609600" y="1600200"/>
-          <a:ext cx="10972800" cy="4622800"/>
-        </p:xfrm>
-        <a:graphic>
-          <a:graphicData uri="http://schemas.openxmlformats.org/drawingml/2006/table">
-            <a:tbl>
-              <a:tblPr firstRow="1" bandRow="1">
-                <a:tableStyleId>{5C22544A-7EE6-4342-B048-85BDC9FD1C3A}</a:tableStyleId>
-              </a:tblPr>
-              <a:tblGrid>
-                <a:gridCol w="2743200">
-                  <a:extLst>
-                    <a:ext uri="{9D8B030D-6E8A-4147-A177-3AD203B41FA5}">
-                      <a16:colId xmlns:a16="http://schemas.microsoft.com/office/drawing/2014/main" xmlns="" val="4007007747"/>
-                    </a:ext>
-                  </a:extLst>
-                </a:gridCol>
-                <a:gridCol w="2743200">
-                  <a:extLst>
-                    <a:ext uri="{9D8B030D-6E8A-4147-A177-3AD203B41FA5}">
-                      <a16:colId xmlns:a16="http://schemas.microsoft.com/office/drawing/2014/main" xmlns="" val="2089765381"/>
-                    </a:ext>
-                  </a:extLst>
-                </a:gridCol>
-                <a:gridCol w="2743200">
-                  <a:extLst>
-                    <a:ext uri="{9D8B030D-6E8A-4147-A177-3AD203B41FA5}">
-                      <a16:colId xmlns:a16="http://schemas.microsoft.com/office/drawing/2014/main" xmlns="" val="2946535250"/>
-                    </a:ext>
-                  </a:extLst>
-                </a:gridCol>
-                <a:gridCol w="2743200">
-                  <a:extLst>
-                    <a:ext uri="{9D8B030D-6E8A-4147-A177-3AD203B41FA5}">
-                      <a16:colId xmlns:a16="http://schemas.microsoft.com/office/drawing/2014/main" xmlns="" val="2232881725"/>
-                    </a:ext>
-                  </a:extLst>
-                </a:gridCol>
-              </a:tblGrid>
-              <a:tr h="370840">
-                <a:tc>
-                  <a:txBody>
-                    <a:bodyPr/>
-                    <a:lstStyle/>
-                    <a:p>
-                      <a:r>
-                        <a:rPr lang="en-US" dirty="0" smtClean="0"/>
-                        <a:t>Screen/Report</a:t>
-                      </a:r>
-                      <a:endParaRPr lang="en-US" dirty="0"/>
-                    </a:p>
-                  </a:txBody>
-                  <a:tcPr/>
-                </a:tc>
-                <a:tc>
-                  <a:txBody>
-                    <a:bodyPr/>
-                    <a:lstStyle/>
-                    <a:p>
-                      <a:r>
-                        <a:rPr lang="en-US" dirty="0" smtClean="0"/>
-                        <a:t>Complexity</a:t>
-                      </a:r>
-                      <a:endParaRPr lang="en-US" dirty="0"/>
-                    </a:p>
-                  </a:txBody>
-                  <a:tcPr/>
-                </a:tc>
-                <a:tc>
-                  <a:txBody>
-                    <a:bodyPr/>
-                    <a:lstStyle/>
-                    <a:p>
-                      <a:r>
-                        <a:rPr lang="en-US" dirty="0" smtClean="0"/>
-                        <a:t>Object Points</a:t>
-                      </a:r>
-                      <a:endParaRPr lang="en-US" dirty="0"/>
-                    </a:p>
-                  </a:txBody>
-                  <a:tcPr/>
-                </a:tc>
-                <a:tc>
-                  <a:txBody>
-                    <a:bodyPr/>
-                    <a:lstStyle/>
-                    <a:p>
-                      <a:r>
-                        <a:rPr lang="en-US" dirty="0" smtClean="0"/>
-                        <a:t>Notes</a:t>
-                      </a:r>
-                      <a:endParaRPr lang="en-US" dirty="0"/>
-                    </a:p>
-                  </a:txBody>
-                  <a:tcPr/>
-                </a:tc>
-                <a:extLst>
-                  <a:ext uri="{0D108BD9-81ED-4DB2-BD59-A6C34878D82A}">
-                    <a16:rowId xmlns:a16="http://schemas.microsoft.com/office/drawing/2014/main" xmlns="" val="2585052838"/>
-                  </a:ext>
-                </a:extLst>
-              </a:tr>
-              <a:tr h="370840">
-                <a:tc>
-                  <a:txBody>
-                    <a:bodyPr/>
-                    <a:lstStyle/>
-                    <a:p>
-                      <a:r>
-                        <a:rPr lang="en-US" b="1" dirty="0">
-                          <a:effectLst/>
-                        </a:rPr>
-                        <a:t>3GL Modules</a:t>
-                      </a:r>
-                      <a:endParaRPr lang="en-US" dirty="0">
-                        <a:effectLst/>
-                      </a:endParaRPr>
-                    </a:p>
-                  </a:txBody>
-                  <a:tcPr marL="123825" marR="123825" marT="57150" marB="57150" anchor="ctr"/>
-                </a:tc>
-                <a:tc>
-                  <a:txBody>
-                    <a:bodyPr/>
-                    <a:lstStyle/>
-                    <a:p>
-                      <a:endParaRPr lang="en-US">
-                        <a:effectLst/>
-                      </a:endParaRPr>
-                    </a:p>
-                  </a:txBody>
-                  <a:tcPr marL="123825" marR="123825" marT="57150" marB="57150" anchor="ctr"/>
-                </a:tc>
-                <a:tc>
-                  <a:txBody>
-                    <a:bodyPr/>
-                    <a:lstStyle/>
-                    <a:p>
-                      <a:endParaRPr lang="en-US">
-                        <a:effectLst/>
-                      </a:endParaRPr>
-                    </a:p>
-                  </a:txBody>
-                  <a:tcPr marL="123825" marR="123825" marT="57150" marB="57150" anchor="ctr"/>
-                </a:tc>
-                <a:tc>
-                  <a:txBody>
-                    <a:bodyPr/>
-                    <a:lstStyle/>
-                    <a:p>
-                      <a:endParaRPr lang="en-US">
-                        <a:effectLst/>
-                      </a:endParaRPr>
-                    </a:p>
-                  </a:txBody>
-                  <a:tcPr marL="123825" marR="123825" marT="57150" marB="57150" anchor="ctr"/>
-                </a:tc>
-                <a:extLst>
-                  <a:ext uri="{0D108BD9-81ED-4DB2-BD59-A6C34878D82A}">
-                    <a16:rowId xmlns:a16="http://schemas.microsoft.com/office/drawing/2014/main" xmlns="" val="3714616697"/>
-                  </a:ext>
-                </a:extLst>
-              </a:tr>
-              <a:tr h="370840">
-                <a:tc>
-                  <a:txBody>
-                    <a:bodyPr/>
-                    <a:lstStyle/>
-                    <a:p>
-                      <a:r>
-                        <a:rPr lang="en-US">
-                          <a:effectLst/>
-                        </a:rPr>
-                        <a:t>Map Modules</a:t>
-                      </a:r>
-                    </a:p>
-                  </a:txBody>
-                  <a:tcPr marL="123825" marR="123825" marT="57150" marB="57150" anchor="ctr"/>
-                </a:tc>
-                <a:tc>
-                  <a:txBody>
-                    <a:bodyPr/>
-                    <a:lstStyle/>
-                    <a:p>
-                      <a:r>
-                        <a:rPr lang="en-US">
-                          <a:effectLst/>
-                        </a:rPr>
-                        <a:t>5@10</a:t>
-                      </a:r>
-                    </a:p>
-                  </a:txBody>
-                  <a:tcPr marL="123825" marR="123825" marT="57150" marB="57150" anchor="ctr"/>
-                </a:tc>
-                <a:tc>
-                  <a:txBody>
-                    <a:bodyPr/>
-                    <a:lstStyle/>
-                    <a:p>
-                      <a:r>
-                        <a:rPr lang="en-US">
-                          <a:effectLst/>
-                        </a:rPr>
-                        <a:t>50</a:t>
-                      </a:r>
-                    </a:p>
-                  </a:txBody>
-                  <a:tcPr marL="123825" marR="123825" marT="57150" marB="57150" anchor="ctr"/>
-                </a:tc>
-                <a:tc>
-                  <a:txBody>
-                    <a:bodyPr/>
-                    <a:lstStyle/>
-                    <a:p>
-                      <a:r>
-                        <a:rPr lang="en-US">
-                          <a:effectLst/>
-                        </a:rPr>
-                        <a:t>Module requiring scripting against a map API.</a:t>
-                      </a:r>
-                    </a:p>
-                  </a:txBody>
-                  <a:tcPr marL="123825" marR="123825" marT="57150" marB="57150" anchor="ctr"/>
-                </a:tc>
-                <a:extLst>
-                  <a:ext uri="{0D108BD9-81ED-4DB2-BD59-A6C34878D82A}">
-                    <a16:rowId xmlns:a16="http://schemas.microsoft.com/office/drawing/2014/main" xmlns="" val="1340422060"/>
-                  </a:ext>
-                </a:extLst>
-              </a:tr>
-              <a:tr h="370840">
-                <a:tc>
-                  <a:txBody>
-                    <a:bodyPr/>
-                    <a:lstStyle/>
-                    <a:p>
-                      <a:r>
-                        <a:rPr lang="en-US">
-                          <a:effectLst/>
-                        </a:rPr>
-                        <a:t>GPS Tour</a:t>
-                      </a:r>
-                    </a:p>
-                  </a:txBody>
-                  <a:tcPr marL="123825" marR="123825" marT="57150" marB="57150" anchor="ctr"/>
-                </a:tc>
-                <a:tc>
-                  <a:txBody>
-                    <a:bodyPr/>
-                    <a:lstStyle/>
-                    <a:p>
-                      <a:r>
-                        <a:rPr lang="en-US">
-                          <a:effectLst/>
-                        </a:rPr>
-                        <a:t>5@10</a:t>
-                      </a:r>
-                    </a:p>
-                  </a:txBody>
-                  <a:tcPr marL="123825" marR="123825" marT="57150" marB="57150" anchor="ctr"/>
-                </a:tc>
-                <a:tc>
-                  <a:txBody>
-                    <a:bodyPr/>
-                    <a:lstStyle/>
-                    <a:p>
-                      <a:r>
-                        <a:rPr lang="en-US">
-                          <a:effectLst/>
-                        </a:rPr>
-                        <a:t>50</a:t>
-                      </a:r>
-                    </a:p>
-                  </a:txBody>
-                  <a:tcPr marL="123825" marR="123825" marT="57150" marB="57150" anchor="ctr"/>
-                </a:tc>
-                <a:tc>
-                  <a:txBody>
-                    <a:bodyPr/>
-                    <a:lstStyle/>
-                    <a:p>
-                      <a:r>
-                        <a:rPr lang="en-US">
-                          <a:effectLst/>
-                        </a:rPr>
-                        <a:t>Module to find individual location with GPS.</a:t>
-                      </a:r>
-                    </a:p>
-                  </a:txBody>
-                  <a:tcPr marL="123825" marR="123825" marT="57150" marB="57150" anchor="ctr"/>
-                </a:tc>
-                <a:extLst>
-                  <a:ext uri="{0D108BD9-81ED-4DB2-BD59-A6C34878D82A}">
-                    <a16:rowId xmlns:a16="http://schemas.microsoft.com/office/drawing/2014/main" xmlns="" val="2564084175"/>
-                  </a:ext>
-                </a:extLst>
-              </a:tr>
-              <a:tr h="370840">
-                <a:tc>
-                  <a:txBody>
-                    <a:bodyPr/>
-                    <a:lstStyle/>
-                    <a:p>
-                      <a:r>
-                        <a:rPr lang="en-US">
-                          <a:effectLst/>
-                        </a:rPr>
-                        <a:t>Server Modules</a:t>
-                      </a:r>
-                    </a:p>
-                  </a:txBody>
-                  <a:tcPr marL="123825" marR="123825" marT="57150" marB="57150" anchor="ctr"/>
-                </a:tc>
-                <a:tc>
-                  <a:txBody>
-                    <a:bodyPr/>
-                    <a:lstStyle/>
-                    <a:p>
-                      <a:r>
-                        <a:rPr lang="en-US">
-                          <a:effectLst/>
-                        </a:rPr>
-                        <a:t>4@10</a:t>
-                      </a:r>
-                    </a:p>
-                  </a:txBody>
-                  <a:tcPr marL="123825" marR="123825" marT="57150" marB="57150" anchor="ctr"/>
-                </a:tc>
-                <a:tc>
-                  <a:txBody>
-                    <a:bodyPr/>
-                    <a:lstStyle/>
-                    <a:p>
-                      <a:r>
-                        <a:rPr lang="en-US">
-                          <a:effectLst/>
-                        </a:rPr>
-                        <a:t>40</a:t>
-                      </a:r>
-                    </a:p>
-                  </a:txBody>
-                  <a:tcPr marL="123825" marR="123825" marT="57150" marB="57150" anchor="ctr"/>
-                </a:tc>
-                <a:tc>
-                  <a:txBody>
-                    <a:bodyPr/>
-                    <a:lstStyle/>
-                    <a:p>
-                      <a:r>
-                        <a:rPr lang="en-US">
-                          <a:effectLst/>
-                        </a:rPr>
-                        <a:t>Data server for all 4 Map Modules.</a:t>
-                      </a:r>
-                    </a:p>
-                  </a:txBody>
-                  <a:tcPr marL="123825" marR="123825" marT="57150" marB="57150" anchor="ctr"/>
-                </a:tc>
-                <a:extLst>
-                  <a:ext uri="{0D108BD9-81ED-4DB2-BD59-A6C34878D82A}">
-                    <a16:rowId xmlns:a16="http://schemas.microsoft.com/office/drawing/2014/main" xmlns="" val="2775949887"/>
-                  </a:ext>
-                </a:extLst>
-              </a:tr>
-              <a:tr h="370840">
-                <a:tc>
-                  <a:txBody>
-                    <a:bodyPr/>
-                    <a:lstStyle/>
-                    <a:p>
-                      <a:r>
-                        <a:rPr lang="en-US">
-                          <a:effectLst/>
-                        </a:rPr>
-                        <a:t>3GL Total</a:t>
-                      </a:r>
-                    </a:p>
-                  </a:txBody>
-                  <a:tcPr marL="123825" marR="123825" marT="57150" marB="57150" anchor="ctr"/>
-                </a:tc>
-                <a:tc>
-                  <a:txBody>
-                    <a:bodyPr/>
-                    <a:lstStyle/>
-                    <a:p>
-                      <a:endParaRPr lang="en-US">
-                        <a:effectLst/>
-                      </a:endParaRPr>
-                    </a:p>
-                  </a:txBody>
-                  <a:tcPr marL="123825" marR="123825" marT="57150" marB="57150" anchor="ctr"/>
-                </a:tc>
-                <a:tc>
-                  <a:txBody>
-                    <a:bodyPr/>
-                    <a:lstStyle/>
-                    <a:p>
-                      <a:r>
-                        <a:rPr lang="en-US">
-                          <a:effectLst/>
-                        </a:rPr>
-                        <a:t>140</a:t>
-                      </a:r>
-                    </a:p>
-                  </a:txBody>
-                  <a:tcPr marL="123825" marR="123825" marT="57150" marB="57150" anchor="ctr"/>
-                </a:tc>
-                <a:tc>
-                  <a:txBody>
-                    <a:bodyPr/>
-                    <a:lstStyle/>
-                    <a:p>
-                      <a:r>
-                        <a:rPr lang="en-US">
-                          <a:effectLst/>
-                        </a:rPr>
-                        <a:t>Total object points for 3GL Module.</a:t>
-                      </a:r>
-                    </a:p>
-                  </a:txBody>
-                  <a:tcPr marL="123825" marR="123825" marT="57150" marB="57150" anchor="ctr"/>
-                </a:tc>
-                <a:extLst>
-                  <a:ext uri="{0D108BD9-81ED-4DB2-BD59-A6C34878D82A}">
-                    <a16:rowId xmlns:a16="http://schemas.microsoft.com/office/drawing/2014/main" xmlns="" val="2549268092"/>
-                  </a:ext>
-                </a:extLst>
-              </a:tr>
-              <a:tr h="370840">
-                <a:tc>
-                  <a:txBody>
-                    <a:bodyPr/>
-                    <a:lstStyle/>
-                    <a:p>
-                      <a:r>
-                        <a:rPr lang="en-US">
-                          <a:effectLst/>
-                        </a:rPr>
-                        <a:t>Total Object Points</a:t>
-                      </a:r>
-                    </a:p>
-                  </a:txBody>
-                  <a:tcPr marL="123825" marR="123825" marT="57150" marB="57150" anchor="ctr"/>
-                </a:tc>
-                <a:tc>
-                  <a:txBody>
-                    <a:bodyPr/>
-                    <a:lstStyle/>
-                    <a:p>
-                      <a:endParaRPr lang="en-US">
-                        <a:effectLst/>
-                      </a:endParaRPr>
-                    </a:p>
-                  </a:txBody>
-                  <a:tcPr marL="123825" marR="123825" marT="57150" marB="57150" anchor="ctr"/>
-                </a:tc>
-                <a:tc>
-                  <a:txBody>
-                    <a:bodyPr/>
-                    <a:lstStyle/>
-                    <a:p>
-                      <a:r>
-                        <a:rPr lang="en-US">
-                          <a:effectLst/>
-                        </a:rPr>
-                        <a:t>160</a:t>
-                      </a:r>
-                    </a:p>
-                  </a:txBody>
-                  <a:tcPr marL="123825" marR="123825" marT="57150" marB="57150" anchor="ctr"/>
-                </a:tc>
-                <a:tc>
-                  <a:txBody>
-                    <a:bodyPr/>
-                    <a:lstStyle/>
-                    <a:p>
-                      <a:r>
-                        <a:rPr lang="en-US" dirty="0">
-                          <a:effectLst/>
-                        </a:rPr>
-                        <a:t>Total object points for the project.</a:t>
-                      </a:r>
-                    </a:p>
-                  </a:txBody>
-                  <a:tcPr marL="123825" marR="123825" marT="57150" marB="57150" anchor="ctr"/>
-                </a:tc>
-                <a:extLst>
-                  <a:ext uri="{0D108BD9-81ED-4DB2-BD59-A6C34878D82A}">
-                    <a16:rowId xmlns:a16="http://schemas.microsoft.com/office/drawing/2014/main" xmlns="" val="178318549"/>
-                  </a:ext>
-                </a:extLst>
-              </a:tr>
-            </a:tbl>
-          </a:graphicData>
-        </a:graphic>
-      </p:graphicFrame>
-      <p:pic>
-        <p:nvPicPr>
-          <p:cNvPr id="5" name="Picture 4" descr="TeamLogo.png"/>
-          <p:cNvPicPr>
-            <a:picLocks noChangeAspect="1"/>
-          </p:cNvPicPr>
-          <p:nvPr/>
-        </p:nvPicPr>
-        <p:blipFill>
-          <a:blip r:embed="rId2">
-            <a:extLst>
-              <a:ext uri="{28A0092B-C50C-407E-A947-70E740481C1C}">
-                <a14:useLocalDpi xmlns:a14="http://schemas.microsoft.com/office/drawing/2010/main" val="0"/>
-              </a:ext>
-            </a:extLst>
-          </a:blip>
-          <a:stretch>
-            <a:fillRect/>
-          </a:stretch>
-        </p:blipFill>
-        <p:spPr>
-          <a:xfrm>
-            <a:off x="11220623" y="206756"/>
-            <a:ext cx="742103" cy="989471"/>
-          </a:xfrm>
-          <a:prstGeom prst="rect">
-            <a:avLst/>
-          </a:prstGeom>
-        </p:spPr>
-      </p:pic>
-      <p:sp>
-        <p:nvSpPr>
-          <p:cNvPr id="6" name="TextBox 5"/>
-          <p:cNvSpPr txBox="1"/>
-          <p:nvPr/>
-        </p:nvSpPr>
-        <p:spPr>
-          <a:xfrm>
-            <a:off x="1122291" y="6335573"/>
-            <a:ext cx="1629623" cy="369332"/>
-          </a:xfrm>
-          <a:prstGeom prst="rect">
-            <a:avLst/>
-          </a:prstGeom>
-          <a:noFill/>
-        </p:spPr>
-        <p:txBody>
-          <a:bodyPr wrap="none" rtlCol="0">
-            <a:spAutoFit/>
-          </a:bodyPr>
-          <a:lstStyle/>
-          <a:p>
-            <a:r>
-              <a:rPr lang="en-US" dirty="0" smtClean="0"/>
-              <a:t>Code Monkey</a:t>
-            </a:r>
-            <a:endParaRPr lang="en-US" dirty="0"/>
-          </a:p>
-        </p:txBody>
-      </p:sp>
-      <p:sp>
-        <p:nvSpPr>
-          <p:cNvPr id="7" name="TextBox 6"/>
-          <p:cNvSpPr txBox="1"/>
-          <p:nvPr/>
-        </p:nvSpPr>
-        <p:spPr>
-          <a:xfrm>
-            <a:off x="9499907" y="6369826"/>
-            <a:ext cx="1478703" cy="369332"/>
-          </a:xfrm>
-          <a:prstGeom prst="rect">
-            <a:avLst/>
-          </a:prstGeom>
-          <a:noFill/>
-        </p:spPr>
-        <p:txBody>
-          <a:bodyPr wrap="none" rtlCol="0">
-            <a:spAutoFit/>
-          </a:bodyPr>
-          <a:lstStyle/>
-          <a:p>
-            <a:r>
-              <a:rPr lang="en-US" dirty="0" smtClean="0"/>
-              <a:t>April 5, 2017</a:t>
-            </a:r>
-            <a:endParaRPr lang="en-US" dirty="0"/>
-          </a:p>
-        </p:txBody>
-      </p:sp>
-    </p:spTree>
-    <p:extLst>
-      <p:ext uri="{BB962C8B-B14F-4D97-AF65-F5344CB8AC3E}">
-        <p14:creationId xmlns:p14="http://schemas.microsoft.com/office/powerpoint/2010/main" val="2876187254"/>
-      </p:ext>
-    </p:extLst>
-  </p:cSld>
-  <p:clrMapOvr>
-    <a:masterClrMapping/>
-  </p:clrMapOvr>
-  <mc:AlternateContent xmlns:mc="http://schemas.openxmlformats.org/markup-compatibility/2006" xmlns:p14="http://schemas.microsoft.com/office/powerpoint/2010/main">
-    <mc:Choice Requires="p14">
-      <p:transition spd="med" p14:dur="700">
-        <p:fade/>
-      </p:transition>
-    </mc:Choice>
-    <mc:Fallback xmlns="">
-      <p:transition spd="med">
-        <p:fade/>
-      </p:transition>
-    </mc:Fallback>
-  </mc:AlternateContent>
-  <p:timing>
-    <p:tnLst>
-      <p:par>
-        <p:cTn id="1" dur="indefinite" restart="never" nodeType="tmRoot"/>
-      </p:par>
-    </p:tnLst>
-  </p:timing>
-</p:sld>
-</file>
-
-<file path=ppt/slides/slide15.xml><?xml version="1.0" encoding="utf-8"?>
-<p:sld xmlns:a="http://schemas.openxmlformats.org/drawingml/2006/main" xmlns:r="http://schemas.openxmlformats.org/officeDocument/2006/relationships" xmlns:p="http://schemas.openxmlformats.org/presentationml/2006/main">
-  <p:cSld>
-    <p:spTree>
-      <p:nvGrpSpPr>
-        <p:cNvPr id="1" name=""/>
-        <p:cNvGrpSpPr/>
-        <p:nvPr/>
-      </p:nvGrpSpPr>
-      <p:grpSpPr>
-        <a:xfrm>
-          <a:off x="0" y="0"/>
-          <a:ext cx="0" cy="0"/>
-          <a:chOff x="0" y="0"/>
-          <a:chExt cx="0" cy="0"/>
-        </a:xfrm>
-      </p:grpSpPr>
-      <p:sp>
-        <p:nvSpPr>
-          <p:cNvPr id="2" name="Title 1"/>
-          <p:cNvSpPr>
-            <a:spLocks noGrp="1"/>
-          </p:cNvSpPr>
-          <p:nvPr>
-            <p:ph type="title"/>
-          </p:nvPr>
-        </p:nvSpPr>
-        <p:spPr/>
-        <p:txBody>
-          <a:bodyPr/>
-          <a:lstStyle/>
-          <a:p>
-            <a:r>
-              <a:rPr lang="en-US" dirty="0" smtClean="0"/>
-              <a:t>Effort Estimate</a:t>
-            </a:r>
-            <a:endParaRPr lang="en-US" dirty="0"/>
-          </a:p>
-        </p:txBody>
-      </p:sp>
-      <p:sp>
-        <p:nvSpPr>
-          <p:cNvPr id="3" name="Content Placeholder 2"/>
-          <p:cNvSpPr>
-            <a:spLocks noGrp="1"/>
-          </p:cNvSpPr>
-          <p:nvPr>
-            <p:ph idx="1"/>
-          </p:nvPr>
-        </p:nvSpPr>
-        <p:spPr/>
-        <p:txBody>
-          <a:bodyPr/>
-          <a:lstStyle/>
-          <a:p>
-            <a:r>
-              <a:rPr lang="en-US" dirty="0"/>
-              <a:t>Productivity (PROD)</a:t>
-            </a:r>
-          </a:p>
-          <a:p>
-            <a:pPr lvl="1"/>
-            <a:r>
-              <a:rPr lang="en-US" dirty="0"/>
-              <a:t>PROD estimate is </a:t>
-            </a:r>
-            <a:r>
-              <a:rPr lang="en-US" dirty="0" smtClean="0"/>
-              <a:t>normal (10)</a:t>
-            </a:r>
-            <a:endParaRPr lang="en-US" dirty="0"/>
-          </a:p>
-          <a:p>
-            <a:pPr lvl="1"/>
-            <a:r>
-              <a:rPr lang="en-US" dirty="0"/>
-              <a:t>PROD = 160 NOP / </a:t>
-            </a:r>
-            <a:r>
-              <a:rPr lang="en-US" dirty="0" smtClean="0"/>
-              <a:t>16 </a:t>
-            </a:r>
-            <a:r>
-              <a:rPr lang="en-US" dirty="0"/>
-              <a:t>person months</a:t>
-            </a:r>
-          </a:p>
-          <a:p>
-            <a:pPr lvl="1"/>
-            <a:r>
-              <a:rPr lang="en-US" dirty="0"/>
-              <a:t>PM = </a:t>
-            </a:r>
-            <a:r>
-              <a:rPr lang="en-US" dirty="0" smtClean="0"/>
-              <a:t>4hr </a:t>
-            </a:r>
-            <a:r>
-              <a:rPr lang="en-US" dirty="0"/>
-              <a:t>x 1 week x 4 weeks</a:t>
-            </a:r>
-          </a:p>
-          <a:p>
-            <a:pPr lvl="1"/>
-            <a:r>
-              <a:rPr lang="en-US" dirty="0"/>
-              <a:t>Justification: students</a:t>
-            </a:r>
-          </a:p>
-          <a:p>
-            <a:r>
-              <a:rPr lang="en-US" dirty="0"/>
-              <a:t>Some code reuse is anticipated so adjusted effort = NOP</a:t>
-            </a:r>
-          </a:p>
-          <a:p>
-            <a:pPr lvl="1"/>
-            <a:r>
-              <a:rPr lang="en-US" dirty="0"/>
-              <a:t>NOP = (160 </a:t>
-            </a:r>
-            <a:r>
-              <a:rPr lang="en-US" dirty="0" err="1"/>
-              <a:t>Obj</a:t>
-            </a:r>
-            <a:r>
-              <a:rPr lang="en-US" dirty="0"/>
-              <a:t> pts x (100-0.1)) / 100 = 159.8</a:t>
-            </a:r>
-          </a:p>
-          <a:p>
-            <a:r>
-              <a:rPr lang="en-US" dirty="0"/>
-              <a:t>Effort Estimate in person months (PM) (PM = </a:t>
-            </a:r>
-            <a:r>
-              <a:rPr lang="en-US" dirty="0" smtClean="0"/>
-              <a:t>16)</a:t>
-            </a:r>
-            <a:endParaRPr lang="en-US" dirty="0"/>
-          </a:p>
-          <a:p>
-            <a:pPr lvl="1"/>
-            <a:r>
-              <a:rPr lang="en-US" dirty="0"/>
-              <a:t>Effort(PM) = 159</a:t>
-            </a:r>
-            <a:r>
-              <a:rPr lang="en-US" dirty="0" smtClean="0"/>
-              <a:t>/10 </a:t>
-            </a:r>
-            <a:r>
-              <a:rPr lang="en-US" dirty="0"/>
-              <a:t>= </a:t>
-            </a:r>
-            <a:r>
-              <a:rPr lang="en-US" dirty="0" smtClean="0"/>
-              <a:t>15.9 </a:t>
-            </a:r>
-            <a:r>
-              <a:rPr lang="en-US" dirty="0"/>
-              <a:t>person months</a:t>
-            </a:r>
-          </a:p>
-        </p:txBody>
-      </p:sp>
-      <p:pic>
-        <p:nvPicPr>
-          <p:cNvPr id="4" name="Picture 3" descr="TeamLogo.png"/>
-          <p:cNvPicPr>
-            <a:picLocks noChangeAspect="1"/>
-          </p:cNvPicPr>
-          <p:nvPr/>
-        </p:nvPicPr>
-        <p:blipFill>
-          <a:blip r:embed="rId2">
-            <a:extLst>
-              <a:ext uri="{28A0092B-C50C-407E-A947-70E740481C1C}">
-                <a14:useLocalDpi xmlns:a14="http://schemas.microsoft.com/office/drawing/2010/main" val="0"/>
-              </a:ext>
-            </a:extLst>
-          </a:blip>
-          <a:stretch>
-            <a:fillRect/>
-          </a:stretch>
-        </p:blipFill>
-        <p:spPr>
-          <a:xfrm>
-            <a:off x="11220623" y="206756"/>
-            <a:ext cx="742103" cy="989471"/>
-          </a:xfrm>
-          <a:prstGeom prst="rect">
-            <a:avLst/>
-          </a:prstGeom>
-        </p:spPr>
-      </p:pic>
-      <p:sp>
-        <p:nvSpPr>
-          <p:cNvPr id="5" name="TextBox 4"/>
-          <p:cNvSpPr txBox="1"/>
-          <p:nvPr/>
-        </p:nvSpPr>
-        <p:spPr>
-          <a:xfrm>
-            <a:off x="1122291" y="6335573"/>
-            <a:ext cx="1629623" cy="369332"/>
-          </a:xfrm>
-          <a:prstGeom prst="rect">
-            <a:avLst/>
-          </a:prstGeom>
-          <a:noFill/>
-        </p:spPr>
-        <p:txBody>
-          <a:bodyPr wrap="none" rtlCol="0">
-            <a:spAutoFit/>
-          </a:bodyPr>
-          <a:lstStyle/>
-          <a:p>
-            <a:r>
-              <a:rPr lang="en-US" dirty="0" smtClean="0"/>
-              <a:t>Code Monkey</a:t>
-            </a:r>
-            <a:endParaRPr lang="en-US" dirty="0"/>
-          </a:p>
-        </p:txBody>
-      </p:sp>
-      <p:sp>
-        <p:nvSpPr>
-          <p:cNvPr id="6" name="TextBox 5"/>
-          <p:cNvSpPr txBox="1"/>
-          <p:nvPr/>
-        </p:nvSpPr>
-        <p:spPr>
-          <a:xfrm>
-            <a:off x="9499907" y="6369826"/>
-            <a:ext cx="1478703" cy="369332"/>
-          </a:xfrm>
-          <a:prstGeom prst="rect">
-            <a:avLst/>
-          </a:prstGeom>
-          <a:noFill/>
-        </p:spPr>
-        <p:txBody>
-          <a:bodyPr wrap="none" rtlCol="0">
-            <a:spAutoFit/>
-          </a:bodyPr>
-          <a:lstStyle/>
-          <a:p>
-            <a:r>
-              <a:rPr lang="en-US" dirty="0" smtClean="0"/>
-              <a:t>April 5, 2017</a:t>
-            </a:r>
-            <a:endParaRPr lang="en-US" dirty="0"/>
-          </a:p>
-        </p:txBody>
-      </p:sp>
-    </p:spTree>
-    <p:extLst>
-      <p:ext uri="{BB962C8B-B14F-4D97-AF65-F5344CB8AC3E}">
-        <p14:creationId xmlns:p14="http://schemas.microsoft.com/office/powerpoint/2010/main" val="3181238762"/>
-      </p:ext>
-    </p:extLst>
-  </p:cSld>
-  <p:clrMapOvr>
-    <a:masterClrMapping/>
-  </p:clrMapOvr>
-  <mc:AlternateContent xmlns:mc="http://schemas.openxmlformats.org/markup-compatibility/2006" xmlns:p14="http://schemas.microsoft.com/office/powerpoint/2010/main">
-    <mc:Choice Requires="p14">
-      <p:transition spd="med" p14:dur="700">
-        <p:fade/>
-      </p:transition>
-    </mc:Choice>
-    <mc:Fallback xmlns="">
-      <p:transition spd="med">
-        <p:fade/>
-      </p:transition>
-    </mc:Fallback>
-  </mc:AlternateContent>
-  <p:timing>
-    <p:tnLst>
-      <p:par>
-        <p:cTn id="1" dur="indefinite" restart="never" nodeType="tmRoot"/>
-      </p:par>
-    </p:tnLst>
-  </p:timing>
-</p:sld>
-</file>
-
-<file path=ppt/slides/slide16.xml><?xml version="1.0" encoding="utf-8"?>
 <p:sld xmlns:a="http://schemas.openxmlformats.org/drawingml/2006/main" xmlns:r="http://schemas.openxmlformats.org/officeDocument/2006/relationships" xmlns:p="http://schemas.openxmlformats.org/presentationml/2006/main">
   <p:cSld>
     <p:spTree>
@@ -7323,7 +4353,7 @@
           <a:noFill/>
           <a:extLst>
             <a:ext uri="{909E8E84-426E-40dd-AFC4-6F175D3DCCD1}">
-              <a14:hiddenFill xmlns:a14="http://schemas.microsoft.com/office/drawing/2010/main" xmlns="">
+              <a14:hiddenFill xmlns:a14="http://schemas.microsoft.com/office/drawing/2010/main">
                 <a:solidFill>
                   <a:srgbClr val="FFFFFF"/>
                 </a:solidFill>
@@ -7447,14 +4477,14 @@
   <p:timing>
     <p:tnLst>
       <p:par>
-        <p:cTn id="1" dur="indefinite" restart="never" nodeType="tmRoot"/>
+        <p:cTn xmlns:p14="http://schemas.microsoft.com/office/powerpoint/2010/main" id="1" dur="indefinite" restart="never" nodeType="tmRoot"/>
       </p:par>
     </p:tnLst>
   </p:timing>
 </p:sld>
 </file>
 
-<file path=ppt/slides/slide17.xml><?xml version="1.0" encoding="utf-8"?>
+<file path=ppt/slides/slide11.xml><?xml version="1.0" encoding="utf-8"?>
 <p:sld xmlns:a="http://schemas.openxmlformats.org/drawingml/2006/main" xmlns:r="http://schemas.openxmlformats.org/officeDocument/2006/relationships" xmlns:p="http://schemas.openxmlformats.org/presentationml/2006/main">
   <p:cSld>
     <p:spTree>
@@ -7511,13 +4541,8 @@
           <a:p>
             <a:r>
               <a:rPr lang="en-US" dirty="0" smtClean="0"/>
-              <a:t>Penetration </a:t>
-            </a:r>
-            <a:r>
-              <a:rPr lang="en-US" dirty="0" smtClean="0"/>
-              <a:t>Attacks</a:t>
-            </a:r>
-            <a:endParaRPr lang="en-US" dirty="0" smtClean="0"/>
+              <a:t>Penetration Attacks</a:t>
+            </a:r>
           </a:p>
           <a:p>
             <a:pPr lvl="1"/>
@@ -7531,7 +4556,6 @@
               <a:rPr lang="en-US" dirty="0" smtClean="0"/>
               <a:t>MITM Attack</a:t>
             </a:r>
-            <a:endParaRPr lang="en-US" dirty="0" smtClean="0"/>
           </a:p>
           <a:p>
             <a:r>
@@ -7546,7 +4570,6 @@
               <a:rPr lang="en-US" dirty="0" smtClean="0"/>
               <a:t>njection</a:t>
             </a:r>
-            <a:endParaRPr lang="en-US" dirty="0" smtClean="0"/>
           </a:p>
         </p:txBody>
       </p:sp>
@@ -7665,7 +4688,7 @@
 </p:sld>
 </file>
 
-<file path=ppt/slides/slide18.xml><?xml version="1.0" encoding="utf-8"?>
+<file path=ppt/slides/slide12.xml><?xml version="1.0" encoding="utf-8"?>
 <p:sld xmlns:a="http://schemas.openxmlformats.org/drawingml/2006/main" xmlns:r="http://schemas.openxmlformats.org/officeDocument/2006/relationships" xmlns:p="http://schemas.openxmlformats.org/presentationml/2006/main">
   <p:cSld>
     <p:spTree>
@@ -7730,7 +4753,7 @@
         </p:nvGraphicFramePr>
         <p:xfrm>
           <a:off x="609600" y="1600200"/>
-          <a:ext cx="10972800" cy="2565400"/>
+          <a:ext cx="10972800" cy="2565399"/>
         </p:xfrm>
         <a:graphic>
           <a:graphicData uri="http://schemas.openxmlformats.org/drawingml/2006/table">
@@ -8110,7 +5133,7 @@
           <a:p>
             <a:r>
               <a:rPr lang="en-US" dirty="0" smtClean="0"/>
-              <a:t>System Inception</a:t>
+              <a:t>Sprint 1 Inception</a:t>
             </a:r>
             <a:endParaRPr lang="en-US" dirty="0"/>
           </a:p>
@@ -8308,7 +5331,7 @@
   <p:timing>
     <p:tnLst>
       <p:par>
-        <p:cTn id="1" dur="indefinite" restart="never" nodeType="tmRoot"/>
+        <p:cTn xmlns:p14="http://schemas.microsoft.com/office/powerpoint/2010/main" id="1" dur="indefinite" restart="never" nodeType="tmRoot"/>
       </p:par>
     </p:tnLst>
   </p:timing>
@@ -8362,47 +5385,6 @@
       </p:sp>
       <p:pic>
         <p:nvPicPr>
-          <p:cNvPr id="2050" name="Picture 2" descr="Use Case Model"/>
-          <p:cNvPicPr>
-            <a:picLocks noChangeAspect="1" noChangeArrowheads="1"/>
-          </p:cNvPicPr>
-          <p:nvPr/>
-        </p:nvPicPr>
-        <p:blipFill>
-          <a:blip r:embed="rId2">
-            <a:extLst>
-              <a:ext uri="{28A0092B-C50C-407E-A947-70E740481C1C}">
-                <a14:useLocalDpi xmlns:a14="http://schemas.microsoft.com/office/drawing/2010/main" val="0"/>
-              </a:ext>
-            </a:extLst>
-          </a:blip>
-          <a:srcRect/>
-          <a:stretch>
-            <a:fillRect/>
-          </a:stretch>
-        </p:blipFill>
-        <p:spPr bwMode="auto">
-          <a:xfrm>
-            <a:off x="2635044" y="298449"/>
-            <a:ext cx="7270956" cy="6261102"/>
-          </a:xfrm>
-          <a:prstGeom prst="rect">
-            <a:avLst/>
-          </a:prstGeom>
-          <a:noFill/>
-          <a:extLst>
-            <a:ext uri="{909E8E84-426E-40dd-AFC4-6F175D3DCCD1}">
-              <a14:hiddenFill xmlns:a14="http://schemas.microsoft.com/office/drawing/2010/main" xmlns="">
-                <a:solidFill>
-                  <a:srgbClr val="FFFFFF"/>
-                </a:solidFill>
-              </a14:hiddenFill>
-            </a:ext>
-          </a:extLst>
-        </p:spPr>
-      </p:pic>
-      <p:pic>
-        <p:nvPicPr>
           <p:cNvPr id="4" name="Picture 3" descr="TeamLogo.png"/>
           <p:cNvPicPr>
             <a:picLocks noChangeAspect="1"/>
@@ -8410,7 +5392,7 @@
           <p:nvPr/>
         </p:nvPicPr>
         <p:blipFill>
-          <a:blip r:embed="rId3">
+          <a:blip r:embed="rId2">
             <a:extLst>
               <a:ext uri="{28A0092B-C50C-407E-A947-70E740481C1C}">
                 <a14:useLocalDpi xmlns:a14="http://schemas.microsoft.com/office/drawing/2010/main" val="0"/>
@@ -8516,7 +5498,7 @@
   <p:timing>
     <p:tnLst>
       <p:par>
-        <p:cTn id="1" dur="indefinite" restart="never" nodeType="tmRoot"/>
+        <p:cTn xmlns:p14="http://schemas.microsoft.com/office/powerpoint/2010/main" id="1" dur="indefinite" restart="never" nodeType="tmRoot"/>
       </p:par>
     </p:tnLst>
   </p:timing>
@@ -8573,14 +5555,14 @@
             <p:ph idx="1"/>
             <p:extLst>
               <p:ext uri="{D42A27DB-BD31-4B8C-83A1-F6EECF244321}">
-                <p14:modId xmlns:p14="http://schemas.microsoft.com/office/powerpoint/2010/main" val="2740616528"/>
+                <p14:modId xmlns:p14="http://schemas.microsoft.com/office/powerpoint/2010/main" val="3012838759"/>
               </p:ext>
             </p:extLst>
           </p:nvPr>
         </p:nvGraphicFramePr>
         <p:xfrm>
           <a:off x="609600" y="1600200"/>
-          <a:ext cx="10972800" cy="4079240"/>
+          <a:ext cx="10972800" cy="2966720"/>
         </p:xfrm>
         <a:graphic>
           <a:graphicData uri="http://schemas.openxmlformats.org/drawingml/2006/table">
@@ -8592,14 +5574,14 @@
                 <a:gridCol w="5486400">
                   <a:extLst>
                     <a:ext uri="{9D8B030D-6E8A-4147-A177-3AD203B41FA5}">
-                      <a16:colId xmlns:a16="http://schemas.microsoft.com/office/drawing/2014/main" xmlns="" val="4024214062"/>
+                      <a16:colId xmlns="" xmlns:a16="http://schemas.microsoft.com/office/drawing/2014/main" val="4024214062"/>
                     </a:ext>
                   </a:extLst>
                 </a:gridCol>
                 <a:gridCol w="5486400">
                   <a:extLst>
                     <a:ext uri="{9D8B030D-6E8A-4147-A177-3AD203B41FA5}">
-                      <a16:colId xmlns:a16="http://schemas.microsoft.com/office/drawing/2014/main" xmlns="" val="1838665537"/>
+                      <a16:colId xmlns="" xmlns:a16="http://schemas.microsoft.com/office/drawing/2014/main" val="1838665537"/>
                     </a:ext>
                   </a:extLst>
                 </a:gridCol>
@@ -8635,7 +5617,7 @@
                 </a:tc>
                 <a:extLst>
                   <a:ext uri="{0D108BD9-81ED-4DB2-BD59-A6C34878D82A}">
-                    <a16:rowId xmlns:a16="http://schemas.microsoft.com/office/drawing/2014/main" xmlns="" val="986279335"/>
+                    <a16:rowId xmlns="" xmlns:a16="http://schemas.microsoft.com/office/drawing/2014/main" val="986279335"/>
                   </a:ext>
                 </a:extLst>
               </a:tr>
@@ -8666,7 +5648,7 @@
                 </a:tc>
                 <a:extLst>
                   <a:ext uri="{0D108BD9-81ED-4DB2-BD59-A6C34878D82A}">
-                    <a16:rowId xmlns:a16="http://schemas.microsoft.com/office/drawing/2014/main" xmlns="" val="2649700066"/>
+                    <a16:rowId xmlns="" xmlns:a16="http://schemas.microsoft.com/office/drawing/2014/main" val="2649700066"/>
                   </a:ext>
                 </a:extLst>
               </a:tr>
@@ -8701,7 +5683,7 @@
                 </a:tc>
                 <a:extLst>
                   <a:ext uri="{0D108BD9-81ED-4DB2-BD59-A6C34878D82A}">
-                    <a16:rowId xmlns:a16="http://schemas.microsoft.com/office/drawing/2014/main" xmlns="" val="3650691391"/>
+                    <a16:rowId xmlns="" xmlns:a16="http://schemas.microsoft.com/office/drawing/2014/main" val="3650691391"/>
                   </a:ext>
                 </a:extLst>
               </a:tr>
@@ -8736,7 +5718,7 @@
                 </a:tc>
                 <a:extLst>
                   <a:ext uri="{0D108BD9-81ED-4DB2-BD59-A6C34878D82A}">
-                    <a16:rowId xmlns:a16="http://schemas.microsoft.com/office/drawing/2014/main" xmlns="" val="3717878835"/>
+                    <a16:rowId xmlns="" xmlns:a16="http://schemas.microsoft.com/office/drawing/2014/main" val="3717878835"/>
                   </a:ext>
                 </a:extLst>
               </a:tr>
@@ -8748,7 +5730,11 @@
                     <a:p>
                       <a:r>
                         <a:rPr lang="en-US" dirty="0" smtClean="0"/>
-                        <a:t>Cordova</a:t>
+                        <a:t>Map</a:t>
+                      </a:r>
+                      <a:r>
+                        <a:rPr lang="en-US" baseline="0" dirty="0" smtClean="0"/>
+                        <a:t> Technologies</a:t>
                       </a:r>
                       <a:endParaRPr lang="en-US" dirty="0"/>
                     </a:p>
@@ -8760,10 +5746,6 @@
                     <a:bodyPr/>
                     <a:lstStyle/>
                     <a:p>
-                      <a:r>
-                        <a:rPr lang="en-US" dirty="0" smtClean="0"/>
-                        <a:t>Tutorial</a:t>
-                      </a:r>
                       <a:endParaRPr lang="en-US" dirty="0"/>
                     </a:p>
                   </a:txBody>
@@ -8771,7 +5753,7 @@
                 </a:tc>
                 <a:extLst>
                   <a:ext uri="{0D108BD9-81ED-4DB2-BD59-A6C34878D82A}">
-                    <a16:rowId xmlns:a16="http://schemas.microsoft.com/office/drawing/2014/main" xmlns="" val="304909867"/>
+                    <a16:rowId xmlns="" xmlns:a16="http://schemas.microsoft.com/office/drawing/2014/main" val="207666318"/>
                   </a:ext>
                 </a:extLst>
               </a:tr>
@@ -8783,11 +5765,7 @@
                     <a:p>
                       <a:r>
                         <a:rPr lang="en-US" dirty="0" smtClean="0"/>
-                        <a:t>Windows 10</a:t>
-                      </a:r>
-                      <a:r>
-                        <a:rPr lang="en-US" baseline="0" dirty="0" smtClean="0"/>
-                        <a:t> Phone</a:t>
+                        <a:t>Google Maps</a:t>
                       </a:r>
                       <a:endParaRPr lang="en-US" dirty="0"/>
                     </a:p>
@@ -8801,7 +5779,7 @@
                     <a:p>
                       <a:r>
                         <a:rPr lang="en-US" dirty="0" smtClean="0"/>
-                        <a:t>None</a:t>
+                        <a:t>Tutorial</a:t>
                       </a:r>
                       <a:endParaRPr lang="en-US" dirty="0"/>
                     </a:p>
@@ -8810,7 +5788,7 @@
                 </a:tc>
                 <a:extLst>
                   <a:ext uri="{0D108BD9-81ED-4DB2-BD59-A6C34878D82A}">
-                    <a16:rowId xmlns:a16="http://schemas.microsoft.com/office/drawing/2014/main" xmlns="" val="1562380615"/>
+                    <a16:rowId xmlns="" xmlns:a16="http://schemas.microsoft.com/office/drawing/2014/main" val="4219954106"/>
                   </a:ext>
                 </a:extLst>
               </a:tr>
@@ -8822,11 +5800,7 @@
                     <a:p>
                       <a:r>
                         <a:rPr lang="en-US" dirty="0" smtClean="0"/>
-                        <a:t>Map</a:t>
-                      </a:r>
-                      <a:r>
-                        <a:rPr lang="en-US" baseline="0" dirty="0" smtClean="0"/>
-                        <a:t> Technologies</a:t>
+                        <a:t>Open Layers</a:t>
                       </a:r>
                       <a:endParaRPr lang="en-US" dirty="0"/>
                     </a:p>
@@ -8838,14 +5812,17 @@
                     <a:bodyPr/>
                     <a:lstStyle/>
                     <a:p>
-                      <a:endParaRPr lang="en-US" dirty="0"/>
+                      <a:r>
+                        <a:rPr lang="en-US" dirty="0" smtClean="0"/>
+                        <a:t>None</a:t>
+                      </a:r>
                     </a:p>
                   </a:txBody>
                   <a:tcPr/>
                 </a:tc>
                 <a:extLst>
                   <a:ext uri="{0D108BD9-81ED-4DB2-BD59-A6C34878D82A}">
-                    <a16:rowId xmlns:a16="http://schemas.microsoft.com/office/drawing/2014/main" xmlns="" val="207666318"/>
+                    <a16:rowId xmlns="" xmlns:a16="http://schemas.microsoft.com/office/drawing/2014/main" val="2041197959"/>
                   </a:ext>
                 </a:extLst>
               </a:tr>
@@ -8856,134 +5833,30 @@
                     <a:lstStyle/>
                     <a:p>
                       <a:r>
+                        <a:rPr lang="en-US" dirty="0" err="1" smtClean="0"/>
+                        <a:t>OpenStreetMap</a:t>
+                      </a:r>
+                      <a:endParaRPr lang="en-US" dirty="0"/>
+                    </a:p>
+                  </a:txBody>
+                  <a:tcPr/>
+                </a:tc>
+                <a:tc>
+                  <a:txBody>
+                    <a:bodyPr/>
+                    <a:lstStyle/>
+                    <a:p>
+                      <a:r>
                         <a:rPr lang="en-US" dirty="0" smtClean="0"/>
-                        <a:t>Google Maps</a:t>
-                      </a:r>
-                      <a:endParaRPr lang="en-US" dirty="0"/>
-                    </a:p>
-                  </a:txBody>
-                  <a:tcPr/>
-                </a:tc>
-                <a:tc>
-                  <a:txBody>
-                    <a:bodyPr/>
-                    <a:lstStyle/>
-                    <a:p>
-                      <a:r>
-                        <a:rPr lang="en-US" dirty="0" smtClean="0"/>
-                        <a:t>Tutorial</a:t>
-                      </a:r>
-                      <a:endParaRPr lang="en-US" dirty="0"/>
+                        <a:t>None</a:t>
+                      </a:r>
                     </a:p>
                   </a:txBody>
                   <a:tcPr/>
                 </a:tc>
                 <a:extLst>
                   <a:ext uri="{0D108BD9-81ED-4DB2-BD59-A6C34878D82A}">
-                    <a16:rowId xmlns:a16="http://schemas.microsoft.com/office/drawing/2014/main" xmlns="" val="4219954106"/>
-                  </a:ext>
-                </a:extLst>
-              </a:tr>
-              <a:tr h="370840">
-                <a:tc>
-                  <a:txBody>
-                    <a:bodyPr/>
-                    <a:lstStyle/>
-                    <a:p>
-                      <a:r>
-                        <a:rPr lang="en-US" dirty="0" smtClean="0"/>
-                        <a:t>Microsoft Bing Maps</a:t>
-                      </a:r>
-                      <a:endParaRPr lang="en-US" dirty="0"/>
-                    </a:p>
-                  </a:txBody>
-                  <a:tcPr/>
-                </a:tc>
-                <a:tc>
-                  <a:txBody>
-                    <a:bodyPr/>
-                    <a:lstStyle/>
-                    <a:p>
-                      <a:r>
-                        <a:rPr lang="en-US" dirty="0" smtClean="0"/>
-                        <a:t>None</a:t>
-                      </a:r>
-                      <a:endParaRPr lang="en-US" dirty="0"/>
-                    </a:p>
-                  </a:txBody>
-                  <a:tcPr/>
-                </a:tc>
-                <a:extLst>
-                  <a:ext uri="{0D108BD9-81ED-4DB2-BD59-A6C34878D82A}">
-                    <a16:rowId xmlns:a16="http://schemas.microsoft.com/office/drawing/2014/main" xmlns="" val="2908311740"/>
-                  </a:ext>
-                </a:extLst>
-              </a:tr>
-              <a:tr h="370840">
-                <a:tc>
-                  <a:txBody>
-                    <a:bodyPr/>
-                    <a:lstStyle/>
-                    <a:p>
-                      <a:r>
-                        <a:rPr lang="en-US" dirty="0" smtClean="0"/>
-                        <a:t>Open Layers</a:t>
-                      </a:r>
-                      <a:endParaRPr lang="en-US" dirty="0"/>
-                    </a:p>
-                  </a:txBody>
-                  <a:tcPr/>
-                </a:tc>
-                <a:tc>
-                  <a:txBody>
-                    <a:bodyPr/>
-                    <a:lstStyle/>
-                    <a:p>
-                      <a:r>
-                        <a:rPr lang="en-US" dirty="0" smtClean="0"/>
-                        <a:t>None</a:t>
-                      </a:r>
-                    </a:p>
-                  </a:txBody>
-                  <a:tcPr/>
-                </a:tc>
-                <a:extLst>
-                  <a:ext uri="{0D108BD9-81ED-4DB2-BD59-A6C34878D82A}">
-                    <a16:rowId xmlns:a16="http://schemas.microsoft.com/office/drawing/2014/main" xmlns="" val="2041197959"/>
-                  </a:ext>
-                </a:extLst>
-              </a:tr>
-              <a:tr h="370840">
-                <a:tc>
-                  <a:txBody>
-                    <a:bodyPr/>
-                    <a:lstStyle/>
-                    <a:p>
-                      <a:r>
-                        <a:rPr lang="en-US" dirty="0" err="1" smtClean="0"/>
-                        <a:t>OpenStreetMap</a:t>
-                      </a:r>
-                      <a:endParaRPr lang="en-US" dirty="0"/>
-                    </a:p>
-                  </a:txBody>
-                  <a:tcPr/>
-                </a:tc>
-                <a:tc>
-                  <a:txBody>
-                    <a:bodyPr/>
-                    <a:lstStyle/>
-                    <a:p>
-                      <a:r>
-                        <a:rPr lang="en-US" dirty="0" smtClean="0"/>
-                        <a:t>None</a:t>
-                      </a:r>
-                    </a:p>
-                  </a:txBody>
-                  <a:tcPr/>
-                </a:tc>
-                <a:extLst>
-                  <a:ext uri="{0D108BD9-81ED-4DB2-BD59-A6C34878D82A}">
-                    <a16:rowId xmlns:a16="http://schemas.microsoft.com/office/drawing/2014/main" xmlns="" val="1620820458"/>
+                    <a16:rowId xmlns="" xmlns:a16="http://schemas.microsoft.com/office/drawing/2014/main" val="1620820458"/>
                   </a:ext>
                 </a:extLst>
               </a:tr>
@@ -9106,7 +5979,7 @@
   <p:timing>
     <p:tnLst>
       <p:par>
-        <p:cTn id="1" dur="indefinite" restart="never" nodeType="tmRoot"/>
+        <p:cTn xmlns:p14="http://schemas.microsoft.com/office/powerpoint/2010/main" id="1" dur="indefinite" restart="never" nodeType="tmRoot"/>
       </p:par>
     </p:tnLst>
   </p:timing>
@@ -9163,14 +6036,14 @@
             <p:ph idx="1"/>
             <p:extLst>
               <p:ext uri="{D42A27DB-BD31-4B8C-83A1-F6EECF244321}">
-                <p14:modId xmlns:p14="http://schemas.microsoft.com/office/powerpoint/2010/main" val="4108653627"/>
+                <p14:modId xmlns:p14="http://schemas.microsoft.com/office/powerpoint/2010/main" val="2840570419"/>
               </p:ext>
             </p:extLst>
           </p:nvPr>
         </p:nvGraphicFramePr>
         <p:xfrm>
           <a:off x="609600" y="1600200"/>
-          <a:ext cx="10972800" cy="4450080"/>
+          <a:ext cx="10972800" cy="2225040"/>
         </p:xfrm>
         <a:graphic>
           <a:graphicData uri="http://schemas.openxmlformats.org/drawingml/2006/table">
@@ -9182,14 +6055,14 @@
                 <a:gridCol w="5486400">
                   <a:extLst>
                     <a:ext uri="{9D8B030D-6E8A-4147-A177-3AD203B41FA5}">
-                      <a16:colId xmlns:a16="http://schemas.microsoft.com/office/drawing/2014/main" xmlns="" val="4024214062"/>
+                      <a16:colId xmlns="" xmlns:a16="http://schemas.microsoft.com/office/drawing/2014/main" val="4024214062"/>
                     </a:ext>
                   </a:extLst>
                 </a:gridCol>
                 <a:gridCol w="5486400">
                   <a:extLst>
                     <a:ext uri="{9D8B030D-6E8A-4147-A177-3AD203B41FA5}">
-                      <a16:colId xmlns:a16="http://schemas.microsoft.com/office/drawing/2014/main" xmlns="" val="1838665537"/>
+                      <a16:colId xmlns="" xmlns:a16="http://schemas.microsoft.com/office/drawing/2014/main" val="1838665537"/>
                     </a:ext>
                   </a:extLst>
                 </a:gridCol>
@@ -9221,7 +6094,7 @@
                 </a:tc>
                 <a:extLst>
                   <a:ext uri="{0D108BD9-81ED-4DB2-BD59-A6C34878D82A}">
-                    <a16:rowId xmlns:a16="http://schemas.microsoft.com/office/drawing/2014/main" xmlns="" val="986279335"/>
+                    <a16:rowId xmlns="" xmlns:a16="http://schemas.microsoft.com/office/drawing/2014/main" val="986279335"/>
                   </a:ext>
                 </a:extLst>
               </a:tr>
@@ -9252,7 +6125,7 @@
                 </a:tc>
                 <a:extLst>
                   <a:ext uri="{0D108BD9-81ED-4DB2-BD59-A6C34878D82A}">
-                    <a16:rowId xmlns:a16="http://schemas.microsoft.com/office/drawing/2014/main" xmlns="" val="2649700066"/>
+                    <a16:rowId xmlns="" xmlns:a16="http://schemas.microsoft.com/office/drawing/2014/main" val="2649700066"/>
                   </a:ext>
                 </a:extLst>
               </a:tr>
@@ -9287,7 +6160,7 @@
                 </a:tc>
                 <a:extLst>
                   <a:ext uri="{0D108BD9-81ED-4DB2-BD59-A6C34878D82A}">
-                    <a16:rowId xmlns:a16="http://schemas.microsoft.com/office/drawing/2014/main" xmlns="" val="309961168"/>
+                    <a16:rowId xmlns="" xmlns:a16="http://schemas.microsoft.com/office/drawing/2014/main" val="309961168"/>
                   </a:ext>
                 </a:extLst>
               </a:tr>
@@ -9322,7 +6195,7 @@
                 </a:tc>
                 <a:extLst>
                   <a:ext uri="{0D108BD9-81ED-4DB2-BD59-A6C34878D82A}">
-                    <a16:rowId xmlns:a16="http://schemas.microsoft.com/office/drawing/2014/main" xmlns="" val="1746750848"/>
+                    <a16:rowId xmlns="" xmlns:a16="http://schemas.microsoft.com/office/drawing/2014/main" val="1746750848"/>
                   </a:ext>
                 </a:extLst>
               </a:tr>
@@ -9357,7 +6230,7 @@
                 </a:tc>
                 <a:extLst>
                   <a:ext uri="{0D108BD9-81ED-4DB2-BD59-A6C34878D82A}">
-                    <a16:rowId xmlns:a16="http://schemas.microsoft.com/office/drawing/2014/main" xmlns="" val="2287252683"/>
+                    <a16:rowId xmlns="" xmlns:a16="http://schemas.microsoft.com/office/drawing/2014/main" val="2287252683"/>
                   </a:ext>
                 </a:extLst>
               </a:tr>
@@ -9392,217 +6265,7 @@
                 </a:tc>
                 <a:extLst>
                   <a:ext uri="{0D108BD9-81ED-4DB2-BD59-A6C34878D82A}">
-                    <a16:rowId xmlns:a16="http://schemas.microsoft.com/office/drawing/2014/main" xmlns="" val="3931255069"/>
-                  </a:ext>
-                </a:extLst>
-              </a:tr>
-              <a:tr h="370840">
-                <a:tc>
-                  <a:txBody>
-                    <a:bodyPr/>
-                    <a:lstStyle/>
-                    <a:p>
-                      <a:r>
-                        <a:rPr lang="en-US" dirty="0" smtClean="0"/>
-                        <a:t>JQuery Mobile</a:t>
-                      </a:r>
-                      <a:endParaRPr lang="en-US" dirty="0"/>
-                    </a:p>
-                  </a:txBody>
-                  <a:tcPr/>
-                </a:tc>
-                <a:tc>
-                  <a:txBody>
-                    <a:bodyPr/>
-                    <a:lstStyle/>
-                    <a:p>
-                      <a:r>
-                        <a:rPr lang="en-US" dirty="0" smtClean="0"/>
-                        <a:t>Tutorial</a:t>
-                      </a:r>
-                      <a:endParaRPr lang="en-US" dirty="0"/>
-                    </a:p>
-                  </a:txBody>
-                  <a:tcPr/>
-                </a:tc>
-                <a:extLst>
-                  <a:ext uri="{0D108BD9-81ED-4DB2-BD59-A6C34878D82A}">
-                    <a16:rowId xmlns:a16="http://schemas.microsoft.com/office/drawing/2014/main" xmlns="" val="3016523529"/>
-                  </a:ext>
-                </a:extLst>
-              </a:tr>
-              <a:tr h="370840">
-                <a:tc>
-                  <a:txBody>
-                    <a:bodyPr/>
-                    <a:lstStyle/>
-                    <a:p>
-                      <a:r>
-                        <a:rPr lang="en-US" dirty="0" smtClean="0"/>
-                        <a:t>Bootstrap Framework</a:t>
-                      </a:r>
-                      <a:endParaRPr lang="en-US" dirty="0"/>
-                    </a:p>
-                  </a:txBody>
-                  <a:tcPr/>
-                </a:tc>
-                <a:tc>
-                  <a:txBody>
-                    <a:bodyPr/>
-                    <a:lstStyle/>
-                    <a:p>
-                      <a:r>
-                        <a:rPr lang="en-US" dirty="0" smtClean="0"/>
-                        <a:t>Tutorial</a:t>
-                      </a:r>
-                      <a:endParaRPr lang="en-US" dirty="0"/>
-                    </a:p>
-                  </a:txBody>
-                  <a:tcPr/>
-                </a:tc>
-                <a:extLst>
-                  <a:ext uri="{0D108BD9-81ED-4DB2-BD59-A6C34878D82A}">
-                    <a16:rowId xmlns:a16="http://schemas.microsoft.com/office/drawing/2014/main" xmlns="" val="3948036698"/>
-                  </a:ext>
-                </a:extLst>
-              </a:tr>
-              <a:tr h="370840">
-                <a:tc>
-                  <a:txBody>
-                    <a:bodyPr/>
-                    <a:lstStyle/>
-                    <a:p>
-                      <a:r>
-                        <a:rPr lang="en-US" dirty="0" smtClean="0"/>
-                        <a:t>Iconic Framework</a:t>
-                      </a:r>
-                      <a:endParaRPr lang="en-US" dirty="0"/>
-                    </a:p>
-                  </a:txBody>
-                  <a:tcPr/>
-                </a:tc>
-                <a:tc>
-                  <a:txBody>
-                    <a:bodyPr/>
-                    <a:lstStyle/>
-                    <a:p>
-                      <a:r>
-                        <a:rPr lang="en-US" dirty="0" smtClean="0"/>
-                        <a:t>None</a:t>
-                      </a:r>
-                      <a:endParaRPr lang="en-US" dirty="0"/>
-                    </a:p>
-                  </a:txBody>
-                  <a:tcPr/>
-                </a:tc>
-                <a:extLst>
-                  <a:ext uri="{0D108BD9-81ED-4DB2-BD59-A6C34878D82A}">
-                    <a16:rowId xmlns:a16="http://schemas.microsoft.com/office/drawing/2014/main" xmlns="" val="1862235874"/>
-                  </a:ext>
-                </a:extLst>
-              </a:tr>
-              <a:tr h="370840">
-                <a:tc>
-                  <a:txBody>
-                    <a:bodyPr/>
-                    <a:lstStyle/>
-                    <a:p>
-                      <a:r>
-                        <a:rPr lang="en-US" dirty="0" smtClean="0"/>
-                        <a:t>Web Server</a:t>
-                      </a:r>
-                      <a:r>
-                        <a:rPr lang="en-US" baseline="0" dirty="0" smtClean="0"/>
-                        <a:t> Scripting</a:t>
-                      </a:r>
-                      <a:endParaRPr lang="en-US" dirty="0"/>
-                    </a:p>
-                  </a:txBody>
-                  <a:tcPr/>
-                </a:tc>
-                <a:tc>
-                  <a:txBody>
-                    <a:bodyPr/>
-                    <a:lstStyle/>
-                    <a:p>
-                      <a:endParaRPr lang="en-US" dirty="0"/>
-                    </a:p>
-                  </a:txBody>
-                  <a:tcPr/>
-                </a:tc>
-                <a:extLst>
-                  <a:ext uri="{0D108BD9-81ED-4DB2-BD59-A6C34878D82A}">
-                    <a16:rowId xmlns:a16="http://schemas.microsoft.com/office/drawing/2014/main" xmlns="" val="1952473074"/>
-                  </a:ext>
-                </a:extLst>
-              </a:tr>
-              <a:tr h="370840">
-                <a:tc>
-                  <a:txBody>
-                    <a:bodyPr/>
-                    <a:lstStyle/>
-                    <a:p>
-                      <a:r>
-                        <a:rPr lang="en-US" dirty="0" smtClean="0"/>
-                        <a:t>PHP</a:t>
-                      </a:r>
-                      <a:endParaRPr lang="en-US" dirty="0"/>
-                    </a:p>
-                  </a:txBody>
-                  <a:tcPr/>
-                </a:tc>
-                <a:tc>
-                  <a:txBody>
-                    <a:bodyPr/>
-                    <a:lstStyle/>
-                    <a:p>
-                      <a:r>
-                        <a:rPr lang="en-US" dirty="0" smtClean="0"/>
-                        <a:t>Small Scale</a:t>
-                      </a:r>
-                      <a:endParaRPr lang="en-US" dirty="0"/>
-                    </a:p>
-                  </a:txBody>
-                  <a:tcPr/>
-                </a:tc>
-                <a:extLst>
-                  <a:ext uri="{0D108BD9-81ED-4DB2-BD59-A6C34878D82A}">
-                    <a16:rowId xmlns:a16="http://schemas.microsoft.com/office/drawing/2014/main" xmlns="" val="3794391533"/>
-                  </a:ext>
-                </a:extLst>
-              </a:tr>
-              <a:tr h="370840">
-                <a:tc>
-                  <a:txBody>
-                    <a:bodyPr/>
-                    <a:lstStyle/>
-                    <a:p>
-                      <a:r>
-                        <a:rPr lang="en-US" dirty="0" smtClean="0"/>
-                        <a:t>Microsoft ASP.NET</a:t>
-                      </a:r>
-                      <a:endParaRPr lang="en-US" dirty="0"/>
-                    </a:p>
-                  </a:txBody>
-                  <a:tcPr/>
-                </a:tc>
-                <a:tc>
-                  <a:txBody>
-                    <a:bodyPr/>
-                    <a:lstStyle/>
-                    <a:p>
-                      <a:r>
-                        <a:rPr lang="en-US" dirty="0" smtClean="0"/>
-                        <a:t>None</a:t>
-                      </a:r>
-                      <a:endParaRPr lang="en-US" dirty="0"/>
-                    </a:p>
-                  </a:txBody>
-                  <a:tcPr/>
-                </a:tc>
-                <a:extLst>
-                  <a:ext uri="{0D108BD9-81ED-4DB2-BD59-A6C34878D82A}">
-                    <a16:rowId xmlns:a16="http://schemas.microsoft.com/office/drawing/2014/main" xmlns="" val="4213279396"/>
+                    <a16:rowId xmlns="" xmlns:a16="http://schemas.microsoft.com/office/drawing/2014/main" val="3931255069"/>
                   </a:ext>
                 </a:extLst>
               </a:tr>
@@ -9725,7 +6388,7 @@
   <p:timing>
     <p:tnLst>
       <p:par>
-        <p:cTn id="1" dur="indefinite" restart="never" nodeType="tmRoot"/>
+        <p:cTn xmlns:p14="http://schemas.microsoft.com/office/powerpoint/2010/main" id="1" dur="indefinite" restart="never" nodeType="tmRoot"/>
       </p:par>
     </p:tnLst>
   </p:timing>
@@ -9782,14 +6445,14 @@
             <p:ph idx="1"/>
             <p:extLst>
               <p:ext uri="{D42A27DB-BD31-4B8C-83A1-F6EECF244321}">
-                <p14:modId xmlns:p14="http://schemas.microsoft.com/office/powerpoint/2010/main" val="445838289"/>
+                <p14:modId xmlns:p14="http://schemas.microsoft.com/office/powerpoint/2010/main" val="1258884260"/>
               </p:ext>
             </p:extLst>
           </p:nvPr>
         </p:nvGraphicFramePr>
         <p:xfrm>
           <a:off x="609600" y="1600200"/>
-          <a:ext cx="10972800" cy="3505200"/>
+          <a:ext cx="10972800" cy="2865120"/>
         </p:xfrm>
         <a:graphic>
           <a:graphicData uri="http://schemas.openxmlformats.org/drawingml/2006/table">
@@ -9801,14 +6464,14 @@
                 <a:gridCol w="5486400">
                   <a:extLst>
                     <a:ext uri="{9D8B030D-6E8A-4147-A177-3AD203B41FA5}">
-                      <a16:colId xmlns:a16="http://schemas.microsoft.com/office/drawing/2014/main" xmlns="" val="3661438328"/>
+                      <a16:colId xmlns="" xmlns:a16="http://schemas.microsoft.com/office/drawing/2014/main" val="3661438328"/>
                     </a:ext>
                   </a:extLst>
                 </a:gridCol>
                 <a:gridCol w="5486400">
                   <a:extLst>
                     <a:ext uri="{9D8B030D-6E8A-4147-A177-3AD203B41FA5}">
-                      <a16:colId xmlns:a16="http://schemas.microsoft.com/office/drawing/2014/main" xmlns="" val="2462084561"/>
+                      <a16:colId xmlns="" xmlns:a16="http://schemas.microsoft.com/office/drawing/2014/main" val="2462084561"/>
                     </a:ext>
                   </a:extLst>
                 </a:gridCol>
@@ -9844,7 +6507,7 @@
                 </a:tc>
                 <a:extLst>
                   <a:ext uri="{0D108BD9-81ED-4DB2-BD59-A6C34878D82A}">
-                    <a16:rowId xmlns:a16="http://schemas.microsoft.com/office/drawing/2014/main" xmlns="" val="2830022487"/>
+                    <a16:rowId xmlns="" xmlns:a16="http://schemas.microsoft.com/office/drawing/2014/main" val="2830022487"/>
                   </a:ext>
                 </a:extLst>
               </a:tr>
@@ -9879,7 +6542,7 @@
                 </a:tc>
                 <a:extLst>
                   <a:ext uri="{0D108BD9-81ED-4DB2-BD59-A6C34878D82A}">
-                    <a16:rowId xmlns:a16="http://schemas.microsoft.com/office/drawing/2014/main" xmlns="" val="3462792300"/>
+                    <a16:rowId xmlns="" xmlns:a16="http://schemas.microsoft.com/office/drawing/2014/main" val="3462792300"/>
                   </a:ext>
                 </a:extLst>
               </a:tr>
@@ -9891,11 +6554,11 @@
                     <a:p>
                       <a:r>
                         <a:rPr lang="en-US" dirty="0" smtClean="0"/>
-                        <a:t>Limited experience</a:t>
+                        <a:t>No experience with Android</a:t>
                       </a:r>
                       <a:r>
                         <a:rPr lang="en-US" baseline="0" dirty="0" smtClean="0"/>
-                        <a:t> with app development</a:t>
+                        <a:t> development</a:t>
                       </a:r>
                       <a:endParaRPr lang="en-US" dirty="0"/>
                     </a:p>
@@ -9909,11 +6572,11 @@
                     <a:p>
                       <a:r>
                         <a:rPr lang="en-US" dirty="0" smtClean="0"/>
-                        <a:t>Schedule time and work</a:t>
+                        <a:t>Schedule time</a:t>
                       </a:r>
                       <a:r>
                         <a:rPr lang="en-US" baseline="0" dirty="0" smtClean="0"/>
-                        <a:t> through tutorials</a:t>
+                        <a:t> and work through tutorials</a:t>
                       </a:r>
                       <a:endParaRPr lang="en-US" dirty="0"/>
                     </a:p>
@@ -9922,7 +6585,7 @@
                 </a:tc>
                 <a:extLst>
                   <a:ext uri="{0D108BD9-81ED-4DB2-BD59-A6C34878D82A}">
-                    <a16:rowId xmlns:a16="http://schemas.microsoft.com/office/drawing/2014/main" xmlns="" val="3061581558"/>
+                    <a16:rowId xmlns="" xmlns:a16="http://schemas.microsoft.com/office/drawing/2014/main" val="3061581558"/>
                   </a:ext>
                 </a:extLst>
               </a:tr>
@@ -9934,37 +6597,25 @@
                     <a:p>
                       <a:r>
                         <a:rPr lang="en-US" dirty="0" smtClean="0"/>
-                        <a:t>Limited experience with tools (Cordova, </a:t>
-                      </a:r>
-                      <a:r>
-                        <a:rPr lang="en-US" dirty="0" err="1" smtClean="0"/>
-                        <a:t>Git</a:t>
-                      </a:r>
+                        <a:t>Limited experience</a:t>
+                      </a:r>
+                      <a:r>
+                        <a:rPr lang="en-US" baseline="0" dirty="0" smtClean="0"/>
+                        <a:t> with app development</a:t>
+                      </a:r>
+                      <a:endParaRPr lang="en-US" dirty="0"/>
+                    </a:p>
+                  </a:txBody>
+                  <a:tcPr/>
+                </a:tc>
+                <a:tc>
+                  <a:txBody>
+                    <a:bodyPr/>
+                    <a:lstStyle/>
+                    <a:p>
                       <a:r>
                         <a:rPr lang="en-US" dirty="0" smtClean="0"/>
-                        <a:t>,</a:t>
-                      </a:r>
-                      <a:r>
-                        <a:rPr lang="en-US" baseline="0" dirty="0" smtClean="0"/>
-                        <a:t> and Visual Paradigm)</a:t>
-                      </a:r>
-                      <a:endParaRPr lang="en-US" dirty="0"/>
-                    </a:p>
-                  </a:txBody>
-                  <a:tcPr/>
-                </a:tc>
-                <a:tc>
-                  <a:txBody>
-                    <a:bodyPr/>
-                    <a:lstStyle/>
-                    <a:p>
-                      <a:r>
-                        <a:rPr lang="en-US" dirty="0" smtClean="0"/>
-                        <a:t>Schedule time to</a:t>
-                      </a:r>
-                      <a:r>
-                        <a:rPr lang="en-US" baseline="0" dirty="0" smtClean="0"/>
-                        <a:t> learn about the tools and work through the tutorials</a:t>
+                        <a:t>Schedule time and work tutorials</a:t>
                       </a:r>
                       <a:endParaRPr lang="en-US" dirty="0"/>
                     </a:p>
@@ -9973,7 +6624,7 @@
                 </a:tc>
                 <a:extLst>
                   <a:ext uri="{0D108BD9-81ED-4DB2-BD59-A6C34878D82A}">
-                    <a16:rowId xmlns:a16="http://schemas.microsoft.com/office/drawing/2014/main" xmlns="" val="742086977"/>
+                    <a16:rowId xmlns="" xmlns:a16="http://schemas.microsoft.com/office/drawing/2014/main" val="742086977"/>
                   </a:ext>
                 </a:extLst>
               </a:tr>
@@ -9999,11 +6650,7 @@
                     <a:p>
                       <a:r>
                         <a:rPr lang="en-US" dirty="0" smtClean="0"/>
-                        <a:t>Plan meetings far</a:t>
-                      </a:r>
-                      <a:r>
-                        <a:rPr lang="en-US" baseline="0" dirty="0" smtClean="0"/>
-                        <a:t> in advance and communication in dividing work</a:t>
+                        <a:t>Plan meetings for in advance</a:t>
                       </a:r>
                       <a:endParaRPr lang="en-US" dirty="0"/>
                     </a:p>
@@ -10012,7 +6659,7 @@
                 </a:tc>
                 <a:extLst>
                   <a:ext uri="{0D108BD9-81ED-4DB2-BD59-A6C34878D82A}">
-                    <a16:rowId xmlns:a16="http://schemas.microsoft.com/office/drawing/2014/main" xmlns="" val="2361850435"/>
+                    <a16:rowId xmlns="" xmlns:a16="http://schemas.microsoft.com/office/drawing/2014/main" val="2361850435"/>
                   </a:ext>
                 </a:extLst>
               </a:tr>
@@ -10024,11 +6671,11 @@
                     <a:p>
                       <a:r>
                         <a:rPr lang="en-US" dirty="0" smtClean="0"/>
-                        <a:t>No experience</a:t>
+                        <a:t>No experience accessing GPS</a:t>
                       </a:r>
                       <a:r>
                         <a:rPr lang="en-US" baseline="0" dirty="0" smtClean="0"/>
-                        <a:t> accessing GPS in mobile</a:t>
+                        <a:t> in mobile apps</a:t>
                       </a:r>
                       <a:endParaRPr lang="en-US" dirty="0"/>
                     </a:p>
@@ -10042,11 +6689,7 @@
                     <a:p>
                       <a:r>
                         <a:rPr lang="en-US" dirty="0" smtClean="0"/>
-                        <a:t>Schedule</a:t>
-                      </a:r>
-                      <a:r>
-                        <a:rPr lang="en-US" baseline="0" dirty="0" smtClean="0"/>
-                        <a:t> time to learn and work through tutorials</a:t>
+                        <a:t>Schedule time to learn and work through tutorials</a:t>
                       </a:r>
                       <a:endParaRPr lang="en-US" dirty="0"/>
                     </a:p>
@@ -10055,7 +6698,7 @@
                 </a:tc>
                 <a:extLst>
                   <a:ext uri="{0D108BD9-81ED-4DB2-BD59-A6C34878D82A}">
-                    <a16:rowId xmlns:a16="http://schemas.microsoft.com/office/drawing/2014/main" xmlns="" val="2876776749"/>
+                    <a16:rowId xmlns="" xmlns:a16="http://schemas.microsoft.com/office/drawing/2014/main" val="2876776749"/>
                   </a:ext>
                 </a:extLst>
               </a:tr>
@@ -10067,7 +6710,11 @@
                     <a:p>
                       <a:r>
                         <a:rPr lang="en-US" dirty="0" smtClean="0"/>
-                        <a:t>Limited information on expected product</a:t>
+                        <a:t>No experience</a:t>
+                      </a:r>
+                      <a:r>
+                        <a:rPr lang="en-US" baseline="0" dirty="0" smtClean="0"/>
+                        <a:t> with utilizing Google Maps in mobile apps</a:t>
                       </a:r>
                       <a:endParaRPr lang="en-US" dirty="0"/>
                     </a:p>
@@ -10081,7 +6728,7 @@
                     <a:p>
                       <a:r>
                         <a:rPr lang="en-US" dirty="0" smtClean="0"/>
-                        <a:t>Walkthroughs with end users</a:t>
+                        <a:t>Schedule time to learn and work through tutorials</a:t>
                       </a:r>
                       <a:endParaRPr lang="en-US" dirty="0"/>
                     </a:p>
@@ -10090,46 +6737,7 @@
                 </a:tc>
                 <a:extLst>
                   <a:ext uri="{0D108BD9-81ED-4DB2-BD59-A6C34878D82A}">
-                    <a16:rowId xmlns:a16="http://schemas.microsoft.com/office/drawing/2014/main" xmlns="" val="2847548840"/>
-                  </a:ext>
-                </a:extLst>
-              </a:tr>
-              <a:tr h="370840">
-                <a:tc>
-                  <a:txBody>
-                    <a:bodyPr/>
-                    <a:lstStyle/>
-                    <a:p>
-                      <a:r>
-                        <a:rPr lang="en-US" dirty="0" smtClean="0"/>
-                        <a:t>Limited time to finish product</a:t>
-                      </a:r>
-                      <a:endParaRPr lang="en-US" dirty="0"/>
-                    </a:p>
-                  </a:txBody>
-                  <a:tcPr/>
-                </a:tc>
-                <a:tc>
-                  <a:txBody>
-                    <a:bodyPr/>
-                    <a:lstStyle/>
-                    <a:p>
-                      <a:r>
-                        <a:rPr lang="en-US" dirty="0" smtClean="0"/>
-                        <a:t>Manage</a:t>
-                      </a:r>
-                      <a:r>
-                        <a:rPr lang="en-US" baseline="0" dirty="0" smtClean="0"/>
-                        <a:t> time efficiently</a:t>
-                      </a:r>
-                      <a:endParaRPr lang="en-US" dirty="0"/>
-                    </a:p>
-                  </a:txBody>
-                  <a:tcPr/>
-                </a:tc>
-                <a:extLst>
-                  <a:ext uri="{0D108BD9-81ED-4DB2-BD59-A6C34878D82A}">
-                    <a16:rowId xmlns:a16="http://schemas.microsoft.com/office/drawing/2014/main" xmlns="" val="1662843150"/>
+                    <a16:rowId xmlns="" xmlns:a16="http://schemas.microsoft.com/office/drawing/2014/main" val="2847548840"/>
                   </a:ext>
                 </a:extLst>
               </a:tr>
@@ -10252,7 +6860,7 @@
   <p:timing>
     <p:tnLst>
       <p:par>
-        <p:cTn id="1" dur="indefinite" restart="never" nodeType="tmRoot"/>
+        <p:cTn xmlns:p14="http://schemas.microsoft.com/office/powerpoint/2010/main" id="1" dur="indefinite" restart="never" nodeType="tmRoot"/>
       </p:par>
     </p:tnLst>
   </p:timing>
@@ -10299,6 +6907,381 @@
           </a:p>
         </p:txBody>
       </p:sp>
+      <p:graphicFrame>
+        <p:nvGraphicFramePr>
+          <p:cNvPr id="4" name="Content Placeholder 3"/>
+          <p:cNvGraphicFramePr>
+            <a:graphicFrameLocks noGrp="1"/>
+          </p:cNvGraphicFramePr>
+          <p:nvPr>
+            <p:ph idx="1"/>
+            <p:extLst>
+              <p:ext uri="{D42A27DB-BD31-4B8C-83A1-F6EECF244321}">
+                <p14:modId xmlns:p14="http://schemas.microsoft.com/office/powerpoint/2010/main" val="3171182788"/>
+              </p:ext>
+            </p:extLst>
+          </p:nvPr>
+        </p:nvGraphicFramePr>
+        <p:xfrm>
+          <a:off x="609600" y="1600200"/>
+          <a:ext cx="10972800" cy="4119879"/>
+        </p:xfrm>
+        <a:graphic>
+          <a:graphicData uri="http://schemas.openxmlformats.org/drawingml/2006/table">
+            <a:tbl>
+              <a:tblPr firstRow="1" bandRow="1">
+                <a:tableStyleId>{5C22544A-7EE6-4342-B048-85BDC9FD1C3A}</a:tableStyleId>
+              </a:tblPr>
+              <a:tblGrid>
+                <a:gridCol w="2743200">
+                  <a:extLst>
+                    <a:ext uri="{9D8B030D-6E8A-4147-A177-3AD203B41FA5}">
+                      <a16:colId xmlns="" xmlns:a16="http://schemas.microsoft.com/office/drawing/2014/main" val="4007007747"/>
+                    </a:ext>
+                  </a:extLst>
+                </a:gridCol>
+                <a:gridCol w="2743200">
+                  <a:extLst>
+                    <a:ext uri="{9D8B030D-6E8A-4147-A177-3AD203B41FA5}">
+                      <a16:colId xmlns="" xmlns:a16="http://schemas.microsoft.com/office/drawing/2014/main" val="2089765381"/>
+                    </a:ext>
+                  </a:extLst>
+                </a:gridCol>
+                <a:gridCol w="2743200">
+                  <a:extLst>
+                    <a:ext uri="{9D8B030D-6E8A-4147-A177-3AD203B41FA5}">
+                      <a16:colId xmlns="" xmlns:a16="http://schemas.microsoft.com/office/drawing/2014/main" val="2946535250"/>
+                    </a:ext>
+                  </a:extLst>
+                </a:gridCol>
+                <a:gridCol w="2743200">
+                  <a:extLst>
+                    <a:ext uri="{9D8B030D-6E8A-4147-A177-3AD203B41FA5}">
+                      <a16:colId xmlns="" xmlns:a16="http://schemas.microsoft.com/office/drawing/2014/main" val="2232881725"/>
+                    </a:ext>
+                  </a:extLst>
+                </a:gridCol>
+              </a:tblGrid>
+              <a:tr h="370840">
+                <a:tc>
+                  <a:txBody>
+                    <a:bodyPr/>
+                    <a:lstStyle/>
+                    <a:p>
+                      <a:r>
+                        <a:rPr lang="en-US" dirty="0" smtClean="0"/>
+                        <a:t>Screen/Report</a:t>
+                      </a:r>
+                      <a:endParaRPr lang="en-US" dirty="0"/>
+                    </a:p>
+                  </a:txBody>
+                  <a:tcPr/>
+                </a:tc>
+                <a:tc>
+                  <a:txBody>
+                    <a:bodyPr/>
+                    <a:lstStyle/>
+                    <a:p>
+                      <a:r>
+                        <a:rPr lang="en-US" dirty="0" smtClean="0"/>
+                        <a:t>Complexity</a:t>
+                      </a:r>
+                      <a:endParaRPr lang="en-US" dirty="0"/>
+                    </a:p>
+                  </a:txBody>
+                  <a:tcPr/>
+                </a:tc>
+                <a:tc>
+                  <a:txBody>
+                    <a:bodyPr/>
+                    <a:lstStyle/>
+                    <a:p>
+                      <a:r>
+                        <a:rPr lang="en-US" dirty="0" smtClean="0"/>
+                        <a:t>Object Points</a:t>
+                      </a:r>
+                      <a:endParaRPr lang="en-US" dirty="0"/>
+                    </a:p>
+                  </a:txBody>
+                  <a:tcPr/>
+                </a:tc>
+                <a:tc>
+                  <a:txBody>
+                    <a:bodyPr/>
+                    <a:lstStyle/>
+                    <a:p>
+                      <a:r>
+                        <a:rPr lang="en-US" dirty="0" smtClean="0"/>
+                        <a:t>Notes</a:t>
+                      </a:r>
+                      <a:endParaRPr lang="en-US" dirty="0"/>
+                    </a:p>
+                  </a:txBody>
+                  <a:tcPr/>
+                </a:tc>
+                <a:extLst>
+                  <a:ext uri="{0D108BD9-81ED-4DB2-BD59-A6C34878D82A}">
+                    <a16:rowId xmlns="" xmlns:a16="http://schemas.microsoft.com/office/drawing/2014/main" val="2585052838"/>
+                  </a:ext>
+                </a:extLst>
+              </a:tr>
+              <a:tr h="529883">
+                <a:tc>
+                  <a:txBody>
+                    <a:bodyPr/>
+                    <a:lstStyle/>
+                    <a:p>
+                      <a:r>
+                        <a:rPr lang="en-US" dirty="0">
+                          <a:effectLst/>
+                        </a:rPr>
+                        <a:t>View Campus</a:t>
+                      </a:r>
+                    </a:p>
+                  </a:txBody>
+                  <a:tcPr marL="123825" marR="123825" marT="57150" marB="57150" anchor="ctr"/>
+                </a:tc>
+                <a:tc>
+                  <a:txBody>
+                    <a:bodyPr/>
+                    <a:lstStyle/>
+                    <a:p>
+                      <a:r>
+                        <a:rPr lang="en-US">
+                          <a:effectLst/>
+                        </a:rPr>
+                        <a:t>1</a:t>
+                      </a:r>
+                    </a:p>
+                  </a:txBody>
+                  <a:tcPr marL="123825" marR="123825" marT="57150" marB="57150" anchor="ctr"/>
+                </a:tc>
+                <a:tc>
+                  <a:txBody>
+                    <a:bodyPr/>
+                    <a:lstStyle/>
+                    <a:p>
+                      <a:r>
+                        <a:rPr lang="en-US">
+                          <a:effectLst/>
+                        </a:rPr>
+                        <a:t>1</a:t>
+                      </a:r>
+                    </a:p>
+                  </a:txBody>
+                  <a:tcPr marL="123825" marR="123825" marT="57150" marB="57150" anchor="ctr"/>
+                </a:tc>
+                <a:tc>
+                  <a:txBody>
+                    <a:bodyPr/>
+                    <a:lstStyle/>
+                    <a:p>
+                      <a:r>
+                        <a:rPr lang="en-US" dirty="0">
+                          <a:effectLst/>
+                        </a:rPr>
+                        <a:t>Screen will be constructed by reading Drury location from the data source</a:t>
+                      </a:r>
+                      <a:r>
+                        <a:rPr lang="en-US" dirty="0" smtClean="0">
+                          <a:effectLst/>
+                        </a:rPr>
+                        <a:t>.</a:t>
+                      </a:r>
+                    </a:p>
+                  </a:txBody>
+                  <a:tcPr marL="123825" marR="123825" marT="57150" marB="57150" anchor="ctr"/>
+                </a:tc>
+                <a:extLst>
+                  <a:ext uri="{0D108BD9-81ED-4DB2-BD59-A6C34878D82A}">
+                    <a16:rowId xmlns="" xmlns:a16="http://schemas.microsoft.com/office/drawing/2014/main" val="1152342311"/>
+                  </a:ext>
+                </a:extLst>
+              </a:tr>
+              <a:tr h="370840">
+                <a:tc>
+                  <a:txBody>
+                    <a:bodyPr/>
+                    <a:lstStyle/>
+                    <a:p>
+                      <a:r>
+                        <a:rPr lang="en-US" dirty="0">
+                          <a:effectLst/>
+                        </a:rPr>
+                        <a:t>Take 21 Tree Tour</a:t>
+                      </a:r>
+                    </a:p>
+                  </a:txBody>
+                  <a:tcPr marL="123825" marR="123825" marT="57150" marB="57150" anchor="ctr"/>
+                </a:tc>
+                <a:tc>
+                  <a:txBody>
+                    <a:bodyPr/>
+                    <a:lstStyle/>
+                    <a:p>
+                      <a:r>
+                        <a:rPr lang="en-US">
+                          <a:effectLst/>
+                        </a:rPr>
+                        <a:t>2</a:t>
+                      </a:r>
+                    </a:p>
+                  </a:txBody>
+                  <a:tcPr marL="123825" marR="123825" marT="57150" marB="57150" anchor="ctr"/>
+                </a:tc>
+                <a:tc>
+                  <a:txBody>
+                    <a:bodyPr/>
+                    <a:lstStyle/>
+                    <a:p>
+                      <a:r>
+                        <a:rPr lang="en-US">
+                          <a:effectLst/>
+                        </a:rPr>
+                        <a:t>2</a:t>
+                      </a:r>
+                    </a:p>
+                  </a:txBody>
+                  <a:tcPr marL="123825" marR="123825" marT="57150" marB="57150" anchor="ctr"/>
+                </a:tc>
+                <a:tc>
+                  <a:txBody>
+                    <a:bodyPr/>
+                    <a:lstStyle/>
+                    <a:p>
+                      <a:r>
+                        <a:rPr lang="en-US">
+                          <a:effectLst/>
+                        </a:rPr>
+                        <a:t>Screen will be constructed by Drury's location and individual location from the data source.</a:t>
+                      </a:r>
+                    </a:p>
+                  </a:txBody>
+                  <a:tcPr marL="123825" marR="123825" marT="57150" marB="57150" anchor="ctr"/>
+                </a:tc>
+              </a:tr>
+              <a:tr h="370840">
+                <a:tc>
+                  <a:txBody>
+                    <a:bodyPr/>
+                    <a:lstStyle/>
+                    <a:p>
+                      <a:r>
+                        <a:rPr lang="en-US" b="1" dirty="0" err="1">
+                          <a:effectLst/>
+                        </a:rPr>
+                        <a:t>Subscreen</a:t>
+                      </a:r>
+                      <a:endParaRPr lang="en-US" dirty="0">
+                        <a:effectLst/>
+                      </a:endParaRPr>
+                    </a:p>
+                  </a:txBody>
+                  <a:tcPr marL="123825" marR="123825" marT="57150" marB="57150" anchor="ctr"/>
+                </a:tc>
+                <a:tc>
+                  <a:txBody>
+                    <a:bodyPr/>
+                    <a:lstStyle/>
+                    <a:p>
+                      <a:endParaRPr lang="en-US">
+                        <a:effectLst/>
+                      </a:endParaRPr>
+                    </a:p>
+                  </a:txBody>
+                  <a:tcPr marL="123825" marR="123825" marT="57150" marB="57150" anchor="ctr"/>
+                </a:tc>
+                <a:tc>
+                  <a:txBody>
+                    <a:bodyPr/>
+                    <a:lstStyle/>
+                    <a:p>
+                      <a:endParaRPr lang="en-US">
+                        <a:effectLst/>
+                      </a:endParaRPr>
+                    </a:p>
+                  </a:txBody>
+                  <a:tcPr marL="123825" marR="123825" marT="57150" marB="57150" anchor="ctr"/>
+                </a:tc>
+                <a:tc>
+                  <a:txBody>
+                    <a:bodyPr/>
+                    <a:lstStyle/>
+                    <a:p>
+                      <a:endParaRPr lang="en-US">
+                        <a:effectLst/>
+                      </a:endParaRPr>
+                    </a:p>
+                  </a:txBody>
+                  <a:tcPr marL="123825" marR="123825" marT="57150" marB="57150" anchor="ctr"/>
+                </a:tc>
+              </a:tr>
+              <a:tr h="370840">
+                <a:tc>
+                  <a:txBody>
+                    <a:bodyPr/>
+                    <a:lstStyle/>
+                    <a:p>
+                      <a:r>
+                        <a:rPr lang="en-US" dirty="0">
+                          <a:effectLst/>
+                        </a:rPr>
+                        <a:t>Read About Trees</a:t>
+                      </a:r>
+                    </a:p>
+                  </a:txBody>
+                  <a:tcPr marL="123825" marR="123825" marT="57150" marB="57150" anchor="ctr"/>
+                </a:tc>
+                <a:tc>
+                  <a:txBody>
+                    <a:bodyPr/>
+                    <a:lstStyle/>
+                    <a:p>
+                      <a:r>
+                        <a:rPr lang="en-US" dirty="0">
+                          <a:effectLst/>
+                        </a:rPr>
+                        <a:t>1</a:t>
+                      </a:r>
+                    </a:p>
+                  </a:txBody>
+                  <a:tcPr marL="123825" marR="123825" marT="57150" marB="57150" anchor="ctr"/>
+                </a:tc>
+                <a:tc>
+                  <a:txBody>
+                    <a:bodyPr/>
+                    <a:lstStyle/>
+                    <a:p>
+                      <a:r>
+                        <a:rPr lang="en-US" dirty="0">
+                          <a:effectLst/>
+                        </a:rPr>
+                        <a:t>1</a:t>
+                      </a:r>
+                    </a:p>
+                  </a:txBody>
+                  <a:tcPr marL="123825" marR="123825" marT="57150" marB="57150" anchor="ctr"/>
+                </a:tc>
+                <a:tc>
+                  <a:txBody>
+                    <a:bodyPr/>
+                    <a:lstStyle/>
+                    <a:p>
+                      <a:r>
+                        <a:rPr lang="en-US" dirty="0">
+                          <a:effectLst/>
+                        </a:rPr>
+                        <a:t>Simple text with some images on screen.</a:t>
+                      </a:r>
+                    </a:p>
+                  </a:txBody>
+                  <a:tcPr marL="123825" marR="123825" marT="57150" marB="57150" anchor="ctr"/>
+                </a:tc>
+              </a:tr>
+            </a:tbl>
+          </a:graphicData>
+        </a:graphic>
+      </p:graphicFrame>
       <p:pic>
         <p:nvPicPr>
           <p:cNvPr id="5" name="Picture 4" descr="TeamLogo.png"/>
@@ -10389,40 +7372,10 @@
           </a:p>
         </p:txBody>
       </p:sp>
-      <p:pic>
-        <p:nvPicPr>
-          <p:cNvPr id="9" name="Picture 8" descr="Screen Shot 2017-04-05 at 11.26.25 AM.png"/>
-          <p:cNvPicPr>
-            <a:picLocks noChangeAspect="1"/>
-          </p:cNvPicPr>
-          <p:nvPr/>
-        </p:nvPicPr>
-        <p:blipFill>
-          <a:blip r:embed="rId3">
-            <a:extLst>
-              <a:ext uri="{28A0092B-C50C-407E-A947-70E740481C1C}">
-                <a14:useLocalDpi xmlns:a14="http://schemas.microsoft.com/office/drawing/2010/main" val="0"/>
-              </a:ext>
-            </a:extLst>
-          </a:blip>
-          <a:stretch>
-            <a:fillRect/>
-          </a:stretch>
-        </p:blipFill>
-        <p:spPr>
-          <a:xfrm>
-            <a:off x="3592455" y="1646017"/>
-            <a:ext cx="4913333" cy="4606250"/>
-          </a:xfrm>
-          <a:prstGeom prst="rect">
-            <a:avLst/>
-          </a:prstGeom>
-        </p:spPr>
-      </p:pic>
     </p:spTree>
     <p:extLst>
       <p:ext uri="{BB962C8B-B14F-4D97-AF65-F5344CB8AC3E}">
-        <p14:creationId xmlns:p14="http://schemas.microsoft.com/office/powerpoint/2010/main" val="454833290"/>
+        <p14:creationId xmlns:p14="http://schemas.microsoft.com/office/powerpoint/2010/main" val="2494252465"/>
       </p:ext>
     </p:extLst>
   </p:cSld>
@@ -10444,7 +7397,7 @@
   <p:timing>
     <p:tnLst>
       <p:par>
-        <p:cTn id="1" dur="indefinite" restart="never" nodeType="tmRoot"/>
+        <p:cTn xmlns:p14="http://schemas.microsoft.com/office/powerpoint/2010/main" id="1" dur="indefinite" restart="never" nodeType="tmRoot"/>
       </p:par>
     </p:tnLst>
   </p:timing>
@@ -10484,10 +7437,9 @@
           <a:lstStyle/>
           <a:p>
             <a:r>
-              <a:rPr lang="en-US" dirty="0" smtClean="0"/>
-              <a:t>Effort Estimate</a:t>
-            </a:r>
-            <a:endParaRPr lang="en-US" dirty="0"/>
+              <a:rPr lang="en-US" dirty="0"/>
+              <a:t>Effort Estimate Assumptions</a:t>
+            </a:r>
           </a:p>
         </p:txBody>
       </p:sp>
@@ -10501,14 +7453,14 @@
             <p:ph idx="1"/>
             <p:extLst>
               <p:ext uri="{D42A27DB-BD31-4B8C-83A1-F6EECF244321}">
-                <p14:modId xmlns:p14="http://schemas.microsoft.com/office/powerpoint/2010/main" val="2850126485"/>
+                <p14:modId xmlns:p14="http://schemas.microsoft.com/office/powerpoint/2010/main" val="3758893795"/>
               </p:ext>
             </p:extLst>
           </p:nvPr>
         </p:nvGraphicFramePr>
         <p:xfrm>
           <a:off x="609600" y="1600200"/>
-          <a:ext cx="10972800" cy="2245360"/>
+          <a:ext cx="10972800" cy="3022599"/>
         </p:xfrm>
         <a:graphic>
           <a:graphicData uri="http://schemas.openxmlformats.org/drawingml/2006/table">
@@ -10520,28 +7472,28 @@
                 <a:gridCol w="2743200">
                   <a:extLst>
                     <a:ext uri="{9D8B030D-6E8A-4147-A177-3AD203B41FA5}">
-                      <a16:colId xmlns:a16="http://schemas.microsoft.com/office/drawing/2014/main" xmlns="" val="4007007747"/>
+                      <a16:colId xmlns="" xmlns:a16="http://schemas.microsoft.com/office/drawing/2014/main" val="4007007747"/>
                     </a:ext>
                   </a:extLst>
                 </a:gridCol>
                 <a:gridCol w="2743200">
                   <a:extLst>
                     <a:ext uri="{9D8B030D-6E8A-4147-A177-3AD203B41FA5}">
-                      <a16:colId xmlns:a16="http://schemas.microsoft.com/office/drawing/2014/main" xmlns="" val="2089765381"/>
+                      <a16:colId xmlns="" xmlns:a16="http://schemas.microsoft.com/office/drawing/2014/main" val="2089765381"/>
                     </a:ext>
                   </a:extLst>
                 </a:gridCol>
                 <a:gridCol w="2743200">
                   <a:extLst>
                     <a:ext uri="{9D8B030D-6E8A-4147-A177-3AD203B41FA5}">
-                      <a16:colId xmlns:a16="http://schemas.microsoft.com/office/drawing/2014/main" xmlns="" val="2946535250"/>
+                      <a16:colId xmlns="" xmlns:a16="http://schemas.microsoft.com/office/drawing/2014/main" val="2946535250"/>
                     </a:ext>
                   </a:extLst>
                 </a:gridCol>
                 <a:gridCol w="2743200">
                   <a:extLst>
                     <a:ext uri="{9D8B030D-6E8A-4147-A177-3AD203B41FA5}">
-                      <a16:colId xmlns:a16="http://schemas.microsoft.com/office/drawing/2014/main" xmlns="" val="2232881725"/>
+                      <a16:colId xmlns="" xmlns:a16="http://schemas.microsoft.com/office/drawing/2014/main" val="2232881725"/>
                     </a:ext>
                   </a:extLst>
                 </a:gridCol>
@@ -10605,7 +7557,7 @@
                 </a:tc>
                 <a:extLst>
                   <a:ext uri="{0D108BD9-81ED-4DB2-BD59-A6C34878D82A}">
-                    <a16:rowId xmlns:a16="http://schemas.microsoft.com/office/drawing/2014/main" xmlns="" val="2585052838"/>
+                    <a16:rowId xmlns="" xmlns:a16="http://schemas.microsoft.com/office/drawing/2014/main" val="2585052838"/>
                   </a:ext>
                 </a:extLst>
               </a:tr>
@@ -10616,11 +7568,14 @@
                     <a:lstStyle/>
                     <a:p>
                       <a:r>
-                        <a:rPr lang="en-US" dirty="0">
+                        <a:rPr lang="en-US" b="1" dirty="0">
                           <a:effectLst/>
                         </a:rPr>
-                        <a:t>View Campus</a:t>
-                      </a:r>
+                        <a:t>3GL Modules</a:t>
+                      </a:r>
+                      <a:endParaRPr lang="en-US" dirty="0">
+                        <a:effectLst/>
+                      </a:endParaRPr>
                     </a:p>
                   </a:txBody>
                   <a:tcPr marL="123825" marR="123825" marT="57150" marB="57150" anchor="ctr"/>
@@ -10630,12 +7585,9 @@
                     <a:bodyPr/>
                     <a:lstStyle/>
                     <a:p>
-                      <a:r>
-                        <a:rPr lang="en-US">
-                          <a:effectLst/>
-                        </a:rPr>
-                        <a:t>1</a:t>
-                      </a:r>
+                      <a:endParaRPr lang="en-US">
+                        <a:effectLst/>
+                      </a:endParaRPr>
                     </a:p>
                   </a:txBody>
                   <a:tcPr marL="123825" marR="123825" marT="57150" marB="57150" anchor="ctr"/>
@@ -10645,12 +7597,9 @@
                     <a:bodyPr/>
                     <a:lstStyle/>
                     <a:p>
-                      <a:r>
-                        <a:rPr lang="en-US">
-                          <a:effectLst/>
-                        </a:rPr>
-                        <a:t>1</a:t>
-                      </a:r>
+                      <a:endParaRPr lang="en-US">
+                        <a:effectLst/>
+                      </a:endParaRPr>
                     </a:p>
                   </a:txBody>
                   <a:tcPr marL="123825" marR="123825" marT="57150" marB="57150" anchor="ctr"/>
@@ -10660,19 +7609,16 @@
                     <a:bodyPr/>
                     <a:lstStyle/>
                     <a:p>
-                      <a:r>
-                        <a:rPr lang="en-US">
-                          <a:effectLst/>
-                        </a:rPr>
-                        <a:t>Screen will be constructed by reading Drury location from the data source.</a:t>
-                      </a:r>
+                      <a:endParaRPr lang="en-US">
+                        <a:effectLst/>
+                      </a:endParaRPr>
                     </a:p>
                   </a:txBody>
                   <a:tcPr marL="123825" marR="123825" marT="57150" marB="57150" anchor="ctr"/>
                 </a:tc>
                 <a:extLst>
                   <a:ext uri="{0D108BD9-81ED-4DB2-BD59-A6C34878D82A}">
-                    <a16:rowId xmlns:a16="http://schemas.microsoft.com/office/drawing/2014/main" xmlns="" val="1152342311"/>
+                    <a16:rowId xmlns="" xmlns:a16="http://schemas.microsoft.com/office/drawing/2014/main" val="3714616697"/>
                   </a:ext>
                 </a:extLst>
               </a:tr>
@@ -10683,15 +7629,88 @@
                     <a:lstStyle/>
                     <a:p>
                       <a:r>
+                        <a:rPr lang="en-US" dirty="0">
+                          <a:effectLst/>
+                        </a:rPr>
+                        <a:t>GPS Tour</a:t>
+                      </a:r>
+                    </a:p>
+                  </a:txBody>
+                  <a:tcPr marL="123825" marR="123825" marT="57150" marB="57150" anchor="ctr"/>
+                </a:tc>
+                <a:tc>
+                  <a:txBody>
+                    <a:bodyPr/>
+                    <a:lstStyle/>
+                    <a:p>
+                      <a:r>
+                        <a:rPr lang="en-US" dirty="0">
+                          <a:effectLst/>
+                        </a:rPr>
+                        <a:t>1</a:t>
+                      </a:r>
+                      <a:r>
+                        <a:rPr lang="en-US" dirty="0" smtClean="0">
+                          <a:effectLst/>
+                        </a:rPr>
+                        <a:t>@</a:t>
+                      </a:r>
+                      <a:r>
+                        <a:rPr lang="en-US" dirty="0">
+                          <a:effectLst/>
+                        </a:rPr>
+                        <a:t>10</a:t>
+                      </a:r>
+                    </a:p>
+                  </a:txBody>
+                  <a:tcPr marL="123825" marR="123825" marT="57150" marB="57150" anchor="ctr"/>
+                </a:tc>
+                <a:tc>
+                  <a:txBody>
+                    <a:bodyPr/>
+                    <a:lstStyle/>
+                    <a:p>
+                      <a:r>
+                        <a:rPr lang="en-US" dirty="0">
+                          <a:effectLst/>
+                        </a:rPr>
+                        <a:t>1</a:t>
+                      </a:r>
+                      <a:r>
+                        <a:rPr lang="en-US" dirty="0" smtClean="0">
+                          <a:effectLst/>
+                        </a:rPr>
+                        <a:t>0</a:t>
+                      </a:r>
+                      <a:endParaRPr lang="en-US" dirty="0">
+                        <a:effectLst/>
+                      </a:endParaRPr>
+                    </a:p>
+                  </a:txBody>
+                  <a:tcPr marL="123825" marR="123825" marT="57150" marB="57150" anchor="ctr"/>
+                </a:tc>
+                <a:tc>
+                  <a:txBody>
+                    <a:bodyPr/>
+                    <a:lstStyle/>
+                    <a:p>
+                      <a:r>
                         <a:rPr lang="en-US">
                           <a:effectLst/>
                         </a:rPr>
-                        <a:t>Access Menu</a:t>
+                        <a:t>Module to find individual location with GPS.</a:t>
                       </a:r>
                     </a:p>
                   </a:txBody>
                   <a:tcPr marL="123825" marR="123825" marT="57150" marB="57150" anchor="ctr"/>
                 </a:tc>
+                <a:extLst>
+                  <a:ext uri="{0D108BD9-81ED-4DB2-BD59-A6C34878D82A}">
+                    <a16:rowId xmlns="" xmlns:a16="http://schemas.microsoft.com/office/drawing/2014/main" val="2564084175"/>
+                  </a:ext>
+                </a:extLst>
+              </a:tr>
+              <a:tr h="370840">
                 <a:tc>
                   <a:txBody>
                     <a:bodyPr/>
@@ -10701,8 +7720,59 @@
                         <a:rPr lang="en-US">
                           <a:effectLst/>
                         </a:rPr>
-                        <a:t>1</a:t>
-                      </a:r>
+                        <a:t>Server Modules</a:t>
+                      </a:r>
+                    </a:p>
+                  </a:txBody>
+                  <a:tcPr marL="123825" marR="123825" marT="57150" marB="57150" anchor="ctr"/>
+                </a:tc>
+                <a:tc>
+                  <a:txBody>
+                    <a:bodyPr/>
+                    <a:lstStyle/>
+                    <a:p>
+                      <a:r>
+                        <a:rPr lang="en-US" dirty="0">
+                          <a:effectLst/>
+                        </a:rPr>
+                        <a:t>2</a:t>
+                      </a:r>
+                      <a:r>
+                        <a:rPr lang="en-US" dirty="0" smtClean="0">
+                          <a:effectLst/>
+                        </a:rPr>
+                        <a:t>@</a:t>
+                      </a:r>
+                      <a:r>
+                        <a:rPr lang="en-US" dirty="0">
+                          <a:effectLst/>
+                        </a:rPr>
+                        <a:t>10</a:t>
+                      </a:r>
+                    </a:p>
+                  </a:txBody>
+                  <a:tcPr marL="123825" marR="123825" marT="57150" marB="57150" anchor="ctr"/>
+                </a:tc>
+                <a:tc>
+                  <a:txBody>
+                    <a:bodyPr/>
+                    <a:lstStyle/>
+                    <a:p>
+                      <a:r>
+                        <a:rPr lang="en-US" dirty="0">
+                          <a:effectLst/>
+                        </a:rPr>
+                        <a:t>2</a:t>
+                      </a:r>
+                      <a:r>
+                        <a:rPr lang="en-US" dirty="0" smtClean="0">
+                          <a:effectLst/>
+                        </a:rPr>
+                        <a:t>0</a:t>
+                      </a:r>
+                      <a:endParaRPr lang="en-US" dirty="0">
+                        <a:effectLst/>
+                      </a:endParaRPr>
                     </a:p>
                   </a:txBody>
                   <a:tcPr marL="123825" marR="123825" marT="57150" marB="57150" anchor="ctr"/>
@@ -10716,12 +7786,19 @@
                         <a:rPr lang="en-US">
                           <a:effectLst/>
                         </a:rPr>
-                        <a:t>1</a:t>
+                        <a:t>Data server for all 4 Map Modules.</a:t>
                       </a:r>
                     </a:p>
                   </a:txBody>
                   <a:tcPr marL="123825" marR="123825" marT="57150" marB="57150" anchor="ctr"/>
                 </a:tc>
+                <a:extLst>
+                  <a:ext uri="{0D108BD9-81ED-4DB2-BD59-A6C34878D82A}">
+                    <a16:rowId xmlns="" xmlns:a16="http://schemas.microsoft.com/office/drawing/2014/main" val="2775949887"/>
+                  </a:ext>
+                </a:extLst>
+              </a:tr>
+              <a:tr h="370840">
                 <a:tc>
                   <a:txBody>
                     <a:bodyPr/>
@@ -10731,7 +7808,52 @@
                         <a:rPr lang="en-US" dirty="0">
                           <a:effectLst/>
                         </a:rPr>
-                        <a:t>Simple drop down with text tabs.</a:t>
+                        <a:t>Total Object Points</a:t>
+                      </a:r>
+                    </a:p>
+                  </a:txBody>
+                  <a:tcPr marL="123825" marR="123825" marT="57150" marB="57150" anchor="ctr"/>
+                </a:tc>
+                <a:tc>
+                  <a:txBody>
+                    <a:bodyPr/>
+                    <a:lstStyle/>
+                    <a:p>
+                      <a:endParaRPr lang="en-US">
+                        <a:effectLst/>
+                      </a:endParaRPr>
+                    </a:p>
+                  </a:txBody>
+                  <a:tcPr marL="123825" marR="123825" marT="57150" marB="57150" anchor="ctr"/>
+                </a:tc>
+                <a:tc>
+                  <a:txBody>
+                    <a:bodyPr/>
+                    <a:lstStyle/>
+                    <a:p>
+                      <a:r>
+                        <a:rPr lang="en-US" dirty="0" smtClean="0">
+                          <a:effectLst/>
+                        </a:rPr>
+                        <a:t>34</a:t>
+                      </a:r>
+                      <a:endParaRPr lang="en-US" dirty="0">
+                        <a:effectLst/>
+                      </a:endParaRPr>
+                    </a:p>
+                  </a:txBody>
+                  <a:tcPr marL="123825" marR="123825" marT="57150" marB="57150" anchor="ctr"/>
+                </a:tc>
+                <a:tc>
+                  <a:txBody>
+                    <a:bodyPr/>
+                    <a:lstStyle/>
+                    <a:p>
+                      <a:r>
+                        <a:rPr lang="en-US" dirty="0">
+                          <a:effectLst/>
+                        </a:rPr>
+                        <a:t>Total object points for the project.</a:t>
                       </a:r>
                     </a:p>
                   </a:txBody>
@@ -10739,7 +7861,7 @@
                 </a:tc>
                 <a:extLst>
                   <a:ext uri="{0D108BD9-81ED-4DB2-BD59-A6C34878D82A}">
-                    <a16:rowId xmlns:a16="http://schemas.microsoft.com/office/drawing/2014/main" xmlns="" val="2957515265"/>
+                    <a16:rowId xmlns="" xmlns:a16="http://schemas.microsoft.com/office/drawing/2014/main" val="178318549"/>
                   </a:ext>
                 </a:extLst>
               </a:tr>
@@ -10840,7 +7962,7 @@
     </p:spTree>
     <p:extLst>
       <p:ext uri="{BB962C8B-B14F-4D97-AF65-F5344CB8AC3E}">
-        <p14:creationId xmlns:p14="http://schemas.microsoft.com/office/powerpoint/2010/main" val="2494252465"/>
+        <p14:creationId xmlns:p14="http://schemas.microsoft.com/office/powerpoint/2010/main" val="2876187254"/>
       </p:ext>
     </p:extLst>
   </p:cSld>
@@ -10862,7 +7984,7 @@
   <p:timing>
     <p:tnLst>
       <p:par>
-        <p:cTn id="1" dur="indefinite" restart="never" nodeType="tmRoot"/>
+        <p:cTn xmlns:p14="http://schemas.microsoft.com/office/powerpoint/2010/main" id="1" dur="indefinite" restart="never" nodeType="tmRoot"/>
       </p:par>
     </p:tnLst>
   </p:timing>
@@ -10903,466 +8025,200 @@
           <a:p>
             <a:r>
               <a:rPr lang="en-US" dirty="0" smtClean="0"/>
-              <a:t>Effort Estimate Assumptions</a:t>
+              <a:t>Effort Estimate</a:t>
             </a:r>
             <a:endParaRPr lang="en-US" dirty="0"/>
           </a:p>
         </p:txBody>
       </p:sp>
-      <p:graphicFrame>
-        <p:nvGraphicFramePr>
-          <p:cNvPr id="4" name="Content Placeholder 3"/>
-          <p:cNvGraphicFramePr>
-            <a:graphicFrameLocks noGrp="1"/>
-          </p:cNvGraphicFramePr>
+      <p:sp>
+        <p:nvSpPr>
+          <p:cNvPr id="3" name="Content Placeholder 2"/>
+          <p:cNvSpPr>
+            <a:spLocks noGrp="1"/>
+          </p:cNvSpPr>
           <p:nvPr>
             <p:ph idx="1"/>
-            <p:extLst>
-              <p:ext uri="{D42A27DB-BD31-4B8C-83A1-F6EECF244321}">
-                <p14:modId xmlns:p14="http://schemas.microsoft.com/office/powerpoint/2010/main" val="391608317"/>
-              </p:ext>
-            </p:extLst>
-          </p:nvPr>
-        </p:nvGraphicFramePr>
-        <p:xfrm>
-          <a:off x="609600" y="1600200"/>
-          <a:ext cx="10972800" cy="4508499"/>
-        </p:xfrm>
-        <a:graphic>
-          <a:graphicData uri="http://schemas.openxmlformats.org/drawingml/2006/table">
-            <a:tbl>
-              <a:tblPr firstRow="1" bandRow="1">
-                <a:tableStyleId>{5C22544A-7EE6-4342-B048-85BDC9FD1C3A}</a:tableStyleId>
-              </a:tblPr>
-              <a:tblGrid>
-                <a:gridCol w="2743200">
-                  <a:extLst>
-                    <a:ext uri="{9D8B030D-6E8A-4147-A177-3AD203B41FA5}">
-                      <a16:colId xmlns:a16="http://schemas.microsoft.com/office/drawing/2014/main" xmlns="" val="4007007747"/>
-                    </a:ext>
-                  </a:extLst>
-                </a:gridCol>
-                <a:gridCol w="2743200">
-                  <a:extLst>
-                    <a:ext uri="{9D8B030D-6E8A-4147-A177-3AD203B41FA5}">
-                      <a16:colId xmlns:a16="http://schemas.microsoft.com/office/drawing/2014/main" xmlns="" val="2089765381"/>
-                    </a:ext>
-                  </a:extLst>
-                </a:gridCol>
-                <a:gridCol w="2743200">
-                  <a:extLst>
-                    <a:ext uri="{9D8B030D-6E8A-4147-A177-3AD203B41FA5}">
-                      <a16:colId xmlns:a16="http://schemas.microsoft.com/office/drawing/2014/main" xmlns="" val="2946535250"/>
-                    </a:ext>
-                  </a:extLst>
-                </a:gridCol>
-                <a:gridCol w="2743200">
-                  <a:extLst>
-                    <a:ext uri="{9D8B030D-6E8A-4147-A177-3AD203B41FA5}">
-                      <a16:colId xmlns:a16="http://schemas.microsoft.com/office/drawing/2014/main" xmlns="" val="2232881725"/>
-                    </a:ext>
-                  </a:extLst>
-                </a:gridCol>
-              </a:tblGrid>
-              <a:tr h="370840">
-                <a:tc>
-                  <a:txBody>
-                    <a:bodyPr/>
-                    <a:lstStyle/>
-                    <a:p>
-                      <a:r>
-                        <a:rPr lang="en-US" dirty="0" smtClean="0"/>
-                        <a:t>Screen/Report</a:t>
-                      </a:r>
-                      <a:endParaRPr lang="en-US" dirty="0"/>
-                    </a:p>
-                  </a:txBody>
-                  <a:tcPr/>
-                </a:tc>
-                <a:tc>
-                  <a:txBody>
-                    <a:bodyPr/>
-                    <a:lstStyle/>
-                    <a:p>
-                      <a:r>
-                        <a:rPr lang="en-US" dirty="0" smtClean="0"/>
-                        <a:t>Complexity</a:t>
-                      </a:r>
-                      <a:endParaRPr lang="en-US" dirty="0"/>
-                    </a:p>
-                  </a:txBody>
-                  <a:tcPr/>
-                </a:tc>
-                <a:tc>
-                  <a:txBody>
-                    <a:bodyPr/>
-                    <a:lstStyle/>
-                    <a:p>
-                      <a:r>
-                        <a:rPr lang="en-US" dirty="0" smtClean="0"/>
-                        <a:t>Object Points</a:t>
-                      </a:r>
-                      <a:endParaRPr lang="en-US" dirty="0"/>
-                    </a:p>
-                  </a:txBody>
-                  <a:tcPr/>
-                </a:tc>
-                <a:tc>
-                  <a:txBody>
-                    <a:bodyPr/>
-                    <a:lstStyle/>
-                    <a:p>
-                      <a:r>
-                        <a:rPr lang="en-US" dirty="0" smtClean="0"/>
-                        <a:t>Notes</a:t>
-                      </a:r>
-                      <a:endParaRPr lang="en-US" dirty="0"/>
-                    </a:p>
-                  </a:txBody>
-                  <a:tcPr/>
-                </a:tc>
-                <a:extLst>
-                  <a:ext uri="{0D108BD9-81ED-4DB2-BD59-A6C34878D82A}">
-                    <a16:rowId xmlns:a16="http://schemas.microsoft.com/office/drawing/2014/main" xmlns="" val="2585052838"/>
-                  </a:ext>
-                </a:extLst>
-              </a:tr>
-              <a:tr h="370840">
-                <a:tc>
-                  <a:txBody>
-                    <a:bodyPr/>
-                    <a:lstStyle/>
-                    <a:p>
-                      <a:r>
-                        <a:rPr lang="en-US" dirty="0">
-                          <a:effectLst/>
-                        </a:rPr>
-                        <a:t>Take 21 Tree Tour</a:t>
-                      </a:r>
-                    </a:p>
-                  </a:txBody>
-                  <a:tcPr marL="123825" marR="123825" marT="57150" marB="57150" anchor="ctr"/>
-                </a:tc>
-                <a:tc>
-                  <a:txBody>
-                    <a:bodyPr/>
-                    <a:lstStyle/>
-                    <a:p>
-                      <a:r>
-                        <a:rPr lang="en-US">
-                          <a:effectLst/>
-                        </a:rPr>
-                        <a:t>2</a:t>
-                      </a:r>
-                    </a:p>
-                  </a:txBody>
-                  <a:tcPr marL="123825" marR="123825" marT="57150" marB="57150" anchor="ctr"/>
-                </a:tc>
-                <a:tc>
-                  <a:txBody>
-                    <a:bodyPr/>
-                    <a:lstStyle/>
-                    <a:p>
-                      <a:r>
-                        <a:rPr lang="en-US">
-                          <a:effectLst/>
-                        </a:rPr>
-                        <a:t>2</a:t>
-                      </a:r>
-                    </a:p>
-                  </a:txBody>
-                  <a:tcPr marL="123825" marR="123825" marT="57150" marB="57150" anchor="ctr"/>
-                </a:tc>
-                <a:tc>
-                  <a:txBody>
-                    <a:bodyPr/>
-                    <a:lstStyle/>
-                    <a:p>
-                      <a:r>
-                        <a:rPr lang="en-US">
-                          <a:effectLst/>
-                        </a:rPr>
-                        <a:t>Screen will be constructed by Drury's location and individual location from the data source.</a:t>
-                      </a:r>
-                    </a:p>
-                  </a:txBody>
-                  <a:tcPr marL="123825" marR="123825" marT="57150" marB="57150" anchor="ctr"/>
-                </a:tc>
-                <a:extLst>
-                  <a:ext uri="{0D108BD9-81ED-4DB2-BD59-A6C34878D82A}">
-                    <a16:rowId xmlns:a16="http://schemas.microsoft.com/office/drawing/2014/main" xmlns="" val="3190619547"/>
-                  </a:ext>
-                </a:extLst>
-              </a:tr>
-              <a:tr h="370840">
-                <a:tc>
-                  <a:txBody>
-                    <a:bodyPr/>
-                    <a:lstStyle/>
-                    <a:p>
-                      <a:r>
-                        <a:rPr lang="en-US" b="1">
-                          <a:effectLst/>
-                        </a:rPr>
-                        <a:t>Subscreen</a:t>
-                      </a:r>
-                      <a:endParaRPr lang="en-US">
-                        <a:effectLst/>
-                      </a:endParaRPr>
-                    </a:p>
-                  </a:txBody>
-                  <a:tcPr marL="123825" marR="123825" marT="57150" marB="57150" anchor="ctr"/>
-                </a:tc>
-                <a:tc>
-                  <a:txBody>
-                    <a:bodyPr/>
-                    <a:lstStyle/>
-                    <a:p>
-                      <a:endParaRPr lang="en-US">
-                        <a:effectLst/>
-                      </a:endParaRPr>
-                    </a:p>
-                  </a:txBody>
-                  <a:tcPr marL="123825" marR="123825" marT="57150" marB="57150" anchor="ctr"/>
-                </a:tc>
-                <a:tc>
-                  <a:txBody>
-                    <a:bodyPr/>
-                    <a:lstStyle/>
-                    <a:p>
-                      <a:endParaRPr lang="en-US">
-                        <a:effectLst/>
-                      </a:endParaRPr>
-                    </a:p>
-                  </a:txBody>
-                  <a:tcPr marL="123825" marR="123825" marT="57150" marB="57150" anchor="ctr"/>
-                </a:tc>
-                <a:tc>
-                  <a:txBody>
-                    <a:bodyPr/>
-                    <a:lstStyle/>
-                    <a:p>
-                      <a:endParaRPr lang="en-US">
-                        <a:effectLst/>
-                      </a:endParaRPr>
-                    </a:p>
-                  </a:txBody>
-                  <a:tcPr marL="123825" marR="123825" marT="57150" marB="57150" anchor="ctr"/>
-                </a:tc>
-                <a:extLst>
-                  <a:ext uri="{0D108BD9-81ED-4DB2-BD59-A6C34878D82A}">
-                    <a16:rowId xmlns:a16="http://schemas.microsoft.com/office/drawing/2014/main" xmlns="" val="1767920701"/>
-                  </a:ext>
-                </a:extLst>
-              </a:tr>
-              <a:tr h="370840">
-                <a:tc>
-                  <a:txBody>
-                    <a:bodyPr/>
-                    <a:lstStyle/>
-                    <a:p>
-                      <a:r>
-                        <a:rPr lang="en-US">
-                          <a:effectLst/>
-                        </a:rPr>
-                        <a:t>Read About Trees</a:t>
-                      </a:r>
-                    </a:p>
-                  </a:txBody>
-                  <a:tcPr marL="123825" marR="123825" marT="57150" marB="57150" anchor="ctr"/>
-                </a:tc>
-                <a:tc>
-                  <a:txBody>
-                    <a:bodyPr/>
-                    <a:lstStyle/>
-                    <a:p>
-                      <a:r>
-                        <a:rPr lang="en-US">
-                          <a:effectLst/>
-                        </a:rPr>
-                        <a:t>1</a:t>
-                      </a:r>
-                    </a:p>
-                  </a:txBody>
-                  <a:tcPr marL="123825" marR="123825" marT="57150" marB="57150" anchor="ctr"/>
-                </a:tc>
-                <a:tc>
-                  <a:txBody>
-                    <a:bodyPr/>
-                    <a:lstStyle/>
-                    <a:p>
-                      <a:r>
-                        <a:rPr lang="en-US">
-                          <a:effectLst/>
-                        </a:rPr>
-                        <a:t>1</a:t>
-                      </a:r>
-                    </a:p>
-                  </a:txBody>
-                  <a:tcPr marL="123825" marR="123825" marT="57150" marB="57150" anchor="ctr"/>
-                </a:tc>
-                <a:tc>
-                  <a:txBody>
-                    <a:bodyPr/>
-                    <a:lstStyle/>
-                    <a:p>
-                      <a:r>
-                        <a:rPr lang="en-US">
-                          <a:effectLst/>
-                        </a:rPr>
-                        <a:t>Simple text with some images on screen.</a:t>
-                      </a:r>
-                    </a:p>
-                  </a:txBody>
-                  <a:tcPr marL="123825" marR="123825" marT="57150" marB="57150" anchor="ctr"/>
-                </a:tc>
-                <a:extLst>
-                  <a:ext uri="{0D108BD9-81ED-4DB2-BD59-A6C34878D82A}">
-                    <a16:rowId xmlns:a16="http://schemas.microsoft.com/office/drawing/2014/main" xmlns="" val="1045687176"/>
-                  </a:ext>
-                </a:extLst>
-              </a:tr>
-              <a:tr h="370840">
-                <a:tc>
-                  <a:txBody>
-                    <a:bodyPr/>
-                    <a:lstStyle/>
-                    <a:p>
-                      <a:r>
-                        <a:rPr lang="en-US">
-                          <a:effectLst/>
-                        </a:rPr>
-                        <a:t>Search Tree Species</a:t>
-                      </a:r>
-                    </a:p>
-                  </a:txBody>
-                  <a:tcPr marL="123825" marR="123825" marT="57150" marB="57150" anchor="ctr"/>
-                </a:tc>
-                <a:tc>
-                  <a:txBody>
-                    <a:bodyPr/>
-                    <a:lstStyle/>
-                    <a:p>
-                      <a:r>
-                        <a:rPr lang="en-US">
-                          <a:effectLst/>
-                        </a:rPr>
-                        <a:t>1</a:t>
-                      </a:r>
-                    </a:p>
-                  </a:txBody>
-                  <a:tcPr marL="123825" marR="123825" marT="57150" marB="57150" anchor="ctr"/>
-                </a:tc>
-                <a:tc>
-                  <a:txBody>
-                    <a:bodyPr/>
-                    <a:lstStyle/>
-                    <a:p>
-                      <a:r>
-                        <a:rPr lang="en-US">
-                          <a:effectLst/>
-                        </a:rPr>
-                        <a:t>1</a:t>
-                      </a:r>
-                    </a:p>
-                  </a:txBody>
-                  <a:tcPr marL="123825" marR="123825" marT="57150" marB="57150" anchor="ctr"/>
-                </a:tc>
-                <a:tc>
-                  <a:txBody>
-                    <a:bodyPr/>
-                    <a:lstStyle/>
-                    <a:p>
-                      <a:r>
-                        <a:rPr lang="en-US">
-                          <a:effectLst/>
-                        </a:rPr>
-                        <a:t>Simple search bar that accesses data source.</a:t>
-                      </a:r>
-                    </a:p>
-                  </a:txBody>
-                  <a:tcPr marL="123825" marR="123825" marT="57150" marB="57150" anchor="ctr"/>
-                </a:tc>
-                <a:extLst>
-                  <a:ext uri="{0D108BD9-81ED-4DB2-BD59-A6C34878D82A}">
-                    <a16:rowId xmlns:a16="http://schemas.microsoft.com/office/drawing/2014/main" xmlns="" val="2351577163"/>
-                  </a:ext>
-                </a:extLst>
-              </a:tr>
-              <a:tr h="370840">
-                <a:tc>
-                  <a:txBody>
-                    <a:bodyPr/>
-                    <a:lstStyle/>
-                    <a:p>
-                      <a:r>
-                        <a:rPr lang="en-US">
-                          <a:effectLst/>
-                        </a:rPr>
-                        <a:t>View Specific Trees on Campus</a:t>
-                      </a:r>
-                    </a:p>
-                  </a:txBody>
-                  <a:tcPr marL="123825" marR="123825" marT="57150" marB="57150" anchor="ctr"/>
-                </a:tc>
-                <a:tc>
-                  <a:txBody>
-                    <a:bodyPr/>
-                    <a:lstStyle/>
-                    <a:p>
-                      <a:r>
-                        <a:rPr lang="en-US">
-                          <a:effectLst/>
-                        </a:rPr>
-                        <a:t>2</a:t>
-                      </a:r>
-                    </a:p>
-                  </a:txBody>
-                  <a:tcPr marL="123825" marR="123825" marT="57150" marB="57150" anchor="ctr"/>
-                </a:tc>
-                <a:tc>
-                  <a:txBody>
-                    <a:bodyPr/>
-                    <a:lstStyle/>
-                    <a:p>
-                      <a:r>
-                        <a:rPr lang="en-US">
-                          <a:effectLst/>
-                        </a:rPr>
-                        <a:t>2</a:t>
-                      </a:r>
-                    </a:p>
-                  </a:txBody>
-                  <a:tcPr marL="123825" marR="123825" marT="57150" marB="57150" anchor="ctr"/>
-                </a:tc>
-                <a:tc>
-                  <a:txBody>
-                    <a:bodyPr/>
-                    <a:lstStyle/>
-                    <a:p>
-                      <a:r>
-                        <a:rPr lang="en-US" dirty="0">
-                          <a:effectLst/>
-                        </a:rPr>
-                        <a:t>Filter specified tree request from search bar, and access data source.</a:t>
-                      </a:r>
-                    </a:p>
-                  </a:txBody>
-                  <a:tcPr marL="123825" marR="123825" marT="57150" marB="57150" anchor="ctr"/>
-                </a:tc>
-                <a:extLst>
-                  <a:ext uri="{0D108BD9-81ED-4DB2-BD59-A6C34878D82A}">
-                    <a16:rowId xmlns:a16="http://schemas.microsoft.com/office/drawing/2014/main" xmlns="" val="3050760200"/>
-                  </a:ext>
-                </a:extLst>
-              </a:tr>
-            </a:tbl>
-          </a:graphicData>
-        </a:graphic>
-      </p:graphicFrame>
+          </p:nvPr>
+        </p:nvSpPr>
+        <p:spPr>
+          <a:xfrm>
+            <a:off x="609600" y="1600201"/>
+            <a:ext cx="11582400" cy="4749799"/>
+          </a:xfrm>
+        </p:spPr>
+        <p:txBody>
+          <a:bodyPr>
+            <a:normAutofit fontScale="92500" lnSpcReduction="20000"/>
+          </a:bodyPr>
+          <a:lstStyle/>
+          <a:p>
+            <a:r>
+              <a:rPr lang="en-US" dirty="0"/>
+              <a:t>Productivity (PROD)</a:t>
+            </a:r>
+          </a:p>
+          <a:p>
+            <a:pPr lvl="1"/>
+            <a:r>
+              <a:rPr lang="en-US" dirty="0"/>
+              <a:t>PROD estimate is normal (10)</a:t>
+            </a:r>
+          </a:p>
+          <a:p>
+            <a:pPr lvl="1"/>
+            <a:r>
+              <a:rPr lang="en-US" dirty="0"/>
+              <a:t>PROD = 160 NOP / 16 person months</a:t>
+            </a:r>
+          </a:p>
+          <a:p>
+            <a:pPr lvl="1"/>
+            <a:r>
+              <a:rPr lang="en-US" dirty="0"/>
+              <a:t>PM = 4hr x 1 week x 4 weeks</a:t>
+            </a:r>
+          </a:p>
+          <a:p>
+            <a:pPr lvl="1"/>
+            <a:r>
+              <a:rPr lang="en-US" dirty="0"/>
+              <a:t>Justification: students</a:t>
+            </a:r>
+          </a:p>
+          <a:p>
+            <a:r>
+              <a:rPr lang="en-US" dirty="0"/>
+              <a:t>Some code reuse is anticipated so adjusted effort = NOP</a:t>
+            </a:r>
+          </a:p>
+          <a:p>
+            <a:pPr lvl="1"/>
+            <a:r>
+              <a:rPr lang="en-US" dirty="0"/>
+              <a:t>NOP = (160 </a:t>
+            </a:r>
+            <a:r>
+              <a:rPr lang="en-US" dirty="0" err="1"/>
+              <a:t>Obj</a:t>
+            </a:r>
+            <a:r>
+              <a:rPr lang="en-US" dirty="0"/>
+              <a:t> </a:t>
+            </a:r>
+            <a:r>
+              <a:rPr lang="en-US" dirty="0" err="1"/>
+              <a:t>pts</a:t>
+            </a:r>
+            <a:r>
+              <a:rPr lang="en-US" dirty="0"/>
+              <a:t> x (100-0.1)) / 100 = 159.8</a:t>
+            </a:r>
+          </a:p>
+          <a:p>
+            <a:r>
+              <a:rPr lang="en-US" dirty="0"/>
+              <a:t>Effort Estimate in person months (PM) (PM = 16)</a:t>
+            </a:r>
+          </a:p>
+          <a:p>
+            <a:r>
+              <a:rPr lang="en-US" dirty="0"/>
+              <a:t>Effort(PM) = 159/10 = 15.9 person </a:t>
+            </a:r>
+            <a:r>
+              <a:rPr lang="en-US" dirty="0" err="1" smtClean="0"/>
+              <a:t>months</a:t>
+            </a:r>
+            <a:r>
+              <a:rPr lang="en-US" dirty="0" err="1"/>
+              <a:t>Productivity</a:t>
+            </a:r>
+            <a:r>
+              <a:rPr lang="en-US" dirty="0"/>
+              <a:t> (PROD)</a:t>
+            </a:r>
+          </a:p>
+          <a:p>
+            <a:pPr lvl="1"/>
+            <a:r>
+              <a:rPr lang="en-US" dirty="0"/>
+              <a:t>PROD estimate is normal (10)</a:t>
+            </a:r>
+          </a:p>
+          <a:p>
+            <a:pPr lvl="1"/>
+            <a:r>
+              <a:rPr lang="en-US" dirty="0"/>
+              <a:t>PROD = 160 NOP / 16 person months</a:t>
+            </a:r>
+          </a:p>
+          <a:p>
+            <a:pPr lvl="1"/>
+            <a:r>
+              <a:rPr lang="en-US" dirty="0"/>
+              <a:t>PM = 4hr x 1 week x 4 weeks</a:t>
+            </a:r>
+          </a:p>
+          <a:p>
+            <a:pPr lvl="1"/>
+            <a:r>
+              <a:rPr lang="en-US" dirty="0"/>
+              <a:t>Justification: students</a:t>
+            </a:r>
+          </a:p>
+          <a:p>
+            <a:r>
+              <a:rPr lang="en-US" dirty="0"/>
+              <a:t>Some code reuse is anticipated so adjusted effort = NOP</a:t>
+            </a:r>
+          </a:p>
+          <a:p>
+            <a:pPr lvl="1"/>
+            <a:r>
+              <a:rPr lang="en-US" dirty="0"/>
+              <a:t>NOP = (160 </a:t>
+            </a:r>
+            <a:r>
+              <a:rPr lang="en-US" dirty="0" err="1"/>
+              <a:t>Obj</a:t>
+            </a:r>
+            <a:r>
+              <a:rPr lang="en-US" dirty="0"/>
+              <a:t> </a:t>
+            </a:r>
+            <a:r>
+              <a:rPr lang="en-US" dirty="0" err="1"/>
+              <a:t>pts</a:t>
+            </a:r>
+            <a:r>
+              <a:rPr lang="en-US" dirty="0"/>
+              <a:t> x (100-0.1)) / 100 = 159.8</a:t>
+            </a:r>
+          </a:p>
+          <a:p>
+            <a:r>
+              <a:rPr lang="en-US" dirty="0"/>
+              <a:t>Effort Estimate in person months (PM) (PM = 16)</a:t>
+            </a:r>
+          </a:p>
+          <a:p>
+            <a:pPr lvl="1"/>
+            <a:r>
+              <a:rPr lang="en-US" dirty="0"/>
+              <a:t>Effort(PM) = 159/10 = 15.9 person </a:t>
+            </a:r>
+            <a:r>
+              <a:rPr lang="en-US" dirty="0" smtClean="0"/>
+              <a:t>months</a:t>
+            </a:r>
+            <a:endParaRPr lang="en-US" dirty="0"/>
+          </a:p>
+        </p:txBody>
+      </p:sp>
       <p:pic>
         <p:nvPicPr>
-          <p:cNvPr id="5" name="Picture 4" descr="TeamLogo.png"/>
+          <p:cNvPr id="4" name="Picture 3" descr="TeamLogo.png"/>
           <p:cNvPicPr>
             <a:picLocks noChangeAspect="1"/>
           </p:cNvPicPr>
@@ -11392,7 +8248,7 @@
       </p:pic>
       <p:sp>
         <p:nvSpPr>
-          <p:cNvPr id="6" name="TextBox 5"/>
+          <p:cNvPr id="5" name="TextBox 4"/>
           <p:cNvSpPr txBox="1"/>
           <p:nvPr/>
         </p:nvSpPr>
@@ -11422,7 +8278,7 @@
       </p:sp>
       <p:sp>
         <p:nvSpPr>
-          <p:cNvPr id="7" name="TextBox 6"/>
+          <p:cNvPr id="6" name="TextBox 5"/>
           <p:cNvSpPr txBox="1"/>
           <p:nvPr/>
         </p:nvSpPr>
@@ -11453,7 +8309,7 @@
     </p:spTree>
     <p:extLst>
       <p:ext uri="{BB962C8B-B14F-4D97-AF65-F5344CB8AC3E}">
-        <p14:creationId xmlns:p14="http://schemas.microsoft.com/office/powerpoint/2010/main" val="3801660654"/>
+        <p14:creationId xmlns:p14="http://schemas.microsoft.com/office/powerpoint/2010/main" val="3181238762"/>
       </p:ext>
     </p:extLst>
   </p:cSld>
@@ -11475,7 +8331,7 @@
   <p:timing>
     <p:tnLst>
       <p:par>
-        <p:cTn id="1" dur="indefinite" restart="never" nodeType="tmRoot"/>
+        <p:cTn xmlns:p14="http://schemas.microsoft.com/office/powerpoint/2010/main" id="1" dur="indefinite" restart="never" nodeType="tmRoot"/>
       </p:par>
     </p:tnLst>
   </p:timing>
@@ -11744,7 +8600,7 @@
   <a:extraClrSchemeLst/>
   <a:extLst>
     <a:ext uri="{05A4C25C-085E-4340-85A3-A5531E510DB2}">
-      <thm15:themeFamily xmlns:thm15="http://schemas.microsoft.com/office/thememl/2012/main" name="Company background presentation" id="{7C18907C-4901-42BD-8F2C-E63B32C9DCA3}" vid="{B4FC953D-0C69-4290-95E2-4EA0E2E67DEC}"/>
+      <thm15:themeFamily xmlns:thm15="http://schemas.microsoft.com/office/thememl/2012/main" xmlns="" name="Company background presentation" id="{7C18907C-4901-42BD-8F2C-E63B32C9DCA3}" vid="{B4FC953D-0C69-4290-95E2-4EA0E2E67DEC}"/>
     </a:ext>
   </a:extLst>
 </a:theme>
@@ -12005,7 +8861,7 @@
   <a:extraClrSchemeLst/>
   <a:extLst>
     <a:ext uri="{05A4C25C-085E-4340-85A3-A5531E510DB2}">
-      <thm15:themeFamily xmlns:thm15="http://schemas.microsoft.com/office/thememl/2012/main" name="Office Theme" id="{62F939B6-93AF-4DB8-9C6B-D6C7DFDC589F}" vid="{4A3C46E8-61CC-4603-A589-7422A47A8E4A}"/>
+      <thm15:themeFamily xmlns:thm15="http://schemas.microsoft.com/office/thememl/2012/main" xmlns="" name="Office Theme" id="{62F939B6-93AF-4DB8-9C6B-D6C7DFDC589F}" vid="{4A3C46E8-61CC-4603-A589-7422A47A8E4A}"/>
     </a:ext>
   </a:extLst>
 </a:theme>
@@ -12266,7 +9122,7 @@
   <a:extraClrSchemeLst/>
   <a:extLst>
     <a:ext uri="{05A4C25C-085E-4340-85A3-A5531E510DB2}">
-      <thm15:themeFamily xmlns:thm15="http://schemas.microsoft.com/office/thememl/2012/main" name="Office Theme" id="{62F939B6-93AF-4DB8-9C6B-D6C7DFDC589F}" vid="{4A3C46E8-61CC-4603-A589-7422A47A8E4A}"/>
+      <thm15:themeFamily xmlns:thm15="http://schemas.microsoft.com/office/thememl/2012/main" xmlns="" name="Office Theme" id="{62F939B6-93AF-4DB8-9C6B-D6C7DFDC589F}" vid="{4A3C46E8-61CC-4603-A589-7422A47A8E4A}"/>
     </a:ext>
   </a:extLst>
 </a:theme>
